--- a/final-presentation.pptx
+++ b/final-presentation.pptx
@@ -5,7 +5,7 @@
     <p:sldMasterId id="2147483648" r:id="rId1"/>
   </p:sldMasterIdLst>
   <p:notesMasterIdLst>
-    <p:notesMasterId r:id="rId13"/>
+    <p:notesMasterId r:id="rId14"/>
   </p:notesMasterIdLst>
   <p:sldIdLst>
     <p:sldId id="256" r:id="rId2"/>
@@ -14,11 +14,12 @@
     <p:sldId id="259" r:id="rId5"/>
     <p:sldId id="260" r:id="rId6"/>
     <p:sldId id="261" r:id="rId7"/>
-    <p:sldId id="262" r:id="rId8"/>
-    <p:sldId id="263" r:id="rId9"/>
-    <p:sldId id="264" r:id="rId10"/>
-    <p:sldId id="265" r:id="rId11"/>
-    <p:sldId id="266" r:id="rId12"/>
+    <p:sldId id="268" r:id="rId8"/>
+    <p:sldId id="262" r:id="rId9"/>
+    <p:sldId id="267" r:id="rId10"/>
+    <p:sldId id="263" r:id="rId11"/>
+    <p:sldId id="264" r:id="rId12"/>
+    <p:sldId id="265" r:id="rId13"/>
   </p:sldIdLst>
   <p:sldSz cx="12192000" cy="6858000"/>
   <p:notesSz cx="6858000" cy="9144000"/>
@@ -117,6 +118,11 @@
       </a:defRPr>
     </a:lvl9pPr>
   </p:defaultTextStyle>
+  <p:extLst>
+    <p:ext uri="{EFAFB233-063F-42B5-8137-9DF3F51BA10A}">
+      <p15:sldGuideLst xmlns:p15="http://schemas.microsoft.com/office/powerpoint/2012/main"/>
+    </p:ext>
+  </p:extLst>
 </p:presentation>
 </file>
 
@@ -202,7 +208,7 @@
           <a:p>
             <a:fld id="{48A94DAE-8268-FC40-87EB-4B1732E48257}" type="datetimeFigureOut">
               <a:rPr lang="en-US" smtClean="0"/>
-              <a:t>12/1/19</a:t>
+              <a:t>12/3/19</a:t>
             </a:fld>
             <a:endParaRPr lang="en-US"/>
           </a:p>
@@ -656,7 +662,7 @@
             <a:fld id="{728C9B3A-4DFF-F94B-AE12-4EDBAAEE6A2E}" type="datetime1">
               <a:rPr lang="en-US" smtClean="0"/>
               <a:pPr/>
-              <a:t>12/1/19</a:t>
+              <a:t>12/3/19</a:t>
             </a:fld>
             <a:endParaRPr lang="en-US" dirty="0"/>
           </a:p>
@@ -952,6 +958,36 @@
           </p:txBody>
         </p:sp>
       </p:grpSp>
+      <p:pic>
+        <p:nvPicPr>
+          <p:cNvPr id="13" name="Picture 12" descr="A close up of a sign&#10;&#10;Description automatically generated">
+            <a:extLst>
+              <a:ext uri="{FF2B5EF4-FFF2-40B4-BE49-F238E27FC236}">
+                <a16:creationId xmlns:a16="http://schemas.microsoft.com/office/drawing/2014/main" id="{04ED7EF6-5DE1-DB4F-BB68-B29373E3AD94}"/>
+              </a:ext>
+            </a:extLst>
+          </p:cNvPr>
+          <p:cNvPicPr>
+            <a:picLocks noChangeAspect="1"/>
+          </p:cNvPicPr>
+          <p:nvPr userDrawn="1"/>
+        </p:nvPicPr>
+        <p:blipFill>
+          <a:blip r:embed="rId2"/>
+          <a:stretch>
+            <a:fillRect/>
+          </a:stretch>
+        </p:blipFill>
+        <p:spPr>
+          <a:xfrm>
+            <a:off x="0" y="12699"/>
+            <a:ext cx="2943922" cy="1028700"/>
+          </a:xfrm>
+          <a:prstGeom prst="rect">
+            <a:avLst/>
+          </a:prstGeom>
+        </p:spPr>
+      </p:pic>
     </p:spTree>
     <p:extLst>
       <p:ext uri="{BB962C8B-B14F-4D97-AF65-F5344CB8AC3E}">
@@ -1090,7 +1126,7 @@
           <a:p>
             <a:fld id="{D3F29E41-F4E1-8A4D-B1E2-7B0479E0FD1A}" type="datetime1">
               <a:rPr lang="en-US" smtClean="0"/>
-              <a:t>12/1/19</a:t>
+              <a:t>12/3/19</a:t>
             </a:fld>
             <a:endParaRPr lang="en-US"/>
           </a:p>
@@ -1298,7 +1334,7 @@
           <a:p>
             <a:fld id="{9FB09BC9-FE7D-5141-BA55-F07FD059C9B1}" type="datetime1">
               <a:rPr lang="en-US" smtClean="0"/>
-              <a:t>12/1/19</a:t>
+              <a:t>12/3/19</a:t>
             </a:fld>
             <a:endParaRPr lang="en-US"/>
           </a:p>
@@ -1438,7 +1474,12 @@
             <p:ph type="title"/>
           </p:nvPr>
         </p:nvSpPr>
-        <p:spPr/>
+        <p:spPr>
+          <a:xfrm>
+            <a:off x="2943922" y="-37942"/>
+            <a:ext cx="9248078" cy="1325563"/>
+          </a:xfrm>
+        </p:spPr>
         <p:txBody>
           <a:bodyPr/>
           <a:lstStyle/>
@@ -1468,7 +1509,7 @@
         </p:nvSpPr>
         <p:spPr>
           <a:xfrm>
-            <a:off x="838200" y="1825625"/>
+            <a:off x="838200" y="1516344"/>
             <a:ext cx="10515600" cy="4351338"/>
           </a:xfrm>
         </p:spPr>
@@ -1478,35 +1519,35 @@
           <a:p>
             <a:pPr lvl="0"/>
             <a:r>
-              <a:rPr lang="en-US"/>
+              <a:rPr lang="en-US" dirty="0"/>
               <a:t>Click to edit Master text styles</a:t>
             </a:r>
           </a:p>
           <a:p>
             <a:pPr lvl="1"/>
             <a:r>
-              <a:rPr lang="en-US"/>
+              <a:rPr lang="en-US" dirty="0"/>
               <a:t>Second level</a:t>
             </a:r>
           </a:p>
           <a:p>
             <a:pPr lvl="2"/>
             <a:r>
-              <a:rPr lang="en-US"/>
+              <a:rPr lang="en-US" dirty="0"/>
               <a:t>Third level</a:t>
             </a:r>
           </a:p>
           <a:p>
             <a:pPr lvl="3"/>
             <a:r>
-              <a:rPr lang="en-US"/>
+              <a:rPr lang="en-US" dirty="0"/>
               <a:t>Fourth level</a:t>
             </a:r>
           </a:p>
           <a:p>
             <a:pPr lvl="4"/>
             <a:r>
-              <a:rPr lang="en-US"/>
+              <a:rPr lang="en-US" dirty="0"/>
               <a:t>Fifth level</a:t>
             </a:r>
           </a:p>
@@ -1540,7 +1581,7 @@
             <a:fld id="{21583AF0-66E0-0B4F-A024-0928CE8FE395}" type="datetime1">
               <a:rPr lang="en-US" smtClean="0"/>
               <a:pPr/>
-              <a:t>12/1/19</a:t>
+              <a:t>12/3/19</a:t>
             </a:fld>
             <a:endParaRPr lang="en-US" dirty="0"/>
           </a:p>
@@ -1619,7 +1660,7 @@
         </p:nvGrpSpPr>
         <p:grpSpPr>
           <a:xfrm>
-            <a:off x="0" y="1700054"/>
+            <a:off x="0" y="1310091"/>
             <a:ext cx="12192000" cy="160655"/>
             <a:chOff x="0" y="3268345"/>
             <a:chExt cx="9144000" cy="146304"/>
@@ -1836,6 +1877,36 @@
           </p:txBody>
         </p:sp>
       </p:grpSp>
+      <p:pic>
+        <p:nvPicPr>
+          <p:cNvPr id="12" name="Picture 11" descr="A close up of a sign&#10;&#10;Description automatically generated">
+            <a:extLst>
+              <a:ext uri="{FF2B5EF4-FFF2-40B4-BE49-F238E27FC236}">
+                <a16:creationId xmlns:a16="http://schemas.microsoft.com/office/drawing/2014/main" id="{D478D232-76C1-3F44-9C11-CEEE4AD0F01D}"/>
+              </a:ext>
+            </a:extLst>
+          </p:cNvPr>
+          <p:cNvPicPr>
+            <a:picLocks noChangeAspect="1"/>
+          </p:cNvPicPr>
+          <p:nvPr userDrawn="1"/>
+        </p:nvPicPr>
+        <p:blipFill>
+          <a:blip r:embed="rId2"/>
+          <a:stretch>
+            <a:fillRect/>
+          </a:stretch>
+        </p:blipFill>
+        <p:spPr>
+          <a:xfrm>
+            <a:off x="0" y="12699"/>
+            <a:ext cx="2943922" cy="1028700"/>
+          </a:xfrm>
+          <a:prstGeom prst="rect">
+            <a:avLst/>
+          </a:prstGeom>
+        </p:spPr>
+      </p:pic>
     </p:spTree>
     <p:extLst>
       <p:ext uri="{BB962C8B-B14F-4D97-AF65-F5344CB8AC3E}">
@@ -2051,7 +2122,7 @@
           <a:p>
             <a:fld id="{6DBE10F1-80E9-2E48-98F9-0084F83B1112}" type="datetime1">
               <a:rPr lang="en-US" smtClean="0"/>
-              <a:t>12/1/19</a:t>
+              <a:t>12/3/19</a:t>
             </a:fld>
             <a:endParaRPr lang="en-US"/>
           </a:p>
@@ -2316,7 +2387,7 @@
           <a:p>
             <a:fld id="{0FE43C42-44C2-AD49-B78D-7CFAC91B35DC}" type="datetime1">
               <a:rPr lang="en-US" smtClean="0"/>
-              <a:t>12/1/19</a:t>
+              <a:t>12/3/19</a:t>
             </a:fld>
             <a:endParaRPr lang="en-US"/>
           </a:p>
@@ -2728,7 +2799,7 @@
           <a:p>
             <a:fld id="{468727C3-140A-2441-94C5-38D2D6798998}" type="datetime1">
               <a:rPr lang="en-US" smtClean="0"/>
-              <a:t>12/1/19</a:t>
+              <a:t>12/3/19</a:t>
             </a:fld>
             <a:endParaRPr lang="en-US"/>
           </a:p>
@@ -2869,7 +2940,7 @@
           <a:p>
             <a:fld id="{15756653-26CF-9048-9EF6-33C6A313CC0B}" type="datetime1">
               <a:rPr lang="en-US" smtClean="0"/>
-              <a:t>12/1/19</a:t>
+              <a:t>12/3/19</a:t>
             </a:fld>
             <a:endParaRPr lang="en-US"/>
           </a:p>
@@ -2982,7 +3053,7 @@
           <a:p>
             <a:fld id="{E1EEE207-13D8-6548-B903-19BC424B4A8B}" type="datetime1">
               <a:rPr lang="en-US" smtClean="0"/>
-              <a:t>12/1/19</a:t>
+              <a:t>12/3/19</a:t>
             </a:fld>
             <a:endParaRPr lang="en-US"/>
           </a:p>
@@ -3293,7 +3364,7 @@
           <a:p>
             <a:fld id="{637BEBEB-FCE5-4047-88CF-B9737E2C4156}" type="datetime1">
               <a:rPr lang="en-US" smtClean="0"/>
-              <a:t>12/1/19</a:t>
+              <a:t>12/3/19</a:t>
             </a:fld>
             <a:endParaRPr lang="en-US"/>
           </a:p>
@@ -3581,7 +3652,7 @@
           <a:p>
             <a:fld id="{1ECEA107-B33A-204E-81FA-3AFF16449D28}" type="datetime1">
               <a:rPr lang="en-US" smtClean="0"/>
-              <a:t>12/1/19</a:t>
+              <a:t>12/3/19</a:t>
             </a:fld>
             <a:endParaRPr lang="en-US"/>
           </a:p>
@@ -3822,7 +3893,7 @@
           <a:p>
             <a:fld id="{B8FE286B-4BCB-D84C-ABD3-AB92D1DB2B74}" type="datetime1">
               <a:rPr lang="en-US" smtClean="0"/>
-              <a:t>12/1/19</a:t>
+              <a:t>12/3/19</a:t>
             </a:fld>
             <a:endParaRPr lang="en-US"/>
           </a:p>
@@ -4276,7 +4347,7 @@
             </a:r>
             <a:r>
               <a:rPr lang="en-US" altLang="zh-CN" dirty="0"/>
-              <a:t>Blink</a:t>
+              <a:t>Blinking</a:t>
             </a:r>
             <a:r>
               <a:rPr lang="zh-CN" altLang="en-US" dirty="0"/>
@@ -4300,11 +4371,7 @@
             </a:r>
             <a:r>
               <a:rPr lang="en-US" altLang="zh-CN" dirty="0"/>
-              <a:t>EEG</a:t>
-            </a:r>
-            <a:r>
-              <a:rPr lang="zh-CN" altLang="en-US" dirty="0"/>
-              <a:t> </a:t>
+              <a:t>electroencephalography(EEG)</a:t>
             </a:r>
             <a:endParaRPr lang="en-US" dirty="0"/>
           </a:p>
@@ -4399,7 +4466,7 @@
           <a:p>
             <a:fld id="{DF66B9E0-68E2-4B45-8F8C-D2DBEB7B86DB}" type="datetime1">
               <a:rPr lang="en-US" smtClean="0"/>
-              <a:t>12/1/19</a:t>
+              <a:t>12/3/19</a:t>
             </a:fld>
             <a:endParaRPr lang="en-US"/>
           </a:p>
@@ -4485,7 +4552,10 @@
           <a:bodyPr/>
           <a:lstStyle/>
           <a:p>
-            <a:endParaRPr lang="en-US"/>
+            <a:r>
+              <a:rPr lang="en-US" dirty="0"/>
+              <a:t>Test in Kaggle</a:t>
+            </a:r>
           </a:p>
         </p:txBody>
       </p:sp>
@@ -4510,7 +4580,207 @@
           <a:bodyPr/>
           <a:lstStyle/>
           <a:p>
-            <a:endParaRPr lang="en-US"/>
+            <a:r>
+              <a:rPr lang="en-US" dirty="0"/>
+              <a:t>We fully</a:t>
+            </a:r>
+            <a:r>
+              <a:rPr lang="zh-CN" altLang="en-US" dirty="0"/>
+              <a:t> </a:t>
+            </a:r>
+            <a:r>
+              <a:rPr lang="en-US" altLang="zh-CN" dirty="0"/>
+              <a:t>train</a:t>
+            </a:r>
+            <a:r>
+              <a:rPr lang="zh-CN" altLang="en-US" dirty="0"/>
+              <a:t> </a:t>
+            </a:r>
+            <a:r>
+              <a:rPr lang="en-US" altLang="zh-CN" dirty="0"/>
+              <a:t>the</a:t>
+            </a:r>
+            <a:r>
+              <a:rPr lang="zh-CN" altLang="en-US" dirty="0"/>
+              <a:t> </a:t>
+            </a:r>
+            <a:r>
+              <a:rPr lang="en-US" altLang="zh-CN" dirty="0"/>
+              <a:t>model</a:t>
+            </a:r>
+            <a:r>
+              <a:rPr lang="zh-CN" altLang="en-US" dirty="0"/>
+              <a:t> </a:t>
+            </a:r>
+            <a:r>
+              <a:rPr lang="en-US" altLang="zh-CN" dirty="0"/>
+              <a:t>on</a:t>
+            </a:r>
+            <a:r>
+              <a:rPr lang="zh-CN" altLang="en-US" dirty="0"/>
+              <a:t> </a:t>
+            </a:r>
+            <a:r>
+              <a:rPr lang="en-US" altLang="zh-CN" dirty="0"/>
+              <a:t>the</a:t>
+            </a:r>
+            <a:r>
+              <a:rPr lang="zh-CN" altLang="en-US" dirty="0"/>
+              <a:t> </a:t>
+            </a:r>
+            <a:r>
+              <a:rPr lang="en-US" altLang="zh-CN" dirty="0"/>
+              <a:t>entire</a:t>
+            </a:r>
+            <a:r>
+              <a:rPr lang="zh-CN" altLang="en-US" dirty="0"/>
+              <a:t> </a:t>
+            </a:r>
+            <a:r>
+              <a:rPr lang="en-US" altLang="zh-CN" dirty="0"/>
+              <a:t>training</a:t>
+            </a:r>
+            <a:r>
+              <a:rPr lang="zh-CN" altLang="en-US" dirty="0"/>
+              <a:t> </a:t>
+            </a:r>
+            <a:r>
+              <a:rPr lang="en-US" altLang="zh-CN" dirty="0"/>
+              <a:t>data</a:t>
+            </a:r>
+            <a:r>
+              <a:rPr lang="zh-CN" altLang="en-US" dirty="0"/>
+              <a:t> </a:t>
+            </a:r>
+            <a:r>
+              <a:rPr lang="en-US" altLang="zh-CN" dirty="0"/>
+              <a:t>set</a:t>
+            </a:r>
+            <a:r>
+              <a:rPr lang="zh-CN" altLang="en-US" dirty="0"/>
+              <a:t> </a:t>
+            </a:r>
+            <a:r>
+              <a:rPr lang="en-US" altLang="zh-CN" dirty="0"/>
+              <a:t>with</a:t>
+            </a:r>
+            <a:r>
+              <a:rPr lang="zh-CN" altLang="en-US" dirty="0"/>
+              <a:t> </a:t>
+            </a:r>
+            <a:r>
+              <a:rPr lang="en-US" dirty="0"/>
+              <a:t>SVM, </a:t>
+            </a:r>
+            <a:r>
+              <a:rPr lang="en-US" altLang="zh-CN" dirty="0"/>
+              <a:t>FS-SVM</a:t>
+            </a:r>
+            <a:r>
+              <a:rPr lang="zh-CN" altLang="en-US" dirty="0"/>
+              <a:t> </a:t>
+            </a:r>
+            <a:r>
+              <a:rPr lang="en-US" dirty="0"/>
+              <a:t>single decision tree, FS</a:t>
+            </a:r>
+            <a:r>
+              <a:rPr lang="en-US" altLang="zh-CN" dirty="0"/>
+              <a:t>-</a:t>
+            </a:r>
+            <a:r>
+              <a:rPr lang="en-US" dirty="0"/>
+              <a:t>single decision tree, </a:t>
+            </a:r>
+            <a:r>
+              <a:rPr lang="en-US" dirty="0" err="1"/>
+              <a:t>Adaboost</a:t>
+            </a:r>
+            <a:r>
+              <a:rPr lang="en-US" dirty="0"/>
+              <a:t>.</a:t>
+            </a:r>
+            <a:r>
+              <a:rPr lang="zh-CN" altLang="en-US" dirty="0"/>
+              <a:t> </a:t>
+            </a:r>
+            <a:r>
+              <a:rPr lang="en-US" altLang="zh-CN" dirty="0"/>
+              <a:t>Predict</a:t>
+            </a:r>
+            <a:r>
+              <a:rPr lang="zh-CN" altLang="en-US" dirty="0"/>
+              <a:t> </a:t>
+            </a:r>
+            <a:r>
+              <a:rPr lang="en-US" altLang="zh-CN" dirty="0"/>
+              <a:t>the</a:t>
+            </a:r>
+            <a:r>
+              <a:rPr lang="zh-CN" altLang="en-US" dirty="0"/>
+              <a:t> </a:t>
+            </a:r>
+            <a:r>
+              <a:rPr lang="en-US" altLang="zh-CN" dirty="0"/>
+              <a:t>testing</a:t>
+            </a:r>
+            <a:r>
+              <a:rPr lang="zh-CN" altLang="en-US" dirty="0"/>
+              <a:t> </a:t>
+            </a:r>
+            <a:r>
+              <a:rPr lang="en-US" altLang="zh-CN" dirty="0"/>
+              <a:t>data</a:t>
+            </a:r>
+            <a:r>
+              <a:rPr lang="zh-CN" altLang="en-US" dirty="0"/>
+              <a:t> </a:t>
+            </a:r>
+            <a:r>
+              <a:rPr lang="en-US" altLang="zh-CN" dirty="0"/>
+              <a:t>and</a:t>
+            </a:r>
+            <a:r>
+              <a:rPr lang="zh-CN" altLang="en-US" dirty="0"/>
+              <a:t> </a:t>
+            </a:r>
+            <a:r>
+              <a:rPr lang="en-US" altLang="zh-CN" dirty="0"/>
+              <a:t>evaluate</a:t>
+            </a:r>
+            <a:r>
+              <a:rPr lang="zh-CN" altLang="en-US" dirty="0"/>
+              <a:t> </a:t>
+            </a:r>
+            <a:r>
+              <a:rPr lang="en-US" altLang="zh-CN" dirty="0"/>
+              <a:t>the</a:t>
+            </a:r>
+            <a:r>
+              <a:rPr lang="zh-CN" altLang="en-US" dirty="0"/>
+              <a:t> </a:t>
+            </a:r>
+            <a:r>
+              <a:rPr lang="en-US" altLang="zh-CN" dirty="0"/>
+              <a:t>prediction</a:t>
+            </a:r>
+            <a:r>
+              <a:rPr lang="zh-CN" altLang="en-US" dirty="0"/>
+              <a:t> </a:t>
+            </a:r>
+            <a:r>
+              <a:rPr lang="en-US" altLang="zh-CN" dirty="0"/>
+              <a:t>on</a:t>
+            </a:r>
+            <a:r>
+              <a:rPr lang="zh-CN" altLang="en-US" dirty="0"/>
+              <a:t> </a:t>
+            </a:r>
+            <a:r>
+              <a:rPr lang="en-US" altLang="zh-CN" dirty="0"/>
+              <a:t>Kaggle</a:t>
+            </a:r>
+            <a:endParaRPr lang="en-US" dirty="0"/>
           </a:p>
         </p:txBody>
       </p:sp>
@@ -4538,7 +4808,7 @@
             <a:fld id="{21583AF0-66E0-0B4F-A024-0928CE8FE395}" type="datetime1">
               <a:rPr lang="en-US" smtClean="0"/>
               <a:pPr/>
-              <a:t>12/1/19</a:t>
+              <a:t>12/3/19</a:t>
             </a:fld>
             <a:endParaRPr lang="en-US" dirty="0"/>
           </a:p>
@@ -4574,10 +4844,467 @@
           </a:p>
         </p:txBody>
       </p:sp>
+      <p:graphicFrame>
+        <p:nvGraphicFramePr>
+          <p:cNvPr id="7" name="Table 6">
+            <a:extLst>
+              <a:ext uri="{FF2B5EF4-FFF2-40B4-BE49-F238E27FC236}">
+                <a16:creationId xmlns:a16="http://schemas.microsoft.com/office/drawing/2014/main" id="{0D84FF9A-F0C5-3140-AF35-40FF99B390DC}"/>
+              </a:ext>
+            </a:extLst>
+          </p:cNvPr>
+          <p:cNvGraphicFramePr>
+            <a:graphicFrameLocks noGrp="1"/>
+          </p:cNvGraphicFramePr>
+          <p:nvPr>
+            <p:extLst>
+              <p:ext uri="{D42A27DB-BD31-4B8C-83A1-F6EECF244321}">
+                <p14:modId xmlns:p14="http://schemas.microsoft.com/office/powerpoint/2010/main" val="552997790"/>
+              </p:ext>
+            </p:extLst>
+          </p:nvPr>
+        </p:nvGraphicFramePr>
+        <p:xfrm>
+          <a:off x="838200" y="3049479"/>
+          <a:ext cx="10515600" cy="1517329"/>
+        </p:xfrm>
+        <a:graphic>
+          <a:graphicData uri="http://schemas.openxmlformats.org/drawingml/2006/table">
+            <a:tbl>
+              <a:tblPr firstRow="1" bandRow="1">
+                <a:tableStyleId>{5C22544A-7EE6-4342-B048-85BDC9FD1C3A}</a:tableStyleId>
+              </a:tblPr>
+              <a:tblGrid>
+                <a:gridCol w="1752600">
+                  <a:extLst>
+                    <a:ext uri="{9D8B030D-6E8A-4147-A177-3AD203B41FA5}">
+                      <a16:colId xmlns:a16="http://schemas.microsoft.com/office/drawing/2014/main" val="3131551826"/>
+                    </a:ext>
+                  </a:extLst>
+                </a:gridCol>
+                <a:gridCol w="1752600">
+                  <a:extLst>
+                    <a:ext uri="{9D8B030D-6E8A-4147-A177-3AD203B41FA5}">
+                      <a16:colId xmlns:a16="http://schemas.microsoft.com/office/drawing/2014/main" val="2266512709"/>
+                    </a:ext>
+                  </a:extLst>
+                </a:gridCol>
+                <a:gridCol w="1752600">
+                  <a:extLst>
+                    <a:ext uri="{9D8B030D-6E8A-4147-A177-3AD203B41FA5}">
+                      <a16:colId xmlns:a16="http://schemas.microsoft.com/office/drawing/2014/main" val="806924536"/>
+                    </a:ext>
+                  </a:extLst>
+                </a:gridCol>
+                <a:gridCol w="1752600">
+                  <a:extLst>
+                    <a:ext uri="{9D8B030D-6E8A-4147-A177-3AD203B41FA5}">
+                      <a16:colId xmlns:a16="http://schemas.microsoft.com/office/drawing/2014/main" val="13779465"/>
+                    </a:ext>
+                  </a:extLst>
+                </a:gridCol>
+                <a:gridCol w="1752600">
+                  <a:extLst>
+                    <a:ext uri="{9D8B030D-6E8A-4147-A177-3AD203B41FA5}">
+                      <a16:colId xmlns:a16="http://schemas.microsoft.com/office/drawing/2014/main" val="3605990128"/>
+                    </a:ext>
+                  </a:extLst>
+                </a:gridCol>
+                <a:gridCol w="1752600">
+                  <a:extLst>
+                    <a:ext uri="{9D8B030D-6E8A-4147-A177-3AD203B41FA5}">
+                      <a16:colId xmlns:a16="http://schemas.microsoft.com/office/drawing/2014/main" val="55396246"/>
+                    </a:ext>
+                  </a:extLst>
+                </a:gridCol>
+              </a:tblGrid>
+              <a:tr h="957745">
+                <a:tc>
+                  <a:txBody>
+                    <a:bodyPr/>
+                    <a:lstStyle/>
+                    <a:p>
+                      <a:r>
+                        <a:rPr lang="en-US" dirty="0"/>
+                        <a:t>model</a:t>
+                      </a:r>
+                    </a:p>
+                  </a:txBody>
+                  <a:tcPr>
+                    <a:solidFill>
+                      <a:schemeClr val="accent2"/>
+                    </a:solidFill>
+                  </a:tcPr>
+                </a:tc>
+                <a:tc>
+                  <a:txBody>
+                    <a:bodyPr/>
+                    <a:lstStyle/>
+                    <a:p>
+                      <a:pPr marL="0" marR="0" lvl="0" indent="0" algn="l" defTabSz="914400" rtl="0" eaLnBrk="1" fontAlgn="auto" latinLnBrk="0" hangingPunct="1">
+                        <a:lnSpc>
+                          <a:spcPct val="100000"/>
+                        </a:lnSpc>
+                        <a:spcBef>
+                          <a:spcPts val="0"/>
+                        </a:spcBef>
+                        <a:spcAft>
+                          <a:spcPts val="0"/>
+                        </a:spcAft>
+                        <a:buClrTx/>
+                        <a:buSzTx/>
+                        <a:buFontTx/>
+                        <a:buNone/>
+                        <a:tabLst/>
+                        <a:defRPr/>
+                      </a:pPr>
+                      <a:r>
+                        <a:rPr lang="en-US" dirty="0"/>
+                        <a:t>SVM(</a:t>
+                      </a:r>
+                      <a:r>
+                        <a:rPr lang="en-US" altLang="zh-CN" dirty="0" err="1"/>
+                        <a:t>rbf</a:t>
+                      </a:r>
+                      <a:r>
+                        <a:rPr lang="en-US" dirty="0"/>
+                        <a:t>)</a:t>
+                      </a:r>
+                    </a:p>
+                    <a:p>
+                      <a:endParaRPr lang="en-US" dirty="0"/>
+                    </a:p>
+                  </a:txBody>
+                  <a:tcPr>
+                    <a:solidFill>
+                      <a:schemeClr val="accent2"/>
+                    </a:solidFill>
+                  </a:tcPr>
+                </a:tc>
+                <a:tc>
+                  <a:txBody>
+                    <a:bodyPr/>
+                    <a:lstStyle/>
+                    <a:p>
+                      <a:pPr marL="0" marR="0" lvl="0" indent="0" algn="l" defTabSz="914400" rtl="0" eaLnBrk="1" fontAlgn="auto" latinLnBrk="0" hangingPunct="1">
+                        <a:lnSpc>
+                          <a:spcPct val="100000"/>
+                        </a:lnSpc>
+                        <a:spcBef>
+                          <a:spcPts val="0"/>
+                        </a:spcBef>
+                        <a:spcAft>
+                          <a:spcPts val="0"/>
+                        </a:spcAft>
+                        <a:buClrTx/>
+                        <a:buSzTx/>
+                        <a:buFontTx/>
+                        <a:buNone/>
+                        <a:tabLst/>
+                        <a:defRPr/>
+                      </a:pPr>
+                      <a:r>
+                        <a:rPr lang="en-US" dirty="0"/>
+                        <a:t>FS&amp;SVM(</a:t>
+                      </a:r>
+                      <a:r>
+                        <a:rPr lang="en-US" dirty="0" err="1"/>
+                        <a:t>rbf</a:t>
+                      </a:r>
+                      <a:r>
+                        <a:rPr lang="en-US" dirty="0"/>
+                        <a:t>)</a:t>
+                      </a:r>
+                    </a:p>
+                    <a:p>
+                      <a:endParaRPr lang="en-US" dirty="0"/>
+                    </a:p>
+                  </a:txBody>
+                  <a:tcPr>
+                    <a:solidFill>
+                      <a:schemeClr val="accent2"/>
+                    </a:solidFill>
+                  </a:tcPr>
+                </a:tc>
+                <a:tc>
+                  <a:txBody>
+                    <a:bodyPr/>
+                    <a:lstStyle/>
+                    <a:p>
+                      <a:pPr marL="0" marR="0" lvl="0" indent="0" algn="l" defTabSz="914400" rtl="0" eaLnBrk="1" fontAlgn="auto" latinLnBrk="0" hangingPunct="1">
+                        <a:lnSpc>
+                          <a:spcPct val="100000"/>
+                        </a:lnSpc>
+                        <a:spcBef>
+                          <a:spcPts val="0"/>
+                        </a:spcBef>
+                        <a:spcAft>
+                          <a:spcPts val="0"/>
+                        </a:spcAft>
+                        <a:buClrTx/>
+                        <a:buSzTx/>
+                        <a:buFontTx/>
+                        <a:buNone/>
+                        <a:tabLst/>
+                        <a:defRPr/>
+                      </a:pPr>
+                      <a:r>
+                        <a:rPr lang="en-US" dirty="0"/>
+                        <a:t>Single tree( 500 splits)</a:t>
+                      </a:r>
+                    </a:p>
+                    <a:p>
+                      <a:endParaRPr lang="en-US" dirty="0"/>
+                    </a:p>
+                  </a:txBody>
+                  <a:tcPr>
+                    <a:solidFill>
+                      <a:schemeClr val="accent2"/>
+                    </a:solidFill>
+                  </a:tcPr>
+                </a:tc>
+                <a:tc>
+                  <a:txBody>
+                    <a:bodyPr/>
+                    <a:lstStyle/>
+                    <a:p>
+                      <a:pPr marL="0" marR="0" lvl="0" indent="0" algn="l" defTabSz="914400" rtl="0" eaLnBrk="1" fontAlgn="auto" latinLnBrk="0" hangingPunct="1">
+                        <a:lnSpc>
+                          <a:spcPct val="100000"/>
+                        </a:lnSpc>
+                        <a:spcBef>
+                          <a:spcPts val="0"/>
+                        </a:spcBef>
+                        <a:spcAft>
+                          <a:spcPts val="0"/>
+                        </a:spcAft>
+                        <a:buClrTx/>
+                        <a:buSzTx/>
+                        <a:buFontTx/>
+                        <a:buNone/>
+                        <a:tabLst/>
+                        <a:defRPr/>
+                      </a:pPr>
+                      <a:r>
+                        <a:rPr lang="en-US" dirty="0"/>
+                        <a:t>FS &amp; Single tree(500 splits)</a:t>
+                      </a:r>
+                    </a:p>
+                    <a:p>
+                      <a:endParaRPr lang="en-US" dirty="0"/>
+                    </a:p>
+                  </a:txBody>
+                  <a:tcPr>
+                    <a:solidFill>
+                      <a:schemeClr val="accent2"/>
+                    </a:solidFill>
+                  </a:tcPr>
+                </a:tc>
+                <a:tc>
+                  <a:txBody>
+                    <a:bodyPr/>
+                    <a:lstStyle/>
+                    <a:p>
+                      <a:r>
+                        <a:rPr lang="en-US" dirty="0" err="1"/>
+                        <a:t>Adaboost</a:t>
+                      </a:r>
+                      <a:r>
+                        <a:rPr lang="en-US" dirty="0"/>
+                        <a:t>(500 levels)</a:t>
+                      </a:r>
+                    </a:p>
+                  </a:txBody>
+                  <a:tcPr>
+                    <a:solidFill>
+                      <a:schemeClr val="accent2"/>
+                    </a:solidFill>
+                  </a:tcPr>
+                </a:tc>
+                <a:extLst>
+                  <a:ext uri="{0D108BD9-81ED-4DB2-BD59-A6C34878D82A}">
+                    <a16:rowId xmlns:a16="http://schemas.microsoft.com/office/drawing/2014/main" val="464914031"/>
+                  </a:ext>
+                </a:extLst>
+              </a:tr>
+              <a:tr h="559584">
+                <a:tc>
+                  <a:txBody>
+                    <a:bodyPr/>
+                    <a:lstStyle/>
+                    <a:p>
+                      <a:r>
+                        <a:rPr lang="en-US" dirty="0">
+                          <a:solidFill>
+                            <a:schemeClr val="bg1"/>
+                          </a:solidFill>
+                        </a:rPr>
+                        <a:t>Score</a:t>
+                      </a:r>
+                      <a:r>
+                        <a:rPr lang="en-US" altLang="zh-CN" dirty="0">
+                          <a:solidFill>
+                            <a:schemeClr val="bg1"/>
+                          </a:solidFill>
+                        </a:rPr>
+                        <a:t>(accuracy)</a:t>
+                      </a:r>
+                      <a:endParaRPr lang="en-US" dirty="0">
+                        <a:solidFill>
+                          <a:schemeClr val="bg1"/>
+                        </a:solidFill>
+                      </a:endParaRPr>
+                    </a:p>
+                  </a:txBody>
+                  <a:tcPr>
+                    <a:solidFill>
+                      <a:schemeClr val="accent2"/>
+                    </a:solidFill>
+                  </a:tcPr>
+                </a:tc>
+                <a:tc>
+                  <a:txBody>
+                    <a:bodyPr/>
+                    <a:lstStyle/>
+                    <a:p>
+                      <a:r>
+                        <a:rPr lang="en-US" dirty="0"/>
+                        <a:t>0.</a:t>
+                      </a:r>
+                      <a:r>
+                        <a:rPr lang="en-US" altLang="zh-CN" dirty="0"/>
+                        <a:t>97405</a:t>
+                      </a:r>
+                      <a:endParaRPr lang="en-US" dirty="0"/>
+                    </a:p>
+                  </a:txBody>
+                  <a:tcPr>
+                    <a:solidFill>
+                      <a:schemeClr val="accent2"/>
+                    </a:solidFill>
+                  </a:tcPr>
+                </a:tc>
+                <a:tc>
+                  <a:txBody>
+                    <a:bodyPr/>
+                    <a:lstStyle/>
+                    <a:p>
+                      <a:r>
+                        <a:rPr lang="en-US" altLang="zh-CN" dirty="0"/>
+                        <a:t>0.89061</a:t>
+                      </a:r>
+                      <a:endParaRPr lang="en-US" dirty="0"/>
+                    </a:p>
+                  </a:txBody>
+                  <a:tcPr>
+                    <a:solidFill>
+                      <a:schemeClr val="accent2"/>
+                    </a:solidFill>
+                  </a:tcPr>
+                </a:tc>
+                <a:tc>
+                  <a:txBody>
+                    <a:bodyPr/>
+                    <a:lstStyle/>
+                    <a:p>
+                      <a:r>
+                        <a:rPr lang="en-US" dirty="0"/>
+                        <a:t>0.80899</a:t>
+                      </a:r>
+                    </a:p>
+                  </a:txBody>
+                  <a:tcPr>
+                    <a:solidFill>
+                      <a:schemeClr val="accent2"/>
+                    </a:solidFill>
+                  </a:tcPr>
+                </a:tc>
+                <a:tc>
+                  <a:txBody>
+                    <a:bodyPr/>
+                    <a:lstStyle/>
+                    <a:p>
+                      <a:r>
+                        <a:rPr lang="en-US" dirty="0"/>
+                        <a:t>0.83138</a:t>
+                      </a:r>
+                    </a:p>
+                  </a:txBody>
+                  <a:tcPr>
+                    <a:solidFill>
+                      <a:schemeClr val="accent2"/>
+                    </a:solidFill>
+                  </a:tcPr>
+                </a:tc>
+                <a:tc>
+                  <a:txBody>
+                    <a:bodyPr/>
+                    <a:lstStyle/>
+                    <a:p>
+                      <a:r>
+                        <a:rPr lang="en-US" dirty="0"/>
+                        <a:t>0.95611</a:t>
+                      </a:r>
+                    </a:p>
+                  </a:txBody>
+                  <a:tcPr>
+                    <a:solidFill>
+                      <a:schemeClr val="accent2"/>
+                    </a:solidFill>
+                  </a:tcPr>
+                </a:tc>
+                <a:extLst>
+                  <a:ext uri="{0D108BD9-81ED-4DB2-BD59-A6C34878D82A}">
+                    <a16:rowId xmlns:a16="http://schemas.microsoft.com/office/drawing/2014/main" val="2779196544"/>
+                  </a:ext>
+                </a:extLst>
+              </a:tr>
+            </a:tbl>
+          </a:graphicData>
+        </a:graphic>
+      </p:graphicFrame>
+      <p:sp>
+        <p:nvSpPr>
+          <p:cNvPr id="6" name="TextBox 5">
+            <a:extLst>
+              <a:ext uri="{FF2B5EF4-FFF2-40B4-BE49-F238E27FC236}">
+                <a16:creationId xmlns:a16="http://schemas.microsoft.com/office/drawing/2014/main" id="{C73F3DBD-B733-3547-BB39-A40B099337D2}"/>
+              </a:ext>
+            </a:extLst>
+          </p:cNvPr>
+          <p:cNvSpPr txBox="1"/>
+          <p:nvPr/>
+        </p:nvSpPr>
+        <p:spPr>
+          <a:xfrm>
+            <a:off x="2613212" y="5590683"/>
+            <a:ext cx="7368988" cy="276999"/>
+          </a:xfrm>
+          <a:prstGeom prst="rect">
+            <a:avLst/>
+          </a:prstGeom>
+          <a:noFill/>
+        </p:spPr>
+        <p:txBody>
+          <a:bodyPr wrap="square" rtlCol="0">
+            <a:spAutoFit/>
+          </a:bodyPr>
+          <a:lstStyle/>
+          <a:p>
+            <a:r>
+              <a:rPr lang="en-US" sz="1200" dirty="0">
+                <a:hlinkClick r:id="rId2"/>
+              </a:rPr>
+              <a:t>https://www.kaggle.com/c/compomicssummer2018/submissions</a:t>
+            </a:r>
+            <a:endParaRPr lang="en-US" sz="1200" dirty="0"/>
+          </a:p>
+        </p:txBody>
+      </p:sp>
     </p:spTree>
     <p:extLst>
       <p:ext uri="{BB962C8B-B14F-4D97-AF65-F5344CB8AC3E}">
-        <p14:creationId xmlns:p14="http://schemas.microsoft.com/office/powerpoint/2010/main" val="2783792064"/>
+        <p14:creationId xmlns:p14="http://schemas.microsoft.com/office/powerpoint/2010/main" val="2884021499"/>
       </p:ext>
     </p:extLst>
   </p:cSld>
@@ -4625,7 +5352,14 @@
           <a:bodyPr/>
           <a:lstStyle/>
           <a:p>
-            <a:endParaRPr lang="en-US"/>
+            <a:r>
+              <a:rPr lang="en-US" altLang="zh-CN" dirty="0"/>
+              <a:t>C</a:t>
+            </a:r>
+            <a:r>
+              <a:rPr lang="en-US" dirty="0"/>
+              <a:t>onclusion</a:t>
+            </a:r>
           </a:p>
         </p:txBody>
       </p:sp>
@@ -4650,7 +5384,160 @@
           <a:bodyPr/>
           <a:lstStyle/>
           <a:p>
-            <a:endParaRPr lang="en-US"/>
+            <a:r>
+              <a:rPr lang="en-US" dirty="0"/>
+              <a:t>By predicting the test</a:t>
+            </a:r>
+            <a:r>
+              <a:rPr lang="en-US" altLang="zh-CN" dirty="0"/>
+              <a:t>ing</a:t>
+            </a:r>
+            <a:r>
+              <a:rPr lang="en-US" dirty="0"/>
+              <a:t> data set, we can conclude this new feature selective method can help to improve the performance of some weak classifiers, such as the single decision tree</a:t>
+            </a:r>
+            <a:r>
+              <a:rPr lang="en-US" altLang="zh-CN" dirty="0"/>
+              <a:t>.</a:t>
+            </a:r>
+            <a:endParaRPr lang="en-US" dirty="0"/>
+          </a:p>
+          <a:p>
+            <a:r>
+              <a:rPr lang="en-US" altLang="zh-CN" dirty="0"/>
+              <a:t>In</a:t>
+            </a:r>
+            <a:r>
+              <a:rPr lang="zh-CN" altLang="en-US" dirty="0"/>
+              <a:t> </a:t>
+            </a:r>
+            <a:r>
+              <a:rPr lang="en-US" altLang="zh-CN" dirty="0"/>
+              <a:t>this</a:t>
+            </a:r>
+            <a:r>
+              <a:rPr lang="zh-CN" altLang="en-US" dirty="0"/>
+              <a:t> </a:t>
+            </a:r>
+            <a:r>
+              <a:rPr lang="en-US" altLang="zh-CN" dirty="0"/>
+              <a:t>eye</a:t>
+            </a:r>
+            <a:r>
+              <a:rPr lang="zh-CN" altLang="en-US" dirty="0"/>
+              <a:t> </a:t>
+            </a:r>
+            <a:r>
+              <a:rPr lang="en-US" altLang="zh-CN" dirty="0"/>
+              <a:t>blink</a:t>
+            </a:r>
+            <a:r>
+              <a:rPr lang="zh-CN" altLang="en-US" dirty="0"/>
+              <a:t> </a:t>
+            </a:r>
+            <a:r>
+              <a:rPr lang="en-US" altLang="zh-CN" dirty="0"/>
+              <a:t>prediction</a:t>
+            </a:r>
+            <a:r>
+              <a:rPr lang="zh-CN" altLang="en-US" dirty="0"/>
+              <a:t> </a:t>
+            </a:r>
+            <a:r>
+              <a:rPr lang="en-US" altLang="zh-CN" dirty="0"/>
+              <a:t>task,</a:t>
+            </a:r>
+            <a:r>
+              <a:rPr lang="zh-CN" altLang="en-US" dirty="0"/>
+              <a:t> </a:t>
+            </a:r>
+            <a:r>
+              <a:rPr lang="en-US" dirty="0"/>
+              <a:t>SVM performs best among all the models</a:t>
+            </a:r>
+            <a:r>
+              <a:rPr lang="en-US" altLang="zh-CN" dirty="0"/>
+              <a:t>,</a:t>
+            </a:r>
+            <a:r>
+              <a:rPr lang="zh-CN" altLang="en-US" dirty="0"/>
+              <a:t> </a:t>
+            </a:r>
+            <a:r>
+              <a:rPr lang="en-US" altLang="zh-CN" dirty="0"/>
+              <a:t>as</a:t>
+            </a:r>
+            <a:r>
+              <a:rPr lang="zh-CN" altLang="en-US" dirty="0"/>
+              <a:t> </a:t>
+            </a:r>
+            <a:r>
+              <a:rPr lang="en-US" altLang="zh-CN" dirty="0"/>
+              <a:t>well</a:t>
+            </a:r>
+            <a:r>
+              <a:rPr lang="zh-CN" altLang="en-US" dirty="0"/>
+              <a:t> </a:t>
+            </a:r>
+            <a:r>
+              <a:rPr lang="en-US" altLang="zh-CN" dirty="0"/>
+              <a:t>as</a:t>
+            </a:r>
+            <a:r>
+              <a:rPr lang="zh-CN" altLang="en-US" dirty="0"/>
+              <a:t> </a:t>
+            </a:r>
+            <a:r>
+              <a:rPr lang="en-US" altLang="zh-CN" dirty="0" err="1"/>
+              <a:t>Adaboost</a:t>
+            </a:r>
+            <a:r>
+              <a:rPr lang="zh-CN" altLang="en-US" dirty="0"/>
+              <a:t> </a:t>
+            </a:r>
+            <a:r>
+              <a:rPr lang="en-US" altLang="zh-CN" dirty="0"/>
+              <a:t>is</a:t>
+            </a:r>
+            <a:r>
+              <a:rPr lang="zh-CN" altLang="en-US" dirty="0"/>
+              <a:t> </a:t>
+            </a:r>
+            <a:r>
+              <a:rPr lang="en-US" altLang="zh-CN" dirty="0"/>
+              <a:t>another</a:t>
+            </a:r>
+            <a:r>
+              <a:rPr lang="zh-CN" altLang="en-US" dirty="0"/>
+              <a:t> </a:t>
+            </a:r>
+            <a:r>
+              <a:rPr lang="en-US" altLang="zh-CN" dirty="0"/>
+              <a:t>good</a:t>
+            </a:r>
+            <a:r>
+              <a:rPr lang="zh-CN" altLang="en-US" dirty="0"/>
+              <a:t> </a:t>
+            </a:r>
+            <a:r>
+              <a:rPr lang="en-US" altLang="zh-CN" dirty="0"/>
+              <a:t>prediction</a:t>
+            </a:r>
+            <a:r>
+              <a:rPr lang="zh-CN" altLang="en-US" dirty="0"/>
+              <a:t> </a:t>
+            </a:r>
+            <a:r>
+              <a:rPr lang="en-US" altLang="zh-CN" dirty="0"/>
+              <a:t>classifier.</a:t>
+            </a:r>
+            <a:endParaRPr lang="en-US" dirty="0"/>
+          </a:p>
+          <a:p>
+            <a:pPr marL="0" indent="0">
+              <a:buNone/>
+            </a:pPr>
+            <a:endParaRPr lang="en-US" dirty="0"/>
           </a:p>
         </p:txBody>
       </p:sp>
@@ -4678,7 +5565,7 @@
             <a:fld id="{21583AF0-66E0-0B4F-A024-0928CE8FE395}" type="datetime1">
               <a:rPr lang="en-US" smtClean="0"/>
               <a:pPr/>
-              <a:t>12/1/19</a:t>
+              <a:t>12/3/19</a:t>
             </a:fld>
             <a:endParaRPr lang="en-US" dirty="0"/>
           </a:p>
@@ -4717,7 +5604,303 @@
     </p:spTree>
     <p:extLst>
       <p:ext uri="{BB962C8B-B14F-4D97-AF65-F5344CB8AC3E}">
-        <p14:creationId xmlns:p14="http://schemas.microsoft.com/office/powerpoint/2010/main" val="2629182449"/>
+        <p14:creationId xmlns:p14="http://schemas.microsoft.com/office/powerpoint/2010/main" val="2133359280"/>
+      </p:ext>
+    </p:extLst>
+  </p:cSld>
+  <p:clrMapOvr>
+    <a:masterClrMapping/>
+  </p:clrMapOvr>
+</p:sld>
+</file>
+
+<file path=ppt/slides/slide12.xml><?xml version="1.0" encoding="utf-8"?>
+<p:sld xmlns:a="http://schemas.openxmlformats.org/drawingml/2006/main" xmlns:r="http://schemas.openxmlformats.org/officeDocument/2006/relationships" xmlns:p="http://schemas.openxmlformats.org/presentationml/2006/main">
+  <p:cSld>
+    <p:spTree>
+      <p:nvGrpSpPr>
+        <p:cNvPr id="1" name=""/>
+        <p:cNvGrpSpPr/>
+        <p:nvPr/>
+      </p:nvGrpSpPr>
+      <p:grpSpPr>
+        <a:xfrm>
+          <a:off x="0" y="0"/>
+          <a:ext cx="0" cy="0"/>
+          <a:chOff x="0" y="0"/>
+          <a:chExt cx="0" cy="0"/>
+        </a:xfrm>
+      </p:grpSpPr>
+      <p:sp>
+        <p:nvSpPr>
+          <p:cNvPr id="2" name="Title 1">
+            <a:extLst>
+              <a:ext uri="{FF2B5EF4-FFF2-40B4-BE49-F238E27FC236}">
+                <a16:creationId xmlns:a16="http://schemas.microsoft.com/office/drawing/2014/main" id="{94FC802E-4F79-ED41-8EB8-695A757CDB4F}"/>
+              </a:ext>
+            </a:extLst>
+          </p:cNvPr>
+          <p:cNvSpPr>
+            <a:spLocks noGrp="1"/>
+          </p:cNvSpPr>
+          <p:nvPr>
+            <p:ph type="title"/>
+          </p:nvPr>
+        </p:nvSpPr>
+        <p:spPr/>
+        <p:txBody>
+          <a:bodyPr/>
+          <a:lstStyle/>
+          <a:p>
+            <a:r>
+              <a:rPr lang="en-US" altLang="zh-CN" dirty="0"/>
+              <a:t>R</a:t>
+            </a:r>
+            <a:r>
+              <a:rPr lang="en-US" dirty="0"/>
+              <a:t>eference</a:t>
+            </a:r>
+          </a:p>
+        </p:txBody>
+      </p:sp>
+      <p:sp>
+        <p:nvSpPr>
+          <p:cNvPr id="3" name="Content Placeholder 2">
+            <a:extLst>
+              <a:ext uri="{FF2B5EF4-FFF2-40B4-BE49-F238E27FC236}">
+                <a16:creationId xmlns:a16="http://schemas.microsoft.com/office/drawing/2014/main" id="{86EAC19E-AEFE-4549-BA71-EA1379EB6738}"/>
+              </a:ext>
+            </a:extLst>
+          </p:cNvPr>
+          <p:cNvSpPr>
+            <a:spLocks noGrp="1"/>
+          </p:cNvSpPr>
+          <p:nvPr>
+            <p:ph idx="1"/>
+          </p:nvPr>
+        </p:nvSpPr>
+        <p:spPr/>
+        <p:txBody>
+          <a:bodyPr>
+            <a:normAutofit/>
+          </a:bodyPr>
+          <a:lstStyle/>
+          <a:p>
+            <a:pPr lvl="0"/>
+            <a:r>
+              <a:rPr lang="en-US" sz="2000" dirty="0"/>
+              <a:t> </a:t>
+            </a:r>
+            <a:r>
+              <a:rPr lang="en-US" sz="1600" dirty="0" err="1"/>
+              <a:t>Nassr</a:t>
+            </a:r>
+            <a:r>
+              <a:rPr lang="en-US" sz="1600" dirty="0"/>
+              <a:t> </a:t>
+            </a:r>
+            <a:r>
+              <a:rPr lang="en-US" sz="1600" dirty="0" err="1"/>
+              <a:t>Alsaeedi</a:t>
+            </a:r>
+            <a:r>
+              <a:rPr lang="en-US" sz="1600" dirty="0"/>
+              <a:t>* and Dieter </a:t>
+            </a:r>
+            <a:r>
+              <a:rPr lang="en-US" sz="1600" dirty="0" err="1"/>
+              <a:t>Wloka</a:t>
+            </a:r>
+            <a:r>
+              <a:rPr lang="en-US" sz="1600" dirty="0"/>
+              <a:t> “Real-Time Eyeblink Detector and Eye State Classifier for Virtual Reality (VR) Headsets (Head-Mounted Displays, HMDs)” </a:t>
+            </a:r>
+            <a:r>
+              <a:rPr lang="en-US" sz="1600" dirty="0">
+                <a:hlinkClick r:id="rId2"/>
+              </a:rPr>
+              <a:t>Sensors (Basel)</a:t>
+            </a:r>
+            <a:r>
+              <a:rPr lang="en-US" sz="1600" dirty="0"/>
+              <a:t>. 2019 Mar; 19(5): 1121.</a:t>
+            </a:r>
+            <a:endParaRPr lang="en-US" sz="2000" dirty="0"/>
+          </a:p>
+          <a:p>
+            <a:pPr lvl="0"/>
+            <a:r>
+              <a:rPr lang="en-US" sz="1600" dirty="0" err="1"/>
+              <a:t>Królak</a:t>
+            </a:r>
+            <a:r>
+              <a:rPr lang="en-US" sz="1600" dirty="0"/>
+              <a:t>, A. &amp; </a:t>
+            </a:r>
+            <a:r>
+              <a:rPr lang="en-US" sz="1600" dirty="0" err="1"/>
+              <a:t>Strumiłło</a:t>
+            </a:r>
+            <a:r>
+              <a:rPr lang="en-US" sz="1600" dirty="0"/>
+              <a:t>, P. Univ Access Inf Soc (2012) 11: 409. https://</a:t>
+            </a:r>
+            <a:r>
+              <a:rPr lang="en-US" sz="1600" dirty="0" err="1"/>
+              <a:t>doi.org</a:t>
+            </a:r>
+            <a:r>
+              <a:rPr lang="en-US" sz="1600" dirty="0"/>
+              <a:t>/10.1007/s10209-011-0256-6</a:t>
+            </a:r>
+            <a:endParaRPr lang="en-US" sz="2000" dirty="0"/>
+          </a:p>
+          <a:p>
+            <a:pPr lvl="0"/>
+            <a:r>
+              <a:rPr lang="en-US" sz="1600" dirty="0"/>
+              <a:t>Noman, Md, et al. "Mobile-based Eye-Blink Detection Performance Analysis on Android Platform." Frontiers in ICT 5 (2018): 4.</a:t>
+            </a:r>
+            <a:endParaRPr lang="en-US" sz="2000" dirty="0"/>
+          </a:p>
+          <a:p>
+            <a:pPr lvl="0"/>
+            <a:r>
+              <a:rPr lang="en-US" sz="1600" dirty="0" err="1"/>
+              <a:t>Rihana</a:t>
+            </a:r>
+            <a:r>
+              <a:rPr lang="en-US" sz="1600" dirty="0"/>
+              <a:t>, S., P. Damien, and T. </a:t>
+            </a:r>
+            <a:r>
+              <a:rPr lang="en-US" sz="1600" dirty="0" err="1"/>
+              <a:t>Moujaess</a:t>
+            </a:r>
+            <a:r>
+              <a:rPr lang="en-US" sz="1600" dirty="0"/>
+              <a:t>. "EEG-Eye blink detection system for brain computer interface." Converging Clinical and Engineering Research on Neurorehabilitation. Springer, Berlin, Heidelberg, 2013. 603-608.</a:t>
+            </a:r>
+            <a:endParaRPr lang="en-US" sz="2000" dirty="0"/>
+          </a:p>
+          <a:p>
+            <a:pPr lvl="0"/>
+            <a:r>
+              <a:rPr lang="en-US" sz="1600" dirty="0"/>
+              <a:t>S. </a:t>
+            </a:r>
+            <a:r>
+              <a:rPr lang="en-US" sz="1600" dirty="0" err="1"/>
+              <a:t>Vachiravel</a:t>
+            </a:r>
+            <a:r>
+              <a:rPr lang="en-US" sz="1600" dirty="0"/>
+              <a:t>, Eye State Prediction using EEG Signal and C4.5 Decision tree algorithm, March 2016.</a:t>
+            </a:r>
+            <a:endParaRPr lang="en-US" sz="2000" dirty="0"/>
+          </a:p>
+          <a:p>
+            <a:pPr lvl="0"/>
+            <a:r>
+              <a:rPr lang="en-US" sz="1600" dirty="0"/>
+              <a:t>Al-</a:t>
+            </a:r>
+            <a:r>
+              <a:rPr lang="en-US" sz="1600" dirty="0" err="1"/>
+              <a:t>Taei</a:t>
+            </a:r>
+            <a:r>
+              <a:rPr lang="en-US" sz="1600" dirty="0"/>
+              <a:t>, Ali. "Ensemble Classifier for Eye State Classification using EEG Signals." </a:t>
+            </a:r>
+            <a:r>
+              <a:rPr lang="en-US" sz="1600" dirty="0" err="1"/>
+              <a:t>arXiv</a:t>
+            </a:r>
+            <a:r>
+              <a:rPr lang="en-US" sz="1600" dirty="0"/>
+              <a:t> preprint arXiv:1709.08590 (2017).</a:t>
+            </a:r>
+            <a:endParaRPr lang="en-US" sz="2000" dirty="0"/>
+          </a:p>
+          <a:p>
+            <a:pPr lvl="0"/>
+            <a:r>
+              <a:rPr lang="en-US" sz="1600" dirty="0"/>
+              <a:t>Jain, Neha, et al. "Eye state prediction using EEG by supervised learning." International Journal of Science, Engineering and Technology 10 (2015).</a:t>
+            </a:r>
+            <a:endParaRPr lang="en-US" sz="2000" dirty="0"/>
+          </a:p>
+          <a:p>
+            <a:pPr lvl="1"/>
+            <a:endParaRPr lang="en-US" dirty="0"/>
+          </a:p>
+        </p:txBody>
+      </p:sp>
+      <p:sp>
+        <p:nvSpPr>
+          <p:cNvPr id="4" name="Date Placeholder 3">
+            <a:extLst>
+              <a:ext uri="{FF2B5EF4-FFF2-40B4-BE49-F238E27FC236}">
+                <a16:creationId xmlns:a16="http://schemas.microsoft.com/office/drawing/2014/main" id="{7162AD71-1860-394A-BD93-75555353E736}"/>
+              </a:ext>
+            </a:extLst>
+          </p:cNvPr>
+          <p:cNvSpPr>
+            <a:spLocks noGrp="1"/>
+          </p:cNvSpPr>
+          <p:nvPr>
+            <p:ph type="dt" sz="half" idx="10"/>
+          </p:nvPr>
+        </p:nvSpPr>
+        <p:spPr/>
+        <p:txBody>
+          <a:bodyPr/>
+          <a:lstStyle/>
+          <a:p>
+            <a:fld id="{21583AF0-66E0-0B4F-A024-0928CE8FE395}" type="datetime1">
+              <a:rPr lang="en-US" smtClean="0"/>
+              <a:pPr/>
+              <a:t>12/3/19</a:t>
+            </a:fld>
+            <a:endParaRPr lang="en-US" dirty="0"/>
+          </a:p>
+        </p:txBody>
+      </p:sp>
+      <p:sp>
+        <p:nvSpPr>
+          <p:cNvPr id="5" name="Slide Number Placeholder 4">
+            <a:extLst>
+              <a:ext uri="{FF2B5EF4-FFF2-40B4-BE49-F238E27FC236}">
+                <a16:creationId xmlns:a16="http://schemas.microsoft.com/office/drawing/2014/main" id="{B2EDCB3B-840B-C84E-9060-FBF59BE28478}"/>
+              </a:ext>
+            </a:extLst>
+          </p:cNvPr>
+          <p:cNvSpPr>
+            <a:spLocks noGrp="1"/>
+          </p:cNvSpPr>
+          <p:nvPr>
+            <p:ph type="sldNum" sz="quarter" idx="12"/>
+          </p:nvPr>
+        </p:nvSpPr>
+        <p:spPr/>
+        <p:txBody>
+          <a:bodyPr/>
+          <a:lstStyle/>
+          <a:p>
+            <a:fld id="{1D01153E-6010-234A-B398-6C4EBB14CFA8}" type="slidenum">
+              <a:rPr lang="en-US" smtClean="0"/>
+              <a:pPr/>
+              <a:t>12</a:t>
+            </a:fld>
+            <a:endParaRPr lang="en-US" dirty="0"/>
+          </a:p>
+        </p:txBody>
+      </p:sp>
+    </p:spTree>
+    <p:extLst>
+      <p:ext uri="{BB962C8B-B14F-4D97-AF65-F5344CB8AC3E}">
+        <p14:creationId xmlns:p14="http://schemas.microsoft.com/office/powerpoint/2010/main" val="2783792064"/>
       </p:ext>
     </p:extLst>
   </p:cSld>
@@ -4760,46 +5943,35 @@
             <p:ph type="title"/>
           </p:nvPr>
         </p:nvSpPr>
-        <p:spPr/>
+        <p:spPr>
+          <a:xfrm>
+            <a:off x="2943922" y="-37942"/>
+            <a:ext cx="9248078" cy="1325563"/>
+          </a:xfrm>
+        </p:spPr>
         <p:txBody>
           <a:bodyPr/>
           <a:lstStyle/>
           <a:p>
             <a:r>
-              <a:rPr lang="en-US" dirty="0"/>
+              <a:rPr lang="en-US"/>
               <a:t>Introduction</a:t>
             </a:r>
             <a:r>
-              <a:rPr lang="zh-CN" altLang="en-US" dirty="0"/>
-              <a:t> </a:t>
-            </a:r>
-            <a:r>
-              <a:rPr lang="en-US" altLang="zh-CN" dirty="0"/>
+              <a:rPr lang="zh-CN" altLang="en-US"/>
+              <a:t> </a:t>
+            </a:r>
+            <a:r>
+              <a:rPr lang="en-US" altLang="zh-CN"/>
               <a:t>–</a:t>
             </a:r>
             <a:r>
-              <a:rPr lang="zh-CN" altLang="en-US" dirty="0"/>
-              <a:t> </a:t>
-            </a:r>
-            <a:r>
-              <a:rPr lang="en-US" altLang="zh-CN" dirty="0"/>
-              <a:t>two</a:t>
-            </a:r>
-            <a:r>
-              <a:rPr lang="zh-CN" altLang="en-US" dirty="0"/>
-              <a:t> </a:t>
-            </a:r>
-            <a:r>
-              <a:rPr lang="en-US" altLang="zh-CN" dirty="0"/>
-              <a:t>main</a:t>
-            </a:r>
-            <a:r>
-              <a:rPr lang="zh-CN" altLang="en-US" dirty="0"/>
-              <a:t> </a:t>
-            </a:r>
-            <a:r>
-              <a:rPr lang="en-US" altLang="zh-CN" dirty="0"/>
-              <a:t>application</a:t>
+              <a:rPr lang="zh-CN" altLang="en-US"/>
+              <a:t> </a:t>
+            </a:r>
+            <a:r>
+              <a:rPr lang="en-US" altLang="zh-CN"/>
+              <a:t>motivation</a:t>
             </a:r>
             <a:endParaRPr lang="en-US" dirty="0"/>
           </a:p>
@@ -4823,81 +5995,116 @@
         </p:nvSpPr>
         <p:spPr>
           <a:xfrm>
-            <a:off x="838200" y="1825625"/>
-            <a:ext cx="5428129" cy="4351338"/>
+            <a:off x="229857" y="1634693"/>
+            <a:ext cx="6295152" cy="2184272"/>
           </a:xfrm>
         </p:spPr>
         <p:txBody>
-          <a:bodyPr/>
+          <a:bodyPr>
+            <a:normAutofit/>
+          </a:bodyPr>
           <a:lstStyle/>
           <a:p>
             <a:r>
-              <a:rPr lang="en-US" dirty="0"/>
+              <a:rPr lang="en-US" sz="2000" dirty="0"/>
               <a:t>Autonomous driving ---  monitoring driver’s fatigue</a:t>
             </a:r>
-          </a:p>
-          <a:p>
-            <a:r>
-              <a:rPr lang="en-US" altLang="zh-CN" dirty="0"/>
+            <a:r>
+              <a:rPr lang="zh-CN" altLang="en-US" sz="2000" dirty="0"/>
+              <a:t> </a:t>
+            </a:r>
+            <a:r>
+              <a:rPr lang="en-US" altLang="zh-CN" sz="2000" dirty="0"/>
+              <a:t>to</a:t>
+            </a:r>
+            <a:r>
+              <a:rPr lang="zh-CN" altLang="en-US" sz="2000" dirty="0"/>
+              <a:t> </a:t>
+            </a:r>
+            <a:r>
+              <a:rPr lang="en-US" altLang="zh-CN" sz="2000" dirty="0"/>
+              <a:t>improve</a:t>
+            </a:r>
+            <a:r>
+              <a:rPr lang="zh-CN" altLang="en-US" sz="2000" dirty="0"/>
+              <a:t> </a:t>
+            </a:r>
+            <a:r>
+              <a:rPr lang="en-US" altLang="zh-CN" sz="2000" dirty="0"/>
+              <a:t>driving</a:t>
+            </a:r>
+            <a:r>
+              <a:rPr lang="zh-CN" altLang="en-US" sz="2000" dirty="0"/>
+              <a:t> </a:t>
+            </a:r>
+            <a:r>
+              <a:rPr lang="en-US" altLang="zh-CN" sz="2000" dirty="0"/>
+              <a:t>safety</a:t>
+            </a:r>
+            <a:endParaRPr lang="en-US" sz="2000" dirty="0"/>
+          </a:p>
+          <a:p>
+            <a:r>
+              <a:rPr lang="en-US" altLang="zh-CN" sz="2000" dirty="0"/>
               <a:t>Based</a:t>
             </a:r>
             <a:r>
-              <a:rPr lang="zh-CN" altLang="en-US" dirty="0"/>
-              <a:t> </a:t>
-            </a:r>
-            <a:r>
-              <a:rPr lang="en-US" altLang="zh-CN" dirty="0"/>
+              <a:rPr lang="zh-CN" altLang="en-US" sz="2000" dirty="0"/>
+              <a:t> </a:t>
+            </a:r>
+            <a:r>
+              <a:rPr lang="en-US" altLang="zh-CN" sz="2000" dirty="0"/>
               <a:t>on</a:t>
             </a:r>
             <a:r>
-              <a:rPr lang="zh-CN" altLang="en-US" dirty="0"/>
-              <a:t> </a:t>
-            </a:r>
-            <a:r>
-              <a:rPr lang="en-US" altLang="zh-CN" dirty="0"/>
+              <a:rPr lang="zh-CN" altLang="en-US" sz="2000" dirty="0"/>
+              <a:t> </a:t>
+            </a:r>
+            <a:r>
+              <a:rPr lang="en-US" altLang="zh-CN" sz="2000" dirty="0"/>
               <a:t>computer</a:t>
             </a:r>
             <a:r>
-              <a:rPr lang="zh-CN" altLang="en-US" dirty="0"/>
-              <a:t> </a:t>
-            </a:r>
-            <a:r>
-              <a:rPr lang="en-US" altLang="zh-CN" dirty="0"/>
+              <a:rPr lang="zh-CN" altLang="en-US" sz="2000" dirty="0"/>
+              <a:t> </a:t>
+            </a:r>
+            <a:r>
+              <a:rPr lang="en-US" altLang="zh-CN" sz="2000" dirty="0"/>
               <a:t>vision</a:t>
             </a:r>
             <a:r>
-              <a:rPr lang="zh-CN" altLang="en-US" dirty="0"/>
-              <a:t> </a:t>
-            </a:r>
-            <a:r>
-              <a:rPr lang="en-US" altLang="zh-CN" dirty="0"/>
+              <a:rPr lang="zh-CN" altLang="en-US" sz="2000" dirty="0"/>
+              <a:t> </a:t>
+            </a:r>
+            <a:r>
+              <a:rPr lang="en-US" altLang="zh-CN" sz="2000" dirty="0"/>
               <a:t>and</a:t>
             </a:r>
             <a:r>
-              <a:rPr lang="zh-CN" altLang="en-US" dirty="0"/>
-              <a:t> </a:t>
-            </a:r>
-            <a:r>
-              <a:rPr lang="en-US" altLang="zh-CN" dirty="0"/>
+              <a:rPr lang="zh-CN" altLang="en-US" sz="2000" dirty="0"/>
+              <a:t> </a:t>
+            </a:r>
+            <a:r>
+              <a:rPr lang="en-US" altLang="zh-CN" sz="2000" dirty="0"/>
               <a:t>image</a:t>
             </a:r>
             <a:r>
-              <a:rPr lang="zh-CN" altLang="en-US" dirty="0"/>
-              <a:t> </a:t>
-            </a:r>
-            <a:r>
-              <a:rPr lang="en-US" altLang="zh-CN" dirty="0"/>
+              <a:rPr lang="zh-CN" altLang="en-US" sz="2000" dirty="0"/>
+              <a:t> </a:t>
+            </a:r>
+            <a:r>
+              <a:rPr lang="en-US" altLang="zh-CN" sz="2000" dirty="0"/>
               <a:t>pattern</a:t>
             </a:r>
             <a:r>
-              <a:rPr lang="zh-CN" altLang="en-US" dirty="0"/>
-              <a:t> </a:t>
-            </a:r>
-            <a:r>
-              <a:rPr lang="en-US" altLang="zh-CN" dirty="0"/>
+              <a:rPr lang="zh-CN" altLang="en-US" sz="2000" dirty="0"/>
+              <a:t> </a:t>
+            </a:r>
+            <a:r>
+              <a:rPr lang="en-US" altLang="zh-CN" sz="2000" dirty="0"/>
               <a:t>recognize</a:t>
             </a:r>
-            <a:endParaRPr lang="en-US" dirty="0"/>
+            <a:endParaRPr lang="en-US" sz="2000" dirty="0"/>
           </a:p>
         </p:txBody>
       </p:sp>
@@ -4917,14 +6124,19 @@
             <p:ph type="dt" sz="half" idx="10"/>
           </p:nvPr>
         </p:nvSpPr>
-        <p:spPr/>
+        <p:spPr>
+          <a:xfrm>
+            <a:off x="838200" y="6356350"/>
+            <a:ext cx="2743200" cy="365125"/>
+          </a:xfrm>
+        </p:spPr>
         <p:txBody>
           <a:bodyPr/>
           <a:lstStyle/>
           <a:p>
             <a:fld id="{7A0DBF98-EB0C-384D-94F6-4BC87EAC30DC}" type="datetime1">
               <a:rPr lang="en-US" smtClean="0"/>
-              <a:t>12/1/19</a:t>
+              <a:t>12/3/19</a:t>
             </a:fld>
             <a:endParaRPr lang="en-US" dirty="0"/>
           </a:p>
@@ -4946,7 +6158,12 @@
             <p:ph type="sldNum" sz="quarter" idx="12"/>
           </p:nvPr>
         </p:nvSpPr>
-        <p:spPr/>
+        <p:spPr>
+          <a:xfrm>
+            <a:off x="8610600" y="6356350"/>
+            <a:ext cx="2743200" cy="365125"/>
+          </a:xfrm>
+        </p:spPr>
         <p:txBody>
           <a:bodyPr/>
           <a:lstStyle/>
@@ -4975,8 +6192,8 @@
         </p:nvSpPr>
         <p:spPr>
           <a:xfrm>
-            <a:off x="6624917" y="1889499"/>
-            <a:ext cx="5428129" cy="4351338"/>
+            <a:off x="6619125" y="1634693"/>
+            <a:ext cx="5428129" cy="2291848"/>
           </a:xfrm>
           <a:prstGeom prst="rect">
             <a:avLst/>
@@ -5152,32 +6369,266 @@
           </a:lstStyle>
           <a:p>
             <a:r>
-              <a:rPr lang="en-US" dirty="0"/>
+              <a:rPr lang="en-US" sz="2000" dirty="0"/>
               <a:t>Medical assistance  --- the important way for impaired person to communicate with the world</a:t>
             </a:r>
           </a:p>
           <a:p>
             <a:r>
-              <a:rPr lang="en-US" altLang="zh-CN" dirty="0"/>
+              <a:rPr lang="en-US" altLang="zh-CN" sz="2000" dirty="0"/>
               <a:t>EEG</a:t>
             </a:r>
             <a:r>
-              <a:rPr lang="zh-CN" altLang="en-US" dirty="0"/>
-              <a:t> </a:t>
-            </a:r>
-            <a:r>
-              <a:rPr lang="en-US" altLang="zh-CN" dirty="0"/>
+              <a:rPr lang="zh-CN" altLang="en-US" sz="2000" dirty="0"/>
+              <a:t> </a:t>
+            </a:r>
+            <a:r>
+              <a:rPr lang="en-US" altLang="zh-CN" sz="2000" dirty="0"/>
               <a:t>signal</a:t>
             </a:r>
             <a:r>
-              <a:rPr lang="zh-CN" altLang="en-US" dirty="0"/>
-              <a:t> </a:t>
-            </a:r>
-            <a:r>
-              <a:rPr lang="en-US" altLang="zh-CN" dirty="0"/>
+              <a:rPr lang="zh-CN" altLang="en-US" sz="2000" dirty="0"/>
+              <a:t> </a:t>
+            </a:r>
+            <a:r>
+              <a:rPr lang="en-US" altLang="zh-CN" sz="2000" dirty="0"/>
               <a:t>prediction</a:t>
             </a:r>
+            <a:endParaRPr lang="en-US" sz="2000" dirty="0"/>
+          </a:p>
+        </p:txBody>
+      </p:sp>
+      <p:sp>
+        <p:nvSpPr>
+          <p:cNvPr id="7" name="TextBox 6">
+            <a:extLst>
+              <a:ext uri="{FF2B5EF4-FFF2-40B4-BE49-F238E27FC236}">
+                <a16:creationId xmlns:a16="http://schemas.microsoft.com/office/drawing/2014/main" id="{0DEDA947-1449-4E47-A26D-242DCC329055}"/>
+              </a:ext>
+            </a:extLst>
+          </p:cNvPr>
+          <p:cNvSpPr txBox="1"/>
+          <p:nvPr/>
+        </p:nvSpPr>
+        <p:spPr>
+          <a:xfrm>
+            <a:off x="229857" y="5750221"/>
+            <a:ext cx="5668926" cy="877163"/>
+          </a:xfrm>
+          <a:prstGeom prst="rect">
+            <a:avLst/>
+          </a:prstGeom>
+          <a:noFill/>
+        </p:spPr>
+        <p:txBody>
+          <a:bodyPr wrap="square" rtlCol="0">
+            <a:spAutoFit/>
+          </a:bodyPr>
+          <a:lstStyle/>
+          <a:p>
+            <a:r>
+              <a:rPr lang="en-US" sz="1100"/>
+              <a:t>Nassr Alsaeedi* and Dieter Wloka “Real-Time Eyeblink Detector and Eye State Classifier for Virtual Reality (VR) Headsets (Head-Mounted Displays, HMDs)” </a:t>
+            </a:r>
+            <a:r>
+              <a:rPr lang="en-US" sz="1100">
+                <a:hlinkClick r:id="rId2"/>
+              </a:rPr>
+              <a:t>Sensors (Basel)</a:t>
+            </a:r>
+            <a:r>
+              <a:rPr lang="en-US" sz="1100"/>
+              <a:t>. 2019 Mar; 19(5): 1121.</a:t>
+            </a:r>
+          </a:p>
+          <a:p>
             <a:endParaRPr lang="en-US" dirty="0"/>
+          </a:p>
+        </p:txBody>
+      </p:sp>
+      <p:sp>
+        <p:nvSpPr>
+          <p:cNvPr id="8" name="TextBox 7">
+            <a:extLst>
+              <a:ext uri="{FF2B5EF4-FFF2-40B4-BE49-F238E27FC236}">
+                <a16:creationId xmlns:a16="http://schemas.microsoft.com/office/drawing/2014/main" id="{B1600DCC-2546-1641-B634-676513179742}"/>
+              </a:ext>
+            </a:extLst>
+          </p:cNvPr>
+          <p:cNvSpPr txBox="1"/>
+          <p:nvPr/>
+        </p:nvSpPr>
+        <p:spPr>
+          <a:xfrm>
+            <a:off x="6619125" y="5756185"/>
+            <a:ext cx="4323608" cy="738664"/>
+          </a:xfrm>
+          <a:prstGeom prst="rect">
+            <a:avLst/>
+          </a:prstGeom>
+          <a:noFill/>
+        </p:spPr>
+        <p:txBody>
+          <a:bodyPr wrap="square" rtlCol="0">
+            <a:spAutoFit/>
+          </a:bodyPr>
+          <a:lstStyle/>
+          <a:p>
+            <a:r>
+              <a:rPr lang="en-US" sz="1200"/>
+              <a:t>Królak, A. &amp; Strumiłło, P. Univ Access Inf Soc (2012) 11: 409. https://doi.org/10.1007/s10209-011-0256-6</a:t>
+            </a:r>
+          </a:p>
+          <a:p>
+            <a:endParaRPr lang="en-US" dirty="0"/>
+          </a:p>
+        </p:txBody>
+      </p:sp>
+      <p:pic>
+        <p:nvPicPr>
+          <p:cNvPr id="10" name="Picture 9" descr="A picture containing person, indoor, room, holding&#10;&#10;Description automatically generated">
+            <a:extLst>
+              <a:ext uri="{FF2B5EF4-FFF2-40B4-BE49-F238E27FC236}">
+                <a16:creationId xmlns:a16="http://schemas.microsoft.com/office/drawing/2014/main" id="{444E49B6-CF8F-4541-A82C-0C14A6E4C63E}"/>
+              </a:ext>
+            </a:extLst>
+          </p:cNvPr>
+          <p:cNvPicPr>
+            <a:picLocks noChangeAspect="1"/>
+          </p:cNvPicPr>
+          <p:nvPr/>
+        </p:nvPicPr>
+        <p:blipFill>
+          <a:blip r:embed="rId3"/>
+          <a:stretch>
+            <a:fillRect/>
+          </a:stretch>
+        </p:blipFill>
+        <p:spPr>
+          <a:xfrm>
+            <a:off x="6797255" y="2649572"/>
+            <a:ext cx="4323608" cy="2602988"/>
+          </a:xfrm>
+          <a:prstGeom prst="rect">
+            <a:avLst/>
+          </a:prstGeom>
+        </p:spPr>
+      </p:pic>
+      <p:sp>
+        <p:nvSpPr>
+          <p:cNvPr id="11" name="TextBox 10">
+            <a:extLst>
+              <a:ext uri="{FF2B5EF4-FFF2-40B4-BE49-F238E27FC236}">
+                <a16:creationId xmlns:a16="http://schemas.microsoft.com/office/drawing/2014/main" id="{E7F400E0-D50E-B542-A6CA-665E67F873C2}"/>
+              </a:ext>
+            </a:extLst>
+          </p:cNvPr>
+          <p:cNvSpPr txBox="1"/>
+          <p:nvPr/>
+        </p:nvSpPr>
+        <p:spPr>
+          <a:xfrm>
+            <a:off x="6703139" y="5252560"/>
+            <a:ext cx="4511840" cy="276999"/>
+          </a:xfrm>
+          <a:prstGeom prst="rect">
+            <a:avLst/>
+          </a:prstGeom>
+          <a:noFill/>
+        </p:spPr>
+        <p:txBody>
+          <a:bodyPr wrap="square" rtlCol="0">
+            <a:spAutoFit/>
+          </a:bodyPr>
+          <a:lstStyle/>
+          <a:p>
+            <a:r>
+              <a:rPr lang="en-US" sz="1200">
+                <a:hlinkClick r:id="rId4">
+                  <a:extLst>
+                    <a:ext uri="{A12FA001-AC4F-418D-AE19-62706E023703}">
+                      <ahyp:hlinkClr xmlns:ahyp="http://schemas.microsoft.com/office/drawing/2018/hyperlinkcolor" val="tx"/>
+                    </a:ext>
+                  </a:extLst>
+                </a:hlinkClick>
+              </a:rPr>
+              <a:t>https://www.myvmc.com/investigations/electroencephalogram-eeg/</a:t>
+            </a:r>
+            <a:endParaRPr lang="en-US" sz="1200" dirty="0"/>
+          </a:p>
+        </p:txBody>
+      </p:sp>
+      <p:pic>
+        <p:nvPicPr>
+          <p:cNvPr id="13" name="Picture 12">
+            <a:extLst>
+              <a:ext uri="{FF2B5EF4-FFF2-40B4-BE49-F238E27FC236}">
+                <a16:creationId xmlns:a16="http://schemas.microsoft.com/office/drawing/2014/main" id="{AA2152F8-6529-E242-AF6F-457BE504A46B}"/>
+              </a:ext>
+            </a:extLst>
+          </p:cNvPr>
+          <p:cNvPicPr>
+            <a:picLocks noChangeAspect="1"/>
+          </p:cNvPicPr>
+          <p:nvPr/>
+        </p:nvPicPr>
+        <p:blipFill>
+          <a:blip r:embed="rId5"/>
+          <a:stretch>
+            <a:fillRect/>
+          </a:stretch>
+        </p:blipFill>
+        <p:spPr>
+          <a:xfrm>
+            <a:off x="351349" y="2726829"/>
+            <a:ext cx="4286474" cy="2496478"/>
+          </a:xfrm>
+          <a:prstGeom prst="rect">
+            <a:avLst/>
+          </a:prstGeom>
+        </p:spPr>
+      </p:pic>
+      <p:sp>
+        <p:nvSpPr>
+          <p:cNvPr id="14" name="TextBox 13">
+            <a:extLst>
+              <a:ext uri="{FF2B5EF4-FFF2-40B4-BE49-F238E27FC236}">
+                <a16:creationId xmlns:a16="http://schemas.microsoft.com/office/drawing/2014/main" id="{6ED2AD5A-6C08-FF4B-90DE-C913FC713894}"/>
+              </a:ext>
+            </a:extLst>
+          </p:cNvPr>
+          <p:cNvSpPr txBox="1"/>
+          <p:nvPr/>
+        </p:nvSpPr>
+        <p:spPr>
+          <a:xfrm>
+            <a:off x="351349" y="5252560"/>
+            <a:ext cx="4323608" cy="276999"/>
+          </a:xfrm>
+          <a:prstGeom prst="rect">
+            <a:avLst/>
+          </a:prstGeom>
+          <a:noFill/>
+        </p:spPr>
+        <p:txBody>
+          <a:bodyPr wrap="square" rtlCol="0">
+            <a:spAutoFit/>
+          </a:bodyPr>
+          <a:lstStyle/>
+          <a:p>
+            <a:r>
+              <a:rPr lang="en-US" sz="1200" dirty="0">
+                <a:hlinkClick r:id="rId6">
+                  <a:extLst>
+                    <a:ext uri="{A12FA001-AC4F-418D-AE19-62706E023703}">
+                      <ahyp:hlinkClr xmlns:ahyp="http://schemas.microsoft.com/office/drawing/2018/hyperlinkcolor" val="tx"/>
+                    </a:ext>
+                  </a:extLst>
+                </a:hlinkClick>
+              </a:rPr>
+              <a:t>https://blog.safetyglassesusa.com/fighting-driver-fatigue/</a:t>
+            </a:r>
+            <a:endParaRPr lang="en-US" sz="1200" dirty="0"/>
           </a:p>
         </p:txBody>
       </p:sp>
@@ -5246,177 +6697,7 @@
             </a:r>
             <a:r>
               <a:rPr lang="en-US" altLang="zh-CN" dirty="0"/>
-              <a:t>EEG</a:t>
-            </a:r>
-            <a:r>
-              <a:rPr lang="zh-CN" altLang="en-US" dirty="0"/>
-              <a:t> </a:t>
-            </a:r>
-            <a:r>
-              <a:rPr lang="en-US" altLang="zh-CN" dirty="0"/>
-              <a:t>signal</a:t>
-            </a:r>
-            <a:endParaRPr lang="en-US" dirty="0"/>
-          </a:p>
-        </p:txBody>
-      </p:sp>
-      <p:sp>
-        <p:nvSpPr>
-          <p:cNvPr id="3" name="Content Placeholder 2">
-            <a:extLst>
-              <a:ext uri="{FF2B5EF4-FFF2-40B4-BE49-F238E27FC236}">
-                <a16:creationId xmlns:a16="http://schemas.microsoft.com/office/drawing/2014/main" id="{86EAC19E-AEFE-4549-BA71-EA1379EB6738}"/>
-              </a:ext>
-            </a:extLst>
-          </p:cNvPr>
-          <p:cNvSpPr>
-            <a:spLocks noGrp="1"/>
-          </p:cNvSpPr>
-          <p:nvPr>
-            <p:ph idx="1"/>
-          </p:nvPr>
-        </p:nvSpPr>
-        <p:spPr>
-          <a:xfrm>
-            <a:off x="838199" y="1825625"/>
-            <a:ext cx="6544235" cy="4351338"/>
-          </a:xfrm>
-        </p:spPr>
-        <p:txBody>
-          <a:bodyPr/>
-          <a:lstStyle/>
-          <a:p>
-            <a:r>
-              <a:rPr lang="en-US" dirty="0"/>
-              <a:t>EEG</a:t>
-            </a:r>
-            <a:r>
-              <a:rPr lang="zh-CN" altLang="en-US" dirty="0"/>
-              <a:t> </a:t>
-            </a:r>
-            <a:r>
-              <a:rPr lang="en-US" altLang="zh-CN" dirty="0"/>
-              <a:t>generated</a:t>
-            </a:r>
-            <a:r>
-              <a:rPr lang="zh-CN" altLang="en-US" dirty="0"/>
-              <a:t> </a:t>
-            </a:r>
-            <a:r>
-              <a:rPr lang="en-US" altLang="zh-CN" dirty="0"/>
-              <a:t>from</a:t>
-            </a:r>
-            <a:r>
-              <a:rPr lang="zh-CN" altLang="en-US" dirty="0"/>
-              <a:t> </a:t>
-            </a:r>
-            <a:r>
-              <a:rPr lang="en-US" altLang="zh-CN" dirty="0"/>
-              <a:t>brain</a:t>
-            </a:r>
-            <a:r>
-              <a:rPr lang="zh-CN" altLang="en-US" dirty="0"/>
-              <a:t> </a:t>
-            </a:r>
-            <a:r>
-              <a:rPr lang="en-US" altLang="zh-CN" dirty="0"/>
-              <a:t>electrical</a:t>
-            </a:r>
-            <a:r>
-              <a:rPr lang="zh-CN" altLang="en-US" dirty="0"/>
-              <a:t> </a:t>
-            </a:r>
-            <a:r>
-              <a:rPr lang="en-US" altLang="zh-CN" dirty="0"/>
-              <a:t>activity</a:t>
-            </a:r>
-            <a:r>
-              <a:rPr lang="zh-CN" altLang="en-US" dirty="0"/>
-              <a:t> </a:t>
-            </a:r>
-            <a:r>
-              <a:rPr lang="en-US" altLang="zh-CN" dirty="0"/>
-              <a:t>sensor</a:t>
-            </a:r>
-            <a:r>
-              <a:rPr lang="zh-CN" altLang="en-US" dirty="0"/>
-              <a:t> </a:t>
-            </a:r>
-            <a:r>
-              <a:rPr lang="en-US" altLang="zh-CN" dirty="0"/>
-              <a:t>can</a:t>
-            </a:r>
-            <a:r>
-              <a:rPr lang="zh-CN" altLang="en-US" dirty="0"/>
-              <a:t> </a:t>
-            </a:r>
-            <a:r>
-              <a:rPr lang="en-US" altLang="zh-CN" dirty="0"/>
-              <a:t>represent</a:t>
-            </a:r>
-            <a:r>
-              <a:rPr lang="zh-CN" altLang="en-US" dirty="0"/>
-              <a:t> </a:t>
-            </a:r>
-            <a:r>
-              <a:rPr lang="en-US" altLang="zh-CN" dirty="0"/>
-              <a:t>eye</a:t>
-            </a:r>
-            <a:r>
-              <a:rPr lang="zh-CN" altLang="en-US" dirty="0"/>
-              <a:t> </a:t>
-            </a:r>
-            <a:r>
-              <a:rPr lang="en-US" altLang="zh-CN" dirty="0"/>
-              <a:t>state,</a:t>
-            </a:r>
-            <a:r>
-              <a:rPr lang="zh-CN" altLang="en-US" dirty="0"/>
-              <a:t> </a:t>
-            </a:r>
-            <a:r>
-              <a:rPr lang="en-US" altLang="zh-CN" dirty="0"/>
-              <a:t>simply</a:t>
-            </a:r>
-            <a:r>
-              <a:rPr lang="zh-CN" altLang="en-US" dirty="0"/>
-              <a:t> </a:t>
-            </a:r>
-            <a:r>
-              <a:rPr lang="en-US" altLang="zh-CN" dirty="0"/>
-              <a:t>the</a:t>
-            </a:r>
-            <a:r>
-              <a:rPr lang="zh-CN" altLang="en-US" dirty="0"/>
-              <a:t> </a:t>
-            </a:r>
-            <a:r>
-              <a:rPr lang="en-US" altLang="zh-CN" dirty="0"/>
-              <a:t>open</a:t>
-            </a:r>
-            <a:r>
-              <a:rPr lang="zh-CN" altLang="en-US" dirty="0"/>
-              <a:t> </a:t>
-            </a:r>
-            <a:r>
-              <a:rPr lang="en-US" altLang="zh-CN" dirty="0"/>
-              <a:t>and</a:t>
-            </a:r>
-            <a:r>
-              <a:rPr lang="zh-CN" altLang="en-US" dirty="0"/>
-              <a:t> </a:t>
-            </a:r>
-            <a:r>
-              <a:rPr lang="en-US" altLang="zh-CN" dirty="0"/>
-              <a:t>close</a:t>
-            </a:r>
-            <a:r>
-              <a:rPr lang="zh-CN" altLang="en-US" dirty="0"/>
-              <a:t> </a:t>
-            </a:r>
-            <a:r>
-              <a:rPr lang="en-US" altLang="zh-CN" dirty="0"/>
-              <a:t>state</a:t>
+              <a:t>Data</a:t>
             </a:r>
             <a:endParaRPr lang="en-US" dirty="0"/>
           </a:p>
@@ -5446,7 +6727,7 @@
             <a:fld id="{21583AF0-66E0-0B4F-A024-0928CE8FE395}" type="datetime1">
               <a:rPr lang="en-US" smtClean="0"/>
               <a:pPr/>
-              <a:t>12/1/19</a:t>
+              <a:t>12/3/19</a:t>
             </a:fld>
             <a:endParaRPr lang="en-US" dirty="0"/>
           </a:p>
@@ -5504,7 +6785,7 @@
         </p:blipFill>
         <p:spPr>
           <a:xfrm>
-            <a:off x="8122396" y="1931800"/>
+            <a:off x="8094039" y="1618082"/>
             <a:ext cx="3452502" cy="3621835"/>
           </a:xfrm>
           <a:prstGeom prst="rect">
@@ -5514,10 +6795,10 @@
       </p:pic>
       <p:sp>
         <p:nvSpPr>
-          <p:cNvPr id="8" name="TextBox 7">
-            <a:extLst>
-              <a:ext uri="{FF2B5EF4-FFF2-40B4-BE49-F238E27FC236}">
-                <a16:creationId xmlns:a16="http://schemas.microsoft.com/office/drawing/2014/main" id="{7AF43C4D-75F8-7644-B11C-2263EAC7551E}"/>
+          <p:cNvPr id="6" name="TextBox 5">
+            <a:extLst>
+              <a:ext uri="{FF2B5EF4-FFF2-40B4-BE49-F238E27FC236}">
+                <a16:creationId xmlns:a16="http://schemas.microsoft.com/office/drawing/2014/main" id="{2DA345ED-26F9-9A46-8A0B-BC4F9F54235E}"/>
               </a:ext>
             </a:extLst>
           </p:cNvPr>
@@ -5526,8 +6807,8 @@
         </p:nvSpPr>
         <p:spPr>
           <a:xfrm>
-            <a:off x="8610600" y="5715298"/>
-            <a:ext cx="2935941" cy="461665"/>
+            <a:off x="1288676" y="5977520"/>
+            <a:ext cx="9614647" cy="523220"/>
           </a:xfrm>
           <a:prstGeom prst="rect">
             <a:avLst/>
@@ -5541,18 +6822,144 @@
           <a:lstStyle/>
           <a:p>
             <a:r>
-              <a:rPr lang="en-US" altLang="zh-CN" sz="2400" dirty="0"/>
-              <a:t>Sensor</a:t>
-            </a:r>
-            <a:r>
-              <a:rPr lang="zh-CN" altLang="en-US" sz="2400" dirty="0"/>
-              <a:t> </a:t>
-            </a:r>
-            <a:r>
-              <a:rPr lang="en-US" altLang="zh-CN" sz="2400" dirty="0"/>
-              <a:t>position</a:t>
-            </a:r>
-            <a:endParaRPr lang="en-US" sz="2400" dirty="0"/>
+              <a:rPr lang="en-US" sz="1400" dirty="0"/>
+              <a:t>S. </a:t>
+            </a:r>
+            <a:r>
+              <a:rPr lang="en-US" sz="1400" dirty="0" err="1"/>
+              <a:t>Vachiravel</a:t>
+            </a:r>
+            <a:r>
+              <a:rPr lang="en-US" sz="1400" dirty="0"/>
+              <a:t>, Eye State Prediction using EEG Signal and C4.5 Decision tree algorithm, March 2016.</a:t>
+            </a:r>
+          </a:p>
+          <a:p>
+            <a:endParaRPr lang="en-US" sz="1400" dirty="0"/>
+          </a:p>
+        </p:txBody>
+      </p:sp>
+      <p:sp>
+        <p:nvSpPr>
+          <p:cNvPr id="11" name="TextBox 10">
+            <a:extLst>
+              <a:ext uri="{FF2B5EF4-FFF2-40B4-BE49-F238E27FC236}">
+                <a16:creationId xmlns:a16="http://schemas.microsoft.com/office/drawing/2014/main" id="{7B483C36-1D2B-F940-9B1B-951C350CE90F}"/>
+              </a:ext>
+            </a:extLst>
+          </p:cNvPr>
+          <p:cNvSpPr txBox="1"/>
+          <p:nvPr/>
+        </p:nvSpPr>
+        <p:spPr>
+          <a:xfrm>
+            <a:off x="645459" y="1766704"/>
+            <a:ext cx="7255839" cy="1631216"/>
+          </a:xfrm>
+          <a:prstGeom prst="rect">
+            <a:avLst/>
+          </a:prstGeom>
+          <a:noFill/>
+        </p:spPr>
+        <p:txBody>
+          <a:bodyPr wrap="square" rtlCol="0">
+            <a:spAutoFit/>
+          </a:bodyPr>
+          <a:lstStyle/>
+          <a:p>
+            <a:r>
+              <a:rPr lang="en-US" altLang="zh-CN" sz="2000" dirty="0">
+                <a:latin typeface="Microsoft YaHei" panose="020B0503020204020204" pitchFamily="34" charset="-122"/>
+                <a:ea typeface="Microsoft YaHei" panose="020B0503020204020204" pitchFamily="34" charset="-122"/>
+              </a:rPr>
+              <a:t>The objective of our project is to train an optimal model for eye blinking prediction based on 14-dimensional EEG signal. There are only 2 states of eye blinking which are open and closed, so basically we should construct a binary classifier to predict eye blinking.</a:t>
+            </a:r>
+            <a:endParaRPr lang="zh-CN" altLang="en-US" sz="2000" dirty="0">
+              <a:latin typeface="Microsoft YaHei" panose="020B0503020204020204" pitchFamily="34" charset="-122"/>
+              <a:ea typeface="Microsoft YaHei" panose="020B0503020204020204" pitchFamily="34" charset="-122"/>
+            </a:endParaRPr>
+          </a:p>
+        </p:txBody>
+      </p:sp>
+      <p:sp>
+        <p:nvSpPr>
+          <p:cNvPr id="12" name="TextBox 11">
+            <a:extLst>
+              <a:ext uri="{FF2B5EF4-FFF2-40B4-BE49-F238E27FC236}">
+                <a16:creationId xmlns:a16="http://schemas.microsoft.com/office/drawing/2014/main" id="{857ED1B0-7AB1-4940-907E-EBBB090AF4A1}"/>
+              </a:ext>
+            </a:extLst>
+          </p:cNvPr>
+          <p:cNvSpPr txBox="1"/>
+          <p:nvPr/>
+        </p:nvSpPr>
+        <p:spPr>
+          <a:xfrm>
+            <a:off x="645459" y="3776750"/>
+            <a:ext cx="6758626" cy="1323439"/>
+          </a:xfrm>
+          <a:prstGeom prst="rect">
+            <a:avLst/>
+          </a:prstGeom>
+          <a:noFill/>
+        </p:spPr>
+        <p:txBody>
+          <a:bodyPr wrap="square" rtlCol="0">
+            <a:spAutoFit/>
+          </a:bodyPr>
+          <a:lstStyle/>
+          <a:p>
+            <a:r>
+              <a:rPr lang="en-US" altLang="zh-CN" sz="2000" dirty="0">
+                <a:latin typeface="Microsoft YaHei" panose="020B0503020204020204" pitchFamily="34" charset="-122"/>
+                <a:ea typeface="Microsoft YaHei" panose="020B0503020204020204" pitchFamily="34" charset="-122"/>
+              </a:rPr>
+              <a:t>Training data set consists of 10000 14-dimential observations with labels, 10-fold cross validation will be implemented on it. Beside, a testing data set with 4980 observations provide on Kaggle </a:t>
+            </a:r>
+            <a:endParaRPr lang="zh-CN" altLang="en-US" sz="2000" dirty="0">
+              <a:latin typeface="Microsoft YaHei" panose="020B0503020204020204" pitchFamily="34" charset="-122"/>
+              <a:ea typeface="Microsoft YaHei" panose="020B0503020204020204" pitchFamily="34" charset="-122"/>
+            </a:endParaRPr>
+          </a:p>
+        </p:txBody>
+      </p:sp>
+      <p:sp>
+        <p:nvSpPr>
+          <p:cNvPr id="13" name="TextBox 12">
+            <a:extLst>
+              <a:ext uri="{FF2B5EF4-FFF2-40B4-BE49-F238E27FC236}">
+                <a16:creationId xmlns:a16="http://schemas.microsoft.com/office/drawing/2014/main" id="{A9BA413C-0294-A54B-903A-068A5F463FFB}"/>
+              </a:ext>
+            </a:extLst>
+          </p:cNvPr>
+          <p:cNvSpPr txBox="1"/>
+          <p:nvPr/>
+        </p:nvSpPr>
+        <p:spPr>
+          <a:xfrm>
+            <a:off x="8352319" y="5369578"/>
+            <a:ext cx="2935941" cy="338554"/>
+          </a:xfrm>
+          <a:prstGeom prst="rect">
+            <a:avLst/>
+          </a:prstGeom>
+          <a:noFill/>
+        </p:spPr>
+        <p:txBody>
+          <a:bodyPr wrap="square" rtlCol="0">
+            <a:spAutoFit/>
+          </a:bodyPr>
+          <a:lstStyle/>
+          <a:p>
+            <a:pPr algn="ctr"/>
+            <a:r>
+              <a:rPr lang="en-US" altLang="zh-CN" sz="1600" dirty="0">
+                <a:latin typeface="Microsoft YaHei" panose="020B0503020204020204" pitchFamily="34" charset="-122"/>
+                <a:ea typeface="Microsoft YaHei" panose="020B0503020204020204" pitchFamily="34" charset="-122"/>
+              </a:rPr>
+              <a:t>schematic of data collection</a:t>
+            </a:r>
+            <a:endParaRPr lang="en-US" sz="1600" dirty="0"/>
           </a:p>
         </p:txBody>
       </p:sp>
@@ -5657,288 +7064,290 @@
         </p:nvSpPr>
         <p:spPr>
           <a:xfrm>
-            <a:off x="838200" y="1825625"/>
-            <a:ext cx="10515600" cy="1468904"/>
+            <a:off x="857702" y="1610584"/>
+            <a:ext cx="10515600" cy="821213"/>
           </a:xfrm>
         </p:spPr>
         <p:txBody>
-          <a:bodyPr/>
+          <a:bodyPr>
+            <a:normAutofit fontScale="92500" lnSpcReduction="10000"/>
+          </a:bodyPr>
           <a:lstStyle/>
           <a:p>
             <a:r>
-              <a:rPr lang="en-US" altLang="zh-CN" dirty="0"/>
+              <a:rPr lang="en-US" altLang="zh-CN" sz="2000" dirty="0"/>
               <a:t>System</a:t>
             </a:r>
             <a:r>
-              <a:rPr lang="zh-CN" altLang="en-US" dirty="0"/>
-              <a:t> </a:t>
-            </a:r>
-            <a:r>
-              <a:rPr lang="en-US" altLang="zh-CN" dirty="0"/>
+              <a:rPr lang="zh-CN" altLang="en-US" sz="2000" dirty="0"/>
+              <a:t> </a:t>
+            </a:r>
+            <a:r>
+              <a:rPr lang="en-US" altLang="zh-CN" sz="2000" dirty="0"/>
               <a:t>will</a:t>
             </a:r>
             <a:r>
-              <a:rPr lang="zh-CN" altLang="en-US" dirty="0"/>
-              <a:t> </a:t>
-            </a:r>
-            <a:r>
-              <a:rPr lang="en-US" altLang="zh-CN" dirty="0"/>
+              <a:rPr lang="zh-CN" altLang="en-US" sz="2000" dirty="0"/>
+              <a:t> </a:t>
+            </a:r>
+            <a:r>
+              <a:rPr lang="en-US" altLang="zh-CN" sz="2000" dirty="0"/>
               <a:t>generate</a:t>
             </a:r>
             <a:r>
-              <a:rPr lang="zh-CN" altLang="en-US" dirty="0"/>
-              <a:t> </a:t>
-            </a:r>
-            <a:r>
-              <a:rPr lang="en-US" altLang="zh-CN" dirty="0"/>
+              <a:rPr lang="zh-CN" altLang="en-US" sz="2000" dirty="0"/>
+              <a:t> </a:t>
+            </a:r>
+            <a:r>
+              <a:rPr lang="en-US" altLang="zh-CN" sz="2000" dirty="0"/>
               <a:t>a</a:t>
             </a:r>
             <a:r>
-              <a:rPr lang="zh-CN" altLang="en-US" dirty="0"/>
-              <a:t> </a:t>
-            </a:r>
-            <a:r>
-              <a:rPr lang="en-US" altLang="zh-CN" dirty="0"/>
+              <a:rPr lang="zh-CN" altLang="en-US" sz="2000" dirty="0"/>
+              <a:t> </a:t>
+            </a:r>
+            <a:r>
+              <a:rPr lang="en-US" altLang="zh-CN" sz="2000" dirty="0"/>
               <a:t>14-dim</a:t>
             </a:r>
             <a:r>
-              <a:rPr lang="zh-CN" altLang="en-US" dirty="0"/>
-              <a:t> </a:t>
-            </a:r>
-            <a:r>
-              <a:rPr lang="en-US" altLang="zh-CN" dirty="0"/>
+              <a:rPr lang="zh-CN" altLang="en-US" sz="2000" dirty="0"/>
+              <a:t> </a:t>
+            </a:r>
+            <a:r>
+              <a:rPr lang="en-US" altLang="zh-CN" sz="2000" dirty="0"/>
               <a:t>data,</a:t>
             </a:r>
             <a:r>
-              <a:rPr lang="zh-CN" altLang="en-US" dirty="0"/>
-              <a:t> </a:t>
-            </a:r>
-            <a:r>
-              <a:rPr lang="en-US" altLang="zh-CN" dirty="0"/>
+              <a:rPr lang="zh-CN" altLang="en-US" sz="2000" dirty="0"/>
+              <a:t> </a:t>
+            </a:r>
+            <a:r>
+              <a:rPr lang="en-US" altLang="zh-CN" sz="2000" dirty="0"/>
               <a:t>but</a:t>
             </a:r>
             <a:r>
-              <a:rPr lang="zh-CN" altLang="en-US" dirty="0"/>
-              <a:t> </a:t>
-            </a:r>
-            <a:r>
-              <a:rPr lang="en-US" altLang="zh-CN" dirty="0"/>
+              <a:rPr lang="zh-CN" altLang="en-US" sz="2000" dirty="0"/>
+              <a:t> </a:t>
+            </a:r>
+            <a:r>
+              <a:rPr lang="en-US" altLang="zh-CN" sz="2000" dirty="0"/>
               <a:t>whether</a:t>
             </a:r>
             <a:r>
-              <a:rPr lang="zh-CN" altLang="en-US" dirty="0"/>
-              <a:t> </a:t>
-            </a:r>
-            <a:r>
-              <a:rPr lang="en-US" altLang="zh-CN" dirty="0"/>
+              <a:rPr lang="zh-CN" altLang="en-US" sz="2000" dirty="0"/>
+              <a:t> </a:t>
+            </a:r>
+            <a:r>
+              <a:rPr lang="en-US" altLang="zh-CN" sz="2000" dirty="0"/>
               <a:t>all</a:t>
             </a:r>
             <a:r>
-              <a:rPr lang="zh-CN" altLang="en-US" dirty="0"/>
-              <a:t> </a:t>
-            </a:r>
-            <a:r>
-              <a:rPr lang="en-US" altLang="zh-CN" dirty="0"/>
+              <a:rPr lang="zh-CN" altLang="en-US" sz="2000" dirty="0"/>
+              <a:t> </a:t>
+            </a:r>
+            <a:r>
+              <a:rPr lang="en-US" altLang="zh-CN" sz="2000" dirty="0"/>
               <a:t>those</a:t>
             </a:r>
             <a:r>
-              <a:rPr lang="zh-CN" altLang="en-US" dirty="0"/>
-              <a:t> </a:t>
-            </a:r>
-            <a:r>
-              <a:rPr lang="en-US" altLang="zh-CN" dirty="0"/>
+              <a:rPr lang="zh-CN" altLang="en-US" sz="2000" dirty="0"/>
+              <a:t> </a:t>
+            </a:r>
+            <a:r>
+              <a:rPr lang="en-US" altLang="zh-CN" sz="2000" dirty="0"/>
               <a:t>data</a:t>
             </a:r>
             <a:r>
-              <a:rPr lang="zh-CN" altLang="en-US" dirty="0"/>
-              <a:t> </a:t>
-            </a:r>
-            <a:r>
-              <a:rPr lang="en-US" altLang="zh-CN" dirty="0"/>
+              <a:rPr lang="zh-CN" altLang="en-US" sz="2000" dirty="0"/>
+              <a:t> </a:t>
+            </a:r>
+            <a:r>
+              <a:rPr lang="en-US" altLang="zh-CN" sz="2000" dirty="0"/>
               <a:t>can</a:t>
             </a:r>
             <a:r>
-              <a:rPr lang="zh-CN" altLang="en-US" dirty="0"/>
-              <a:t> </a:t>
-            </a:r>
-            <a:r>
-              <a:rPr lang="en-US" altLang="zh-CN" dirty="0"/>
+              <a:rPr lang="zh-CN" altLang="en-US" sz="2000" dirty="0"/>
+              <a:t> </a:t>
+            </a:r>
+            <a:r>
+              <a:rPr lang="en-US" altLang="zh-CN" sz="2000" dirty="0"/>
               <a:t>be</a:t>
             </a:r>
             <a:r>
-              <a:rPr lang="zh-CN" altLang="en-US" dirty="0"/>
-              <a:t> </a:t>
-            </a:r>
-            <a:r>
-              <a:rPr lang="en-US" altLang="zh-CN" dirty="0"/>
+              <a:rPr lang="zh-CN" altLang="en-US" sz="2000" dirty="0"/>
+              <a:t> </a:t>
+            </a:r>
+            <a:r>
+              <a:rPr lang="en-US" altLang="zh-CN" sz="2000" dirty="0"/>
               <a:t>useful,</a:t>
             </a:r>
             <a:r>
-              <a:rPr lang="zh-CN" altLang="en-US" dirty="0"/>
-              <a:t> </a:t>
-            </a:r>
-            <a:r>
-              <a:rPr lang="en-US" altLang="zh-CN" dirty="0"/>
+              <a:rPr lang="zh-CN" altLang="en-US" sz="2000" dirty="0"/>
+              <a:t> </a:t>
+            </a:r>
+            <a:r>
+              <a:rPr lang="en-US" altLang="zh-CN" sz="2000" dirty="0"/>
               <a:t>we</a:t>
             </a:r>
             <a:r>
-              <a:rPr lang="zh-CN" altLang="en-US" dirty="0"/>
-              <a:t> </a:t>
-            </a:r>
-            <a:r>
-              <a:rPr lang="en-US" altLang="zh-CN" dirty="0"/>
+              <a:rPr lang="zh-CN" altLang="en-US" sz="2000" dirty="0"/>
+              <a:t> </a:t>
+            </a:r>
+            <a:r>
+              <a:rPr lang="en-US" altLang="zh-CN" sz="2000" dirty="0"/>
               <a:t>will</a:t>
             </a:r>
             <a:r>
-              <a:rPr lang="zh-CN" altLang="en-US" dirty="0"/>
-              <a:t> </a:t>
-            </a:r>
-            <a:r>
-              <a:rPr lang="en-US" altLang="zh-CN" dirty="0"/>
+              <a:rPr lang="zh-CN" altLang="en-US" sz="2000" dirty="0"/>
+              <a:t> </a:t>
+            </a:r>
+            <a:r>
+              <a:rPr lang="en-US" altLang="zh-CN" sz="2000" dirty="0"/>
               <a:t>implement</a:t>
             </a:r>
             <a:r>
-              <a:rPr lang="zh-CN" altLang="en-US" dirty="0"/>
-              <a:t> </a:t>
-            </a:r>
-            <a:r>
-              <a:rPr lang="en-US" altLang="zh-CN" dirty="0"/>
+              <a:rPr lang="zh-CN" altLang="en-US" sz="2000" dirty="0"/>
+              <a:t> </a:t>
+            </a:r>
+            <a:r>
+              <a:rPr lang="en-US" altLang="zh-CN" sz="2000" dirty="0"/>
               <a:t>a</a:t>
             </a:r>
             <a:r>
-              <a:rPr lang="zh-CN" altLang="en-US" dirty="0"/>
-              <a:t> </a:t>
-            </a:r>
-            <a:r>
-              <a:rPr lang="en-US" altLang="zh-CN" dirty="0"/>
+              <a:rPr lang="zh-CN" altLang="en-US" sz="2000" dirty="0"/>
+              <a:t> </a:t>
+            </a:r>
+            <a:r>
+              <a:rPr lang="en-US" altLang="zh-CN" sz="2000" dirty="0"/>
               <a:t>feature</a:t>
             </a:r>
             <a:r>
-              <a:rPr lang="zh-CN" altLang="en-US" dirty="0"/>
-              <a:t> </a:t>
-            </a:r>
-            <a:r>
-              <a:rPr lang="en-US" altLang="zh-CN" dirty="0"/>
+              <a:rPr lang="zh-CN" altLang="en-US" sz="2000" dirty="0"/>
+              <a:t> </a:t>
+            </a:r>
+            <a:r>
+              <a:rPr lang="en-US" altLang="zh-CN" sz="2000" dirty="0"/>
               <a:t>selective</a:t>
             </a:r>
             <a:r>
-              <a:rPr lang="zh-CN" altLang="en-US" dirty="0"/>
-              <a:t> </a:t>
-            </a:r>
-            <a:r>
-              <a:rPr lang="en-US" altLang="zh-CN" dirty="0"/>
+              <a:rPr lang="zh-CN" altLang="en-US" sz="2000" dirty="0"/>
+              <a:t> </a:t>
+            </a:r>
+            <a:r>
+              <a:rPr lang="en-US" altLang="zh-CN" sz="2000" dirty="0"/>
               <a:t>method</a:t>
             </a:r>
             <a:r>
-              <a:rPr lang="zh-CN" altLang="en-US" dirty="0"/>
-              <a:t> </a:t>
-            </a:r>
-            <a:r>
-              <a:rPr lang="en-US" altLang="zh-CN" dirty="0"/>
+              <a:rPr lang="zh-CN" altLang="en-US" sz="2000" dirty="0"/>
+              <a:t> </a:t>
+            </a:r>
+            <a:r>
+              <a:rPr lang="en-US" altLang="zh-CN" sz="2000" dirty="0"/>
               <a:t>to</a:t>
             </a:r>
             <a:r>
-              <a:rPr lang="zh-CN" altLang="en-US" dirty="0"/>
-              <a:t> </a:t>
-            </a:r>
-            <a:r>
-              <a:rPr lang="en-US" altLang="zh-CN" dirty="0"/>
+              <a:rPr lang="zh-CN" altLang="en-US" sz="2000" dirty="0"/>
+              <a:t> </a:t>
+            </a:r>
+            <a:r>
+              <a:rPr lang="en-US" altLang="zh-CN" sz="2000" dirty="0"/>
               <a:t>generate</a:t>
             </a:r>
             <a:r>
-              <a:rPr lang="zh-CN" altLang="en-US" dirty="0"/>
-              <a:t> </a:t>
-            </a:r>
-            <a:r>
-              <a:rPr lang="en-US" altLang="zh-CN" dirty="0"/>
+              <a:rPr lang="zh-CN" altLang="en-US" sz="2000" dirty="0"/>
+              <a:t> </a:t>
+            </a:r>
+            <a:r>
+              <a:rPr lang="en-US" altLang="zh-CN" sz="2000" dirty="0"/>
               <a:t>new</a:t>
             </a:r>
             <a:r>
-              <a:rPr lang="zh-CN" altLang="en-US" dirty="0"/>
-              <a:t> </a:t>
-            </a:r>
-            <a:r>
-              <a:rPr lang="en-US" altLang="zh-CN" dirty="0"/>
+              <a:rPr lang="zh-CN" altLang="en-US" sz="2000" dirty="0"/>
+              <a:t> </a:t>
+            </a:r>
+            <a:r>
+              <a:rPr lang="en-US" altLang="zh-CN" sz="2000" dirty="0"/>
               <a:t>sequences</a:t>
             </a:r>
             <a:r>
-              <a:rPr lang="zh-CN" altLang="en-US" dirty="0"/>
-              <a:t> </a:t>
-            </a:r>
-            <a:r>
-              <a:rPr lang="en-US" altLang="zh-CN" dirty="0"/>
+              <a:rPr lang="zh-CN" altLang="en-US" sz="2000" dirty="0"/>
+              <a:t> </a:t>
+            </a:r>
+            <a:r>
+              <a:rPr lang="en-US" altLang="zh-CN" sz="2000" dirty="0"/>
               <a:t>of</a:t>
             </a:r>
             <a:r>
-              <a:rPr lang="zh-CN" altLang="en-US" dirty="0"/>
-              <a:t> </a:t>
-            </a:r>
-            <a:r>
-              <a:rPr lang="en-US" altLang="zh-CN" dirty="0"/>
+              <a:rPr lang="zh-CN" altLang="en-US" sz="2000" dirty="0"/>
+              <a:t> </a:t>
+            </a:r>
+            <a:r>
+              <a:rPr lang="en-US" altLang="zh-CN" sz="2000" dirty="0"/>
               <a:t>data</a:t>
             </a:r>
             <a:r>
-              <a:rPr lang="zh-CN" altLang="en-US" dirty="0"/>
-              <a:t> </a:t>
-            </a:r>
-            <a:r>
-              <a:rPr lang="en-US" altLang="zh-CN" dirty="0"/>
+              <a:rPr lang="zh-CN" altLang="en-US" sz="2000" dirty="0"/>
+              <a:t> </a:t>
+            </a:r>
+            <a:r>
+              <a:rPr lang="en-US" altLang="zh-CN" sz="2000" dirty="0"/>
               <a:t>from</a:t>
             </a:r>
             <a:r>
-              <a:rPr lang="zh-CN" altLang="en-US" dirty="0"/>
-              <a:t> </a:t>
-            </a:r>
-            <a:r>
-              <a:rPr lang="en-US" altLang="zh-CN" dirty="0"/>
-              <a:t>train</a:t>
-            </a:r>
-            <a:r>
-              <a:rPr lang="zh-CN" altLang="en-US" dirty="0"/>
-              <a:t> </a:t>
-            </a:r>
-            <a:r>
-              <a:rPr lang="en-US" altLang="zh-CN" dirty="0"/>
+              <a:rPr lang="zh-CN" altLang="en-US" sz="2000" dirty="0"/>
+              <a:t> </a:t>
+            </a:r>
+            <a:r>
+              <a:rPr lang="en-US" altLang="zh-CN" sz="2000" dirty="0"/>
+              <a:t>training</a:t>
+            </a:r>
+            <a:r>
+              <a:rPr lang="zh-CN" altLang="en-US" sz="2000" dirty="0"/>
+              <a:t> </a:t>
+            </a:r>
+            <a:r>
+              <a:rPr lang="en-US" altLang="zh-CN" sz="2000" dirty="0"/>
               <a:t>data</a:t>
             </a:r>
             <a:r>
-              <a:rPr lang="zh-CN" altLang="en-US" dirty="0"/>
-              <a:t> </a:t>
-            </a:r>
-            <a:r>
-              <a:rPr lang="en-US" altLang="zh-CN" dirty="0"/>
+              <a:rPr lang="zh-CN" altLang="en-US" sz="2000" dirty="0"/>
+              <a:t> </a:t>
+            </a:r>
+            <a:r>
+              <a:rPr lang="en-US" altLang="zh-CN" sz="2000" dirty="0"/>
               <a:t>set,</a:t>
             </a:r>
             <a:r>
-              <a:rPr lang="zh-CN" altLang="en-US" dirty="0"/>
-              <a:t> </a:t>
-            </a:r>
-            <a:r>
-              <a:rPr lang="en-US" altLang="zh-CN" dirty="0"/>
+              <a:rPr lang="zh-CN" altLang="en-US" sz="2000" dirty="0"/>
+              <a:t> </a:t>
+            </a:r>
+            <a:r>
+              <a:rPr lang="en-US" altLang="zh-CN" sz="2000" dirty="0"/>
               <a:t>algorithm</a:t>
             </a:r>
             <a:r>
-              <a:rPr lang="zh-CN" altLang="en-US" dirty="0"/>
-              <a:t> </a:t>
-            </a:r>
-            <a:r>
-              <a:rPr lang="en-US" altLang="zh-CN" dirty="0"/>
+              <a:rPr lang="zh-CN" altLang="en-US" sz="2000" dirty="0"/>
+              <a:t> </a:t>
+            </a:r>
+            <a:r>
+              <a:rPr lang="en-US" altLang="zh-CN" sz="2000" dirty="0"/>
               <a:t>as</a:t>
             </a:r>
             <a:r>
-              <a:rPr lang="zh-CN" altLang="en-US" dirty="0"/>
-              <a:t> </a:t>
-            </a:r>
-            <a:r>
-              <a:rPr lang="en-US" altLang="zh-CN" dirty="0"/>
-              <a:t>follows</a:t>
+              <a:rPr lang="zh-CN" altLang="en-US" sz="2000" dirty="0"/>
+              <a:t> </a:t>
+            </a:r>
+            <a:r>
+              <a:rPr lang="en-US" altLang="zh-CN" sz="2000" dirty="0"/>
+              <a:t>follows:</a:t>
             </a:r>
           </a:p>
           <a:p>
             <a:pPr marL="0" indent="0">
               <a:buNone/>
             </a:pPr>
-            <a:endParaRPr lang="en-US" dirty="0"/>
+            <a:endParaRPr lang="en-US" sz="2000" dirty="0"/>
           </a:p>
         </p:txBody>
       </p:sp>
@@ -5966,7 +7375,7 @@
             <a:fld id="{21583AF0-66E0-0B4F-A024-0928CE8FE395}" type="datetime1">
               <a:rPr lang="en-US" smtClean="0"/>
               <a:pPr/>
-              <a:t>12/1/19</a:t>
+              <a:t>12/3/19</a:t>
             </a:fld>
             <a:endParaRPr lang="en-US" dirty="0"/>
           </a:p>
@@ -5988,7 +7397,12 @@
             <p:ph type="sldNum" sz="quarter" idx="12"/>
           </p:nvPr>
         </p:nvSpPr>
-        <p:spPr/>
+        <p:spPr>
+          <a:xfrm>
+            <a:off x="8610600" y="6356350"/>
+            <a:ext cx="2743200" cy="365125"/>
+          </a:xfrm>
+        </p:spPr>
         <p:txBody>
           <a:bodyPr/>
           <a:lstStyle/>
@@ -6017,13 +7431,13 @@
           <p:nvPr>
             <p:extLst>
               <p:ext uri="{D42A27DB-BD31-4B8C-83A1-F6EECF244321}">
-                <p14:modId xmlns:p14="http://schemas.microsoft.com/office/powerpoint/2010/main" val="2080074050"/>
+                <p14:modId xmlns:p14="http://schemas.microsoft.com/office/powerpoint/2010/main" val="4108602140"/>
               </p:ext>
             </p:extLst>
           </p:nvPr>
         </p:nvGraphicFramePr>
         <p:xfrm>
-          <a:off x="4080514" y="3363425"/>
+          <a:off x="4080514" y="2879858"/>
           <a:ext cx="5504870" cy="370840"/>
         </p:xfrm>
         <a:graphic>
@@ -6709,7 +8123,7 @@
         </p:nvSpPr>
         <p:spPr>
           <a:xfrm>
-            <a:off x="4092388" y="2962909"/>
+            <a:off x="4092388" y="2479342"/>
             <a:ext cx="2980706" cy="369332"/>
           </a:xfrm>
           <a:prstGeom prst="rect">
@@ -6745,13 +8159,13 @@
           <p:nvPr>
             <p:extLst>
               <p:ext uri="{D42A27DB-BD31-4B8C-83A1-F6EECF244321}">
-                <p14:modId xmlns:p14="http://schemas.microsoft.com/office/powerpoint/2010/main" val="920272222"/>
+                <p14:modId xmlns:p14="http://schemas.microsoft.com/office/powerpoint/2010/main" val="1641024553"/>
               </p:ext>
             </p:extLst>
           </p:nvPr>
         </p:nvGraphicFramePr>
         <p:xfrm>
-          <a:off x="1883578" y="3363425"/>
+          <a:off x="1883578" y="2879858"/>
           <a:ext cx="2196936" cy="365760"/>
         </p:xfrm>
         <a:graphic>
@@ -7017,7 +8431,7 @@
         </p:nvCxnSpPr>
         <p:spPr>
           <a:xfrm>
-            <a:off x="7322479" y="3147575"/>
+            <a:off x="7322479" y="2664008"/>
             <a:ext cx="2410691" cy="0"/>
           </a:xfrm>
           <a:prstGeom prst="line">
@@ -7061,7 +8475,7 @@
         </p:nvCxnSpPr>
         <p:spPr>
           <a:xfrm>
-            <a:off x="7322479" y="3147575"/>
+            <a:off x="7322479" y="2664008"/>
             <a:ext cx="0" cy="802539"/>
           </a:xfrm>
           <a:prstGeom prst="line">
@@ -7105,7 +8519,7 @@
         </p:nvCxnSpPr>
         <p:spPr>
           <a:xfrm>
-            <a:off x="7322478" y="3950114"/>
+            <a:off x="7322478" y="3466547"/>
             <a:ext cx="2410691" cy="0"/>
           </a:xfrm>
           <a:prstGeom prst="line">
@@ -7149,7 +8563,7 @@
         </p:nvCxnSpPr>
         <p:spPr>
           <a:xfrm>
-            <a:off x="9707439" y="3147575"/>
+            <a:off x="9707439" y="2664008"/>
             <a:ext cx="0" cy="802539"/>
           </a:xfrm>
           <a:prstGeom prst="line">
@@ -7191,7 +8605,7 @@
         </p:nvSpPr>
         <p:spPr>
           <a:xfrm>
-            <a:off x="5066167" y="3950114"/>
+            <a:off x="5066167" y="3466547"/>
             <a:ext cx="516574" cy="902455"/>
           </a:xfrm>
           <a:prstGeom prst="downArrow">
@@ -7246,13 +8660,13 @@
           <p:nvPr>
             <p:extLst>
               <p:ext uri="{D42A27DB-BD31-4B8C-83A1-F6EECF244321}">
-                <p14:modId xmlns:p14="http://schemas.microsoft.com/office/powerpoint/2010/main" val="1866789238"/>
+                <p14:modId xmlns:p14="http://schemas.microsoft.com/office/powerpoint/2010/main" val="3806543723"/>
               </p:ext>
             </p:extLst>
           </p:nvPr>
         </p:nvGraphicFramePr>
         <p:xfrm>
-          <a:off x="4291630" y="4917113"/>
+          <a:off x="4291630" y="4433546"/>
           <a:ext cx="2196936" cy="371807"/>
         </p:xfrm>
         <a:graphic>
@@ -7545,13 +8959,13 @@
           <p:nvPr>
             <p:extLst>
               <p:ext uri="{D42A27DB-BD31-4B8C-83A1-F6EECF244321}">
-                <p14:modId xmlns:p14="http://schemas.microsoft.com/office/powerpoint/2010/main" val="1798249984"/>
+                <p14:modId xmlns:p14="http://schemas.microsoft.com/office/powerpoint/2010/main" val="135542005"/>
               </p:ext>
             </p:extLst>
           </p:nvPr>
         </p:nvGraphicFramePr>
         <p:xfrm>
-          <a:off x="4291630" y="6322210"/>
+          <a:off x="4291630" y="5838643"/>
           <a:ext cx="2196936" cy="365760"/>
         </p:xfrm>
         <a:graphic>
@@ -7815,7 +9229,7 @@
         </p:nvSpPr>
         <p:spPr>
           <a:xfrm>
-            <a:off x="5256170" y="5351336"/>
+            <a:off x="5256170" y="4867769"/>
             <a:ext cx="360218" cy="923330"/>
           </a:xfrm>
           <a:prstGeom prst="rect">
@@ -7862,7 +9276,7 @@
         </p:nvSpPr>
         <p:spPr>
           <a:xfrm>
-            <a:off x="6681213" y="5027762"/>
+            <a:off x="6681213" y="4544195"/>
             <a:ext cx="1282530" cy="1477328"/>
           </a:xfrm>
           <a:prstGeom prst="rect">
@@ -7921,7 +9335,7 @@
         </p:nvSpPr>
         <p:spPr>
           <a:xfrm>
-            <a:off x="7785847" y="4012530"/>
+            <a:off x="7785847" y="3528963"/>
             <a:ext cx="1721224" cy="369332"/>
           </a:xfrm>
           <a:prstGeom prst="rect">
@@ -7948,6 +9362,78 @@
               <a:t>windows</a:t>
             </a:r>
             <a:endParaRPr lang="en-US" dirty="0"/>
+          </a:p>
+        </p:txBody>
+      </p:sp>
+      <p:sp>
+        <p:nvSpPr>
+          <p:cNvPr id="19" name="TextBox 18">
+            <a:extLst>
+              <a:ext uri="{FF2B5EF4-FFF2-40B4-BE49-F238E27FC236}">
+                <a16:creationId xmlns:a16="http://schemas.microsoft.com/office/drawing/2014/main" id="{CA803CAE-ACC5-AF42-B1A6-4996E1A820C5}"/>
+              </a:ext>
+            </a:extLst>
+          </p:cNvPr>
+          <p:cNvSpPr txBox="1"/>
+          <p:nvPr/>
+        </p:nvSpPr>
+        <p:spPr>
+          <a:xfrm>
+            <a:off x="3593857" y="6263764"/>
+            <a:ext cx="4191990" cy="307777"/>
+          </a:xfrm>
+          <a:prstGeom prst="rect">
+            <a:avLst/>
+          </a:prstGeom>
+          <a:noFill/>
+        </p:spPr>
+        <p:txBody>
+          <a:bodyPr wrap="square" rtlCol="0">
+            <a:spAutoFit/>
+          </a:bodyPr>
+          <a:lstStyle/>
+          <a:p>
+            <a:r>
+              <a:rPr lang="en-US" altLang="zh-CN" sz="1400" dirty="0"/>
+              <a:t>Figure A:</a:t>
+            </a:r>
+            <a:r>
+              <a:rPr lang="zh-CN" altLang="en-US" sz="1400" dirty="0"/>
+              <a:t> </a:t>
+            </a:r>
+            <a:r>
+              <a:rPr lang="en-US" altLang="zh-CN" sz="1400" dirty="0"/>
+              <a:t>diagram</a:t>
+            </a:r>
+            <a:r>
+              <a:rPr lang="zh-CN" altLang="en-US" sz="1400" dirty="0"/>
+              <a:t> </a:t>
+            </a:r>
+            <a:r>
+              <a:rPr lang="en-US" altLang="zh-CN" sz="1400" dirty="0"/>
+              <a:t>of</a:t>
+            </a:r>
+            <a:r>
+              <a:rPr lang="zh-CN" altLang="en-US" sz="1400" dirty="0"/>
+              <a:t> </a:t>
+            </a:r>
+            <a:r>
+              <a:rPr lang="en-US" altLang="zh-CN" sz="1400" dirty="0"/>
+              <a:t>feature</a:t>
+            </a:r>
+            <a:r>
+              <a:rPr lang="zh-CN" altLang="en-US" sz="1400" dirty="0"/>
+              <a:t> </a:t>
+            </a:r>
+            <a:r>
+              <a:rPr lang="en-US" altLang="zh-CN" sz="1400" dirty="0"/>
+              <a:t>selective</a:t>
+            </a:r>
+            <a:r>
+              <a:rPr lang="zh-CN" altLang="en-US" sz="1400" dirty="0"/>
+              <a:t> </a:t>
+            </a:r>
+            <a:endParaRPr lang="en-US" sz="1400" dirty="0"/>
           </a:p>
         </p:txBody>
       </p:sp>
@@ -8076,8 +9562,8 @@
         </p:nvSpPr>
         <p:spPr>
           <a:xfrm>
-            <a:off x="838200" y="1825625"/>
-            <a:ext cx="5118847" cy="4490384"/>
+            <a:off x="582706" y="1576793"/>
+            <a:ext cx="11423247" cy="881964"/>
           </a:xfrm>
         </p:spPr>
         <p:txBody>
@@ -8087,262 +9573,270 @@
           <a:lstStyle/>
           <a:p>
             <a:r>
-              <a:rPr lang="en-US" altLang="zh-CN" dirty="0"/>
-              <a:t>Feature</a:t>
-            </a:r>
-            <a:r>
-              <a:rPr lang="zh-CN" altLang="en-US" dirty="0"/>
-              <a:t> </a:t>
-            </a:r>
-            <a:r>
-              <a:rPr lang="en-US" altLang="zh-CN" dirty="0"/>
+              <a:rPr lang="en-US" altLang="zh-CN" sz="2000" dirty="0"/>
+              <a:t>After</a:t>
+            </a:r>
+            <a:r>
+              <a:rPr lang="zh-CN" altLang="en-US" sz="2000" dirty="0"/>
+              <a:t> </a:t>
+            </a:r>
+            <a:r>
+              <a:rPr lang="en-US" altLang="zh-CN" sz="2000" dirty="0"/>
+              <a:t>feature</a:t>
+            </a:r>
+            <a:r>
+              <a:rPr lang="zh-CN" altLang="en-US" sz="2000" dirty="0"/>
+              <a:t> </a:t>
+            </a:r>
+            <a:r>
+              <a:rPr lang="en-US" altLang="zh-CN" sz="2000" dirty="0"/>
               <a:t>Selective</a:t>
             </a:r>
             <a:r>
-              <a:rPr lang="zh-CN" altLang="en-US" dirty="0"/>
-              <a:t> </a:t>
-            </a:r>
-            <a:r>
-              <a:rPr lang="en-US" altLang="zh-CN" dirty="0"/>
+              <a:rPr lang="zh-CN" altLang="en-US" sz="2000" dirty="0"/>
+              <a:t> </a:t>
+            </a:r>
+            <a:r>
+              <a:rPr lang="en-US" altLang="zh-CN" sz="2000" dirty="0"/>
               <a:t>algorithm</a:t>
             </a:r>
             <a:r>
-              <a:rPr lang="zh-CN" altLang="en-US" dirty="0"/>
-              <a:t> </a:t>
-            </a:r>
-            <a:r>
-              <a:rPr lang="en-US" altLang="zh-CN" dirty="0"/>
-              <a:t>generate</a:t>
-            </a:r>
-            <a:r>
-              <a:rPr lang="zh-CN" altLang="en-US" dirty="0"/>
-              <a:t> </a:t>
-            </a:r>
-            <a:r>
-              <a:rPr lang="en-US" altLang="zh-CN" dirty="0"/>
+              <a:rPr lang="zh-CN" altLang="en-US" sz="2000" dirty="0"/>
+              <a:t> </a:t>
+            </a:r>
+            <a:r>
+              <a:rPr lang="en-US" altLang="zh-CN" sz="2000" dirty="0"/>
+              <a:t>generates</a:t>
+            </a:r>
+            <a:r>
+              <a:rPr lang="zh-CN" altLang="en-US" sz="2000" dirty="0"/>
+              <a:t> </a:t>
+            </a:r>
+            <a:r>
+              <a:rPr lang="en-US" altLang="zh-CN" sz="2000" dirty="0"/>
               <a:t>new</a:t>
             </a:r>
             <a:r>
-              <a:rPr lang="zh-CN" altLang="en-US" dirty="0"/>
-              <a:t> </a:t>
-            </a:r>
-            <a:r>
-              <a:rPr lang="en-US" altLang="zh-CN" dirty="0"/>
+              <a:rPr lang="zh-CN" altLang="en-US" sz="2000" dirty="0"/>
+              <a:t> </a:t>
+            </a:r>
+            <a:r>
+              <a:rPr lang="en-US" altLang="zh-CN" sz="2000" dirty="0"/>
               <a:t>training</a:t>
             </a:r>
             <a:r>
-              <a:rPr lang="zh-CN" altLang="en-US" dirty="0"/>
-              <a:t> </a:t>
-            </a:r>
-            <a:r>
-              <a:rPr lang="en-US" altLang="zh-CN" dirty="0"/>
+              <a:rPr lang="zh-CN" altLang="en-US" sz="2000" dirty="0"/>
+              <a:t> </a:t>
+            </a:r>
+            <a:r>
+              <a:rPr lang="en-US" altLang="zh-CN" sz="2000" dirty="0"/>
               <a:t>data</a:t>
             </a:r>
             <a:r>
-              <a:rPr lang="zh-CN" altLang="en-US" dirty="0"/>
-              <a:t> </a:t>
-            </a:r>
-            <a:r>
-              <a:rPr lang="en-US" altLang="zh-CN" dirty="0"/>
+              <a:rPr lang="zh-CN" altLang="en-US" sz="2000" dirty="0"/>
+              <a:t> </a:t>
+            </a:r>
+            <a:r>
+              <a:rPr lang="en-US" altLang="zh-CN" sz="2000" dirty="0"/>
               <a:t>set,</a:t>
             </a:r>
             <a:r>
-              <a:rPr lang="zh-CN" altLang="en-US" dirty="0"/>
-              <a:t> </a:t>
-            </a:r>
-            <a:r>
-              <a:rPr lang="en-US" altLang="zh-CN" dirty="0"/>
+              <a:rPr lang="zh-CN" altLang="en-US" sz="2000" dirty="0"/>
+              <a:t> </a:t>
+            </a:r>
+            <a:r>
+              <a:rPr lang="en-US" altLang="zh-CN" sz="2000" dirty="0"/>
               <a:t>each</a:t>
             </a:r>
             <a:r>
-              <a:rPr lang="zh-CN" altLang="en-US" dirty="0"/>
-              <a:t> </a:t>
-            </a:r>
-            <a:r>
-              <a:rPr lang="en-US" altLang="zh-CN" dirty="0"/>
+              <a:rPr lang="zh-CN" altLang="en-US" sz="2000" dirty="0"/>
+              <a:t> </a:t>
+            </a:r>
+            <a:r>
+              <a:rPr lang="en-US" altLang="zh-CN" sz="2000" dirty="0"/>
               <a:t>data</a:t>
             </a:r>
             <a:r>
-              <a:rPr lang="zh-CN" altLang="en-US" dirty="0"/>
-              <a:t> </a:t>
-            </a:r>
-            <a:r>
-              <a:rPr lang="en-US" altLang="zh-CN" dirty="0"/>
+              <a:rPr lang="zh-CN" altLang="en-US" sz="2000" dirty="0"/>
+              <a:t> </a:t>
+            </a:r>
+            <a:r>
+              <a:rPr lang="en-US" altLang="zh-CN" sz="2000" dirty="0"/>
               <a:t>set</a:t>
             </a:r>
             <a:r>
-              <a:rPr lang="zh-CN" altLang="en-US" dirty="0"/>
-              <a:t> </a:t>
-            </a:r>
-            <a:r>
-              <a:rPr lang="en-US" altLang="zh-CN" dirty="0"/>
+              <a:rPr lang="zh-CN" altLang="en-US" sz="2000" dirty="0"/>
+              <a:t> </a:t>
+            </a:r>
+            <a:r>
+              <a:rPr lang="en-US" altLang="zh-CN" sz="2000" dirty="0"/>
               <a:t>will</a:t>
             </a:r>
             <a:r>
-              <a:rPr lang="zh-CN" altLang="en-US" dirty="0"/>
-              <a:t> </a:t>
-            </a:r>
-            <a:r>
-              <a:rPr lang="en-US" altLang="zh-CN" dirty="0"/>
+              <a:rPr lang="zh-CN" altLang="en-US" sz="2000" dirty="0"/>
+              <a:t> </a:t>
+            </a:r>
+            <a:r>
+              <a:rPr lang="en-US" altLang="zh-CN" sz="2000" dirty="0"/>
               <a:t>be</a:t>
             </a:r>
             <a:r>
-              <a:rPr lang="zh-CN" altLang="en-US" dirty="0"/>
-              <a:t> </a:t>
-            </a:r>
-            <a:r>
-              <a:rPr lang="en-US" altLang="zh-CN" dirty="0"/>
+              <a:rPr lang="zh-CN" altLang="en-US" sz="2000" dirty="0"/>
+              <a:t> </a:t>
+            </a:r>
+            <a:r>
+              <a:rPr lang="en-US" altLang="zh-CN" sz="2000" dirty="0"/>
               <a:t>implemented</a:t>
             </a:r>
             <a:r>
-              <a:rPr lang="zh-CN" altLang="en-US" dirty="0"/>
-              <a:t> </a:t>
-            </a:r>
-            <a:r>
-              <a:rPr lang="en-US" altLang="zh-CN" dirty="0"/>
+              <a:rPr lang="zh-CN" altLang="en-US" sz="2000" dirty="0"/>
+              <a:t> </a:t>
+            </a:r>
+            <a:r>
+              <a:rPr lang="en-US" altLang="zh-CN" sz="2000" dirty="0"/>
               <a:t>with</a:t>
             </a:r>
             <a:r>
-              <a:rPr lang="zh-CN" altLang="en-US" dirty="0"/>
-              <a:t> </a:t>
-            </a:r>
-            <a:r>
-              <a:rPr lang="en-US" altLang="zh-CN" dirty="0"/>
+              <a:rPr lang="zh-CN" altLang="en-US" sz="2000" dirty="0"/>
+              <a:t> </a:t>
+            </a:r>
+            <a:r>
+              <a:rPr lang="en-US" altLang="zh-CN" sz="2000" dirty="0"/>
               <a:t>a</a:t>
             </a:r>
             <a:r>
-              <a:rPr lang="zh-CN" altLang="en-US" dirty="0"/>
-              <a:t> </a:t>
-            </a:r>
-            <a:r>
-              <a:rPr lang="en-US" altLang="zh-CN" dirty="0"/>
+              <a:rPr lang="zh-CN" altLang="en-US" sz="2000" dirty="0"/>
+              <a:t> </a:t>
+            </a:r>
+            <a:r>
+              <a:rPr lang="en-US" altLang="zh-CN" sz="2000" dirty="0"/>
               <a:t>single</a:t>
             </a:r>
             <a:r>
-              <a:rPr lang="zh-CN" altLang="en-US" dirty="0"/>
-              <a:t> </a:t>
-            </a:r>
-            <a:r>
-              <a:rPr lang="en-US" altLang="zh-CN" dirty="0"/>
+              <a:rPr lang="zh-CN" altLang="en-US" sz="2000" dirty="0"/>
+              <a:t> </a:t>
+            </a:r>
+            <a:r>
+              <a:rPr lang="en-US" altLang="zh-CN" sz="2000" dirty="0"/>
               <a:t>decision</a:t>
             </a:r>
             <a:r>
-              <a:rPr lang="zh-CN" altLang="en-US" dirty="0"/>
-              <a:t> </a:t>
-            </a:r>
-            <a:r>
-              <a:rPr lang="en-US" altLang="zh-CN" dirty="0"/>
+              <a:rPr lang="zh-CN" altLang="en-US" sz="2000" dirty="0"/>
+              <a:t> </a:t>
+            </a:r>
+            <a:r>
+              <a:rPr lang="en-US" altLang="zh-CN" sz="2000" dirty="0"/>
               <a:t>tree,</a:t>
             </a:r>
             <a:r>
-              <a:rPr lang="zh-CN" altLang="en-US" dirty="0"/>
-              <a:t> </a:t>
-            </a:r>
-            <a:r>
-              <a:rPr lang="en-US" altLang="zh-CN" dirty="0"/>
+              <a:rPr lang="zh-CN" altLang="en-US" sz="2000" dirty="0"/>
+              <a:t> </a:t>
+            </a:r>
+            <a:r>
+              <a:rPr lang="en-US" altLang="zh-CN" sz="2000" dirty="0"/>
               <a:t>by</a:t>
             </a:r>
             <a:r>
-              <a:rPr lang="zh-CN" altLang="en-US" dirty="0"/>
-              <a:t> </a:t>
-            </a:r>
-            <a:r>
-              <a:rPr lang="en-US" altLang="zh-CN" dirty="0"/>
+              <a:rPr lang="zh-CN" altLang="en-US" sz="2000" dirty="0"/>
+              <a:t> </a:t>
+            </a:r>
+            <a:r>
+              <a:rPr lang="en-US" altLang="zh-CN" sz="2000" dirty="0"/>
               <a:t>using</a:t>
             </a:r>
             <a:r>
-              <a:rPr lang="zh-CN" altLang="en-US" dirty="0"/>
-              <a:t> </a:t>
-            </a:r>
-            <a:r>
-              <a:rPr lang="en-US" altLang="zh-CN" dirty="0"/>
+              <a:rPr lang="zh-CN" altLang="en-US" sz="2000" dirty="0"/>
+              <a:t> </a:t>
+            </a:r>
+            <a:r>
+              <a:rPr lang="en-US" altLang="zh-CN" sz="2000" dirty="0"/>
               <a:t>the</a:t>
             </a:r>
             <a:r>
-              <a:rPr lang="zh-CN" altLang="en-US" dirty="0"/>
-              <a:t> </a:t>
-            </a:r>
-            <a:r>
-              <a:rPr lang="en-US" altLang="zh-CN" dirty="0"/>
+              <a:rPr lang="zh-CN" altLang="en-US" sz="2000" dirty="0"/>
+              <a:t> </a:t>
+            </a:r>
+            <a:r>
+              <a:rPr lang="en-US" altLang="zh-CN" sz="2000" dirty="0"/>
               <a:t>max</a:t>
             </a:r>
             <a:r>
-              <a:rPr lang="zh-CN" altLang="en-US" dirty="0"/>
-              <a:t> </a:t>
-            </a:r>
-            <a:r>
-              <a:rPr lang="en-US" altLang="zh-CN" dirty="0"/>
+              <a:rPr lang="zh-CN" altLang="en-US" sz="2000" dirty="0"/>
+              <a:t> </a:t>
+            </a:r>
+            <a:r>
+              <a:rPr lang="en-US" altLang="zh-CN" sz="2000" dirty="0"/>
               <a:t>vote</a:t>
             </a:r>
             <a:r>
-              <a:rPr lang="zh-CN" altLang="en-US" dirty="0"/>
-              <a:t> </a:t>
-            </a:r>
-            <a:r>
-              <a:rPr lang="en-US" altLang="zh-CN" dirty="0"/>
+              <a:rPr lang="zh-CN" altLang="en-US" sz="2000" dirty="0"/>
+              <a:t> </a:t>
+            </a:r>
+            <a:r>
+              <a:rPr lang="en-US" altLang="zh-CN" sz="2000" dirty="0"/>
               <a:t>principle</a:t>
             </a:r>
             <a:r>
-              <a:rPr lang="zh-CN" altLang="en-US" dirty="0"/>
-              <a:t> </a:t>
-            </a:r>
-            <a:r>
-              <a:rPr lang="en-US" altLang="zh-CN" dirty="0"/>
+              <a:rPr lang="zh-CN" altLang="en-US" sz="2000" dirty="0"/>
+              <a:t> </a:t>
+            </a:r>
+            <a:r>
+              <a:rPr lang="en-US" altLang="zh-CN" sz="2000" dirty="0"/>
               <a:t>we</a:t>
             </a:r>
             <a:r>
-              <a:rPr lang="zh-CN" altLang="en-US" dirty="0"/>
-              <a:t> </a:t>
-            </a:r>
-            <a:r>
-              <a:rPr lang="en-US" altLang="zh-CN" dirty="0"/>
+              <a:rPr lang="zh-CN" altLang="en-US" sz="2000" dirty="0"/>
+              <a:t> </a:t>
+            </a:r>
+            <a:r>
+              <a:rPr lang="en-US" altLang="zh-CN" sz="2000" dirty="0"/>
               <a:t>can</a:t>
             </a:r>
             <a:r>
-              <a:rPr lang="zh-CN" altLang="en-US" dirty="0"/>
-              <a:t> </a:t>
-            </a:r>
-            <a:r>
-              <a:rPr lang="en-US" altLang="zh-CN" dirty="0"/>
+              <a:rPr lang="zh-CN" altLang="en-US" sz="2000" dirty="0"/>
+              <a:t> </a:t>
+            </a:r>
+            <a:r>
+              <a:rPr lang="en-US" altLang="zh-CN" sz="2000" dirty="0"/>
               <a:t>get</a:t>
             </a:r>
             <a:r>
-              <a:rPr lang="zh-CN" altLang="en-US" dirty="0"/>
-              <a:t> </a:t>
-            </a:r>
-            <a:r>
-              <a:rPr lang="en-US" altLang="zh-CN" dirty="0"/>
+              <a:rPr lang="zh-CN" altLang="en-US" sz="2000" dirty="0"/>
+              <a:t> </a:t>
+            </a:r>
+            <a:r>
+              <a:rPr lang="en-US" altLang="zh-CN" sz="2000" dirty="0"/>
               <a:t>the</a:t>
             </a:r>
             <a:r>
-              <a:rPr lang="zh-CN" altLang="en-US" dirty="0"/>
-              <a:t> </a:t>
-            </a:r>
-            <a:r>
-              <a:rPr lang="en-US" altLang="zh-CN" dirty="0"/>
+              <a:rPr lang="zh-CN" altLang="en-US" sz="2000" dirty="0"/>
+              <a:t> </a:t>
+            </a:r>
+            <a:r>
+              <a:rPr lang="en-US" altLang="zh-CN" sz="2000" dirty="0"/>
               <a:t>final</a:t>
             </a:r>
             <a:r>
-              <a:rPr lang="zh-CN" altLang="en-US" dirty="0"/>
-              <a:t> </a:t>
-            </a:r>
-            <a:r>
-              <a:rPr lang="en-US" altLang="zh-CN" dirty="0"/>
+              <a:rPr lang="zh-CN" altLang="en-US" sz="2000" dirty="0"/>
+              <a:t> </a:t>
+            </a:r>
+            <a:r>
+              <a:rPr lang="en-US" altLang="zh-CN" sz="2000" dirty="0"/>
               <a:t>prediction</a:t>
             </a:r>
             <a:r>
-              <a:rPr lang="zh-CN" altLang="en-US" dirty="0"/>
-              <a:t> </a:t>
-            </a:r>
-            <a:r>
-              <a:rPr lang="en-US" altLang="zh-CN" dirty="0"/>
+              <a:rPr lang="zh-CN" altLang="en-US" sz="2000" dirty="0"/>
+              <a:t> </a:t>
+            </a:r>
+            <a:r>
+              <a:rPr lang="en-US" altLang="zh-CN" sz="2000" dirty="0"/>
               <a:t>result</a:t>
             </a:r>
             <a:r>
-              <a:rPr lang="zh-CN" altLang="en-US" dirty="0"/>
-              <a:t> </a:t>
-            </a:r>
-            <a:endParaRPr lang="en-US" dirty="0"/>
+              <a:rPr lang="zh-CN" altLang="en-US" sz="2000" dirty="0"/>
+              <a:t> </a:t>
+            </a:r>
+            <a:endParaRPr lang="en-US" sz="2000" dirty="0"/>
           </a:p>
         </p:txBody>
       </p:sp>
@@ -8370,7 +9864,7 @@
             <a:fld id="{21583AF0-66E0-0B4F-A024-0928CE8FE395}" type="datetime1">
               <a:rPr lang="en-US" smtClean="0"/>
               <a:pPr/>
-              <a:t>12/1/19</a:t>
+              <a:t>12/3/19</a:t>
             </a:fld>
             <a:endParaRPr lang="en-US" dirty="0"/>
           </a:p>
@@ -8428,14 +9922,106 @@
         </p:blipFill>
         <p:spPr>
           <a:xfrm>
-            <a:off x="6096000" y="2053291"/>
-            <a:ext cx="6269149" cy="4262718"/>
+            <a:off x="2943922" y="2181192"/>
+            <a:ext cx="5602972" cy="3809750"/>
           </a:xfrm>
           <a:prstGeom prst="rect">
             <a:avLst/>
           </a:prstGeom>
         </p:spPr>
       </p:pic>
+      <p:sp>
+        <p:nvSpPr>
+          <p:cNvPr id="6" name="TextBox 5">
+            <a:extLst>
+              <a:ext uri="{FF2B5EF4-FFF2-40B4-BE49-F238E27FC236}">
+                <a16:creationId xmlns:a16="http://schemas.microsoft.com/office/drawing/2014/main" id="{E0B1C944-9A1D-8445-A219-16E7F11BCAFC}"/>
+              </a:ext>
+            </a:extLst>
+          </p:cNvPr>
+          <p:cNvSpPr txBox="1"/>
+          <p:nvPr/>
+        </p:nvSpPr>
+        <p:spPr>
+          <a:xfrm>
+            <a:off x="2943922" y="6048573"/>
+            <a:ext cx="5891320" cy="307777"/>
+          </a:xfrm>
+          <a:prstGeom prst="rect">
+            <a:avLst/>
+          </a:prstGeom>
+          <a:noFill/>
+        </p:spPr>
+        <p:txBody>
+          <a:bodyPr wrap="square" rtlCol="0">
+            <a:spAutoFit/>
+          </a:bodyPr>
+          <a:lstStyle/>
+          <a:p>
+            <a:r>
+              <a:rPr lang="en-US" altLang="zh-CN" sz="1400" dirty="0"/>
+              <a:t>Figure A:</a:t>
+            </a:r>
+            <a:r>
+              <a:rPr lang="zh-CN" altLang="en-US" sz="1400" dirty="0"/>
+              <a:t> </a:t>
+            </a:r>
+            <a:r>
+              <a:rPr lang="en-US" altLang="zh-CN" sz="1400" dirty="0"/>
+              <a:t>framework</a:t>
+            </a:r>
+            <a:r>
+              <a:rPr lang="zh-CN" altLang="en-US" sz="1400" dirty="0"/>
+              <a:t> </a:t>
+            </a:r>
+            <a:r>
+              <a:rPr lang="en-US" altLang="zh-CN" sz="1400" dirty="0"/>
+              <a:t>of</a:t>
+            </a:r>
+            <a:r>
+              <a:rPr lang="zh-CN" altLang="en-US" sz="1400" dirty="0"/>
+              <a:t> </a:t>
+            </a:r>
+            <a:r>
+              <a:rPr lang="en-US" altLang="zh-CN" sz="1400" dirty="0"/>
+              <a:t>ensemble</a:t>
+            </a:r>
+            <a:r>
+              <a:rPr lang="zh-CN" altLang="en-US" sz="1400" dirty="0"/>
+              <a:t> </a:t>
+            </a:r>
+            <a:r>
+              <a:rPr lang="en-US" altLang="zh-CN" sz="1400" dirty="0"/>
+              <a:t>learning</a:t>
+            </a:r>
+            <a:r>
+              <a:rPr lang="zh-CN" altLang="en-US" sz="1400" dirty="0"/>
+              <a:t> </a:t>
+            </a:r>
+            <a:r>
+              <a:rPr lang="en-US" altLang="zh-CN" sz="1400" dirty="0"/>
+              <a:t>with</a:t>
+            </a:r>
+            <a:r>
+              <a:rPr lang="zh-CN" altLang="en-US" sz="1400" dirty="0"/>
+              <a:t> </a:t>
+            </a:r>
+            <a:r>
+              <a:rPr lang="en-US" altLang="zh-CN" sz="1400" dirty="0"/>
+              <a:t>feature</a:t>
+            </a:r>
+            <a:r>
+              <a:rPr lang="zh-CN" altLang="en-US" sz="1400" dirty="0"/>
+              <a:t> </a:t>
+            </a:r>
+            <a:r>
+              <a:rPr lang="en-US" altLang="zh-CN" sz="1400" dirty="0"/>
+              <a:t>selective</a:t>
+            </a:r>
+            <a:endParaRPr lang="en-US" sz="1400" dirty="0"/>
+          </a:p>
+        </p:txBody>
+      </p:sp>
     </p:spTree>
     <p:extLst>
       <p:ext uri="{BB962C8B-B14F-4D97-AF65-F5344CB8AC3E}">
@@ -8493,7 +10079,31 @@
             </a:r>
             <a:r>
               <a:rPr lang="en-US" altLang="zh-CN" dirty="0"/>
-              <a:t>xperiments</a:t>
+              <a:t>xperiments-</a:t>
+            </a:r>
+            <a:r>
+              <a:rPr lang="zh-CN" altLang="en-US" dirty="0"/>
+              <a:t> </a:t>
+            </a:r>
+            <a:r>
+              <a:rPr lang="en-US" altLang="zh-CN" dirty="0"/>
+              <a:t>single</a:t>
+            </a:r>
+            <a:r>
+              <a:rPr lang="zh-CN" altLang="en-US" dirty="0"/>
+              <a:t> </a:t>
+            </a:r>
+            <a:r>
+              <a:rPr lang="en-US" altLang="zh-CN" dirty="0"/>
+              <a:t>decision</a:t>
+            </a:r>
+            <a:r>
+              <a:rPr lang="zh-CN" altLang="en-US" dirty="0"/>
+              <a:t> </a:t>
+            </a:r>
+            <a:r>
+              <a:rPr lang="en-US" altLang="zh-CN" dirty="0"/>
+              <a:t>tree</a:t>
             </a:r>
             <a:endParaRPr lang="en-US" dirty="0"/>
           </a:p>
@@ -8517,121 +10127,446 @@
         </p:nvSpPr>
         <p:spPr>
           <a:xfrm>
-            <a:off x="838200" y="1825625"/>
+            <a:off x="838200" y="1736104"/>
             <a:ext cx="5145741" cy="4351338"/>
           </a:xfrm>
         </p:spPr>
         <p:txBody>
-          <a:bodyPr/>
+          <a:bodyPr>
+            <a:normAutofit/>
+          </a:bodyPr>
           <a:lstStyle/>
           <a:p>
             <a:r>
-              <a:rPr lang="en-US" altLang="zh-CN" dirty="0"/>
+              <a:rPr lang="en-US" altLang="zh-CN" sz="2000" dirty="0"/>
               <a:t>Using</a:t>
             </a:r>
             <a:r>
-              <a:rPr lang="zh-CN" altLang="en-US" dirty="0"/>
-              <a:t> </a:t>
-            </a:r>
-            <a:r>
-              <a:rPr lang="en-US" altLang="zh-CN" dirty="0"/>
+              <a:rPr lang="zh-CN" altLang="en-US" sz="2000" dirty="0"/>
+              <a:t> </a:t>
+            </a:r>
+            <a:r>
+              <a:rPr lang="en-US" altLang="zh-CN" sz="2000" dirty="0"/>
               <a:t>10-fold</a:t>
             </a:r>
             <a:r>
-              <a:rPr lang="zh-CN" altLang="en-US" dirty="0"/>
-              <a:t> </a:t>
-            </a:r>
-            <a:r>
-              <a:rPr lang="en-US" altLang="zh-CN" dirty="0"/>
+              <a:rPr lang="zh-CN" altLang="en-US" sz="2000" dirty="0"/>
+              <a:t> </a:t>
+            </a:r>
+            <a:r>
+              <a:rPr lang="en-US" altLang="zh-CN" sz="2000" dirty="0"/>
               <a:t>cross-validation</a:t>
             </a:r>
             <a:r>
-              <a:rPr lang="zh-CN" altLang="en-US" dirty="0"/>
-              <a:t> </a:t>
-            </a:r>
-            <a:r>
-              <a:rPr lang="en-US" altLang="zh-CN" dirty="0"/>
+              <a:rPr lang="zh-CN" altLang="en-US" sz="2000" dirty="0"/>
+              <a:t> </a:t>
+            </a:r>
+            <a:r>
+              <a:rPr lang="en-US" altLang="zh-CN" sz="2000" dirty="0"/>
               <a:t>on</a:t>
             </a:r>
             <a:r>
-              <a:rPr lang="zh-CN" altLang="en-US" dirty="0"/>
-              <a:t> </a:t>
-            </a:r>
-            <a:r>
-              <a:rPr lang="en-US" altLang="zh-CN" dirty="0"/>
+              <a:rPr lang="zh-CN" altLang="en-US" sz="2000" dirty="0"/>
+              <a:t> </a:t>
+            </a:r>
+            <a:r>
+              <a:rPr lang="en-US" altLang="zh-CN" sz="2000" dirty="0"/>
               <a:t>the</a:t>
             </a:r>
             <a:r>
-              <a:rPr lang="zh-CN" altLang="en-US" dirty="0"/>
-              <a:t> </a:t>
-            </a:r>
-            <a:r>
-              <a:rPr lang="en-US" altLang="zh-CN" dirty="0"/>
+              <a:rPr lang="zh-CN" altLang="en-US" sz="2000" dirty="0"/>
+              <a:t> </a:t>
+            </a:r>
+            <a:r>
+              <a:rPr lang="en-US" altLang="zh-CN" sz="2000" dirty="0"/>
               <a:t>training</a:t>
             </a:r>
             <a:r>
-              <a:rPr lang="zh-CN" altLang="en-US" dirty="0"/>
-              <a:t> </a:t>
-            </a:r>
-            <a:r>
-              <a:rPr lang="en-US" altLang="zh-CN" dirty="0"/>
+              <a:rPr lang="zh-CN" altLang="en-US" sz="2000" dirty="0"/>
+              <a:t> </a:t>
+            </a:r>
+            <a:r>
+              <a:rPr lang="en-US" altLang="zh-CN" sz="2000" dirty="0"/>
               <a:t>data,</a:t>
             </a:r>
             <a:r>
-              <a:rPr lang="zh-CN" altLang="en-US" dirty="0"/>
-              <a:t> </a:t>
-            </a:r>
-            <a:r>
-              <a:rPr lang="en-US" altLang="zh-CN" dirty="0"/>
+              <a:rPr lang="zh-CN" altLang="en-US" sz="2000" dirty="0"/>
+              <a:t> </a:t>
+            </a:r>
+            <a:r>
+              <a:rPr lang="en-US" altLang="zh-CN" sz="2000" dirty="0"/>
               <a:t>average</a:t>
             </a:r>
             <a:r>
-              <a:rPr lang="zh-CN" altLang="en-US" dirty="0"/>
-              <a:t> </a:t>
-            </a:r>
-            <a:r>
-              <a:rPr lang="en-US" altLang="zh-CN" dirty="0"/>
+              <a:rPr lang="zh-CN" altLang="en-US" sz="2000" dirty="0"/>
+              <a:t> </a:t>
+            </a:r>
+            <a:r>
+              <a:rPr lang="en-US" altLang="zh-CN" sz="2000" dirty="0"/>
               <a:t>error</a:t>
             </a:r>
             <a:r>
-              <a:rPr lang="zh-CN" altLang="en-US" dirty="0"/>
-              <a:t> </a:t>
-            </a:r>
-            <a:r>
-              <a:rPr lang="en-US" altLang="zh-CN" dirty="0"/>
+              <a:rPr lang="zh-CN" altLang="en-US" sz="2000" dirty="0"/>
+              <a:t> </a:t>
+            </a:r>
+            <a:r>
+              <a:rPr lang="en-US" altLang="zh-CN" sz="2000" dirty="0"/>
               <a:t>rate</a:t>
             </a:r>
             <a:r>
-              <a:rPr lang="zh-CN" altLang="en-US" dirty="0"/>
-              <a:t> </a:t>
-            </a:r>
-            <a:r>
-              <a:rPr lang="en-US" altLang="zh-CN" dirty="0"/>
+              <a:rPr lang="zh-CN" altLang="en-US" sz="2000" dirty="0"/>
+              <a:t> </a:t>
+            </a:r>
+            <a:r>
+              <a:rPr lang="en-US" altLang="zh-CN" sz="2000" dirty="0"/>
               <a:t>is</a:t>
             </a:r>
             <a:r>
-              <a:rPr lang="zh-CN" altLang="en-US" dirty="0"/>
-              <a:t> </a:t>
-            </a:r>
-            <a:r>
-              <a:rPr lang="en-US" altLang="zh-CN" dirty="0"/>
+              <a:rPr lang="zh-CN" altLang="en-US" sz="2000" dirty="0"/>
+              <a:t> </a:t>
+            </a:r>
+            <a:r>
+              <a:rPr lang="en-US" altLang="zh-CN" sz="2000" dirty="0"/>
               <a:t>the</a:t>
             </a:r>
             <a:r>
-              <a:rPr lang="zh-CN" altLang="en-US" dirty="0"/>
-              <a:t> </a:t>
-            </a:r>
-            <a:r>
-              <a:rPr lang="en-US" altLang="zh-CN" dirty="0"/>
+              <a:rPr lang="zh-CN" altLang="en-US" sz="2000" dirty="0"/>
+              <a:t> </a:t>
+            </a:r>
+            <a:r>
+              <a:rPr lang="en-US" altLang="zh-CN" sz="2000" dirty="0"/>
               <a:t>metric</a:t>
             </a:r>
-            <a:endParaRPr lang="en-US" dirty="0"/>
-          </a:p>
-          <a:p>
-            <a:r>
-              <a:rPr lang="en-US" dirty="0"/>
-              <a:t>For the same split nodes in the decision tree, with feature selective algorithm, single decision tree will perform better</a:t>
-            </a:r>
+            <a:endParaRPr lang="en-US" sz="2000" dirty="0"/>
+          </a:p>
+          <a:p>
+            <a:r>
+              <a:rPr lang="en-US" sz="2000" dirty="0"/>
+              <a:t>For the same</a:t>
+            </a:r>
+            <a:r>
+              <a:rPr lang="zh-CN" altLang="en-US" sz="2000" dirty="0"/>
+              <a:t> </a:t>
+            </a:r>
+            <a:r>
+              <a:rPr lang="en-US" altLang="zh-CN" sz="2000" dirty="0"/>
+              <a:t>number</a:t>
+            </a:r>
+            <a:r>
+              <a:rPr lang="zh-CN" altLang="en-US" sz="2000" dirty="0"/>
+              <a:t> </a:t>
+            </a:r>
+            <a:r>
+              <a:rPr lang="en-US" altLang="zh-CN" sz="2000" dirty="0"/>
+              <a:t>of</a:t>
+            </a:r>
+            <a:r>
+              <a:rPr lang="en-US" sz="2000" dirty="0"/>
+              <a:t> split nodes in the decision tree, single decision tree will perform </a:t>
+            </a:r>
+            <a:r>
+              <a:rPr lang="en-US" sz="2000" dirty="0">
+                <a:solidFill>
+                  <a:srgbClr val="FF0000"/>
+                </a:solidFill>
+              </a:rPr>
+              <a:t>better</a:t>
+            </a:r>
+            <a:r>
+              <a:rPr lang="zh-CN" altLang="en-US" sz="2000" dirty="0"/>
+              <a:t> </a:t>
+            </a:r>
+            <a:r>
+              <a:rPr lang="en-US" altLang="zh-CN" sz="2000" dirty="0"/>
+              <a:t>integrated</a:t>
+            </a:r>
+            <a:r>
+              <a:rPr lang="zh-CN" altLang="en-US" sz="2000" dirty="0"/>
+              <a:t> </a:t>
+            </a:r>
+            <a:r>
+              <a:rPr lang="en-US" altLang="zh-CN" sz="2000" dirty="0"/>
+              <a:t>with</a:t>
+            </a:r>
+            <a:r>
+              <a:rPr lang="en-US" sz="2000" dirty="0"/>
+              <a:t> feature selective algorithm</a:t>
+            </a:r>
+            <a:r>
+              <a:rPr lang="en-US" altLang="zh-CN" sz="2000" dirty="0"/>
+              <a:t>,</a:t>
+            </a:r>
+            <a:r>
+              <a:rPr lang="zh-CN" altLang="en-US" sz="2000" dirty="0"/>
+              <a:t> </a:t>
+            </a:r>
+            <a:r>
+              <a:rPr lang="en-US" altLang="zh-CN" sz="2000" dirty="0"/>
+              <a:t>which</a:t>
+            </a:r>
+            <a:r>
+              <a:rPr lang="zh-CN" altLang="en-US" sz="2000" dirty="0"/>
+              <a:t> </a:t>
+            </a:r>
+            <a:r>
+              <a:rPr lang="en-US" altLang="zh-CN" sz="2000" dirty="0"/>
+              <a:t>means</a:t>
+            </a:r>
+            <a:r>
+              <a:rPr lang="zh-CN" altLang="en-US" sz="2000" dirty="0"/>
+              <a:t> </a:t>
+            </a:r>
+            <a:r>
+              <a:rPr lang="en-US" altLang="zh-CN" sz="2000" dirty="0"/>
+              <a:t>a</a:t>
+            </a:r>
+            <a:r>
+              <a:rPr lang="zh-CN" altLang="en-US" sz="2000" dirty="0"/>
+              <a:t> </a:t>
+            </a:r>
+            <a:r>
+              <a:rPr lang="en-US" altLang="zh-CN" sz="2000" dirty="0"/>
+              <a:t>smaller</a:t>
+            </a:r>
+            <a:r>
+              <a:rPr lang="zh-CN" altLang="en-US" sz="2000" dirty="0"/>
+              <a:t> </a:t>
+            </a:r>
+            <a:r>
+              <a:rPr lang="en-US" altLang="zh-CN" sz="2000" dirty="0"/>
+              <a:t>average</a:t>
+            </a:r>
+            <a:r>
+              <a:rPr lang="zh-CN" altLang="en-US" sz="2000" dirty="0"/>
+              <a:t> </a:t>
+            </a:r>
+            <a:r>
+              <a:rPr lang="en-US" altLang="zh-CN" sz="2000" dirty="0"/>
+              <a:t>error</a:t>
+            </a:r>
+          </a:p>
+          <a:p>
+            <a:r>
+              <a:rPr lang="en-US" altLang="zh-CN" sz="2000" dirty="0"/>
+              <a:t>Besides,</a:t>
+            </a:r>
+            <a:r>
+              <a:rPr lang="zh-CN" altLang="en-US" sz="2000" dirty="0"/>
+              <a:t> </a:t>
+            </a:r>
+            <a:r>
+              <a:rPr lang="en-US" altLang="zh-CN" sz="2000" dirty="0"/>
+              <a:t>as</a:t>
+            </a:r>
+            <a:r>
+              <a:rPr lang="zh-CN" altLang="en-US" sz="2000" dirty="0"/>
+              <a:t> </a:t>
+            </a:r>
+            <a:r>
+              <a:rPr lang="en-US" altLang="zh-CN" sz="2000" dirty="0"/>
+              <a:t>the</a:t>
+            </a:r>
+            <a:r>
+              <a:rPr lang="zh-CN" altLang="en-US" sz="2000" dirty="0"/>
+              <a:t> </a:t>
+            </a:r>
+            <a:r>
+              <a:rPr lang="en-US" altLang="zh-CN" sz="2000" dirty="0"/>
+              <a:t>nodes</a:t>
+            </a:r>
+            <a:r>
+              <a:rPr lang="zh-CN" altLang="en-US" sz="2000" dirty="0"/>
+              <a:t> </a:t>
+            </a:r>
+            <a:r>
+              <a:rPr lang="en-US" altLang="zh-CN" sz="2000" dirty="0"/>
+              <a:t>becomes</a:t>
+            </a:r>
+            <a:r>
+              <a:rPr lang="zh-CN" altLang="en-US" sz="2000" dirty="0"/>
+              <a:t> </a:t>
+            </a:r>
+            <a:r>
+              <a:rPr lang="en-US" altLang="zh-CN" sz="2000" dirty="0"/>
+              <a:t>bigger,</a:t>
+            </a:r>
+            <a:r>
+              <a:rPr lang="zh-CN" altLang="en-US" sz="2000" dirty="0"/>
+              <a:t> </a:t>
+            </a:r>
+            <a:r>
+              <a:rPr lang="en-US" altLang="zh-CN" sz="2000" dirty="0"/>
+              <a:t>the</a:t>
+            </a:r>
+            <a:r>
+              <a:rPr lang="zh-CN" altLang="en-US" sz="2000" dirty="0"/>
+              <a:t> </a:t>
+            </a:r>
+            <a:r>
+              <a:rPr lang="en-US" altLang="zh-CN" sz="2000" dirty="0"/>
+              <a:t>average</a:t>
+            </a:r>
+            <a:r>
+              <a:rPr lang="zh-CN" altLang="en-US" sz="2000" dirty="0"/>
+              <a:t> </a:t>
+            </a:r>
+            <a:r>
+              <a:rPr lang="en-US" altLang="zh-CN" sz="2000" dirty="0"/>
+              <a:t>error</a:t>
+            </a:r>
+            <a:r>
+              <a:rPr lang="zh-CN" altLang="en-US" sz="2000" dirty="0"/>
+              <a:t> </a:t>
+            </a:r>
+            <a:r>
+              <a:rPr lang="en-US" altLang="zh-CN" sz="2000" dirty="0"/>
+              <a:t>rate</a:t>
+            </a:r>
+            <a:r>
+              <a:rPr lang="zh-CN" altLang="en-US" sz="2000" dirty="0"/>
+              <a:t> </a:t>
+            </a:r>
+            <a:r>
+              <a:rPr lang="en-US" altLang="zh-CN" sz="2000" dirty="0"/>
+              <a:t>will</a:t>
+            </a:r>
+            <a:r>
+              <a:rPr lang="zh-CN" altLang="en-US" sz="2000" dirty="0"/>
+              <a:t> </a:t>
+            </a:r>
+            <a:r>
+              <a:rPr lang="en-US" altLang="zh-CN" sz="2000" dirty="0"/>
+              <a:t>converge</a:t>
+            </a:r>
+            <a:r>
+              <a:rPr lang="zh-CN" altLang="en-US" sz="2000" dirty="0"/>
+              <a:t> </a:t>
+            </a:r>
+            <a:r>
+              <a:rPr lang="en-US" altLang="zh-CN" sz="2000" dirty="0"/>
+              <a:t>to</a:t>
+            </a:r>
+            <a:r>
+              <a:rPr lang="zh-CN" altLang="en-US" sz="2000" dirty="0"/>
+              <a:t> </a:t>
+            </a:r>
+            <a:r>
+              <a:rPr lang="en-US" altLang="zh-CN" sz="2000" dirty="0"/>
+              <a:t>a</a:t>
+            </a:r>
+            <a:r>
+              <a:rPr lang="zh-CN" altLang="en-US" sz="2000" dirty="0"/>
+              <a:t> </a:t>
+            </a:r>
+            <a:r>
+              <a:rPr lang="en-US" altLang="zh-CN" sz="2000" dirty="0"/>
+              <a:t>constant,</a:t>
+            </a:r>
+            <a:r>
+              <a:rPr lang="zh-CN" altLang="en-US" sz="2000" dirty="0"/>
+              <a:t> </a:t>
+            </a:r>
+            <a:r>
+              <a:rPr lang="en-US" altLang="zh-CN" sz="2000" dirty="0"/>
+              <a:t>which</a:t>
+            </a:r>
+            <a:r>
+              <a:rPr lang="zh-CN" altLang="en-US" sz="2000" dirty="0"/>
+              <a:t> </a:t>
+            </a:r>
+            <a:r>
+              <a:rPr lang="en-US" altLang="zh-CN" sz="2000" dirty="0"/>
+              <a:t>means</a:t>
+            </a:r>
+            <a:r>
+              <a:rPr lang="zh-CN" altLang="en-US" sz="2000" dirty="0"/>
+              <a:t> </a:t>
+            </a:r>
+            <a:r>
+              <a:rPr lang="en-US" altLang="zh-CN" sz="2000" dirty="0"/>
+              <a:t>there</a:t>
+            </a:r>
+            <a:r>
+              <a:rPr lang="zh-CN" altLang="en-US" sz="2000" dirty="0"/>
+              <a:t> </a:t>
+            </a:r>
+            <a:r>
+              <a:rPr lang="en-US" altLang="zh-CN" sz="2000" dirty="0"/>
+              <a:t>will</a:t>
+            </a:r>
+            <a:r>
+              <a:rPr lang="zh-CN" altLang="en-US" sz="2000" dirty="0"/>
+              <a:t> </a:t>
+            </a:r>
+            <a:r>
+              <a:rPr lang="en-US" altLang="zh-CN" sz="2000" dirty="0"/>
+              <a:t>be</a:t>
+            </a:r>
+            <a:r>
+              <a:rPr lang="zh-CN" altLang="en-US" sz="2000" dirty="0"/>
+              <a:t> </a:t>
+            </a:r>
+            <a:r>
+              <a:rPr lang="en-US" altLang="zh-CN" sz="2000" dirty="0"/>
+              <a:t>a</a:t>
+            </a:r>
+            <a:r>
+              <a:rPr lang="zh-CN" altLang="en-US" sz="2000" dirty="0"/>
+              <a:t> </a:t>
+            </a:r>
+            <a:r>
+              <a:rPr lang="en-US" altLang="zh-CN" sz="2000" dirty="0"/>
+              <a:t>limit</a:t>
+            </a:r>
+            <a:r>
+              <a:rPr lang="zh-CN" altLang="en-US" sz="2000" dirty="0"/>
+              <a:t> </a:t>
+            </a:r>
+            <a:r>
+              <a:rPr lang="en-US" altLang="zh-CN" sz="2000" dirty="0"/>
+              <a:t>of</a:t>
+            </a:r>
+            <a:r>
+              <a:rPr lang="zh-CN" altLang="en-US" sz="2000" dirty="0"/>
+              <a:t> </a:t>
+            </a:r>
+            <a:r>
+              <a:rPr lang="en-US" altLang="zh-CN" sz="2000" dirty="0"/>
+              <a:t>prediction</a:t>
+            </a:r>
+            <a:r>
+              <a:rPr lang="zh-CN" altLang="en-US" sz="2000" dirty="0"/>
+              <a:t> </a:t>
+            </a:r>
+            <a:r>
+              <a:rPr lang="en-US" altLang="zh-CN" sz="2000" dirty="0"/>
+              <a:t>ability</a:t>
+            </a:r>
+            <a:r>
+              <a:rPr lang="zh-CN" altLang="en-US" sz="2000" dirty="0"/>
+              <a:t> </a:t>
+            </a:r>
+            <a:r>
+              <a:rPr lang="en-US" altLang="zh-CN" sz="2000" dirty="0"/>
+              <a:t>for</a:t>
+            </a:r>
+            <a:r>
+              <a:rPr lang="zh-CN" altLang="en-US" sz="2000" dirty="0"/>
+              <a:t> </a:t>
+            </a:r>
+            <a:r>
+              <a:rPr lang="en-US" altLang="zh-CN" sz="2000" dirty="0"/>
+              <a:t>the</a:t>
+            </a:r>
+            <a:r>
+              <a:rPr lang="zh-CN" altLang="en-US" sz="2000" dirty="0"/>
+              <a:t> </a:t>
+            </a:r>
+            <a:r>
+              <a:rPr lang="en-US" altLang="zh-CN" sz="2000" dirty="0"/>
+              <a:t>model</a:t>
+            </a:r>
+            <a:endParaRPr lang="en-US" sz="2000" dirty="0"/>
           </a:p>
         </p:txBody>
       </p:sp>
@@ -8659,7 +10594,7 @@
             <a:fld id="{21583AF0-66E0-0B4F-A024-0928CE8FE395}" type="datetime1">
               <a:rPr lang="en-US" smtClean="0"/>
               <a:pPr/>
-              <a:t>12/1/19</a:t>
+              <a:t>12/3/19</a:t>
             </a:fld>
             <a:endParaRPr lang="en-US" dirty="0"/>
           </a:p>
@@ -8695,12 +10630,48 @@
           </a:p>
         </p:txBody>
       </p:sp>
+      <p:sp>
+        <p:nvSpPr>
+          <p:cNvPr id="6" name="TextBox 5">
+            <a:extLst>
+              <a:ext uri="{FF2B5EF4-FFF2-40B4-BE49-F238E27FC236}">
+                <a16:creationId xmlns:a16="http://schemas.microsoft.com/office/drawing/2014/main" id="{04FB33E7-ABA5-B545-B85D-1651DA037452}"/>
+              </a:ext>
+            </a:extLst>
+          </p:cNvPr>
+          <p:cNvSpPr txBox="1"/>
+          <p:nvPr/>
+        </p:nvSpPr>
+        <p:spPr>
+          <a:xfrm>
+            <a:off x="6574251" y="5902776"/>
+            <a:ext cx="5482591" cy="369332"/>
+          </a:xfrm>
+          <a:prstGeom prst="rect">
+            <a:avLst/>
+          </a:prstGeom>
+          <a:noFill/>
+        </p:spPr>
+        <p:txBody>
+          <a:bodyPr wrap="square" rtlCol="0">
+            <a:spAutoFit/>
+          </a:bodyPr>
+          <a:lstStyle/>
+          <a:p>
+            <a:r>
+              <a:rPr lang="en-US" altLang="zh-CN" dirty="0"/>
+              <a:t>Figure A: single decision tree vs FS-single decision tree</a:t>
+            </a:r>
+            <a:endParaRPr lang="en-US" dirty="0"/>
+          </a:p>
+        </p:txBody>
+      </p:sp>
       <p:pic>
         <p:nvPicPr>
-          <p:cNvPr id="7" name="Picture 6" descr="A screenshot of a map&#10;&#10;Description automatically generated">
-            <a:extLst>
-              <a:ext uri="{FF2B5EF4-FFF2-40B4-BE49-F238E27FC236}">
-                <a16:creationId xmlns:a16="http://schemas.microsoft.com/office/drawing/2014/main" id="{3A874B22-E4D9-094F-A673-056A882175A3}"/>
+          <p:cNvPr id="9" name="Picture 8" descr="A close up of a map&#10;&#10;Description automatically generated">
+            <a:extLst>
+              <a:ext uri="{FF2B5EF4-FFF2-40B4-BE49-F238E27FC236}">
+                <a16:creationId xmlns:a16="http://schemas.microsoft.com/office/drawing/2014/main" id="{2BE52887-9D75-4C4F-B116-3615A0992A0B}"/>
               </a:ext>
             </a:extLst>
           </p:cNvPr>
@@ -8717,8 +10688,8 @@
         </p:blipFill>
         <p:spPr>
           <a:xfrm>
-            <a:off x="6721661" y="2005200"/>
-            <a:ext cx="5482591" cy="4171763"/>
+            <a:off x="6661060" y="1736104"/>
+            <a:ext cx="5042736" cy="3881885"/>
           </a:xfrm>
           <a:prstGeom prst="rect">
             <a:avLst/>
@@ -8760,7 +10731,7 @@
           <p:cNvPr id="2" name="Title 1">
             <a:extLst>
               <a:ext uri="{FF2B5EF4-FFF2-40B4-BE49-F238E27FC236}">
-                <a16:creationId xmlns:a16="http://schemas.microsoft.com/office/drawing/2014/main" id="{94FC802E-4F79-ED41-8EB8-695A757CDB4F}"/>
+                <a16:creationId xmlns:a16="http://schemas.microsoft.com/office/drawing/2014/main" id="{549F4877-9C51-C140-9D3C-1ED24DFFCF52}"/>
               </a:ext>
             </a:extLst>
           </p:cNvPr>
@@ -8778,7 +10749,15 @@
           <a:p>
             <a:r>
               <a:rPr lang="en-US" altLang="zh-CN" dirty="0"/>
-              <a:t>Experiments</a:t>
+              <a:t>Experiments-</a:t>
+            </a:r>
+            <a:r>
+              <a:rPr lang="en-US" altLang="zh-CN" dirty="0" err="1"/>
+              <a:t>Adaboost</a:t>
+            </a:r>
+            <a:r>
+              <a:rPr lang="en-US" altLang="zh-CN" dirty="0"/>
+              <a:t> implementation</a:t>
             </a:r>
             <a:endParaRPr lang="en-US" dirty="0"/>
           </a:p>
@@ -8786,10 +10765,70 @@
       </p:sp>
       <p:sp>
         <p:nvSpPr>
-          <p:cNvPr id="3" name="Content Placeholder 2">
-            <a:extLst>
-              <a:ext uri="{FF2B5EF4-FFF2-40B4-BE49-F238E27FC236}">
-                <a16:creationId xmlns:a16="http://schemas.microsoft.com/office/drawing/2014/main" id="{86EAC19E-AEFE-4549-BA71-EA1379EB6738}"/>
+          <p:cNvPr id="4" name="Date Placeholder 3">
+            <a:extLst>
+              <a:ext uri="{FF2B5EF4-FFF2-40B4-BE49-F238E27FC236}">
+                <a16:creationId xmlns:a16="http://schemas.microsoft.com/office/drawing/2014/main" id="{0BDAE9EE-25E9-7D45-9926-E5511954052C}"/>
+              </a:ext>
+            </a:extLst>
+          </p:cNvPr>
+          <p:cNvSpPr>
+            <a:spLocks noGrp="1"/>
+          </p:cNvSpPr>
+          <p:nvPr>
+            <p:ph type="dt" sz="half" idx="10"/>
+          </p:nvPr>
+        </p:nvSpPr>
+        <p:spPr/>
+        <p:txBody>
+          <a:bodyPr/>
+          <a:lstStyle/>
+          <a:p>
+            <a:fld id="{21583AF0-66E0-0B4F-A024-0928CE8FE395}" type="datetime1">
+              <a:rPr lang="en-US" smtClean="0"/>
+              <a:pPr/>
+              <a:t>12/3/19</a:t>
+            </a:fld>
+            <a:endParaRPr lang="en-US" dirty="0"/>
+          </a:p>
+        </p:txBody>
+      </p:sp>
+      <p:sp>
+        <p:nvSpPr>
+          <p:cNvPr id="5" name="Slide Number Placeholder 4">
+            <a:extLst>
+              <a:ext uri="{FF2B5EF4-FFF2-40B4-BE49-F238E27FC236}">
+                <a16:creationId xmlns:a16="http://schemas.microsoft.com/office/drawing/2014/main" id="{92CA94CC-2F7D-0944-A57E-45C94E733903}"/>
+              </a:ext>
+            </a:extLst>
+          </p:cNvPr>
+          <p:cNvSpPr>
+            <a:spLocks noGrp="1"/>
+          </p:cNvSpPr>
+          <p:nvPr>
+            <p:ph type="sldNum" sz="quarter" idx="12"/>
+          </p:nvPr>
+        </p:nvSpPr>
+        <p:spPr/>
+        <p:txBody>
+          <a:bodyPr/>
+          <a:lstStyle/>
+          <a:p>
+            <a:fld id="{1D01153E-6010-234A-B398-6C4EBB14CFA8}" type="slidenum">
+              <a:rPr lang="en-US" smtClean="0"/>
+              <a:pPr/>
+              <a:t>7</a:t>
+            </a:fld>
+            <a:endParaRPr lang="en-US" dirty="0"/>
+          </a:p>
+        </p:txBody>
+      </p:sp>
+      <p:sp>
+        <p:nvSpPr>
+          <p:cNvPr id="6" name="Content Placeholder 2">
+            <a:extLst>
+              <a:ext uri="{FF2B5EF4-FFF2-40B4-BE49-F238E27FC236}">
+                <a16:creationId xmlns:a16="http://schemas.microsoft.com/office/drawing/2014/main" id="{4F8939E3-735C-8143-97B7-F7B2FE8A6630}"/>
               </a:ext>
             </a:extLst>
           </p:cNvPr>
@@ -8802,107 +10841,162 @@
         </p:nvSpPr>
         <p:spPr>
           <a:xfrm>
-            <a:off x="838199" y="1825625"/>
-            <a:ext cx="5532787" cy="4351338"/>
+            <a:off x="487045" y="1530360"/>
+            <a:ext cx="10515600" cy="1078399"/>
           </a:xfrm>
         </p:spPr>
         <p:txBody>
-          <a:bodyPr/>
+          <a:bodyPr>
+            <a:normAutofit fontScale="85000" lnSpcReduction="10000"/>
+          </a:bodyPr>
           <a:lstStyle/>
           <a:p>
-            <a:r>
-              <a:rPr lang="en-US" dirty="0"/>
-              <a:t>In this experiment, we devise the </a:t>
-            </a:r>
-            <a:r>
-              <a:rPr lang="en-US" dirty="0" err="1"/>
+            <a:pPr marL="0" indent="0">
+              <a:buNone/>
+            </a:pPr>
+            <a:r>
+              <a:rPr lang="en-US" sz="2000" dirty="0"/>
+              <a:t>We used the first 10% of the entire data as testing data and used the rest as training data.</a:t>
+            </a:r>
+          </a:p>
+          <a:p>
+            <a:pPr marL="0" indent="0">
+              <a:buNone/>
+            </a:pPr>
+            <a:r>
+              <a:rPr lang="en-US" sz="2000" dirty="0"/>
+              <a:t>We did not specify when to stop splitting decision tree of every level. </a:t>
+            </a:r>
+          </a:p>
+          <a:p>
+            <a:pPr marL="0" indent="0">
+              <a:buNone/>
+            </a:pPr>
+            <a:r>
+              <a:rPr lang="en-US" sz="2000" dirty="0"/>
+              <a:t>We want to optimize a hyperparameter, number of levels, of </a:t>
+            </a:r>
+            <a:r>
+              <a:rPr lang="en-US" sz="2000" dirty="0" err="1"/>
               <a:t>Adaboost</a:t>
             </a:r>
             <a:r>
-              <a:rPr lang="en-US" dirty="0"/>
-              <a:t> algorithm with 500 split nodes for each tree, but with different level.</a:t>
-            </a:r>
-          </a:p>
-          <a:p>
-            <a:r>
-              <a:rPr lang="en-US" dirty="0"/>
-              <a:t>When level is less then 5, FS algorithm can help to augment predict ability, but when level gets bigger, FS will be useless.</a:t>
-            </a:r>
-          </a:p>
-        </p:txBody>
-      </p:sp>
-      <p:sp>
-        <p:nvSpPr>
-          <p:cNvPr id="4" name="Date Placeholder 3">
-            <a:extLst>
-              <a:ext uri="{FF2B5EF4-FFF2-40B4-BE49-F238E27FC236}">
-                <a16:creationId xmlns:a16="http://schemas.microsoft.com/office/drawing/2014/main" id="{7162AD71-1860-394A-BD93-75555353E736}"/>
-              </a:ext>
-            </a:extLst>
-          </p:cNvPr>
-          <p:cNvSpPr>
-            <a:spLocks noGrp="1"/>
-          </p:cNvSpPr>
-          <p:nvPr>
-            <p:ph type="dt" sz="half" idx="10"/>
-          </p:nvPr>
-        </p:nvSpPr>
-        <p:spPr/>
-        <p:txBody>
-          <a:bodyPr/>
+              <a:rPr lang="en-US" sz="2000" dirty="0"/>
+              <a:t>. The optimization process is shown as follows.</a:t>
+            </a:r>
+          </a:p>
+        </p:txBody>
+      </p:sp>
+      <p:sp>
+        <p:nvSpPr>
+          <p:cNvPr id="7" name="TextBox 6">
+            <a:extLst>
+              <a:ext uri="{FF2B5EF4-FFF2-40B4-BE49-F238E27FC236}">
+                <a16:creationId xmlns:a16="http://schemas.microsoft.com/office/drawing/2014/main" id="{B9C19943-AC06-3444-B7E3-66F176074040}"/>
+              </a:ext>
+            </a:extLst>
+          </p:cNvPr>
+          <p:cNvSpPr txBox="1"/>
+          <p:nvPr/>
+        </p:nvSpPr>
+        <p:spPr>
+          <a:xfrm>
+            <a:off x="77661" y="5744279"/>
+            <a:ext cx="6463693" cy="369332"/>
+          </a:xfrm>
+          <a:prstGeom prst="rect">
+            <a:avLst/>
+          </a:prstGeom>
+          <a:noFill/>
+        </p:spPr>
+        <p:txBody>
+          <a:bodyPr wrap="none" rtlCol="0">
+            <a:spAutoFit/>
+          </a:bodyPr>
           <a:lstStyle/>
           <a:p>
-            <a:fld id="{21583AF0-66E0-0B4F-A024-0928CE8FE395}" type="datetime1">
-              <a:rPr lang="en-US" smtClean="0"/>
-              <a:pPr/>
-              <a:t>12/1/19</a:t>
-            </a:fld>
-            <a:endParaRPr lang="en-US" dirty="0"/>
-          </a:p>
-        </p:txBody>
-      </p:sp>
-      <p:sp>
-        <p:nvSpPr>
-          <p:cNvPr id="5" name="Slide Number Placeholder 4">
-            <a:extLst>
-              <a:ext uri="{FF2B5EF4-FFF2-40B4-BE49-F238E27FC236}">
-                <a16:creationId xmlns:a16="http://schemas.microsoft.com/office/drawing/2014/main" id="{B2EDCB3B-840B-C84E-9060-FBF59BE28478}"/>
-              </a:ext>
-            </a:extLst>
-          </p:cNvPr>
-          <p:cNvSpPr>
-            <a:spLocks noGrp="1"/>
-          </p:cNvSpPr>
-          <p:nvPr>
-            <p:ph type="sldNum" sz="quarter" idx="12"/>
-          </p:nvPr>
-        </p:nvSpPr>
-        <p:spPr/>
-        <p:txBody>
-          <a:bodyPr/>
+            <a:r>
+              <a:rPr lang="en-US" altLang="zh-CN" dirty="0"/>
+              <a:t>Figure A. Error of </a:t>
+            </a:r>
+            <a:r>
+              <a:rPr lang="en-US" altLang="zh-CN" dirty="0" err="1"/>
+              <a:t>Adaboost</a:t>
+            </a:r>
+            <a:r>
+              <a:rPr lang="en-US" altLang="zh-CN" dirty="0"/>
+              <a:t> with the number of its levels increasing</a:t>
+            </a:r>
+            <a:endParaRPr lang="zh-CN" altLang="en-US" dirty="0"/>
+          </a:p>
+        </p:txBody>
+      </p:sp>
+      <p:sp>
+        <p:nvSpPr>
+          <p:cNvPr id="8" name="TextBox 7">
+            <a:extLst>
+              <a:ext uri="{FF2B5EF4-FFF2-40B4-BE49-F238E27FC236}">
+                <a16:creationId xmlns:a16="http://schemas.microsoft.com/office/drawing/2014/main" id="{5809DD8B-D0A5-604B-9D32-3EDDEA779E96}"/>
+              </a:ext>
+            </a:extLst>
+          </p:cNvPr>
+          <p:cNvSpPr txBox="1"/>
+          <p:nvPr/>
+        </p:nvSpPr>
+        <p:spPr>
+          <a:xfrm>
+            <a:off x="6396179" y="2947154"/>
+            <a:ext cx="5137182" cy="1323439"/>
+          </a:xfrm>
+          <a:prstGeom prst="rect">
+            <a:avLst/>
+          </a:prstGeom>
+          <a:noFill/>
+        </p:spPr>
+        <p:txBody>
+          <a:bodyPr wrap="square" rtlCol="0">
+            <a:spAutoFit/>
+          </a:bodyPr>
           <a:lstStyle/>
           <a:p>
-            <a:fld id="{1D01153E-6010-234A-B398-6C4EBB14CFA8}" type="slidenum">
-              <a:rPr lang="en-US" smtClean="0"/>
-              <a:pPr/>
-              <a:t>7</a:t>
-            </a:fld>
-            <a:endParaRPr lang="en-US" dirty="0"/>
+            <a:r>
+              <a:rPr lang="en-US" altLang="zh-CN" sz="2000" dirty="0"/>
+              <a:t>It is demonstrated that when the number of levels is larger than 1000, the error rate of </a:t>
+            </a:r>
+            <a:r>
+              <a:rPr lang="en-US" altLang="zh-CN" sz="2000" dirty="0" err="1"/>
+              <a:t>Adaboost</a:t>
+            </a:r>
+            <a:r>
+              <a:rPr lang="en-US" altLang="zh-CN" sz="2000" dirty="0"/>
+              <a:t> on testing data converges to about </a:t>
+            </a:r>
+            <a:r>
+              <a:rPr lang="en-US" altLang="zh-CN" sz="2000" dirty="0">
+                <a:solidFill>
+                  <a:srgbClr val="FF0000"/>
+                </a:solidFill>
+              </a:rPr>
+              <a:t>3.5%.</a:t>
+            </a:r>
+            <a:endParaRPr lang="zh-CN" altLang="en-US" sz="2000" dirty="0">
+              <a:solidFill>
+                <a:srgbClr val="FF0000"/>
+              </a:solidFill>
+            </a:endParaRPr>
           </a:p>
         </p:txBody>
       </p:sp>
       <p:pic>
         <p:nvPicPr>
-          <p:cNvPr id="7" name="Picture 6" descr="A screenshot of a map&#10;&#10;Description automatically generated">
-            <a:extLst>
-              <a:ext uri="{FF2B5EF4-FFF2-40B4-BE49-F238E27FC236}">
-                <a16:creationId xmlns:a16="http://schemas.microsoft.com/office/drawing/2014/main" id="{3244B02E-831C-E64B-80A3-807AE8CE3AEB}"/>
-              </a:ext>
-            </a:extLst>
-          </p:cNvPr>
-          <p:cNvPicPr>
-            <a:picLocks noChangeAspect="1"/>
-          </p:cNvPicPr>
+          <p:cNvPr id="9" name="Picture 8">
+            <a:extLst>
+              <a:ext uri="{FF2B5EF4-FFF2-40B4-BE49-F238E27FC236}">
+                <a16:creationId xmlns:a16="http://schemas.microsoft.com/office/drawing/2014/main" id="{F46B7170-16C6-D749-B352-67E1C2ECDC54}"/>
+              </a:ext>
+            </a:extLst>
+          </p:cNvPr>
+          <p:cNvPicPr/>
           <p:nvPr/>
         </p:nvPicPr>
         <p:blipFill>
@@ -8913,8 +11007,8 @@
         </p:blipFill>
         <p:spPr>
           <a:xfrm>
-            <a:off x="6659213" y="1967006"/>
-            <a:ext cx="5532787" cy="4209957"/>
+            <a:off x="364490" y="2608759"/>
+            <a:ext cx="5731510" cy="3107055"/>
           </a:xfrm>
           <a:prstGeom prst="rect">
             <a:avLst/>
@@ -8924,7 +11018,7 @@
     </p:spTree>
     <p:extLst>
       <p:ext uri="{BB962C8B-B14F-4D97-AF65-F5344CB8AC3E}">
-        <p14:creationId xmlns:p14="http://schemas.microsoft.com/office/powerpoint/2010/main" val="2308063446"/>
+        <p14:creationId xmlns:p14="http://schemas.microsoft.com/office/powerpoint/2010/main" val="2789780560"/>
       </p:ext>
     </p:extLst>
   </p:cSld>
@@ -8973,9 +11067,18 @@
           <a:lstStyle/>
           <a:p>
             <a:r>
-              <a:rPr lang="en-US" dirty="0"/>
-              <a:t>Test in Kaggle</a:t>
-            </a:r>
+              <a:rPr lang="en-US" altLang="zh-CN" dirty="0"/>
+              <a:t>Experiments-</a:t>
+            </a:r>
+            <a:r>
+              <a:rPr lang="en-US" altLang="zh-CN" dirty="0" err="1"/>
+              <a:t>Adaboost</a:t>
+            </a:r>
+            <a:r>
+              <a:rPr lang="en-US" altLang="zh-CN" dirty="0"/>
+              <a:t> &amp; FS</a:t>
+            </a:r>
+            <a:endParaRPr lang="en-US" dirty="0"/>
           </a:p>
         </p:txBody>
       </p:sp>
@@ -8995,23 +11098,111 @@
             <p:ph idx="1"/>
           </p:nvPr>
         </p:nvSpPr>
-        <p:spPr/>
-        <p:txBody>
-          <a:bodyPr/>
+        <p:spPr>
+          <a:xfrm>
+            <a:off x="743753" y="1463754"/>
+            <a:ext cx="11155321" cy="865202"/>
+          </a:xfrm>
+        </p:spPr>
+        <p:txBody>
+          <a:bodyPr>
+            <a:normAutofit/>
+          </a:bodyPr>
           <a:lstStyle/>
           <a:p>
             <a:r>
-              <a:rPr lang="en-US" dirty="0"/>
-              <a:t>We fully test models of SVM, single decision tree, FS single decision tree, </a:t>
-            </a:r>
-            <a:r>
-              <a:rPr lang="en-US" dirty="0" err="1"/>
+              <a:rPr lang="en-US" sz="2000" dirty="0"/>
+              <a:t>In this experiment, we devise the </a:t>
+            </a:r>
+            <a:r>
+              <a:rPr lang="en-US" sz="2000" dirty="0" err="1"/>
               <a:t>Adaboost</a:t>
             </a:r>
             <a:r>
-              <a:rPr lang="en-US" dirty="0"/>
-              <a:t>.</a:t>
-            </a:r>
+              <a:rPr lang="en-US" sz="2000" dirty="0"/>
+              <a:t> algorithm with </a:t>
+            </a:r>
+            <a:r>
+              <a:rPr lang="en-US" sz="2000" dirty="0">
+                <a:solidFill>
+                  <a:srgbClr val="FF0000"/>
+                </a:solidFill>
+              </a:rPr>
+              <a:t>500 split </a:t>
+            </a:r>
+            <a:r>
+              <a:rPr lang="en-US" sz="2000" dirty="0"/>
+              <a:t>nodes for each tree, </a:t>
+            </a:r>
+            <a:r>
+              <a:rPr lang="en-US" altLang="zh-CN" sz="2000" dirty="0"/>
+              <a:t>the</a:t>
+            </a:r>
+            <a:r>
+              <a:rPr lang="zh-CN" altLang="en-US" sz="2000" dirty="0"/>
+              <a:t> </a:t>
+            </a:r>
+            <a:r>
+              <a:rPr lang="en-US" altLang="zh-CN" sz="2000" dirty="0"/>
+              <a:t>max</a:t>
+            </a:r>
+            <a:r>
+              <a:rPr lang="zh-CN" altLang="en-US" sz="2000" dirty="0"/>
+              <a:t> </a:t>
+            </a:r>
+            <a:r>
+              <a:rPr lang="en-US" altLang="zh-CN" sz="2000" dirty="0"/>
+              <a:t>level</a:t>
+            </a:r>
+            <a:r>
+              <a:rPr lang="zh-CN" altLang="en-US" sz="2000" dirty="0"/>
+              <a:t> </a:t>
+            </a:r>
+            <a:r>
+              <a:rPr lang="en-US" altLang="zh-CN" sz="2000" dirty="0"/>
+              <a:t>is</a:t>
+            </a:r>
+            <a:r>
+              <a:rPr lang="zh-CN" altLang="en-US" sz="2000" dirty="0"/>
+              <a:t> </a:t>
+            </a:r>
+            <a:r>
+              <a:rPr lang="en-US" altLang="zh-CN" sz="2000" dirty="0"/>
+              <a:t>300,</a:t>
+            </a:r>
+            <a:r>
+              <a:rPr lang="zh-CN" altLang="en-US" sz="2000" dirty="0"/>
+              <a:t> </a:t>
+            </a:r>
+            <a:r>
+              <a:rPr lang="en-US" altLang="zh-CN" sz="2000" dirty="0"/>
+              <a:t>based</a:t>
+            </a:r>
+            <a:r>
+              <a:rPr lang="zh-CN" altLang="en-US" sz="2000" dirty="0"/>
+              <a:t> </a:t>
+            </a:r>
+            <a:r>
+              <a:rPr lang="en-US" altLang="zh-CN" sz="2000" dirty="0"/>
+              <a:t>on</a:t>
+            </a:r>
+            <a:r>
+              <a:rPr lang="zh-CN" altLang="en-US" sz="2000" dirty="0"/>
+              <a:t> </a:t>
+            </a:r>
+            <a:r>
+              <a:rPr lang="en-US" altLang="zh-CN" sz="2000" dirty="0"/>
+              <a:t>previous</a:t>
+            </a:r>
+            <a:r>
+              <a:rPr lang="zh-CN" altLang="en-US" sz="2000" dirty="0"/>
+              <a:t> </a:t>
+            </a:r>
+            <a:r>
+              <a:rPr lang="en-US" altLang="zh-CN" sz="2000" dirty="0"/>
+              <a:t>experiment</a:t>
+            </a:r>
+            <a:endParaRPr lang="en-US" sz="2000" dirty="0"/>
           </a:p>
         </p:txBody>
       </p:sp>
@@ -9039,7 +11230,7 @@
             <a:fld id="{21583AF0-66E0-0B4F-A024-0928CE8FE395}" type="datetime1">
               <a:rPr lang="en-US" smtClean="0"/>
               <a:pPr/>
-              <a:t>12/1/19</a:t>
+              <a:t>12/3/19</a:t>
             </a:fld>
             <a:endParaRPr lang="en-US" dirty="0"/>
           </a:p>
@@ -9075,394 +11266,146 @@
           </a:p>
         </p:txBody>
       </p:sp>
-      <p:graphicFrame>
-        <p:nvGraphicFramePr>
-          <p:cNvPr id="7" name="Table 6">
-            <a:extLst>
-              <a:ext uri="{FF2B5EF4-FFF2-40B4-BE49-F238E27FC236}">
-                <a16:creationId xmlns:a16="http://schemas.microsoft.com/office/drawing/2014/main" id="{0D84FF9A-F0C5-3140-AF35-40FF99B390DC}"/>
-              </a:ext>
-            </a:extLst>
-          </p:cNvPr>
-          <p:cNvGraphicFramePr>
-            <a:graphicFrameLocks noGrp="1"/>
-          </p:cNvGraphicFramePr>
-          <p:nvPr>
-            <p:extLst>
-              <p:ext uri="{D42A27DB-BD31-4B8C-83A1-F6EECF244321}">
-                <p14:modId xmlns:p14="http://schemas.microsoft.com/office/powerpoint/2010/main" val="208712676"/>
-              </p:ext>
-            </p:extLst>
-          </p:nvPr>
-        </p:nvGraphicFramePr>
-        <p:xfrm>
-          <a:off x="838200" y="3049479"/>
-          <a:ext cx="10515600" cy="1517329"/>
-        </p:xfrm>
-        <a:graphic>
-          <a:graphicData uri="http://schemas.openxmlformats.org/drawingml/2006/table">
-            <a:tbl>
-              <a:tblPr firstRow="1" bandRow="1">
-                <a:tableStyleId>{5C22544A-7EE6-4342-B048-85BDC9FD1C3A}</a:tableStyleId>
-              </a:tblPr>
-              <a:tblGrid>
-                <a:gridCol w="1752600">
-                  <a:extLst>
-                    <a:ext uri="{9D8B030D-6E8A-4147-A177-3AD203B41FA5}">
-                      <a16:colId xmlns:a16="http://schemas.microsoft.com/office/drawing/2014/main" val="3131551826"/>
-                    </a:ext>
-                  </a:extLst>
-                </a:gridCol>
-                <a:gridCol w="1752600">
-                  <a:extLst>
-                    <a:ext uri="{9D8B030D-6E8A-4147-A177-3AD203B41FA5}">
-                      <a16:colId xmlns:a16="http://schemas.microsoft.com/office/drawing/2014/main" val="2266512709"/>
-                    </a:ext>
-                  </a:extLst>
-                </a:gridCol>
-                <a:gridCol w="1752600">
-                  <a:extLst>
-                    <a:ext uri="{9D8B030D-6E8A-4147-A177-3AD203B41FA5}">
-                      <a16:colId xmlns:a16="http://schemas.microsoft.com/office/drawing/2014/main" val="806924536"/>
-                    </a:ext>
-                  </a:extLst>
-                </a:gridCol>
-                <a:gridCol w="1752600">
-                  <a:extLst>
-                    <a:ext uri="{9D8B030D-6E8A-4147-A177-3AD203B41FA5}">
-                      <a16:colId xmlns:a16="http://schemas.microsoft.com/office/drawing/2014/main" val="13779465"/>
-                    </a:ext>
-                  </a:extLst>
-                </a:gridCol>
-                <a:gridCol w="1752600">
-                  <a:extLst>
-                    <a:ext uri="{9D8B030D-6E8A-4147-A177-3AD203B41FA5}">
-                      <a16:colId xmlns:a16="http://schemas.microsoft.com/office/drawing/2014/main" val="3605990128"/>
-                    </a:ext>
-                  </a:extLst>
-                </a:gridCol>
-                <a:gridCol w="1752600">
-                  <a:extLst>
-                    <a:ext uri="{9D8B030D-6E8A-4147-A177-3AD203B41FA5}">
-                      <a16:colId xmlns:a16="http://schemas.microsoft.com/office/drawing/2014/main" val="55396246"/>
-                    </a:ext>
-                  </a:extLst>
-                </a:gridCol>
-              </a:tblGrid>
-              <a:tr h="957745">
-                <a:tc>
-                  <a:txBody>
-                    <a:bodyPr/>
-                    <a:lstStyle/>
-                    <a:p>
-                      <a:r>
-                        <a:rPr lang="en-US" dirty="0"/>
-                        <a:t>model</a:t>
-                      </a:r>
-                    </a:p>
-                  </a:txBody>
-                  <a:tcPr>
-                    <a:solidFill>
-                      <a:schemeClr val="accent2"/>
-                    </a:solidFill>
-                  </a:tcPr>
-                </a:tc>
-                <a:tc>
-                  <a:txBody>
-                    <a:bodyPr/>
-                    <a:lstStyle/>
-                    <a:p>
-                      <a:pPr marL="0" marR="0" lvl="0" indent="0" algn="l" defTabSz="914400" rtl="0" eaLnBrk="1" fontAlgn="auto" latinLnBrk="0" hangingPunct="1">
-                        <a:lnSpc>
-                          <a:spcPct val="100000"/>
-                        </a:lnSpc>
-                        <a:spcBef>
-                          <a:spcPts val="0"/>
-                        </a:spcBef>
-                        <a:spcAft>
-                          <a:spcPts val="0"/>
-                        </a:spcAft>
-                        <a:buClrTx/>
-                        <a:buSzTx/>
-                        <a:buFontTx/>
-                        <a:buNone/>
-                        <a:tabLst/>
-                        <a:defRPr/>
-                      </a:pPr>
-                      <a:r>
-                        <a:rPr lang="en-US" dirty="0"/>
-                        <a:t>SVM(Linear)</a:t>
-                      </a:r>
-                    </a:p>
-                    <a:p>
-                      <a:endParaRPr lang="en-US" dirty="0"/>
-                    </a:p>
-                  </a:txBody>
-                  <a:tcPr>
-                    <a:solidFill>
-                      <a:schemeClr val="accent2"/>
-                    </a:solidFill>
-                  </a:tcPr>
-                </a:tc>
-                <a:tc>
-                  <a:txBody>
-                    <a:bodyPr/>
-                    <a:lstStyle/>
-                    <a:p>
-                      <a:pPr marL="0" marR="0" lvl="0" indent="0" algn="l" defTabSz="914400" rtl="0" eaLnBrk="1" fontAlgn="auto" latinLnBrk="0" hangingPunct="1">
-                        <a:lnSpc>
-                          <a:spcPct val="100000"/>
-                        </a:lnSpc>
-                        <a:spcBef>
-                          <a:spcPts val="0"/>
-                        </a:spcBef>
-                        <a:spcAft>
-                          <a:spcPts val="0"/>
-                        </a:spcAft>
-                        <a:buClrTx/>
-                        <a:buSzTx/>
-                        <a:buFontTx/>
-                        <a:buNone/>
-                        <a:tabLst/>
-                        <a:defRPr/>
-                      </a:pPr>
-                      <a:r>
-                        <a:rPr lang="en-US" dirty="0"/>
-                        <a:t>FS&amp;SVM(Linear)</a:t>
-                      </a:r>
-                    </a:p>
-                    <a:p>
-                      <a:endParaRPr lang="en-US" dirty="0"/>
-                    </a:p>
-                  </a:txBody>
-                  <a:tcPr>
-                    <a:solidFill>
-                      <a:schemeClr val="accent2"/>
-                    </a:solidFill>
-                  </a:tcPr>
-                </a:tc>
-                <a:tc>
-                  <a:txBody>
-                    <a:bodyPr/>
-                    <a:lstStyle/>
-                    <a:p>
-                      <a:pPr marL="0" marR="0" lvl="0" indent="0" algn="l" defTabSz="914400" rtl="0" eaLnBrk="1" fontAlgn="auto" latinLnBrk="0" hangingPunct="1">
-                        <a:lnSpc>
-                          <a:spcPct val="100000"/>
-                        </a:lnSpc>
-                        <a:spcBef>
-                          <a:spcPts val="0"/>
-                        </a:spcBef>
-                        <a:spcAft>
-                          <a:spcPts val="0"/>
-                        </a:spcAft>
-                        <a:buClrTx/>
-                        <a:buSzTx/>
-                        <a:buFontTx/>
-                        <a:buNone/>
-                        <a:tabLst/>
-                        <a:defRPr/>
-                      </a:pPr>
-                      <a:r>
-                        <a:rPr lang="en-US" dirty="0"/>
-                        <a:t>Single tree( 500 splits)</a:t>
-                      </a:r>
-                    </a:p>
-                    <a:p>
-                      <a:endParaRPr lang="en-US" dirty="0"/>
-                    </a:p>
-                  </a:txBody>
-                  <a:tcPr>
-                    <a:solidFill>
-                      <a:schemeClr val="accent2"/>
-                    </a:solidFill>
-                  </a:tcPr>
-                </a:tc>
-                <a:tc>
-                  <a:txBody>
-                    <a:bodyPr/>
-                    <a:lstStyle/>
-                    <a:p>
-                      <a:pPr marL="0" marR="0" lvl="0" indent="0" algn="l" defTabSz="914400" rtl="0" eaLnBrk="1" fontAlgn="auto" latinLnBrk="0" hangingPunct="1">
-                        <a:lnSpc>
-                          <a:spcPct val="100000"/>
-                        </a:lnSpc>
-                        <a:spcBef>
-                          <a:spcPts val="0"/>
-                        </a:spcBef>
-                        <a:spcAft>
-                          <a:spcPts val="0"/>
-                        </a:spcAft>
-                        <a:buClrTx/>
-                        <a:buSzTx/>
-                        <a:buFontTx/>
-                        <a:buNone/>
-                        <a:tabLst/>
-                        <a:defRPr/>
-                      </a:pPr>
-                      <a:r>
-                        <a:rPr lang="en-US" dirty="0"/>
-                        <a:t>FS &amp; Single tree(500 splits)</a:t>
-                      </a:r>
-                    </a:p>
-                    <a:p>
-                      <a:endParaRPr lang="en-US" dirty="0"/>
-                    </a:p>
-                  </a:txBody>
-                  <a:tcPr>
-                    <a:solidFill>
-                      <a:schemeClr val="accent2"/>
-                    </a:solidFill>
-                  </a:tcPr>
-                </a:tc>
-                <a:tc>
-                  <a:txBody>
-                    <a:bodyPr/>
-                    <a:lstStyle/>
-                    <a:p>
-                      <a:r>
-                        <a:rPr lang="en-US" dirty="0" err="1"/>
-                        <a:t>Adaboost</a:t>
-                      </a:r>
-                      <a:r>
-                        <a:rPr lang="en-US" dirty="0"/>
-                        <a:t>(500 levels)</a:t>
-                      </a:r>
-                    </a:p>
-                  </a:txBody>
-                  <a:tcPr>
-                    <a:solidFill>
-                      <a:schemeClr val="accent2"/>
-                    </a:solidFill>
-                  </a:tcPr>
-                </a:tc>
-                <a:extLst>
-                  <a:ext uri="{0D108BD9-81ED-4DB2-BD59-A6C34878D82A}">
-                    <a16:rowId xmlns:a16="http://schemas.microsoft.com/office/drawing/2014/main" val="464914031"/>
-                  </a:ext>
-                </a:extLst>
-              </a:tr>
-              <a:tr h="559584">
-                <a:tc>
-                  <a:txBody>
-                    <a:bodyPr/>
-                    <a:lstStyle/>
-                    <a:p>
-                      <a:r>
-                        <a:rPr lang="en-US" dirty="0">
-                          <a:solidFill>
-                            <a:schemeClr val="bg1"/>
-                          </a:solidFill>
-                        </a:rPr>
-                        <a:t>score</a:t>
-                      </a:r>
-                    </a:p>
-                  </a:txBody>
-                  <a:tcPr>
-                    <a:solidFill>
-                      <a:schemeClr val="accent2"/>
-                    </a:solidFill>
-                  </a:tcPr>
-                </a:tc>
-                <a:tc>
-                  <a:txBody>
-                    <a:bodyPr/>
-                    <a:lstStyle/>
-                    <a:p>
-                      <a:r>
-                        <a:rPr lang="en-US" dirty="0"/>
-                        <a:t>0.5</a:t>
-                      </a:r>
-                    </a:p>
-                  </a:txBody>
-                  <a:tcPr>
-                    <a:solidFill>
-                      <a:schemeClr val="accent2"/>
-                    </a:solidFill>
-                  </a:tcPr>
-                </a:tc>
-                <a:tc>
-                  <a:txBody>
-                    <a:bodyPr/>
-                    <a:lstStyle/>
-                    <a:p>
-                      <a:r>
-                        <a:rPr lang="en-US" dirty="0"/>
-                        <a:t>0.53962</a:t>
-                      </a:r>
-                    </a:p>
-                  </a:txBody>
-                  <a:tcPr>
-                    <a:solidFill>
-                      <a:schemeClr val="accent2"/>
-                    </a:solidFill>
-                  </a:tcPr>
-                </a:tc>
-                <a:tc>
-                  <a:txBody>
-                    <a:bodyPr/>
-                    <a:lstStyle/>
-                    <a:p>
-                      <a:r>
-                        <a:rPr lang="en-US" dirty="0"/>
-                        <a:t>0.80899</a:t>
-                      </a:r>
-                    </a:p>
-                  </a:txBody>
-                  <a:tcPr>
-                    <a:solidFill>
-                      <a:schemeClr val="accent2"/>
-                    </a:solidFill>
-                  </a:tcPr>
-                </a:tc>
-                <a:tc>
-                  <a:txBody>
-                    <a:bodyPr/>
-                    <a:lstStyle/>
-                    <a:p>
-                      <a:r>
-                        <a:rPr lang="en-US" dirty="0"/>
-                        <a:t>0.83138</a:t>
-                      </a:r>
-                    </a:p>
-                  </a:txBody>
-                  <a:tcPr>
-                    <a:solidFill>
-                      <a:schemeClr val="accent2"/>
-                    </a:solidFill>
-                  </a:tcPr>
-                </a:tc>
-                <a:tc>
-                  <a:txBody>
-                    <a:bodyPr/>
-                    <a:lstStyle/>
-                    <a:p>
-                      <a:r>
-                        <a:rPr lang="en-US" dirty="0"/>
-                        <a:t>0.95611</a:t>
-                      </a:r>
-                    </a:p>
-                  </a:txBody>
-                  <a:tcPr>
-                    <a:solidFill>
-                      <a:schemeClr val="accent2"/>
-                    </a:solidFill>
-                  </a:tcPr>
-                </a:tc>
-                <a:extLst>
-                  <a:ext uri="{0D108BD9-81ED-4DB2-BD59-A6C34878D82A}">
-                    <a16:rowId xmlns:a16="http://schemas.microsoft.com/office/drawing/2014/main" val="2779196544"/>
-                  </a:ext>
-                </a:extLst>
-              </a:tr>
-            </a:tbl>
-          </a:graphicData>
-        </a:graphic>
-      </p:graphicFrame>
+      <p:sp>
+        <p:nvSpPr>
+          <p:cNvPr id="8" name="TextBox 7">
+            <a:extLst>
+              <a:ext uri="{FF2B5EF4-FFF2-40B4-BE49-F238E27FC236}">
+                <a16:creationId xmlns:a16="http://schemas.microsoft.com/office/drawing/2014/main" id="{8E8B1BEA-A34C-0E4A-B31C-2E1166C8ABA9}"/>
+              </a:ext>
+            </a:extLst>
+          </p:cNvPr>
+          <p:cNvSpPr txBox="1"/>
+          <p:nvPr/>
+        </p:nvSpPr>
+        <p:spPr>
+          <a:xfrm>
+            <a:off x="277533" y="5831890"/>
+            <a:ext cx="7478394" cy="369332"/>
+          </a:xfrm>
+          <a:prstGeom prst="rect">
+            <a:avLst/>
+          </a:prstGeom>
+          <a:noFill/>
+        </p:spPr>
+        <p:txBody>
+          <a:bodyPr wrap="none" rtlCol="0">
+            <a:spAutoFit/>
+          </a:bodyPr>
+          <a:lstStyle/>
+          <a:p>
+            <a:r>
+              <a:rPr lang="en-US" altLang="zh-CN" dirty="0"/>
+              <a:t>Figure A. </a:t>
+            </a:r>
+            <a:r>
+              <a:rPr lang="en-US" altLang="zh-CN" dirty="0" err="1"/>
+              <a:t>Adaboost</a:t>
+            </a:r>
+            <a:r>
+              <a:rPr lang="en-US" altLang="zh-CN" dirty="0"/>
+              <a:t> vs FS integrated with </a:t>
+            </a:r>
+            <a:r>
+              <a:rPr lang="en-US" altLang="zh-CN" dirty="0" err="1"/>
+              <a:t>Adaboost</a:t>
+            </a:r>
+            <a:r>
+              <a:rPr lang="en-US" altLang="zh-CN" dirty="0"/>
+              <a:t> in different number of level</a:t>
+            </a:r>
+            <a:endParaRPr lang="zh-CN" altLang="en-US" dirty="0"/>
+          </a:p>
+        </p:txBody>
+      </p:sp>
+      <p:sp>
+        <p:nvSpPr>
+          <p:cNvPr id="6" name="Rectangle 5">
+            <a:extLst>
+              <a:ext uri="{FF2B5EF4-FFF2-40B4-BE49-F238E27FC236}">
+                <a16:creationId xmlns:a16="http://schemas.microsoft.com/office/drawing/2014/main" id="{2E50E191-83A2-814C-9708-0063E9899210}"/>
+              </a:ext>
+            </a:extLst>
+          </p:cNvPr>
+          <p:cNvSpPr/>
+          <p:nvPr/>
+        </p:nvSpPr>
+        <p:spPr>
+          <a:xfrm>
+            <a:off x="5803074" y="3110926"/>
+            <a:ext cx="6096000" cy="646331"/>
+          </a:xfrm>
+          <a:prstGeom prst="rect">
+            <a:avLst/>
+          </a:prstGeom>
+        </p:spPr>
+        <p:txBody>
+          <a:bodyPr>
+            <a:spAutoFit/>
+          </a:bodyPr>
+          <a:lstStyle/>
+          <a:p>
+            <a:r>
+              <a:rPr lang="en-US" dirty="0"/>
+              <a:t>When level is less then </a:t>
+            </a:r>
+            <a:r>
+              <a:rPr lang="en-US" dirty="0">
+                <a:solidFill>
+                  <a:srgbClr val="FF0000"/>
+                </a:solidFill>
+              </a:rPr>
+              <a:t>5</a:t>
+            </a:r>
+            <a:r>
+              <a:rPr lang="en-US" dirty="0"/>
+              <a:t>, FS algorithm can help to augment predict</a:t>
+            </a:r>
+            <a:r>
+              <a:rPr lang="en-US" altLang="zh-CN" dirty="0"/>
+              <a:t>ion</a:t>
+            </a:r>
+            <a:r>
+              <a:rPr lang="en-US" dirty="0"/>
+              <a:t> ability, but when level gets bigger, FS will be useless.</a:t>
+            </a:r>
+          </a:p>
+        </p:txBody>
+      </p:sp>
+      <p:pic>
+        <p:nvPicPr>
+          <p:cNvPr id="10" name="Picture 9" descr="A screenshot of a map&#10;&#10;Description automatically generated">
+            <a:extLst>
+              <a:ext uri="{FF2B5EF4-FFF2-40B4-BE49-F238E27FC236}">
+                <a16:creationId xmlns:a16="http://schemas.microsoft.com/office/drawing/2014/main" id="{55327869-0CB3-1249-AB42-3D2A54773CD2}"/>
+              </a:ext>
+            </a:extLst>
+          </p:cNvPr>
+          <p:cNvPicPr>
+            <a:picLocks noChangeAspect="1"/>
+          </p:cNvPicPr>
+          <p:nvPr/>
+        </p:nvPicPr>
+        <p:blipFill>
+          <a:blip r:embed="rId2"/>
+          <a:stretch>
+            <a:fillRect/>
+          </a:stretch>
+        </p:blipFill>
+        <p:spPr>
+          <a:xfrm>
+            <a:off x="743754" y="2120226"/>
+            <a:ext cx="4481390" cy="3683538"/>
+          </a:xfrm>
+          <a:prstGeom prst="rect">
+            <a:avLst/>
+          </a:prstGeom>
+        </p:spPr>
+      </p:pic>
     </p:spTree>
     <p:extLst>
       <p:ext uri="{BB962C8B-B14F-4D97-AF65-F5344CB8AC3E}">
-        <p14:creationId xmlns:p14="http://schemas.microsoft.com/office/powerpoint/2010/main" val="2884021499"/>
+        <p14:creationId xmlns:p14="http://schemas.microsoft.com/office/powerpoint/2010/main" val="2308063446"/>
       </p:ext>
     </p:extLst>
   </p:cSld>
@@ -9494,7 +11437,7 @@
           <p:cNvPr id="2" name="Title 1">
             <a:extLst>
               <a:ext uri="{FF2B5EF4-FFF2-40B4-BE49-F238E27FC236}">
-                <a16:creationId xmlns:a16="http://schemas.microsoft.com/office/drawing/2014/main" id="{94FC802E-4F79-ED41-8EB8-695A757CDB4F}"/>
+                <a16:creationId xmlns:a16="http://schemas.microsoft.com/office/drawing/2014/main" id="{BA83C2C1-934A-4D4E-8335-AD57CCBC00BC}"/>
               </a:ext>
             </a:extLst>
           </p:cNvPr>
@@ -9511,9 +11454,22 @@
           <a:lstStyle/>
           <a:p>
             <a:r>
-              <a:rPr lang="en-US" dirty="0"/>
-              <a:t>conclusion</a:t>
-            </a:r>
+              <a:rPr lang="en-US" altLang="zh-CN" dirty="0"/>
+              <a:t>Experiments-SVM(</a:t>
+            </a:r>
+            <a:r>
+              <a:rPr lang="en-US" altLang="zh-CN" dirty="0" err="1"/>
+              <a:t>rbf</a:t>
+            </a:r>
+            <a:r>
+              <a:rPr lang="zh-CN" altLang="en-US" dirty="0"/>
+              <a:t> </a:t>
+            </a:r>
+            <a:r>
+              <a:rPr lang="en-US" altLang="zh-CN" dirty="0"/>
+              <a:t>kernel)</a:t>
+            </a:r>
+            <a:endParaRPr lang="en-US" dirty="0"/>
           </a:p>
         </p:txBody>
       </p:sp>
@@ -9522,7 +11478,7 @@
           <p:cNvPr id="3" name="Content Placeholder 2">
             <a:extLst>
               <a:ext uri="{FF2B5EF4-FFF2-40B4-BE49-F238E27FC236}">
-                <a16:creationId xmlns:a16="http://schemas.microsoft.com/office/drawing/2014/main" id="{86EAC19E-AEFE-4549-BA71-EA1379EB6738}"/>
+                <a16:creationId xmlns:a16="http://schemas.microsoft.com/office/drawing/2014/main" id="{6023C889-572A-814B-94E1-7E3986D9C6A4}"/>
               </a:ext>
             </a:extLst>
           </p:cNvPr>
@@ -9533,32 +11489,136 @@
             <p:ph idx="1"/>
           </p:nvPr>
         </p:nvSpPr>
-        <p:spPr/>
-        <p:txBody>
-          <a:bodyPr/>
+        <p:spPr>
+          <a:xfrm>
+            <a:off x="838200" y="1516344"/>
+            <a:ext cx="10977748" cy="875425"/>
+          </a:xfrm>
+        </p:spPr>
+        <p:txBody>
+          <a:bodyPr>
+            <a:normAutofit/>
+          </a:bodyPr>
           <a:lstStyle/>
           <a:p>
             <a:r>
-              <a:rPr lang="en-US" dirty="0"/>
-              <a:t>By predicting the test data set, we can conclude this new feature selective method can help to improve the performance of some weak classifiers.</a:t>
-            </a:r>
-          </a:p>
-          <a:p>
-            <a:r>
-              <a:rPr lang="en-US" dirty="0"/>
-              <a:t>The </a:t>
-            </a:r>
-            <a:r>
-              <a:rPr lang="en-US" dirty="0" err="1"/>
-              <a:t>Adaboost</a:t>
-            </a:r>
-            <a:r>
-              <a:rPr lang="en-US" dirty="0"/>
-              <a:t> performs best among all the models, as well as it has much more complex structure.</a:t>
-            </a:r>
-          </a:p>
-          <a:p>
-            <a:endParaRPr lang="en-US" dirty="0"/>
+              <a:rPr lang="en-US" altLang="zh-CN" sz="1800" dirty="0"/>
+              <a:t>Using</a:t>
+            </a:r>
+            <a:r>
+              <a:rPr lang="zh-CN" altLang="en-US" sz="1800" dirty="0"/>
+              <a:t> </a:t>
+            </a:r>
+            <a:r>
+              <a:rPr lang="en-US" altLang="zh-CN" sz="1800" dirty="0"/>
+              <a:t>SVM</a:t>
+            </a:r>
+            <a:r>
+              <a:rPr lang="zh-CN" altLang="en-US" sz="1800" dirty="0"/>
+              <a:t> </a:t>
+            </a:r>
+            <a:r>
+              <a:rPr lang="en-US" altLang="zh-CN" sz="1800" dirty="0"/>
+              <a:t>classifier</a:t>
+            </a:r>
+            <a:r>
+              <a:rPr lang="zh-CN" altLang="en-US" sz="1800" dirty="0"/>
+              <a:t> </a:t>
+            </a:r>
+            <a:r>
+              <a:rPr lang="en-US" altLang="zh-CN" sz="1800" dirty="0"/>
+              <a:t>and</a:t>
+            </a:r>
+            <a:r>
+              <a:rPr lang="zh-CN" altLang="en-US" sz="1800" dirty="0"/>
+              <a:t> </a:t>
+            </a:r>
+            <a:r>
+              <a:rPr lang="en-US" altLang="zh-CN" sz="1800" dirty="0"/>
+              <a:t>optimizing</a:t>
+            </a:r>
+            <a:r>
+              <a:rPr lang="zh-CN" altLang="en-US" sz="1800" dirty="0"/>
+              <a:t> </a:t>
+            </a:r>
+            <a:r>
+              <a:rPr lang="en-US" altLang="zh-CN" sz="1800" dirty="0"/>
+              <a:t>the</a:t>
+            </a:r>
+            <a:r>
+              <a:rPr lang="zh-CN" altLang="en-US" sz="1800" dirty="0"/>
+              <a:t> </a:t>
+            </a:r>
+            <a:r>
+              <a:rPr lang="en-US" altLang="zh-CN" sz="1800" dirty="0"/>
+              <a:t>hype-parameter.</a:t>
+            </a:r>
+            <a:r>
+              <a:rPr lang="zh-CN" altLang="en-US" sz="1800" dirty="0"/>
+              <a:t> </a:t>
+            </a:r>
+            <a:r>
+              <a:rPr lang="en-US" altLang="zh-CN" sz="1800" dirty="0"/>
+              <a:t>The</a:t>
+            </a:r>
+            <a:r>
+              <a:rPr lang="zh-CN" altLang="en-US" sz="1800" dirty="0"/>
+              <a:t> </a:t>
+            </a:r>
+            <a:r>
+              <a:rPr lang="en-US" altLang="zh-CN" sz="1800" dirty="0"/>
+              <a:t>min</a:t>
+            </a:r>
+            <a:r>
+              <a:rPr lang="zh-CN" altLang="en-US" sz="1800" dirty="0"/>
+              <a:t> </a:t>
+            </a:r>
+            <a:r>
+              <a:rPr lang="en-US" altLang="zh-CN" sz="1800" dirty="0"/>
+              <a:t>error</a:t>
+            </a:r>
+            <a:r>
+              <a:rPr lang="zh-CN" altLang="en-US" sz="1800" dirty="0"/>
+              <a:t> </a:t>
+            </a:r>
+            <a:r>
+              <a:rPr lang="en-US" altLang="zh-CN" sz="1800" dirty="0"/>
+              <a:t>rate</a:t>
+            </a:r>
+            <a:r>
+              <a:rPr lang="zh-CN" altLang="en-US" sz="1800" dirty="0"/>
+              <a:t> </a:t>
+            </a:r>
+            <a:r>
+              <a:rPr lang="en-US" altLang="zh-CN" sz="1800" dirty="0"/>
+              <a:t>can</a:t>
+            </a:r>
+            <a:r>
+              <a:rPr lang="zh-CN" altLang="en-US" sz="1800" dirty="0"/>
+              <a:t> </a:t>
+            </a:r>
+            <a:r>
+              <a:rPr lang="en-US" altLang="zh-CN" sz="1800" dirty="0"/>
+              <a:t>be</a:t>
+            </a:r>
+            <a:r>
+              <a:rPr lang="zh-CN" altLang="en-US" sz="1800" dirty="0"/>
+              <a:t> </a:t>
+            </a:r>
+            <a:r>
+              <a:rPr lang="en-US" altLang="zh-CN" sz="1800" dirty="0">
+                <a:solidFill>
+                  <a:srgbClr val="FF0000"/>
+                </a:solidFill>
+              </a:rPr>
+              <a:t>2.716%</a:t>
+            </a:r>
+          </a:p>
+          <a:p>
+            <a:r>
+              <a:rPr lang="en-US" sz="1800" dirty="0"/>
+              <a:t>All the hype-parameters will be used to generate series of SVM</a:t>
+            </a:r>
           </a:p>
         </p:txBody>
       </p:sp>
@@ -9567,7 +11627,7 @@
           <p:cNvPr id="4" name="Date Placeholder 3">
             <a:extLst>
               <a:ext uri="{FF2B5EF4-FFF2-40B4-BE49-F238E27FC236}">
-                <a16:creationId xmlns:a16="http://schemas.microsoft.com/office/drawing/2014/main" id="{7162AD71-1860-394A-BD93-75555353E736}"/>
+                <a16:creationId xmlns:a16="http://schemas.microsoft.com/office/drawing/2014/main" id="{BCBC15DF-108A-0F4B-9F62-0ED5649B738E}"/>
               </a:ext>
             </a:extLst>
           </p:cNvPr>
@@ -9586,7 +11646,7 @@
             <a:fld id="{21583AF0-66E0-0B4F-A024-0928CE8FE395}" type="datetime1">
               <a:rPr lang="en-US" smtClean="0"/>
               <a:pPr/>
-              <a:t>12/1/19</a:t>
+              <a:t>12/3/19</a:t>
             </a:fld>
             <a:endParaRPr lang="en-US" dirty="0"/>
           </a:p>
@@ -9597,7 +11657,7 @@
           <p:cNvPr id="5" name="Slide Number Placeholder 4">
             <a:extLst>
               <a:ext uri="{FF2B5EF4-FFF2-40B4-BE49-F238E27FC236}">
-                <a16:creationId xmlns:a16="http://schemas.microsoft.com/office/drawing/2014/main" id="{B2EDCB3B-840B-C84E-9060-FBF59BE28478}"/>
+                <a16:creationId xmlns:a16="http://schemas.microsoft.com/office/drawing/2014/main" id="{DC4EA751-99B0-F24C-B1AC-BD4CFEFB4121}"/>
               </a:ext>
             </a:extLst>
           </p:cNvPr>
@@ -9622,10 +11682,291 @@
           </a:p>
         </p:txBody>
       </p:sp>
+      <p:pic>
+        <p:nvPicPr>
+          <p:cNvPr id="7" name="Picture 6" descr="A close up of a map&#10;&#10;Description automatically generated">
+            <a:extLst>
+              <a:ext uri="{FF2B5EF4-FFF2-40B4-BE49-F238E27FC236}">
+                <a16:creationId xmlns:a16="http://schemas.microsoft.com/office/drawing/2014/main" id="{032E8BE9-9164-9C4D-A02F-BBDD28AFDB79}"/>
+              </a:ext>
+            </a:extLst>
+          </p:cNvPr>
+          <p:cNvPicPr>
+            <a:picLocks noChangeAspect="1"/>
+          </p:cNvPicPr>
+          <p:nvPr/>
+        </p:nvPicPr>
+        <p:blipFill>
+          <a:blip r:embed="rId2"/>
+          <a:stretch>
+            <a:fillRect/>
+          </a:stretch>
+        </p:blipFill>
+        <p:spPr>
+          <a:xfrm>
+            <a:off x="4428650" y="2540676"/>
+            <a:ext cx="4024982" cy="3084863"/>
+          </a:xfrm>
+          <a:prstGeom prst="rect">
+            <a:avLst/>
+          </a:prstGeom>
+        </p:spPr>
+      </p:pic>
+      <p:pic>
+        <p:nvPicPr>
+          <p:cNvPr id="9" name="Picture 8" descr="A screenshot of a cell phone&#10;&#10;Description automatically generated">
+            <a:extLst>
+              <a:ext uri="{FF2B5EF4-FFF2-40B4-BE49-F238E27FC236}">
+                <a16:creationId xmlns:a16="http://schemas.microsoft.com/office/drawing/2014/main" id="{25C6AA6C-891C-F743-A287-AA7F68401531}"/>
+              </a:ext>
+            </a:extLst>
+          </p:cNvPr>
+          <p:cNvPicPr>
+            <a:picLocks noChangeAspect="1"/>
+          </p:cNvPicPr>
+          <p:nvPr/>
+        </p:nvPicPr>
+        <p:blipFill rotWithShape="1">
+          <a:blip r:embed="rId3"/>
+          <a:srcRect r="14293"/>
+          <a:stretch/>
+        </p:blipFill>
+        <p:spPr>
+          <a:xfrm>
+            <a:off x="8610600" y="3048759"/>
+            <a:ext cx="3419593" cy="1325563"/>
+          </a:xfrm>
+          <a:prstGeom prst="rect">
+            <a:avLst/>
+          </a:prstGeom>
+        </p:spPr>
+      </p:pic>
+      <p:pic>
+        <p:nvPicPr>
+          <p:cNvPr id="8" name="Picture 7" descr="A screenshot of a map&#10;&#10;Description automatically generated">
+            <a:extLst>
+              <a:ext uri="{FF2B5EF4-FFF2-40B4-BE49-F238E27FC236}">
+                <a16:creationId xmlns:a16="http://schemas.microsoft.com/office/drawing/2014/main" id="{2AC6E7ED-4758-0A44-8332-5928C1C56650}"/>
+              </a:ext>
+            </a:extLst>
+          </p:cNvPr>
+          <p:cNvPicPr>
+            <a:picLocks noChangeAspect="1"/>
+          </p:cNvPicPr>
+          <p:nvPr/>
+        </p:nvPicPr>
+        <p:blipFill>
+          <a:blip r:embed="rId4"/>
+          <a:stretch>
+            <a:fillRect/>
+          </a:stretch>
+        </p:blipFill>
+        <p:spPr>
+          <a:xfrm>
+            <a:off x="95002" y="2540676"/>
+            <a:ext cx="4007370" cy="3084863"/>
+          </a:xfrm>
+          <a:prstGeom prst="rect">
+            <a:avLst/>
+          </a:prstGeom>
+        </p:spPr>
+      </p:pic>
+      <p:sp>
+        <p:nvSpPr>
+          <p:cNvPr id="10" name="TextBox 9">
+            <a:extLst>
+              <a:ext uri="{FF2B5EF4-FFF2-40B4-BE49-F238E27FC236}">
+                <a16:creationId xmlns:a16="http://schemas.microsoft.com/office/drawing/2014/main" id="{FB659BA1-29B6-6244-85A3-57265E689DF4}"/>
+              </a:ext>
+            </a:extLst>
+          </p:cNvPr>
+          <p:cNvSpPr txBox="1"/>
+          <p:nvPr/>
+        </p:nvSpPr>
+        <p:spPr>
+          <a:xfrm>
+            <a:off x="201881" y="5625539"/>
+            <a:ext cx="3716976" cy="371500"/>
+          </a:xfrm>
+          <a:prstGeom prst="rect">
+            <a:avLst/>
+          </a:prstGeom>
+          <a:noFill/>
+        </p:spPr>
+        <p:txBody>
+          <a:bodyPr wrap="square" rtlCol="0">
+            <a:spAutoFit/>
+          </a:bodyPr>
+          <a:lstStyle/>
+          <a:p>
+            <a:r>
+              <a:rPr lang="en-US" altLang="zh-CN" dirty="0"/>
+              <a:t>figure</a:t>
+            </a:r>
+            <a:r>
+              <a:rPr lang="zh-CN" altLang="en-US" dirty="0"/>
+              <a:t> </a:t>
+            </a:r>
+            <a:r>
+              <a:rPr lang="en-US" altLang="zh-CN" dirty="0"/>
+              <a:t>A:</a:t>
+            </a:r>
+            <a:r>
+              <a:rPr lang="zh-CN" altLang="en-US" dirty="0"/>
+              <a:t> </a:t>
+            </a:r>
+            <a:r>
+              <a:rPr lang="en-US" altLang="zh-CN" dirty="0"/>
+              <a:t>min</a:t>
+            </a:r>
+            <a:r>
+              <a:rPr lang="zh-CN" altLang="en-US" dirty="0"/>
+              <a:t> </a:t>
+            </a:r>
+            <a:r>
+              <a:rPr lang="en-US" altLang="zh-CN" dirty="0"/>
+              <a:t>objective</a:t>
+            </a:r>
+            <a:r>
+              <a:rPr lang="zh-CN" altLang="en-US" dirty="0"/>
+              <a:t> </a:t>
+            </a:r>
+            <a:r>
+              <a:rPr lang="en-US" altLang="zh-CN" dirty="0"/>
+              <a:t>optimization</a:t>
+            </a:r>
+            <a:endParaRPr lang="en-US" dirty="0"/>
+          </a:p>
+        </p:txBody>
+      </p:sp>
+      <p:sp>
+        <p:nvSpPr>
+          <p:cNvPr id="11" name="TextBox 10">
+            <a:extLst>
+              <a:ext uri="{FF2B5EF4-FFF2-40B4-BE49-F238E27FC236}">
+                <a16:creationId xmlns:a16="http://schemas.microsoft.com/office/drawing/2014/main" id="{09DC4EE9-EE1D-C54C-9175-B63E29C9EF6E}"/>
+              </a:ext>
+            </a:extLst>
+          </p:cNvPr>
+          <p:cNvSpPr txBox="1"/>
+          <p:nvPr/>
+        </p:nvSpPr>
+        <p:spPr>
+          <a:xfrm>
+            <a:off x="4582652" y="5625539"/>
+            <a:ext cx="4007369" cy="369332"/>
+          </a:xfrm>
+          <a:prstGeom prst="rect">
+            <a:avLst/>
+          </a:prstGeom>
+          <a:noFill/>
+        </p:spPr>
+        <p:txBody>
+          <a:bodyPr wrap="square" rtlCol="0">
+            <a:spAutoFit/>
+          </a:bodyPr>
+          <a:lstStyle/>
+          <a:p>
+            <a:r>
+              <a:rPr lang="en-US" altLang="zh-CN" dirty="0"/>
+              <a:t>figure</a:t>
+            </a:r>
+            <a:r>
+              <a:rPr lang="zh-CN" altLang="en-US" dirty="0"/>
+              <a:t> </a:t>
+            </a:r>
+            <a:r>
+              <a:rPr lang="en-US" altLang="zh-CN" dirty="0"/>
+              <a:t>B:</a:t>
+            </a:r>
+            <a:r>
+              <a:rPr lang="zh-CN" altLang="en-US" dirty="0"/>
+              <a:t> </a:t>
+            </a:r>
+            <a:r>
+              <a:rPr lang="en-US" altLang="zh-CN" dirty="0"/>
+              <a:t>hype-parameter</a:t>
+            </a:r>
+            <a:r>
+              <a:rPr lang="zh-CN" altLang="en-US" dirty="0"/>
+              <a:t> </a:t>
+            </a:r>
+            <a:r>
+              <a:rPr lang="en-US" altLang="zh-CN" dirty="0"/>
+              <a:t>optimization</a:t>
+            </a:r>
+            <a:endParaRPr lang="en-US" dirty="0"/>
+          </a:p>
+        </p:txBody>
+      </p:sp>
+      <p:sp>
+        <p:nvSpPr>
+          <p:cNvPr id="12" name="TextBox 11">
+            <a:extLst>
+              <a:ext uri="{FF2B5EF4-FFF2-40B4-BE49-F238E27FC236}">
+                <a16:creationId xmlns:a16="http://schemas.microsoft.com/office/drawing/2014/main" id="{71C9AD45-790D-D648-AB62-EFD3DDE851F1}"/>
+              </a:ext>
+            </a:extLst>
+          </p:cNvPr>
+          <p:cNvSpPr txBox="1"/>
+          <p:nvPr/>
+        </p:nvSpPr>
+        <p:spPr>
+          <a:xfrm>
+            <a:off x="8610600" y="4523229"/>
+            <a:ext cx="3716976" cy="371500"/>
+          </a:xfrm>
+          <a:prstGeom prst="rect">
+            <a:avLst/>
+          </a:prstGeom>
+          <a:noFill/>
+        </p:spPr>
+        <p:txBody>
+          <a:bodyPr wrap="square" rtlCol="0">
+            <a:spAutoFit/>
+          </a:bodyPr>
+          <a:lstStyle/>
+          <a:p>
+            <a:r>
+              <a:rPr lang="en-US" altLang="zh-CN" dirty="0"/>
+              <a:t>figure</a:t>
+            </a:r>
+            <a:r>
+              <a:rPr lang="zh-CN" altLang="en-US" dirty="0"/>
+              <a:t> </a:t>
+            </a:r>
+            <a:r>
+              <a:rPr lang="en-US" altLang="zh-CN" dirty="0"/>
+              <a:t>C:</a:t>
+            </a:r>
+            <a:r>
+              <a:rPr lang="zh-CN" altLang="en-US" dirty="0"/>
+              <a:t> </a:t>
+            </a:r>
+            <a:r>
+              <a:rPr lang="en-US" altLang="zh-CN" dirty="0"/>
+              <a:t>best</a:t>
+            </a:r>
+            <a:r>
+              <a:rPr lang="zh-CN" altLang="en-US" dirty="0"/>
+              <a:t> </a:t>
+            </a:r>
+            <a:r>
+              <a:rPr lang="en-US" altLang="zh-CN" dirty="0"/>
+              <a:t>hyper-</a:t>
+            </a:r>
+            <a:r>
+              <a:rPr lang="en-US" altLang="zh-CN" dirty="0" err="1"/>
+              <a:t>paramters</a:t>
+            </a:r>
+            <a:endParaRPr lang="en-US" dirty="0"/>
+          </a:p>
+        </p:txBody>
+      </p:sp>
     </p:spTree>
     <p:extLst>
       <p:ext uri="{BB962C8B-B14F-4D97-AF65-F5344CB8AC3E}">
-        <p14:creationId xmlns:p14="http://schemas.microsoft.com/office/powerpoint/2010/main" val="2133359280"/>
+        <p14:creationId xmlns:p14="http://schemas.microsoft.com/office/powerpoint/2010/main" val="2410413757"/>
       </p:ext>
     </p:extLst>
   </p:cSld>

--- a/final-presentation.pptx
+++ b/final-presentation.pptx
@@ -5398,7 +5398,7 @@
             </a:r>
             <a:r>
               <a:rPr lang="en-US" altLang="zh-CN" dirty="0"/>
-              <a:t>.</a:t>
+              <a:t>. </a:t>
             </a:r>
             <a:endParaRPr lang="en-US" dirty="0"/>
           </a:p>
@@ -6914,7 +6914,7 @@
                 <a:latin typeface="Microsoft YaHei" panose="020B0503020204020204" pitchFamily="34" charset="-122"/>
                 <a:ea typeface="Microsoft YaHei" panose="020B0503020204020204" pitchFamily="34" charset="-122"/>
               </a:rPr>
-              <a:t>Training data set consists of 10000 14-dimential observations with labels, 10-fold cross validation will be implemented on it. Beside, a testing data set with 4980 observations provide on Kaggle </a:t>
+              <a:t>Training data set consists of 10000 14-dimential observations with labels, 10-fold cross validation will be implemented on it. Beside, a testing data set with 4980 observations is provided on Kaggle </a:t>
             </a:r>
             <a:endParaRPr lang="zh-CN" altLang="en-US" sz="2000" dirty="0">
               <a:latin typeface="Microsoft YaHei" panose="020B0503020204020204" pitchFamily="34" charset="-122"/>
@@ -10644,7 +10644,7 @@
         </p:nvSpPr>
         <p:spPr>
           <a:xfrm>
-            <a:off x="6574251" y="5902776"/>
+            <a:off x="6661060" y="5697140"/>
             <a:ext cx="5482591" cy="369332"/>
           </a:xfrm>
           <a:prstGeom prst="rect">

--- a/final-presentation.pptx
+++ b/final-presentation.pptx
@@ -4859,13 +4859,13 @@
           <p:nvPr>
             <p:extLst>
               <p:ext uri="{D42A27DB-BD31-4B8C-83A1-F6EECF244321}">
-                <p14:modId xmlns:p14="http://schemas.microsoft.com/office/powerpoint/2010/main" val="552997790"/>
+                <p14:modId xmlns:p14="http://schemas.microsoft.com/office/powerpoint/2010/main" val="1730852647"/>
               </p:ext>
             </p:extLst>
           </p:nvPr>
         </p:nvGraphicFramePr>
         <p:xfrm>
-          <a:off x="838200" y="3049479"/>
+          <a:off x="838200" y="2859479"/>
           <a:ext cx="10515600" cy="1517329"/>
         </p:xfrm>
         <a:graphic>
@@ -5243,8 +5243,13 @@
                     <a:p>
                       <a:r>
                         <a:rPr lang="en-US" dirty="0"/>
-                        <a:t>0.95611</a:t>
+                        <a:t>0.95</a:t>
                       </a:r>
+                      <a:r>
+                        <a:rPr lang="en-US" altLang="zh-CN" dirty="0"/>
+                        <a:t>706</a:t>
+                      </a:r>
+                      <a:endParaRPr lang="en-US" dirty="0"/>
                     </a:p>
                   </a:txBody>
                   <a:tcPr>
@@ -5277,7 +5282,7 @@
         </p:nvSpPr>
         <p:spPr>
           <a:xfrm>
-            <a:off x="2613212" y="5590683"/>
+            <a:off x="2102573" y="6068747"/>
             <a:ext cx="7368988" cy="276999"/>
           </a:xfrm>
           <a:prstGeom prst="rect">
@@ -5301,6 +5306,66 @@
           </a:p>
         </p:txBody>
       </p:sp>
+      <p:pic>
+        <p:nvPicPr>
+          <p:cNvPr id="10" name="Picture 9">
+            <a:extLst>
+              <a:ext uri="{FF2B5EF4-FFF2-40B4-BE49-F238E27FC236}">
+                <a16:creationId xmlns:a16="http://schemas.microsoft.com/office/drawing/2014/main" id="{BE4E4F18-4C83-1447-A438-0F0F191B0C40}"/>
+              </a:ext>
+            </a:extLst>
+          </p:cNvPr>
+          <p:cNvPicPr>
+            <a:picLocks noChangeAspect="1"/>
+          </p:cNvPicPr>
+          <p:nvPr/>
+        </p:nvPicPr>
+        <p:blipFill>
+          <a:blip r:embed="rId3"/>
+          <a:stretch>
+            <a:fillRect/>
+          </a:stretch>
+        </p:blipFill>
+        <p:spPr>
+          <a:xfrm>
+            <a:off x="41215" y="4520415"/>
+            <a:ext cx="6054785" cy="1447800"/>
+          </a:xfrm>
+          <a:prstGeom prst="rect">
+            <a:avLst/>
+          </a:prstGeom>
+        </p:spPr>
+      </p:pic>
+      <p:pic>
+        <p:nvPicPr>
+          <p:cNvPr id="13" name="Picture 12" descr="A close up of a logo&#10;&#10;Description automatically generated">
+            <a:extLst>
+              <a:ext uri="{FF2B5EF4-FFF2-40B4-BE49-F238E27FC236}">
+                <a16:creationId xmlns:a16="http://schemas.microsoft.com/office/drawing/2014/main" id="{028719DB-CC41-DE4F-9CB7-DB565C2C3E7A}"/>
+              </a:ext>
+            </a:extLst>
+          </p:cNvPr>
+          <p:cNvPicPr>
+            <a:picLocks noChangeAspect="1"/>
+          </p:cNvPicPr>
+          <p:nvPr/>
+        </p:nvPicPr>
+        <p:blipFill>
+          <a:blip r:embed="rId4"/>
+          <a:stretch>
+            <a:fillRect/>
+          </a:stretch>
+        </p:blipFill>
+        <p:spPr>
+          <a:xfrm>
+            <a:off x="6096000" y="4537070"/>
+            <a:ext cx="6054785" cy="1431144"/>
+          </a:xfrm>
+          <a:prstGeom prst="rect">
+            <a:avLst/>
+          </a:prstGeom>
+        </p:spPr>
+      </p:pic>
     </p:spTree>
     <p:extLst>
       <p:ext uri="{BB962C8B-B14F-4D97-AF65-F5344CB8AC3E}">
@@ -6005,6 +6070,16 @@
           </a:bodyPr>
           <a:lstStyle/>
           <a:p>
+            <a:pPr marL="0" indent="0">
+              <a:buNone/>
+            </a:pPr>
+            <a:r>
+              <a:rPr lang="en-US" altLang="zh-CN" sz="2400" b="1" dirty="0"/>
+              <a:t>application</a:t>
+            </a:r>
+            <a:endParaRPr lang="en-US" sz="2400" b="1" dirty="0"/>
+          </a:p>
+          <a:p>
             <a:r>
               <a:rPr lang="en-US" sz="2000" dirty="0"/>
               <a:t>Autonomous driving ---  monitoring driver’s fatigue</a:t>
@@ -6041,69 +6116,14 @@
               <a:rPr lang="en-US" altLang="zh-CN" sz="2000" dirty="0"/>
               <a:t>safety</a:t>
             </a:r>
-            <a:endParaRPr lang="en-US" sz="2000" dirty="0"/>
-          </a:p>
-          <a:p>
-            <a:r>
-              <a:rPr lang="en-US" altLang="zh-CN" sz="2000" dirty="0"/>
-              <a:t>Based</a:t>
-            </a:r>
-            <a:r>
-              <a:rPr lang="zh-CN" altLang="en-US" sz="2000" dirty="0"/>
-              <a:t> </a:t>
-            </a:r>
-            <a:r>
-              <a:rPr lang="en-US" altLang="zh-CN" sz="2000" dirty="0"/>
-              <a:t>on</a:t>
-            </a:r>
-            <a:r>
-              <a:rPr lang="zh-CN" altLang="en-US" sz="2000" dirty="0"/>
-              <a:t> </a:t>
-            </a:r>
-            <a:r>
-              <a:rPr lang="en-US" altLang="zh-CN" sz="2000" dirty="0"/>
-              <a:t>computer</a:t>
-            </a:r>
-            <a:r>
-              <a:rPr lang="zh-CN" altLang="en-US" sz="2000" dirty="0"/>
-              <a:t> </a:t>
-            </a:r>
-            <a:r>
-              <a:rPr lang="en-US" altLang="zh-CN" sz="2000" dirty="0"/>
-              <a:t>vision</a:t>
-            </a:r>
-            <a:r>
-              <a:rPr lang="zh-CN" altLang="en-US" sz="2000" dirty="0"/>
-              <a:t> </a:t>
-            </a:r>
-            <a:r>
-              <a:rPr lang="en-US" altLang="zh-CN" sz="2000" dirty="0"/>
-              <a:t>and</a:t>
-            </a:r>
-            <a:r>
-              <a:rPr lang="zh-CN" altLang="en-US" sz="2000" dirty="0"/>
-              <a:t> </a:t>
-            </a:r>
-            <a:r>
-              <a:rPr lang="en-US" altLang="zh-CN" sz="2000" dirty="0"/>
-              <a:t>image</a:t>
-            </a:r>
-            <a:r>
-              <a:rPr lang="zh-CN" altLang="en-US" sz="2000" dirty="0"/>
-              <a:t> </a:t>
-            </a:r>
-            <a:r>
-              <a:rPr lang="en-US" altLang="zh-CN" sz="2000" dirty="0"/>
-              <a:t>pattern</a:t>
-            </a:r>
-            <a:r>
-              <a:rPr lang="zh-CN" altLang="en-US" sz="2000" dirty="0"/>
-              <a:t> </a:t>
-            </a:r>
-            <a:r>
-              <a:rPr lang="en-US" altLang="zh-CN" sz="2000" dirty="0"/>
-              <a:t>recognize</a:t>
-            </a:r>
+          </a:p>
+          <a:p>
+            <a:r>
+              <a:rPr lang="en-US" sz="2000" dirty="0"/>
+              <a:t>Medical assistance  --- the important way for impaired person to communicate with the world</a:t>
+            </a:r>
+          </a:p>
+          <a:p>
             <a:endParaRPr lang="en-US" sz="2000" dirty="0"/>
           </a:p>
         </p:txBody>
@@ -6192,7 +6212,7 @@
         </p:nvSpPr>
         <p:spPr>
           <a:xfrm>
-            <a:off x="6619125" y="1634693"/>
+            <a:off x="6880383" y="1644421"/>
             <a:ext cx="5428129" cy="2291848"/>
           </a:xfrm>
           <a:prstGeom prst="rect">
@@ -6368,9 +6388,20 @@
             </a:lvl9pPr>
           </a:lstStyle>
           <a:p>
-            <a:r>
-              <a:rPr lang="en-US" sz="2000" dirty="0"/>
-              <a:t>Medical assistance  --- the important way for impaired person to communicate with the world</a:t>
+            <a:pPr marL="0" indent="0">
+              <a:buNone/>
+            </a:pPr>
+            <a:r>
+              <a:rPr lang="en-US" altLang="zh-CN" sz="2400" b="1" dirty="0"/>
+              <a:t>Prediction</a:t>
+            </a:r>
+            <a:r>
+              <a:rPr lang="zh-CN" altLang="en-US" sz="2400" b="1" dirty="0"/>
+              <a:t> </a:t>
+            </a:r>
+            <a:r>
+              <a:rPr lang="en-US" altLang="zh-CN" sz="2400" b="1" dirty="0"/>
+              <a:t>method</a:t>
             </a:r>
           </a:p>
           <a:p>
@@ -6394,6 +6425,147 @@
               <a:rPr lang="en-US" altLang="zh-CN" sz="2000" dirty="0"/>
               <a:t>prediction</a:t>
             </a:r>
+          </a:p>
+          <a:p>
+            <a:r>
+              <a:rPr lang="en-US" altLang="zh-CN" sz="2000" dirty="0"/>
+              <a:t>Based</a:t>
+            </a:r>
+            <a:r>
+              <a:rPr lang="zh-CN" altLang="en-US" sz="2000" dirty="0"/>
+              <a:t> </a:t>
+            </a:r>
+            <a:r>
+              <a:rPr lang="en-US" altLang="zh-CN" sz="2000" dirty="0"/>
+              <a:t>on</a:t>
+            </a:r>
+            <a:r>
+              <a:rPr lang="zh-CN" altLang="en-US" sz="2000" dirty="0"/>
+              <a:t> </a:t>
+            </a:r>
+            <a:r>
+              <a:rPr lang="en-US" altLang="zh-CN" sz="2000" dirty="0"/>
+              <a:t>computer</a:t>
+            </a:r>
+            <a:r>
+              <a:rPr lang="zh-CN" altLang="en-US" sz="2000" dirty="0"/>
+              <a:t> </a:t>
+            </a:r>
+            <a:r>
+              <a:rPr lang="en-US" altLang="zh-CN" sz="2000" dirty="0"/>
+              <a:t>vision</a:t>
+            </a:r>
+            <a:r>
+              <a:rPr lang="zh-CN" altLang="en-US" sz="2000" dirty="0"/>
+              <a:t> </a:t>
+            </a:r>
+            <a:r>
+              <a:rPr lang="en-US" altLang="zh-CN" sz="2000" dirty="0"/>
+              <a:t>and</a:t>
+            </a:r>
+            <a:r>
+              <a:rPr lang="zh-CN" altLang="en-US" sz="2000" dirty="0"/>
+              <a:t> </a:t>
+            </a:r>
+            <a:r>
+              <a:rPr lang="en-US" altLang="zh-CN" sz="2000" dirty="0"/>
+              <a:t>image</a:t>
+            </a:r>
+            <a:r>
+              <a:rPr lang="zh-CN" altLang="en-US" sz="2000" dirty="0"/>
+              <a:t> </a:t>
+            </a:r>
+            <a:r>
+              <a:rPr lang="en-US" altLang="zh-CN" sz="2000" dirty="0"/>
+              <a:t>pattern</a:t>
+            </a:r>
+            <a:r>
+              <a:rPr lang="zh-CN" altLang="en-US" sz="2000" dirty="0"/>
+              <a:t> </a:t>
+            </a:r>
+            <a:r>
+              <a:rPr lang="en-US" altLang="zh-CN" sz="2000" dirty="0"/>
+              <a:t>recognize</a:t>
+            </a:r>
+            <a:r>
+              <a:rPr lang="zh-CN" altLang="en-US" sz="2000" dirty="0"/>
+              <a:t>，</a:t>
+            </a:r>
+            <a:r>
+              <a:rPr lang="en-US" altLang="zh-CN" sz="2000" dirty="0"/>
+              <a:t>but</a:t>
+            </a:r>
+            <a:r>
+              <a:rPr lang="zh-CN" altLang="en-US" sz="2000" dirty="0"/>
+              <a:t> </a:t>
+            </a:r>
+            <a:r>
+              <a:rPr lang="en-US" altLang="zh-CN" sz="2000" dirty="0"/>
+              <a:t>image</a:t>
+            </a:r>
+            <a:r>
+              <a:rPr lang="zh-CN" altLang="en-US" sz="2000" dirty="0"/>
+              <a:t> </a:t>
+            </a:r>
+            <a:r>
+              <a:rPr lang="en-US" altLang="zh-CN" sz="2000" dirty="0"/>
+              <a:t>is</a:t>
+            </a:r>
+            <a:r>
+              <a:rPr lang="zh-CN" altLang="en-US" sz="2000" dirty="0"/>
+              <a:t> </a:t>
+            </a:r>
+            <a:r>
+              <a:rPr lang="en-US" altLang="zh-CN" sz="2000" dirty="0"/>
+              <a:t>easily-effected</a:t>
+            </a:r>
+            <a:r>
+              <a:rPr lang="zh-CN" altLang="en-US" sz="2000" dirty="0"/>
+              <a:t> </a:t>
+            </a:r>
+            <a:r>
+              <a:rPr lang="en-US" altLang="zh-CN" sz="2000" dirty="0"/>
+              <a:t>by</a:t>
+            </a:r>
+            <a:r>
+              <a:rPr lang="zh-CN" altLang="en-US" sz="2000" dirty="0"/>
+              <a:t> </a:t>
+            </a:r>
+            <a:r>
+              <a:rPr lang="en-US" altLang="zh-CN" sz="2000" dirty="0"/>
+              <a:t>illumination,</a:t>
+            </a:r>
+            <a:r>
+              <a:rPr lang="zh-CN" altLang="en-US" sz="2000" dirty="0"/>
+              <a:t> </a:t>
+            </a:r>
+            <a:r>
+              <a:rPr lang="en-US" altLang="zh-CN" sz="2000" dirty="0"/>
+              <a:t>image</a:t>
+            </a:r>
+            <a:r>
+              <a:rPr lang="zh-CN" altLang="en-US" sz="2000" dirty="0"/>
+              <a:t> </a:t>
+            </a:r>
+            <a:r>
+              <a:rPr lang="en-US" altLang="zh-CN" sz="2000" dirty="0"/>
+              <a:t>scale,</a:t>
+            </a:r>
+            <a:r>
+              <a:rPr lang="zh-CN" altLang="en-US" sz="2000" dirty="0"/>
+              <a:t> </a:t>
+            </a:r>
+            <a:r>
+              <a:rPr lang="en-US" altLang="zh-CN" sz="2000" dirty="0"/>
+              <a:t>glasses</a:t>
+            </a:r>
+            <a:r>
+              <a:rPr lang="zh-CN" altLang="en-US" sz="2000" dirty="0"/>
+              <a:t> </a:t>
+            </a:r>
+            <a:endParaRPr lang="en-US" sz="2000" dirty="0"/>
+          </a:p>
+          <a:p>
             <a:endParaRPr lang="en-US" sz="2000" dirty="0"/>
           </a:p>
         </p:txBody>
@@ -6506,8 +6678,8 @@
         </p:blipFill>
         <p:spPr>
           <a:xfrm>
-            <a:off x="6797255" y="2649572"/>
-            <a:ext cx="4323608" cy="2602988"/>
+            <a:off x="3901743" y="3528993"/>
+            <a:ext cx="2867192" cy="1726166"/>
           </a:xfrm>
           <a:prstGeom prst="rect">
             <a:avLst/>
@@ -6528,7 +6700,7 @@
         </p:nvSpPr>
         <p:spPr>
           <a:xfrm>
-            <a:off x="6703139" y="5252560"/>
+            <a:off x="3840080" y="5321689"/>
             <a:ext cx="4511840" cy="276999"/>
           </a:xfrm>
           <a:prstGeom prst="rect">
@@ -6543,7 +6715,7 @@
           <a:lstStyle/>
           <a:p>
             <a:r>
-              <a:rPr lang="en-US" sz="1200">
+              <a:rPr lang="en-US" sz="1200" dirty="0">
                 <a:hlinkClick r:id="rId4">
                   <a:extLst>
                     <a:ext uri="{A12FA001-AC4F-418D-AE19-62706E023703}">
@@ -6580,8 +6752,8 @@
         </p:blipFill>
         <p:spPr>
           <a:xfrm>
-            <a:off x="351349" y="2726829"/>
-            <a:ext cx="4286474" cy="2496478"/>
+            <a:off x="343254" y="3550827"/>
+            <a:ext cx="2969962" cy="1729730"/>
           </a:xfrm>
           <a:prstGeom prst="rect">
             <a:avLst/>
@@ -6602,7 +6774,7 @@
         </p:nvSpPr>
         <p:spPr>
           <a:xfrm>
-            <a:off x="351349" y="5252560"/>
+            <a:off x="0" y="5331990"/>
             <a:ext cx="4323608" cy="276999"/>
           </a:xfrm>
           <a:prstGeom prst="rect">
@@ -6896,7 +7068,7 @@
         <p:spPr>
           <a:xfrm>
             <a:off x="645459" y="3776750"/>
-            <a:ext cx="6758626" cy="1323439"/>
+            <a:ext cx="6758626" cy="1231106"/>
           </a:xfrm>
           <a:prstGeom prst="rect">
             <a:avLst/>
@@ -6907,19 +7079,22 @@
           <a:bodyPr wrap="square" rtlCol="0">
             <a:spAutoFit/>
           </a:bodyPr>
-          <a:lstStyle/>
-          <a:p>
-            <a:r>
-              <a:rPr lang="en-US" altLang="zh-CN" sz="2000" dirty="0">
+          <a:lstStyle>
+            <a:defPPr>
+              <a:defRPr lang="en-US"/>
+            </a:defPPr>
+            <a:lvl1pPr>
+              <a:defRPr sz="2000">
                 <a:latin typeface="Microsoft YaHei" panose="020B0503020204020204" pitchFamily="34" charset="-122"/>
                 <a:ea typeface="Microsoft YaHei" panose="020B0503020204020204" pitchFamily="34" charset="-122"/>
-              </a:rPr>
-              <a:t>Training data set consists of 10000 14-dimential observations with labels, 10-fold cross validation will be implemented on it. Beside, a testing data set with 4980 observations is provided on Kaggle </a:t>
-            </a:r>
-            <a:endParaRPr lang="zh-CN" altLang="en-US" sz="2000" dirty="0">
-              <a:latin typeface="Microsoft YaHei" panose="020B0503020204020204" pitchFamily="34" charset="-122"/>
-              <a:ea typeface="Microsoft YaHei" panose="020B0503020204020204" pitchFamily="34" charset="-122"/>
-            </a:endParaRPr>
+              </a:defRPr>
+            </a:lvl1pPr>
+          </a:lstStyle>
+          <a:p>
+            <a:r>
+              <a:rPr lang="en-US" dirty="0"/>
+              <a:t>Training data set consists of 10000 14-dimential observations with labels, 10-fold and leaving out first 10% cross validation methods will be implemented on it. Besides, testing data set with 4980 observations (unlabeled) is provided by Kaggle.</a:t>
+            </a:r>
           </a:p>
         </p:txBody>
       </p:sp>
@@ -7074,17 +7249,116 @@
           </a:bodyPr>
           <a:lstStyle/>
           <a:p>
-            <a:r>
-              <a:rPr lang="en-US" altLang="zh-CN" sz="2000" dirty="0"/>
-              <a:t>System</a:t>
-            </a:r>
-            <a:r>
-              <a:rPr lang="zh-CN" altLang="en-US" sz="2000" dirty="0"/>
-              <a:t> </a:t>
-            </a:r>
-            <a:r>
-              <a:rPr lang="en-US" altLang="zh-CN" sz="2000" dirty="0"/>
-              <a:t>will</a:t>
+            <a:pPr marL="0" indent="0">
+              <a:buNone/>
+            </a:pPr>
+            <a:r>
+              <a:rPr lang="en-US" altLang="zh-CN" sz="2000" dirty="0"/>
+              <a:t>Our training data are 14-dimensional,</a:t>
+            </a:r>
+            <a:r>
+              <a:rPr lang="zh-CN" altLang="en-US" sz="2000" dirty="0"/>
+              <a:t> </a:t>
+            </a:r>
+            <a:r>
+              <a:rPr lang="en-US" altLang="zh-CN" sz="2000" dirty="0"/>
+              <a:t>but</a:t>
+            </a:r>
+            <a:r>
+              <a:rPr lang="zh-CN" altLang="en-US" sz="2000" dirty="0"/>
+              <a:t> </a:t>
+            </a:r>
+            <a:r>
+              <a:rPr lang="en-US" altLang="zh-CN" sz="2000" dirty="0"/>
+              <a:t>to determine whether</a:t>
+            </a:r>
+            <a:r>
+              <a:rPr lang="zh-CN" altLang="en-US" sz="2000" dirty="0"/>
+              <a:t> </a:t>
+            </a:r>
+            <a:r>
+              <a:rPr lang="en-US" altLang="zh-CN" sz="2000" dirty="0"/>
+              <a:t>all</a:t>
+            </a:r>
+            <a:r>
+              <a:rPr lang="zh-CN" altLang="en-US" sz="2000" dirty="0"/>
+              <a:t> </a:t>
+            </a:r>
+            <a:r>
+              <a:rPr lang="en-US" altLang="zh-CN" sz="2000" dirty="0"/>
+              <a:t>dimensions</a:t>
+            </a:r>
+            <a:r>
+              <a:rPr lang="zh-CN" altLang="en-US" sz="2000" dirty="0"/>
+              <a:t> </a:t>
+            </a:r>
+            <a:r>
+              <a:rPr lang="en-US" altLang="zh-CN" sz="2000" dirty="0"/>
+              <a:t>are</a:t>
+            </a:r>
+            <a:r>
+              <a:rPr lang="zh-CN" altLang="en-US" sz="2000" dirty="0"/>
+              <a:t> </a:t>
+            </a:r>
+            <a:r>
+              <a:rPr lang="en-US" altLang="zh-CN" sz="2000" dirty="0"/>
+              <a:t>useful,</a:t>
+            </a:r>
+            <a:r>
+              <a:rPr lang="zh-CN" altLang="en-US" sz="2000" dirty="0"/>
+              <a:t> </a:t>
+            </a:r>
+            <a:r>
+              <a:rPr lang="en-US" altLang="zh-CN" sz="2000" dirty="0"/>
+              <a:t>we</a:t>
+            </a:r>
+            <a:r>
+              <a:rPr lang="zh-CN" altLang="en-US" sz="2000" dirty="0"/>
+              <a:t> </a:t>
+            </a:r>
+            <a:r>
+              <a:rPr lang="en-US" altLang="zh-CN" sz="2000" dirty="0"/>
+              <a:t>implement</a:t>
+            </a:r>
+            <a:r>
+              <a:rPr lang="zh-CN" altLang="en-US" sz="2000" dirty="0"/>
+              <a:t> </a:t>
+            </a:r>
+            <a:r>
+              <a:rPr lang="en-US" altLang="zh-CN" sz="2000" dirty="0"/>
+              <a:t>a</a:t>
+            </a:r>
+            <a:r>
+              <a:rPr lang="zh-CN" altLang="en-US" sz="2000" dirty="0"/>
+              <a:t> </a:t>
+            </a:r>
+            <a:r>
+              <a:rPr lang="en-US" altLang="zh-CN" sz="2000" dirty="0"/>
+              <a:t>feature</a:t>
+            </a:r>
+            <a:r>
+              <a:rPr lang="zh-CN" altLang="en-US" sz="2000" dirty="0"/>
+              <a:t> </a:t>
+            </a:r>
+            <a:r>
+              <a:rPr lang="en-US" altLang="zh-CN" sz="2000" dirty="0"/>
+              <a:t>selective</a:t>
+            </a:r>
+            <a:r>
+              <a:rPr lang="zh-CN" altLang="en-US" sz="2000" dirty="0"/>
+              <a:t> </a:t>
+            </a:r>
+            <a:r>
+              <a:rPr lang="en-US" altLang="zh-CN" sz="2000" dirty="0"/>
+              <a:t>method</a:t>
+            </a:r>
+            <a:r>
+              <a:rPr lang="zh-CN" altLang="en-US" sz="2000" dirty="0"/>
+              <a:t> </a:t>
+            </a:r>
+            <a:r>
+              <a:rPr lang="en-US" altLang="zh-CN" sz="2000" dirty="0"/>
+              <a:t>to</a:t>
             </a:r>
             <a:r>
               <a:rPr lang="zh-CN" altLang="en-US" sz="2000" dirty="0"/>
@@ -7100,15 +7374,47 @@
             </a:r>
             <a:r>
               <a:rPr lang="en-US" altLang="zh-CN" sz="2000" dirty="0"/>
-              <a:t>a</a:t>
-            </a:r>
-            <a:r>
-              <a:rPr lang="zh-CN" altLang="en-US" sz="2000" dirty="0"/>
-              <a:t> </a:t>
-            </a:r>
-            <a:r>
-              <a:rPr lang="en-US" altLang="zh-CN" sz="2000" dirty="0"/>
-              <a:t>14-dim</a:t>
+              <a:t>new</a:t>
+            </a:r>
+            <a:r>
+              <a:rPr lang="zh-CN" altLang="en-US" sz="2000" dirty="0"/>
+              <a:t> </a:t>
+            </a:r>
+            <a:r>
+              <a:rPr lang="en-US" altLang="zh-CN" sz="2000" dirty="0"/>
+              <a:t>sequences</a:t>
+            </a:r>
+            <a:r>
+              <a:rPr lang="zh-CN" altLang="en-US" sz="2000" dirty="0"/>
+              <a:t> </a:t>
+            </a:r>
+            <a:r>
+              <a:rPr lang="en-US" altLang="zh-CN" sz="2000" dirty="0"/>
+              <a:t>of</a:t>
+            </a:r>
+            <a:r>
+              <a:rPr lang="zh-CN" altLang="en-US" sz="2000" dirty="0"/>
+              <a:t> </a:t>
+            </a:r>
+            <a:r>
+              <a:rPr lang="en-US" altLang="zh-CN" sz="2000" dirty="0"/>
+              <a:t>data</a:t>
+            </a:r>
+            <a:r>
+              <a:rPr lang="zh-CN" altLang="en-US" sz="2000" dirty="0"/>
+              <a:t> </a:t>
+            </a:r>
+            <a:r>
+              <a:rPr lang="en-US" altLang="zh-CN" sz="2000" dirty="0"/>
+              <a:t>from</a:t>
+            </a:r>
+            <a:r>
+              <a:rPr lang="zh-CN" altLang="en-US" sz="2000" dirty="0"/>
+              <a:t> </a:t>
+            </a:r>
+            <a:r>
+              <a:rPr lang="en-US" altLang="zh-CN" sz="2000" dirty="0"/>
+              <a:t>training</a:t>
             </a:r>
             <a:r>
               <a:rPr lang="zh-CN" altLang="en-US" sz="2000" dirty="0"/>
@@ -7124,215 +7430,15 @@
             </a:r>
             <a:r>
               <a:rPr lang="en-US" altLang="zh-CN" sz="2000" dirty="0"/>
-              <a:t>but</a:t>
-            </a:r>
-            <a:r>
-              <a:rPr lang="zh-CN" altLang="en-US" sz="2000" dirty="0"/>
-              <a:t> </a:t>
-            </a:r>
-            <a:r>
-              <a:rPr lang="en-US" altLang="zh-CN" sz="2000" dirty="0"/>
-              <a:t>whether</a:t>
-            </a:r>
-            <a:r>
-              <a:rPr lang="zh-CN" altLang="en-US" sz="2000" dirty="0"/>
-              <a:t> </a:t>
-            </a:r>
-            <a:r>
-              <a:rPr lang="en-US" altLang="zh-CN" sz="2000" dirty="0"/>
-              <a:t>all</a:t>
-            </a:r>
-            <a:r>
-              <a:rPr lang="zh-CN" altLang="en-US" sz="2000" dirty="0"/>
-              <a:t> </a:t>
-            </a:r>
-            <a:r>
-              <a:rPr lang="en-US" altLang="zh-CN" sz="2000" dirty="0"/>
-              <a:t>those</a:t>
-            </a:r>
-            <a:r>
-              <a:rPr lang="zh-CN" altLang="en-US" sz="2000" dirty="0"/>
-              <a:t> </a:t>
-            </a:r>
-            <a:r>
-              <a:rPr lang="en-US" altLang="zh-CN" sz="2000" dirty="0"/>
-              <a:t>data</a:t>
-            </a:r>
-            <a:r>
-              <a:rPr lang="zh-CN" altLang="en-US" sz="2000" dirty="0"/>
-              <a:t> </a:t>
-            </a:r>
-            <a:r>
-              <a:rPr lang="en-US" altLang="zh-CN" sz="2000" dirty="0"/>
-              <a:t>can</a:t>
-            </a:r>
-            <a:r>
-              <a:rPr lang="zh-CN" altLang="en-US" sz="2000" dirty="0"/>
-              <a:t> </a:t>
-            </a:r>
-            <a:r>
-              <a:rPr lang="en-US" altLang="zh-CN" sz="2000" dirty="0"/>
-              <a:t>be</a:t>
-            </a:r>
-            <a:r>
-              <a:rPr lang="zh-CN" altLang="en-US" sz="2000" dirty="0"/>
-              <a:t> </a:t>
-            </a:r>
-            <a:r>
-              <a:rPr lang="en-US" altLang="zh-CN" sz="2000" dirty="0"/>
-              <a:t>useful,</a:t>
-            </a:r>
-            <a:r>
-              <a:rPr lang="zh-CN" altLang="en-US" sz="2000" dirty="0"/>
-              <a:t> </a:t>
-            </a:r>
-            <a:r>
-              <a:rPr lang="en-US" altLang="zh-CN" sz="2000" dirty="0"/>
-              <a:t>we</a:t>
-            </a:r>
-            <a:r>
-              <a:rPr lang="zh-CN" altLang="en-US" sz="2000" dirty="0"/>
-              <a:t> </a:t>
-            </a:r>
-            <a:r>
-              <a:rPr lang="en-US" altLang="zh-CN" sz="2000" dirty="0"/>
-              <a:t>will</a:t>
-            </a:r>
-            <a:r>
-              <a:rPr lang="zh-CN" altLang="en-US" sz="2000" dirty="0"/>
-              <a:t> </a:t>
-            </a:r>
-            <a:r>
-              <a:rPr lang="en-US" altLang="zh-CN" sz="2000" dirty="0"/>
-              <a:t>implement</a:t>
-            </a:r>
-            <a:r>
-              <a:rPr lang="zh-CN" altLang="en-US" sz="2000" dirty="0"/>
-              <a:t> </a:t>
-            </a:r>
-            <a:r>
-              <a:rPr lang="en-US" altLang="zh-CN" sz="2000" dirty="0"/>
-              <a:t>a</a:t>
-            </a:r>
-            <a:r>
-              <a:rPr lang="zh-CN" altLang="en-US" sz="2000" dirty="0"/>
-              <a:t> </a:t>
-            </a:r>
-            <a:r>
-              <a:rPr lang="en-US" altLang="zh-CN" sz="2000" dirty="0"/>
-              <a:t>feature</a:t>
-            </a:r>
-            <a:r>
-              <a:rPr lang="zh-CN" altLang="en-US" sz="2000" dirty="0"/>
-              <a:t> </a:t>
-            </a:r>
-            <a:r>
-              <a:rPr lang="en-US" altLang="zh-CN" sz="2000" dirty="0"/>
-              <a:t>selective</a:t>
-            </a:r>
-            <a:r>
-              <a:rPr lang="zh-CN" altLang="en-US" sz="2000" dirty="0"/>
-              <a:t> </a:t>
-            </a:r>
-            <a:r>
-              <a:rPr lang="en-US" altLang="zh-CN" sz="2000" dirty="0"/>
-              <a:t>method</a:t>
-            </a:r>
-            <a:r>
-              <a:rPr lang="zh-CN" altLang="en-US" sz="2000" dirty="0"/>
-              <a:t> </a:t>
-            </a:r>
-            <a:r>
-              <a:rPr lang="en-US" altLang="zh-CN" sz="2000" dirty="0"/>
-              <a:t>to</a:t>
-            </a:r>
-            <a:r>
-              <a:rPr lang="zh-CN" altLang="en-US" sz="2000" dirty="0"/>
-              <a:t> </a:t>
-            </a:r>
-            <a:r>
-              <a:rPr lang="en-US" altLang="zh-CN" sz="2000" dirty="0"/>
-              <a:t>generate</a:t>
-            </a:r>
-            <a:r>
-              <a:rPr lang="zh-CN" altLang="en-US" sz="2000" dirty="0"/>
-              <a:t> </a:t>
-            </a:r>
-            <a:r>
-              <a:rPr lang="en-US" altLang="zh-CN" sz="2000" dirty="0"/>
-              <a:t>new</a:t>
-            </a:r>
-            <a:r>
-              <a:rPr lang="zh-CN" altLang="en-US" sz="2000" dirty="0"/>
-              <a:t> </a:t>
-            </a:r>
-            <a:r>
-              <a:rPr lang="en-US" altLang="zh-CN" sz="2000" dirty="0"/>
-              <a:t>sequences</a:t>
-            </a:r>
-            <a:r>
-              <a:rPr lang="zh-CN" altLang="en-US" sz="2000" dirty="0"/>
-              <a:t> </a:t>
-            </a:r>
-            <a:r>
-              <a:rPr lang="en-US" altLang="zh-CN" sz="2000" dirty="0"/>
-              <a:t>of</a:t>
-            </a:r>
-            <a:r>
-              <a:rPr lang="zh-CN" altLang="en-US" sz="2000" dirty="0"/>
-              <a:t> </a:t>
-            </a:r>
-            <a:r>
-              <a:rPr lang="en-US" altLang="zh-CN" sz="2000" dirty="0"/>
-              <a:t>data</a:t>
-            </a:r>
-            <a:r>
-              <a:rPr lang="zh-CN" altLang="en-US" sz="2000" dirty="0"/>
-              <a:t> </a:t>
-            </a:r>
-            <a:r>
-              <a:rPr lang="en-US" altLang="zh-CN" sz="2000" dirty="0"/>
-              <a:t>from</a:t>
-            </a:r>
-            <a:r>
-              <a:rPr lang="zh-CN" altLang="en-US" sz="2000" dirty="0"/>
-              <a:t> </a:t>
-            </a:r>
-            <a:r>
-              <a:rPr lang="en-US" altLang="zh-CN" sz="2000" dirty="0"/>
-              <a:t>training</a:t>
-            </a:r>
-            <a:r>
-              <a:rPr lang="zh-CN" altLang="en-US" sz="2000" dirty="0"/>
-              <a:t> </a:t>
-            </a:r>
-            <a:r>
-              <a:rPr lang="en-US" altLang="zh-CN" sz="2000" dirty="0"/>
-              <a:t>data</a:t>
-            </a:r>
-            <a:r>
-              <a:rPr lang="zh-CN" altLang="en-US" sz="2000" dirty="0"/>
-              <a:t> </a:t>
-            </a:r>
-            <a:r>
-              <a:rPr lang="en-US" altLang="zh-CN" sz="2000" dirty="0"/>
-              <a:t>set,</a:t>
-            </a:r>
-            <a:r>
-              <a:rPr lang="zh-CN" altLang="en-US" sz="2000" dirty="0"/>
-              <a:t> </a:t>
-            </a:r>
-            <a:r>
-              <a:rPr lang="en-US" altLang="zh-CN" sz="2000" dirty="0"/>
-              <a:t>algorithm</a:t>
-            </a:r>
-            <a:r>
-              <a:rPr lang="zh-CN" altLang="en-US" sz="2000" dirty="0"/>
-              <a:t> </a:t>
-            </a:r>
-            <a:r>
-              <a:rPr lang="en-US" altLang="zh-CN" sz="2000" dirty="0"/>
-              <a:t>as</a:t>
+              <a:t>and algorithm</a:t>
+            </a:r>
+            <a:r>
+              <a:rPr lang="zh-CN" altLang="en-US" sz="2000" dirty="0"/>
+              <a:t> </a:t>
+            </a:r>
+            <a:r>
+              <a:rPr lang="en-US" altLang="zh-CN" sz="2000" dirty="0"/>
+              <a:t>is shown as</a:t>
             </a:r>
             <a:r>
               <a:rPr lang="zh-CN" altLang="en-US" sz="2000" dirty="0"/>
@@ -11128,6 +11234,18 @@
                   <a:srgbClr val="FF0000"/>
                 </a:solidFill>
               </a:rPr>
+              <a:t>max</a:t>
+            </a:r>
+            <a:r>
+              <a:rPr lang="zh-CN" altLang="en-US" sz="2000" dirty="0"/>
+              <a:t> </a:t>
+            </a:r>
+            <a:r>
+              <a:rPr lang="en-US" sz="2000" dirty="0">
+                <a:solidFill>
+                  <a:srgbClr val="FF0000"/>
+                </a:solidFill>
+              </a:rPr>
               <a:t>500 split </a:t>
             </a:r>
             <a:r>

--- a/final-presentation.pptx
+++ b/final-presentation.pptx
@@ -4405,6 +4405,22 @@
           <a:p>
             <a:r>
               <a:rPr lang="en-US" altLang="zh-CN" dirty="0"/>
+              <a:t>Name</a:t>
+            </a:r>
+            <a:r>
+              <a:rPr lang="zh-CN" altLang="en-US" dirty="0"/>
+              <a:t> </a:t>
+            </a:r>
+            <a:r>
+              <a:rPr lang="en-US" altLang="zh-CN" dirty="0"/>
+              <a:t>:</a:t>
+            </a:r>
+            <a:r>
+              <a:rPr lang="zh-CN" altLang="en-US" dirty="0"/>
+              <a:t> </a:t>
+            </a:r>
+            <a:r>
+              <a:rPr lang="en-US" altLang="zh-CN" dirty="0"/>
               <a:t>Yao</a:t>
             </a:r>
             <a:r>
@@ -4439,6 +4455,46 @@
               <a:rPr lang="en-US" altLang="zh-CN" dirty="0"/>
               <a:t>Zhang</a:t>
             </a:r>
+          </a:p>
+          <a:p>
+            <a:r>
+              <a:rPr lang="en-US" altLang="zh-CN" dirty="0"/>
+              <a:t>UNID</a:t>
+            </a:r>
+            <a:r>
+              <a:rPr lang="zh-CN" altLang="en-US" dirty="0"/>
+              <a:t> </a:t>
+            </a:r>
+            <a:r>
+              <a:rPr lang="en-US" altLang="zh-CN" dirty="0"/>
+              <a:t>:</a:t>
+            </a:r>
+            <a:r>
+              <a:rPr lang="zh-CN" altLang="en-US" dirty="0"/>
+              <a:t> </a:t>
+            </a:r>
+            <a:r>
+              <a:rPr lang="en-US" altLang="zh-CN" dirty="0"/>
+              <a:t>001352361</a:t>
+            </a:r>
+            <a:r>
+              <a:rPr lang="zh-CN" altLang="en-US" dirty="0"/>
+              <a:t> </a:t>
+            </a:r>
+            <a:r>
+              <a:rPr lang="en-US" altLang="zh-CN" dirty="0"/>
+              <a:t>&amp;</a:t>
+            </a:r>
+            <a:r>
+              <a:rPr lang="zh-CN" altLang="en-US" dirty="0"/>
+              <a:t> </a:t>
+            </a:r>
+            <a:r>
+              <a:rPr lang="en-US" dirty="0"/>
+              <a:t>001302761</a:t>
+            </a:r>
+          </a:p>
+          <a:p>
             <a:endParaRPr lang="en-US" dirty="0"/>
           </a:p>
         </p:txBody>
@@ -4577,210 +4633,31 @@
         </p:nvSpPr>
         <p:spPr/>
         <p:txBody>
-          <a:bodyPr/>
+          <a:bodyPr>
+            <a:normAutofit/>
+          </a:bodyPr>
           <a:lstStyle/>
           <a:p>
             <a:r>
-              <a:rPr lang="en-US" dirty="0"/>
-              <a:t>We fully</a:t>
-            </a:r>
-            <a:r>
-              <a:rPr lang="zh-CN" altLang="en-US" dirty="0"/>
-              <a:t> </a:t>
-            </a:r>
-            <a:r>
-              <a:rPr lang="en-US" altLang="zh-CN" dirty="0"/>
-              <a:t>train</a:t>
-            </a:r>
-            <a:r>
-              <a:rPr lang="zh-CN" altLang="en-US" dirty="0"/>
-              <a:t> </a:t>
-            </a:r>
-            <a:r>
-              <a:rPr lang="en-US" altLang="zh-CN" dirty="0"/>
-              <a:t>the</a:t>
-            </a:r>
-            <a:r>
-              <a:rPr lang="zh-CN" altLang="en-US" dirty="0"/>
-              <a:t> </a:t>
-            </a:r>
-            <a:r>
-              <a:rPr lang="en-US" altLang="zh-CN" dirty="0"/>
-              <a:t>model</a:t>
-            </a:r>
-            <a:r>
-              <a:rPr lang="zh-CN" altLang="en-US" dirty="0"/>
-              <a:t> </a:t>
-            </a:r>
-            <a:r>
-              <a:rPr lang="en-US" altLang="zh-CN" dirty="0"/>
-              <a:t>on</a:t>
-            </a:r>
-            <a:r>
-              <a:rPr lang="zh-CN" altLang="en-US" dirty="0"/>
-              <a:t> </a:t>
-            </a:r>
-            <a:r>
-              <a:rPr lang="en-US" altLang="zh-CN" dirty="0"/>
-              <a:t>the</a:t>
-            </a:r>
-            <a:r>
-              <a:rPr lang="zh-CN" altLang="en-US" dirty="0"/>
-              <a:t> </a:t>
-            </a:r>
-            <a:r>
-              <a:rPr lang="en-US" altLang="zh-CN" dirty="0"/>
-              <a:t>entire</a:t>
-            </a:r>
-            <a:r>
-              <a:rPr lang="zh-CN" altLang="en-US" dirty="0"/>
-              <a:t> </a:t>
-            </a:r>
-            <a:r>
-              <a:rPr lang="en-US" altLang="zh-CN" dirty="0"/>
-              <a:t>training</a:t>
-            </a:r>
-            <a:r>
-              <a:rPr lang="zh-CN" altLang="en-US" dirty="0"/>
-              <a:t> </a:t>
-            </a:r>
-            <a:r>
-              <a:rPr lang="en-US" altLang="zh-CN" dirty="0"/>
-              <a:t>data</a:t>
-            </a:r>
-            <a:r>
-              <a:rPr lang="zh-CN" altLang="en-US" dirty="0"/>
-              <a:t> </a:t>
-            </a:r>
-            <a:r>
-              <a:rPr lang="en-US" altLang="zh-CN" dirty="0"/>
-              <a:t>set</a:t>
-            </a:r>
-            <a:r>
-              <a:rPr lang="zh-CN" altLang="en-US" dirty="0"/>
-              <a:t> </a:t>
-            </a:r>
-            <a:r>
-              <a:rPr lang="en-US" altLang="zh-CN" dirty="0"/>
-              <a:t>with</a:t>
-            </a:r>
-            <a:r>
-              <a:rPr lang="zh-CN" altLang="en-US" dirty="0"/>
-              <a:t> </a:t>
-            </a:r>
-            <a:r>
-              <a:rPr lang="en-US" dirty="0"/>
-              <a:t>SVM, </a:t>
-            </a:r>
-            <a:r>
-              <a:rPr lang="en-US" altLang="zh-CN" dirty="0"/>
-              <a:t>FS-SVM</a:t>
-            </a:r>
-            <a:r>
-              <a:rPr lang="zh-CN" altLang="en-US" dirty="0"/>
-              <a:t> </a:t>
-            </a:r>
-            <a:r>
-              <a:rPr lang="en-US" dirty="0"/>
-              <a:t>single decision tree, FS</a:t>
-            </a:r>
-            <a:r>
-              <a:rPr lang="en-US" altLang="zh-CN" dirty="0"/>
-              <a:t>-</a:t>
-            </a:r>
-            <a:r>
-              <a:rPr lang="en-US" dirty="0"/>
-              <a:t>single decision tree, </a:t>
-            </a:r>
-            <a:r>
-              <a:rPr lang="en-US" dirty="0" err="1"/>
+              <a:rPr lang="en-US" sz="2400" dirty="0"/>
+              <a:t>Then we use the entire training data set to train SVM, FS-SVM</a:t>
+            </a:r>
+            <a:r>
+              <a:rPr lang="en-US" altLang="zh-CN" sz="2400" dirty="0"/>
+              <a:t>,</a:t>
+            </a:r>
+            <a:r>
+              <a:rPr lang="en-US" sz="2400" dirty="0"/>
+              <a:t> single decision tree, FS-single decision tree, and </a:t>
+            </a:r>
+            <a:r>
+              <a:rPr lang="en-US" sz="2400" dirty="0" err="1"/>
               <a:t>Adaboost</a:t>
             </a:r>
             <a:r>
-              <a:rPr lang="en-US" dirty="0"/>
-              <a:t>.</a:t>
-            </a:r>
-            <a:r>
-              <a:rPr lang="zh-CN" altLang="en-US" dirty="0"/>
-              <a:t> </a:t>
-            </a:r>
-            <a:r>
-              <a:rPr lang="en-US" altLang="zh-CN" dirty="0"/>
-              <a:t>Predict</a:t>
-            </a:r>
-            <a:r>
-              <a:rPr lang="zh-CN" altLang="en-US" dirty="0"/>
-              <a:t> </a:t>
-            </a:r>
-            <a:r>
-              <a:rPr lang="en-US" altLang="zh-CN" dirty="0"/>
-              <a:t>the</a:t>
-            </a:r>
-            <a:r>
-              <a:rPr lang="zh-CN" altLang="en-US" dirty="0"/>
-              <a:t> </a:t>
-            </a:r>
-            <a:r>
-              <a:rPr lang="en-US" altLang="zh-CN" dirty="0"/>
-              <a:t>testing</a:t>
-            </a:r>
-            <a:r>
-              <a:rPr lang="zh-CN" altLang="en-US" dirty="0"/>
-              <a:t> </a:t>
-            </a:r>
-            <a:r>
-              <a:rPr lang="en-US" altLang="zh-CN" dirty="0"/>
-              <a:t>data</a:t>
-            </a:r>
-            <a:r>
-              <a:rPr lang="zh-CN" altLang="en-US" dirty="0"/>
-              <a:t> </a:t>
-            </a:r>
-            <a:r>
-              <a:rPr lang="en-US" altLang="zh-CN" dirty="0"/>
-              <a:t>and</a:t>
-            </a:r>
-            <a:r>
-              <a:rPr lang="zh-CN" altLang="en-US" dirty="0"/>
-              <a:t> </a:t>
-            </a:r>
-            <a:r>
-              <a:rPr lang="en-US" altLang="zh-CN" dirty="0"/>
-              <a:t>evaluate</a:t>
-            </a:r>
-            <a:r>
-              <a:rPr lang="zh-CN" altLang="en-US" dirty="0"/>
-              <a:t> </a:t>
-            </a:r>
-            <a:r>
-              <a:rPr lang="en-US" altLang="zh-CN" dirty="0"/>
-              <a:t>the</a:t>
-            </a:r>
-            <a:r>
-              <a:rPr lang="zh-CN" altLang="en-US" dirty="0"/>
-              <a:t> </a:t>
-            </a:r>
-            <a:r>
-              <a:rPr lang="en-US" altLang="zh-CN" dirty="0"/>
-              <a:t>prediction</a:t>
-            </a:r>
-            <a:r>
-              <a:rPr lang="zh-CN" altLang="en-US" dirty="0"/>
-              <a:t> </a:t>
-            </a:r>
-            <a:r>
-              <a:rPr lang="en-US" altLang="zh-CN" dirty="0"/>
-              <a:t>on</a:t>
-            </a:r>
-            <a:r>
-              <a:rPr lang="zh-CN" altLang="en-US" dirty="0"/>
-              <a:t> </a:t>
-            </a:r>
-            <a:r>
-              <a:rPr lang="en-US" altLang="zh-CN" dirty="0"/>
-              <a:t>Kaggle</a:t>
-            </a:r>
-            <a:endParaRPr lang="en-US" dirty="0"/>
+              <a:rPr lang="en-US" sz="2400" dirty="0"/>
+              <a:t>. Then we use our models to do predictions based on the testing data (unlabeled) and submit them to Kaggle.</a:t>
+            </a:r>
           </a:p>
         </p:txBody>
       </p:sp>
@@ -5450,8 +5327,32 @@
           <a:lstStyle/>
           <a:p>
             <a:r>
+              <a:rPr lang="en-US" altLang="zh-CN" dirty="0"/>
+              <a:t>From</a:t>
+            </a:r>
+            <a:r>
+              <a:rPr lang="zh-CN" altLang="en-US" dirty="0"/>
+              <a:t> </a:t>
+            </a:r>
+            <a:r>
+              <a:rPr lang="en-US" altLang="zh-CN" dirty="0"/>
+              <a:t>the</a:t>
+            </a:r>
+            <a:r>
               <a:rPr lang="en-US" dirty="0"/>
-              <a:t>By predicting the test</a:t>
+              <a:t> predicting </a:t>
+            </a:r>
+            <a:r>
+              <a:rPr lang="en-US" altLang="zh-CN" dirty="0"/>
+              <a:t>on</a:t>
+            </a:r>
+            <a:r>
+              <a:rPr lang="zh-CN" altLang="en-US" dirty="0"/>
+              <a:t> </a:t>
+            </a:r>
+            <a:r>
+              <a:rPr lang="en-US" dirty="0"/>
+              <a:t>test</a:t>
             </a:r>
             <a:r>
               <a:rPr lang="en-US" altLang="zh-CN" dirty="0"/>
@@ -5494,7 +5395,7 @@
             </a:r>
             <a:r>
               <a:rPr lang="en-US" altLang="zh-CN" dirty="0"/>
-              <a:t>blink</a:t>
+              <a:t>state</a:t>
             </a:r>
             <a:r>
               <a:rPr lang="zh-CN" altLang="en-US" dirty="0"/>
@@ -5723,7 +5624,7 @@
             </a:r>
             <a:r>
               <a:rPr lang="en-US" dirty="0"/>
-              <a:t>eference</a:t>
+              <a:t>eferences</a:t>
             </a:r>
           </a:p>
         </p:txBody>
@@ -6485,7 +6386,7 @@
             </a:r>
             <a:r>
               <a:rPr lang="en-US" altLang="zh-CN" sz="2000" dirty="0"/>
-              <a:t>recognize</a:t>
+              <a:t>recognition</a:t>
             </a:r>
             <a:r>
               <a:rPr lang="zh-CN" altLang="en-US" sz="2000" dirty="0"/>
@@ -6557,15 +6458,16 @@
             </a:r>
             <a:r>
               <a:rPr lang="en-US" altLang="zh-CN" sz="2000" dirty="0"/>
-              <a:t>glasses</a:t>
-            </a:r>
-            <a:r>
-              <a:rPr lang="zh-CN" altLang="en-US" sz="2000" dirty="0"/>
-              <a:t> </a:t>
-            </a:r>
-            <a:endParaRPr lang="en-US" sz="2000" dirty="0"/>
-          </a:p>
-          <a:p>
+              <a:t>glasses,</a:t>
+            </a:r>
+            <a:r>
+              <a:rPr lang="zh-CN" altLang="en-US" sz="2000" dirty="0"/>
+              <a:t> </a:t>
+            </a:r>
+            <a:r>
+              <a:rPr lang="en-US" altLang="zh-CN" sz="2000" dirty="0"/>
+              <a:t>etc.</a:t>
+            </a:r>
             <a:endParaRPr lang="en-US" sz="2000" dirty="0"/>
           </a:p>
         </p:txBody>
@@ -7334,15 +7236,7 @@
             </a:r>
             <a:r>
               <a:rPr lang="en-US" altLang="zh-CN" sz="2000" dirty="0"/>
-              <a:t>feature</a:t>
-            </a:r>
-            <a:r>
-              <a:rPr lang="zh-CN" altLang="en-US" sz="2000" dirty="0"/>
-              <a:t> </a:t>
-            </a:r>
-            <a:r>
-              <a:rPr lang="en-US" altLang="zh-CN" sz="2000" dirty="0"/>
-              <a:t>selective</a:t>
+              <a:t>feature-selective</a:t>
             </a:r>
             <a:r>
               <a:rPr lang="zh-CN" altLang="en-US" sz="2000" dirty="0"/>
@@ -7430,7 +7324,15 @@
             </a:r>
             <a:r>
               <a:rPr lang="en-US" altLang="zh-CN" sz="2000" dirty="0"/>
-              <a:t>and algorithm</a:t>
+              <a:t>and</a:t>
+            </a:r>
+            <a:r>
+              <a:rPr lang="zh-CN" altLang="en-US" sz="2000" dirty="0"/>
+              <a:t> </a:t>
+            </a:r>
+            <a:r>
+              <a:rPr lang="en-US" altLang="zh-CN" sz="2000" dirty="0"/>
+              <a:t>the algorithm</a:t>
             </a:r>
             <a:r>
               <a:rPr lang="zh-CN" altLang="en-US" sz="2000" dirty="0"/>
@@ -9688,15 +9590,7 @@
             </a:r>
             <a:r>
               <a:rPr lang="en-US" altLang="zh-CN" sz="2000" dirty="0"/>
-              <a:t>feature</a:t>
-            </a:r>
-            <a:r>
-              <a:rPr lang="zh-CN" altLang="en-US" sz="2000" dirty="0"/>
-              <a:t> </a:t>
-            </a:r>
-            <a:r>
-              <a:rPr lang="en-US" altLang="zh-CN" sz="2000" dirty="0"/>
-              <a:t>Selective</a:t>
+              <a:t>feature-selective</a:t>
             </a:r>
             <a:r>
               <a:rPr lang="zh-CN" altLang="en-US" sz="2000" dirty="0"/>
@@ -9744,7 +9638,7 @@
             </a:r>
             <a:r>
               <a:rPr lang="en-US" altLang="zh-CN" sz="2000" dirty="0"/>
-              <a:t>set,</a:t>
+              <a:t>sets,</a:t>
             </a:r>
             <a:r>
               <a:rPr lang="zh-CN" altLang="en-US" sz="2000" dirty="0"/>
@@ -9936,11 +9830,7 @@
             </a:r>
             <a:r>
               <a:rPr lang="en-US" altLang="zh-CN" sz="2000" dirty="0"/>
-              <a:t>result</a:t>
-            </a:r>
-            <a:r>
-              <a:rPr lang="zh-CN" altLang="en-US" sz="2000" dirty="0"/>
-              <a:t> </a:t>
+              <a:t>result.</a:t>
             </a:r>
             <a:endParaRPr lang="en-US" sz="2000" dirty="0"/>
           </a:p>
@@ -10341,34 +10231,14 @@
             </a:r>
             <a:r>
               <a:rPr lang="en-US" altLang="zh-CN" sz="2000" dirty="0"/>
-              <a:t>metric</a:t>
+              <a:t>metric.</a:t>
             </a:r>
             <a:endParaRPr lang="en-US" sz="2000" dirty="0"/>
           </a:p>
           <a:p>
             <a:r>
               <a:rPr lang="en-US" sz="2000" dirty="0"/>
-              <a:t>For the same</a:t>
-            </a:r>
-            <a:r>
-              <a:rPr lang="zh-CN" altLang="en-US" sz="2000" dirty="0"/>
-              <a:t> </a:t>
-            </a:r>
-            <a:r>
-              <a:rPr lang="en-US" altLang="zh-CN" sz="2000" dirty="0"/>
-              <a:t>number</a:t>
-            </a:r>
-            <a:r>
-              <a:rPr lang="zh-CN" altLang="en-US" sz="2000" dirty="0"/>
-              <a:t> </a:t>
-            </a:r>
-            <a:r>
-              <a:rPr lang="en-US" altLang="zh-CN" sz="2000" dirty="0"/>
-              <a:t>of</a:t>
-            </a:r>
-            <a:r>
-              <a:rPr lang="en-US" sz="2000" dirty="0"/>
-              <a:t> split nodes in the decision tree, single decision tree will perform </a:t>
+              <a:t>For decision trees with same number of nodes, single decision tree will perform </a:t>
             </a:r>
             <a:r>
               <a:rPr lang="en-US" sz="2000" dirty="0">
@@ -10379,28 +10249,126 @@
               <a:t>better</a:t>
             </a:r>
             <a:r>
-              <a:rPr lang="zh-CN" altLang="en-US" sz="2000" dirty="0"/>
-              <a:t> </a:t>
-            </a:r>
-            <a:r>
-              <a:rPr lang="en-US" altLang="zh-CN" sz="2000" dirty="0"/>
-              <a:t>integrated</a:t>
-            </a:r>
-            <a:r>
-              <a:rPr lang="zh-CN" altLang="en-US" sz="2000" dirty="0"/>
-              <a:t> </a:t>
-            </a:r>
-            <a:r>
-              <a:rPr lang="en-US" altLang="zh-CN" sz="2000" dirty="0"/>
-              <a:t>with</a:t>
-            </a:r>
-            <a:r>
               <a:rPr lang="en-US" sz="2000" dirty="0"/>
-              <a:t> feature selective algorithm</a:t>
-            </a:r>
-            <a:r>
-              <a:rPr lang="en-US" altLang="zh-CN" sz="2000" dirty="0"/>
-              <a:t>,</a:t>
+              <a:t> if integrated with feature selective algorithm, which gives a smaller average error.</a:t>
+            </a:r>
+          </a:p>
+          <a:p>
+            <a:r>
+              <a:rPr lang="en-US" altLang="zh-CN" sz="2000" dirty="0"/>
+              <a:t>Besides,</a:t>
+            </a:r>
+            <a:r>
+              <a:rPr lang="zh-CN" altLang="en-US" sz="2000" dirty="0"/>
+              <a:t> </a:t>
+            </a:r>
+            <a:r>
+              <a:rPr lang="en-US" altLang="zh-CN" sz="2000" dirty="0"/>
+              <a:t>as</a:t>
+            </a:r>
+            <a:r>
+              <a:rPr lang="zh-CN" altLang="en-US" sz="2000" dirty="0"/>
+              <a:t> </a:t>
+            </a:r>
+            <a:r>
+              <a:rPr lang="en-US" altLang="zh-CN" sz="2000" dirty="0"/>
+              <a:t>the</a:t>
+            </a:r>
+            <a:r>
+              <a:rPr lang="zh-CN" altLang="en-US" sz="2000" dirty="0"/>
+              <a:t> </a:t>
+            </a:r>
+            <a:r>
+              <a:rPr lang="en-US" altLang="zh-CN" sz="2000" dirty="0"/>
+              <a:t>nodes</a:t>
+            </a:r>
+            <a:r>
+              <a:rPr lang="zh-CN" altLang="en-US" sz="2000" dirty="0"/>
+              <a:t> </a:t>
+            </a:r>
+            <a:r>
+              <a:rPr lang="en-US" altLang="zh-CN" sz="2000" dirty="0"/>
+              <a:t>becomes</a:t>
+            </a:r>
+            <a:r>
+              <a:rPr lang="zh-CN" altLang="en-US" sz="2000" dirty="0"/>
+              <a:t> </a:t>
+            </a:r>
+            <a:r>
+              <a:rPr lang="en-US" altLang="zh-CN" sz="2000" dirty="0"/>
+              <a:t>bigger,</a:t>
+            </a:r>
+            <a:r>
+              <a:rPr lang="zh-CN" altLang="en-US" sz="2000" dirty="0"/>
+              <a:t> </a:t>
+            </a:r>
+            <a:r>
+              <a:rPr lang="en-US" altLang="zh-CN" sz="2000" dirty="0"/>
+              <a:t>the</a:t>
+            </a:r>
+            <a:r>
+              <a:rPr lang="zh-CN" altLang="en-US" sz="2000" dirty="0"/>
+              <a:t> </a:t>
+            </a:r>
+            <a:r>
+              <a:rPr lang="en-US" altLang="zh-CN" sz="2000" dirty="0"/>
+              <a:t>average</a:t>
+            </a:r>
+            <a:r>
+              <a:rPr lang="zh-CN" altLang="en-US" sz="2000" dirty="0"/>
+              <a:t> </a:t>
+            </a:r>
+            <a:r>
+              <a:rPr lang="en-US" altLang="zh-CN" sz="2000" dirty="0"/>
+              <a:t>error</a:t>
+            </a:r>
+            <a:r>
+              <a:rPr lang="zh-CN" altLang="en-US" sz="2000" dirty="0"/>
+              <a:t> </a:t>
+            </a:r>
+            <a:r>
+              <a:rPr lang="en-US" altLang="zh-CN" sz="2000" dirty="0"/>
+              <a:t>rate</a:t>
+            </a:r>
+            <a:r>
+              <a:rPr lang="zh-CN" altLang="en-US" sz="2000" dirty="0"/>
+              <a:t> </a:t>
+            </a:r>
+            <a:r>
+              <a:rPr lang="en-US" altLang="zh-CN" sz="2000" dirty="0"/>
+              <a:t>will</a:t>
+            </a:r>
+            <a:r>
+              <a:rPr lang="zh-CN" altLang="en-US" sz="2000" dirty="0"/>
+              <a:t> </a:t>
+            </a:r>
+            <a:r>
+              <a:rPr lang="en-US" altLang="zh-CN" sz="2000" dirty="0"/>
+              <a:t>converge</a:t>
+            </a:r>
+            <a:r>
+              <a:rPr lang="zh-CN" altLang="en-US" sz="2000" dirty="0"/>
+              <a:t> </a:t>
+            </a:r>
+            <a:r>
+              <a:rPr lang="en-US" altLang="zh-CN" sz="2000" dirty="0"/>
+              <a:t>to</a:t>
+            </a:r>
+            <a:r>
+              <a:rPr lang="zh-CN" altLang="en-US" sz="2000" dirty="0"/>
+              <a:t> </a:t>
+            </a:r>
+            <a:r>
+              <a:rPr lang="en-US" altLang="zh-CN" sz="2000" dirty="0"/>
+              <a:t>a</a:t>
+            </a:r>
+            <a:r>
+              <a:rPr lang="zh-CN" altLang="en-US" sz="2000" dirty="0"/>
+              <a:t> </a:t>
+            </a:r>
+            <a:r>
+              <a:rPr lang="en-US" altLang="zh-CN" sz="2000" dirty="0"/>
+              <a:t>constant,</a:t>
             </a:r>
             <a:r>
               <a:rPr lang="zh-CN" altLang="en-US" sz="2000" dirty="0"/>
@@ -10424,6 +10392,22 @@
             </a:r>
             <a:r>
               <a:rPr lang="en-US" altLang="zh-CN" sz="2000" dirty="0"/>
+              <a:t>there</a:t>
+            </a:r>
+            <a:r>
+              <a:rPr lang="zh-CN" altLang="en-US" sz="2000" dirty="0"/>
+              <a:t> </a:t>
+            </a:r>
+            <a:r>
+              <a:rPr lang="en-US" altLang="zh-CN" sz="2000" dirty="0"/>
+              <a:t>is</a:t>
+            </a:r>
+            <a:r>
+              <a:rPr lang="zh-CN" altLang="en-US" sz="2000" dirty="0"/>
+              <a:t> </a:t>
+            </a:r>
+            <a:r>
+              <a:rPr lang="en-US" altLang="zh-CN" sz="2000" dirty="0"/>
               <a:t>a</a:t>
             </a:r>
             <a:r>
@@ -10432,37 +10416,39 @@
             </a:r>
             <a:r>
               <a:rPr lang="en-US" altLang="zh-CN" sz="2000" dirty="0"/>
-              <a:t>smaller</a:t>
-            </a:r>
-            <a:r>
-              <a:rPr lang="zh-CN" altLang="en-US" sz="2000" dirty="0"/>
-              <a:t> </a:t>
-            </a:r>
-            <a:r>
-              <a:rPr lang="en-US" altLang="zh-CN" sz="2000" dirty="0"/>
-              <a:t>average</a:t>
-            </a:r>
-            <a:r>
-              <a:rPr lang="zh-CN" altLang="en-US" sz="2000" dirty="0"/>
-              <a:t> </a:t>
-            </a:r>
-            <a:r>
-              <a:rPr lang="en-US" altLang="zh-CN" sz="2000" dirty="0"/>
-              <a:t>error</a:t>
-            </a:r>
-          </a:p>
-          <a:p>
-            <a:r>
-              <a:rPr lang="en-US" altLang="zh-CN" sz="2000" dirty="0"/>
-              <a:t>Besides,</a:t>
-            </a:r>
-            <a:r>
-              <a:rPr lang="zh-CN" altLang="en-US" sz="2000" dirty="0"/>
-              <a:t> </a:t>
-            </a:r>
-            <a:r>
-              <a:rPr lang="en-US" altLang="zh-CN" sz="2000" dirty="0"/>
-              <a:t>as</a:t>
+              <a:t>limit</a:t>
+            </a:r>
+            <a:r>
+              <a:rPr lang="zh-CN" altLang="en-US" sz="2000" dirty="0"/>
+              <a:t> </a:t>
+            </a:r>
+            <a:r>
+              <a:rPr lang="en-US" altLang="zh-CN" sz="2000" dirty="0"/>
+              <a:t>of</a:t>
+            </a:r>
+            <a:r>
+              <a:rPr lang="zh-CN" altLang="en-US" sz="2000" dirty="0"/>
+              <a:t> </a:t>
+            </a:r>
+            <a:r>
+              <a:rPr lang="en-US" altLang="zh-CN" sz="2000" dirty="0"/>
+              <a:t>prediction</a:t>
+            </a:r>
+            <a:r>
+              <a:rPr lang="zh-CN" altLang="en-US" sz="2000" dirty="0"/>
+              <a:t> </a:t>
+            </a:r>
+            <a:r>
+              <a:rPr lang="en-US" altLang="zh-CN" sz="2000" dirty="0"/>
+              <a:t>ability</a:t>
+            </a:r>
+            <a:r>
+              <a:rPr lang="zh-CN" altLang="en-US" sz="2000" dirty="0"/>
+              <a:t> </a:t>
+            </a:r>
+            <a:r>
+              <a:rPr lang="en-US" altLang="zh-CN" sz="2000" dirty="0"/>
+              <a:t>for</a:t>
             </a:r>
             <a:r>
               <a:rPr lang="zh-CN" altLang="en-US" sz="2000" dirty="0"/>
@@ -10478,199 +10464,7 @@
             </a:r>
             <a:r>
               <a:rPr lang="en-US" altLang="zh-CN" sz="2000" dirty="0"/>
-              <a:t>nodes</a:t>
-            </a:r>
-            <a:r>
-              <a:rPr lang="zh-CN" altLang="en-US" sz="2000" dirty="0"/>
-              <a:t> </a:t>
-            </a:r>
-            <a:r>
-              <a:rPr lang="en-US" altLang="zh-CN" sz="2000" dirty="0"/>
-              <a:t>becomes</a:t>
-            </a:r>
-            <a:r>
-              <a:rPr lang="zh-CN" altLang="en-US" sz="2000" dirty="0"/>
-              <a:t> </a:t>
-            </a:r>
-            <a:r>
-              <a:rPr lang="en-US" altLang="zh-CN" sz="2000" dirty="0"/>
-              <a:t>bigger,</a:t>
-            </a:r>
-            <a:r>
-              <a:rPr lang="zh-CN" altLang="en-US" sz="2000" dirty="0"/>
-              <a:t> </a:t>
-            </a:r>
-            <a:r>
-              <a:rPr lang="en-US" altLang="zh-CN" sz="2000" dirty="0"/>
-              <a:t>the</a:t>
-            </a:r>
-            <a:r>
-              <a:rPr lang="zh-CN" altLang="en-US" sz="2000" dirty="0"/>
-              <a:t> </a:t>
-            </a:r>
-            <a:r>
-              <a:rPr lang="en-US" altLang="zh-CN" sz="2000" dirty="0"/>
-              <a:t>average</a:t>
-            </a:r>
-            <a:r>
-              <a:rPr lang="zh-CN" altLang="en-US" sz="2000" dirty="0"/>
-              <a:t> </a:t>
-            </a:r>
-            <a:r>
-              <a:rPr lang="en-US" altLang="zh-CN" sz="2000" dirty="0"/>
-              <a:t>error</a:t>
-            </a:r>
-            <a:r>
-              <a:rPr lang="zh-CN" altLang="en-US" sz="2000" dirty="0"/>
-              <a:t> </a:t>
-            </a:r>
-            <a:r>
-              <a:rPr lang="en-US" altLang="zh-CN" sz="2000" dirty="0"/>
-              <a:t>rate</a:t>
-            </a:r>
-            <a:r>
-              <a:rPr lang="zh-CN" altLang="en-US" sz="2000" dirty="0"/>
-              <a:t> </a:t>
-            </a:r>
-            <a:r>
-              <a:rPr lang="en-US" altLang="zh-CN" sz="2000" dirty="0"/>
-              <a:t>will</a:t>
-            </a:r>
-            <a:r>
-              <a:rPr lang="zh-CN" altLang="en-US" sz="2000" dirty="0"/>
-              <a:t> </a:t>
-            </a:r>
-            <a:r>
-              <a:rPr lang="en-US" altLang="zh-CN" sz="2000" dirty="0"/>
-              <a:t>converge</a:t>
-            </a:r>
-            <a:r>
-              <a:rPr lang="zh-CN" altLang="en-US" sz="2000" dirty="0"/>
-              <a:t> </a:t>
-            </a:r>
-            <a:r>
-              <a:rPr lang="en-US" altLang="zh-CN" sz="2000" dirty="0"/>
-              <a:t>to</a:t>
-            </a:r>
-            <a:r>
-              <a:rPr lang="zh-CN" altLang="en-US" sz="2000" dirty="0"/>
-              <a:t> </a:t>
-            </a:r>
-            <a:r>
-              <a:rPr lang="en-US" altLang="zh-CN" sz="2000" dirty="0"/>
-              <a:t>a</a:t>
-            </a:r>
-            <a:r>
-              <a:rPr lang="zh-CN" altLang="en-US" sz="2000" dirty="0"/>
-              <a:t> </a:t>
-            </a:r>
-            <a:r>
-              <a:rPr lang="en-US" altLang="zh-CN" sz="2000" dirty="0"/>
-              <a:t>constant,</a:t>
-            </a:r>
-            <a:r>
-              <a:rPr lang="zh-CN" altLang="en-US" sz="2000" dirty="0"/>
-              <a:t> </a:t>
-            </a:r>
-            <a:r>
-              <a:rPr lang="en-US" altLang="zh-CN" sz="2000" dirty="0"/>
-              <a:t>which</a:t>
-            </a:r>
-            <a:r>
-              <a:rPr lang="zh-CN" altLang="en-US" sz="2000" dirty="0"/>
-              <a:t> </a:t>
-            </a:r>
-            <a:r>
-              <a:rPr lang="en-US" altLang="zh-CN" sz="2000" dirty="0"/>
-              <a:t>means</a:t>
-            </a:r>
-            <a:r>
-              <a:rPr lang="zh-CN" altLang="en-US" sz="2000" dirty="0"/>
-              <a:t> </a:t>
-            </a:r>
-            <a:r>
-              <a:rPr lang="en-US" altLang="zh-CN" sz="2000" dirty="0"/>
-              <a:t>there</a:t>
-            </a:r>
-            <a:r>
-              <a:rPr lang="zh-CN" altLang="en-US" sz="2000" dirty="0"/>
-              <a:t> </a:t>
-            </a:r>
-            <a:r>
-              <a:rPr lang="en-US" altLang="zh-CN" sz="2000" dirty="0"/>
-              <a:t>will</a:t>
-            </a:r>
-            <a:r>
-              <a:rPr lang="zh-CN" altLang="en-US" sz="2000" dirty="0"/>
-              <a:t> </a:t>
-            </a:r>
-            <a:r>
-              <a:rPr lang="en-US" altLang="zh-CN" sz="2000" dirty="0"/>
-              <a:t>be</a:t>
-            </a:r>
-            <a:r>
-              <a:rPr lang="zh-CN" altLang="en-US" sz="2000" dirty="0"/>
-              <a:t> </a:t>
-            </a:r>
-            <a:r>
-              <a:rPr lang="en-US" altLang="zh-CN" sz="2000" dirty="0"/>
-              <a:t>a</a:t>
-            </a:r>
-            <a:r>
-              <a:rPr lang="zh-CN" altLang="en-US" sz="2000" dirty="0"/>
-              <a:t> </a:t>
-            </a:r>
-            <a:r>
-              <a:rPr lang="en-US" altLang="zh-CN" sz="2000" dirty="0"/>
-              <a:t>limit</a:t>
-            </a:r>
-            <a:r>
-              <a:rPr lang="zh-CN" altLang="en-US" sz="2000" dirty="0"/>
-              <a:t> </a:t>
-            </a:r>
-            <a:r>
-              <a:rPr lang="en-US" altLang="zh-CN" sz="2000" dirty="0"/>
-              <a:t>of</a:t>
-            </a:r>
-            <a:r>
-              <a:rPr lang="zh-CN" altLang="en-US" sz="2000" dirty="0"/>
-              <a:t> </a:t>
-            </a:r>
-            <a:r>
-              <a:rPr lang="en-US" altLang="zh-CN" sz="2000" dirty="0"/>
-              <a:t>prediction</a:t>
-            </a:r>
-            <a:r>
-              <a:rPr lang="zh-CN" altLang="en-US" sz="2000" dirty="0"/>
-              <a:t> </a:t>
-            </a:r>
-            <a:r>
-              <a:rPr lang="en-US" altLang="zh-CN" sz="2000" dirty="0"/>
-              <a:t>ability</a:t>
-            </a:r>
-            <a:r>
-              <a:rPr lang="zh-CN" altLang="en-US" sz="2000" dirty="0"/>
-              <a:t> </a:t>
-            </a:r>
-            <a:r>
-              <a:rPr lang="en-US" altLang="zh-CN" sz="2000" dirty="0"/>
-              <a:t>for</a:t>
-            </a:r>
-            <a:r>
-              <a:rPr lang="zh-CN" altLang="en-US" sz="2000" dirty="0"/>
-              <a:t> </a:t>
-            </a:r>
-            <a:r>
-              <a:rPr lang="en-US" altLang="zh-CN" sz="2000" dirty="0"/>
-              <a:t>the</a:t>
-            </a:r>
-            <a:r>
-              <a:rPr lang="zh-CN" altLang="en-US" sz="2000" dirty="0"/>
-              <a:t> </a:t>
-            </a:r>
-            <a:r>
-              <a:rPr lang="en-US" altLang="zh-CN" sz="2000" dirty="0"/>
-              <a:t>model</a:t>
+              <a:t>model.</a:t>
             </a:r>
             <a:endParaRPr lang="en-US" sz="2000" dirty="0"/>
           </a:p>
@@ -11229,12 +11023,16 @@
               <a:t> algorithm with </a:t>
             </a:r>
             <a:r>
-              <a:rPr lang="en-US" sz="2000" dirty="0">
-                <a:solidFill>
-                  <a:srgbClr val="FF0000"/>
-                </a:solidFill>
-              </a:rPr>
-              <a:t>max</a:t>
+              <a:rPr lang="en-US" altLang="zh-CN" sz="2000" dirty="0"/>
+              <a:t>at</a:t>
+            </a:r>
+            <a:r>
+              <a:rPr lang="zh-CN" altLang="en-US" sz="2000" dirty="0"/>
+              <a:t> </a:t>
+            </a:r>
+            <a:r>
+              <a:rPr lang="en-US" altLang="zh-CN" sz="2000" dirty="0"/>
+              <a:t>most</a:t>
             </a:r>
             <a:r>
               <a:rPr lang="zh-CN" altLang="en-US" sz="2000" dirty="0"/>
@@ -11250,7 +11048,43 @@
             </a:r>
             <a:r>
               <a:rPr lang="en-US" sz="2000" dirty="0"/>
-              <a:t>nodes for each tree, </a:t>
+              <a:t>nodes for tree</a:t>
+            </a:r>
+            <a:r>
+              <a:rPr lang="zh-CN" altLang="en-US" sz="2000" dirty="0"/>
+              <a:t> </a:t>
+            </a:r>
+            <a:r>
+              <a:rPr lang="en-US" altLang="zh-CN" sz="2000" dirty="0"/>
+              <a:t>on</a:t>
+            </a:r>
+            <a:r>
+              <a:rPr lang="zh-CN" altLang="en-US" sz="2000" dirty="0"/>
+              <a:t> </a:t>
+            </a:r>
+            <a:r>
+              <a:rPr lang="en-US" altLang="zh-CN" sz="2000" dirty="0"/>
+              <a:t>each</a:t>
+            </a:r>
+            <a:r>
+              <a:rPr lang="zh-CN" altLang="en-US" sz="2000" dirty="0"/>
+              <a:t> </a:t>
+            </a:r>
+            <a:r>
+              <a:rPr lang="en-US" altLang="zh-CN" sz="2000" dirty="0"/>
+              <a:t>level</a:t>
+            </a:r>
+            <a:r>
+              <a:rPr lang="en-US" sz="2000" dirty="0"/>
+              <a:t>, </a:t>
+            </a:r>
+            <a:r>
+              <a:rPr lang="en-US" altLang="zh-CN" sz="2000" dirty="0"/>
+              <a:t>and</a:t>
+            </a:r>
+            <a:r>
+              <a:rPr lang="zh-CN" altLang="en-US" sz="2000" dirty="0"/>
+              <a:t> </a:t>
             </a:r>
             <a:r>
               <a:rPr lang="en-US" altLang="zh-CN" sz="2000" dirty="0"/>
@@ -11262,7 +11096,7 @@
             </a:r>
             <a:r>
               <a:rPr lang="en-US" altLang="zh-CN" sz="2000" dirty="0"/>
-              <a:t>max</a:t>
+              <a:t>maximum</a:t>
             </a:r>
             <a:r>
               <a:rPr lang="zh-CN" altLang="en-US" sz="2000" dirty="0"/>
@@ -11318,7 +11152,7 @@
             </a:r>
             <a:r>
               <a:rPr lang="en-US" altLang="zh-CN" sz="2000" dirty="0"/>
-              <a:t>experiment</a:t>
+              <a:t>experiment.</a:t>
             </a:r>
             <a:endParaRPr lang="en-US" sz="2000" dirty="0"/>
           </a:p>
@@ -11399,7 +11233,7 @@
         <p:spPr>
           <a:xfrm>
             <a:off x="277533" y="5831890"/>
-            <a:ext cx="7478394" cy="369332"/>
+            <a:ext cx="7589001" cy="369332"/>
           </a:xfrm>
           <a:prstGeom prst="rect">
             <a:avLst/>
@@ -11430,7 +11264,7 @@
             </a:r>
             <a:r>
               <a:rPr lang="en-US" altLang="zh-CN" dirty="0"/>
-              <a:t> in different number of level</a:t>
+              <a:t> in different number of level.</a:t>
             </a:r>
             <a:endParaRPr lang="zh-CN" altLang="en-US" dirty="0"/>
           </a:p>
@@ -11465,7 +11299,15 @@
           <a:p>
             <a:r>
               <a:rPr lang="en-US" dirty="0"/>
-              <a:t>When level is less then </a:t>
+              <a:t>When level is less th</a:t>
+            </a:r>
+            <a:r>
+              <a:rPr lang="en-US" altLang="zh-CN" dirty="0"/>
+              <a:t>a</a:t>
+            </a:r>
+            <a:r>
+              <a:rPr lang="en-US" dirty="0"/>
+              <a:t>n </a:t>
             </a:r>
             <a:r>
               <a:rPr lang="en-US" dirty="0">
@@ -11620,104 +11462,8 @@
           <a:lstStyle/>
           <a:p>
             <a:r>
-              <a:rPr lang="en-US" altLang="zh-CN" sz="1800" dirty="0"/>
-              <a:t>Using</a:t>
-            </a:r>
-            <a:r>
-              <a:rPr lang="zh-CN" altLang="en-US" sz="1800" dirty="0"/>
-              <a:t> </a:t>
-            </a:r>
-            <a:r>
-              <a:rPr lang="en-US" altLang="zh-CN" sz="1800" dirty="0"/>
-              <a:t>SVM</a:t>
-            </a:r>
-            <a:r>
-              <a:rPr lang="zh-CN" altLang="en-US" sz="1800" dirty="0"/>
-              <a:t> </a:t>
-            </a:r>
-            <a:r>
-              <a:rPr lang="en-US" altLang="zh-CN" sz="1800" dirty="0"/>
-              <a:t>classifier</a:t>
-            </a:r>
-            <a:r>
-              <a:rPr lang="zh-CN" altLang="en-US" sz="1800" dirty="0"/>
-              <a:t> </a:t>
-            </a:r>
-            <a:r>
-              <a:rPr lang="en-US" altLang="zh-CN" sz="1800" dirty="0"/>
-              <a:t>and</a:t>
-            </a:r>
-            <a:r>
-              <a:rPr lang="zh-CN" altLang="en-US" sz="1800" dirty="0"/>
-              <a:t> </a:t>
-            </a:r>
-            <a:r>
-              <a:rPr lang="en-US" altLang="zh-CN" sz="1800" dirty="0"/>
-              <a:t>optimizing</a:t>
-            </a:r>
-            <a:r>
-              <a:rPr lang="zh-CN" altLang="en-US" sz="1800" dirty="0"/>
-              <a:t> </a:t>
-            </a:r>
-            <a:r>
-              <a:rPr lang="en-US" altLang="zh-CN" sz="1800" dirty="0"/>
-              <a:t>the</a:t>
-            </a:r>
-            <a:r>
-              <a:rPr lang="zh-CN" altLang="en-US" sz="1800" dirty="0"/>
-              <a:t> </a:t>
-            </a:r>
-            <a:r>
-              <a:rPr lang="en-US" altLang="zh-CN" sz="1800" dirty="0"/>
-              <a:t>hype-parameter.</a:t>
-            </a:r>
-            <a:r>
-              <a:rPr lang="zh-CN" altLang="en-US" sz="1800" dirty="0"/>
-              <a:t> </a:t>
-            </a:r>
-            <a:r>
-              <a:rPr lang="en-US" altLang="zh-CN" sz="1800" dirty="0"/>
-              <a:t>The</a:t>
-            </a:r>
-            <a:r>
-              <a:rPr lang="zh-CN" altLang="en-US" sz="1800" dirty="0"/>
-              <a:t> </a:t>
-            </a:r>
-            <a:r>
-              <a:rPr lang="en-US" altLang="zh-CN" sz="1800" dirty="0"/>
-              <a:t>min</a:t>
-            </a:r>
-            <a:r>
-              <a:rPr lang="zh-CN" altLang="en-US" sz="1800" dirty="0"/>
-              <a:t> </a:t>
-            </a:r>
-            <a:r>
-              <a:rPr lang="en-US" altLang="zh-CN" sz="1800" dirty="0"/>
-              <a:t>error</a:t>
-            </a:r>
-            <a:r>
-              <a:rPr lang="zh-CN" altLang="en-US" sz="1800" dirty="0"/>
-              <a:t> </a:t>
-            </a:r>
-            <a:r>
-              <a:rPr lang="en-US" altLang="zh-CN" sz="1800" dirty="0"/>
-              <a:t>rate</a:t>
-            </a:r>
-            <a:r>
-              <a:rPr lang="zh-CN" altLang="en-US" sz="1800" dirty="0"/>
-              <a:t> </a:t>
-            </a:r>
-            <a:r>
-              <a:rPr lang="en-US" altLang="zh-CN" sz="1800" dirty="0"/>
-              <a:t>can</a:t>
-            </a:r>
-            <a:r>
-              <a:rPr lang="zh-CN" altLang="en-US" sz="1800" dirty="0"/>
-              <a:t> </a:t>
-            </a:r>
-            <a:r>
-              <a:rPr lang="en-US" altLang="zh-CN" sz="1800" dirty="0"/>
-              <a:t>be</a:t>
+              <a:rPr lang="en-US" sz="1800" dirty="0"/>
+              <a:t>Using SVM classifier with hyperparameter optimization, the minimum error rate is</a:t>
             </a:r>
             <a:r>
               <a:rPr lang="zh-CN" altLang="en-US" sz="1800" dirty="0"/>
@@ -11729,7 +11475,7 @@
                   <a:srgbClr val="FF0000"/>
                 </a:solidFill>
               </a:rPr>
-              <a:t>2.716%</a:t>
+              <a:t>2.716%.</a:t>
             </a:r>
           </a:p>
           <a:p>
@@ -11737,6 +11483,11 @@
               <a:rPr lang="en-US" sz="1800" dirty="0"/>
               <a:t>All the hype-parameters will be used to generate series of SVM</a:t>
             </a:r>
+            <a:r>
+              <a:rPr lang="en-US" altLang="zh-CN" sz="1800" dirty="0"/>
+              <a:t>.</a:t>
+            </a:r>
+            <a:endParaRPr lang="en-US" sz="1800" dirty="0"/>
           </a:p>
         </p:txBody>
       </p:sp>
@@ -12003,7 +11754,7 @@
             </a:r>
             <a:r>
               <a:rPr lang="en-US" altLang="zh-CN" dirty="0"/>
-              <a:t>hype-parameter</a:t>
+              <a:t>hyperparameter</a:t>
             </a:r>
             <a:r>
               <a:rPr lang="zh-CN" altLang="en-US" dirty="0"/>
@@ -12070,14 +11821,9 @@
               <a:t> </a:t>
             </a:r>
             <a:r>
-              <a:rPr lang="en-US" altLang="zh-CN" dirty="0"/>
-              <a:t>hyper-</a:t>
-            </a:r>
-            <a:r>
-              <a:rPr lang="en-US" altLang="zh-CN" dirty="0" err="1"/>
-              <a:t>paramters</a:t>
-            </a:r>
-            <a:endParaRPr lang="en-US" dirty="0"/>
+              <a:rPr lang="en-US" dirty="0"/>
+              <a:t>hyperparameter</a:t>
+            </a:r>
           </a:p>
         </p:txBody>
       </p:sp>

--- a/final-presentation.pptx
+++ b/final-presentation.pptx
@@ -5300,7 +5300,7 @@
             </a:r>
             <a:r>
               <a:rPr lang="en-US" dirty="0"/>
-              <a:t>onclusion</a:t>
+              <a:t>onclusions</a:t>
             </a:r>
           </a:p>
         </p:txBody>
@@ -5419,7 +5419,7 @@
             </a:r>
             <a:r>
               <a:rPr lang="en-US" dirty="0"/>
-              <a:t>SVM performs best among all the models</a:t>
+              <a:t>SVM performs the best among all the models</a:t>
             </a:r>
             <a:r>
               <a:rPr lang="en-US" altLang="zh-CN" dirty="0"/>
@@ -5431,27 +5431,7 @@
             </a:r>
             <a:r>
               <a:rPr lang="en-US" altLang="zh-CN" dirty="0"/>
-              <a:t>as</a:t>
-            </a:r>
-            <a:r>
-              <a:rPr lang="zh-CN" altLang="en-US" dirty="0"/>
-              <a:t> </a:t>
-            </a:r>
-            <a:r>
-              <a:rPr lang="en-US" altLang="zh-CN" dirty="0"/>
-              <a:t>well</a:t>
-            </a:r>
-            <a:r>
-              <a:rPr lang="zh-CN" altLang="en-US" dirty="0"/>
-              <a:t> </a:t>
-            </a:r>
-            <a:r>
-              <a:rPr lang="en-US" altLang="zh-CN" dirty="0"/>
-              <a:t>as</a:t>
-            </a:r>
-            <a:r>
-              <a:rPr lang="zh-CN" altLang="en-US" dirty="0"/>
-              <a:t> </a:t>
+              <a:t>and </a:t>
             </a:r>
             <a:r>
               <a:rPr lang="en-US" altLang="zh-CN" dirty="0" err="1"/>
@@ -5471,15 +5451,7 @@
             </a:r>
             <a:r>
               <a:rPr lang="en-US" altLang="zh-CN" dirty="0"/>
-              <a:t>another</a:t>
-            </a:r>
-            <a:r>
-              <a:rPr lang="zh-CN" altLang="en-US" dirty="0"/>
-              <a:t> </a:t>
-            </a:r>
-            <a:r>
-              <a:rPr lang="en-US" altLang="zh-CN" dirty="0"/>
-              <a:t>good</a:t>
+              <a:t>a good</a:t>
             </a:r>
             <a:r>
               <a:rPr lang="zh-CN" altLang="en-US" dirty="0"/>
@@ -5494,8 +5466,8 @@
               <a:t> </a:t>
             </a:r>
             <a:r>
-              <a:rPr lang="en-US" altLang="zh-CN" dirty="0"/>
-              <a:t>classifier.</a:t>
+              <a:rPr lang="en-US" altLang="zh-CN"/>
+              <a:t>classifier as well.</a:t>
             </a:r>
             <a:endParaRPr lang="en-US" dirty="0"/>
           </a:p>
@@ -6386,11 +6358,11 @@
             </a:r>
             <a:r>
               <a:rPr lang="en-US" altLang="zh-CN" sz="2000" dirty="0"/>
-              <a:t>recognition</a:t>
-            </a:r>
-            <a:r>
-              <a:rPr lang="zh-CN" altLang="en-US" sz="2000" dirty="0"/>
-              <a:t>，</a:t>
+              <a:t>recognition,</a:t>
+            </a:r>
+            <a:r>
+              <a:rPr lang="zh-CN" altLang="en-US" sz="2000" dirty="0"/>
+              <a:t> </a:t>
             </a:r>
             <a:r>
               <a:rPr lang="en-US" altLang="zh-CN" sz="2000" dirty="0"/>
@@ -6450,15 +6422,7 @@
             </a:r>
             <a:r>
               <a:rPr lang="en-US" altLang="zh-CN" sz="2000" dirty="0"/>
-              <a:t>scale,</a:t>
-            </a:r>
-            <a:r>
-              <a:rPr lang="zh-CN" altLang="en-US" sz="2000" dirty="0"/>
-              <a:t> </a:t>
-            </a:r>
-            <a:r>
-              <a:rPr lang="en-US" altLang="zh-CN" sz="2000" dirty="0"/>
-              <a:t>glasses,</a:t>
+              <a:t>scale and glasses,</a:t>
             </a:r>
             <a:r>
               <a:rPr lang="zh-CN" altLang="en-US" sz="2000" dirty="0"/>
@@ -6946,7 +6910,7 @@
                 <a:latin typeface="Microsoft YaHei" panose="020B0503020204020204" pitchFamily="34" charset="-122"/>
                 <a:ea typeface="Microsoft YaHei" panose="020B0503020204020204" pitchFamily="34" charset="-122"/>
               </a:rPr>
-              <a:t>The objective of our project is to train an optimal model for eye blinking prediction based on 14-dimensional EEG signal. There are only 2 states of eye blinking which are open and closed, so basically we should construct a binary classifier to predict eye blinking.</a:t>
+              <a:t>The objective of our project is to train an optimal model for eye blinking prediction based on 14-dimensional EEG signals. There are only 2 states of eye blinking which are open and closed, so basically we should construct a binary classifier to predict eye blinking.</a:t>
             </a:r>
             <a:endParaRPr lang="zh-CN" altLang="en-US" sz="2000" dirty="0">
               <a:latin typeface="Microsoft YaHei" panose="020B0503020204020204" pitchFamily="34" charset="-122"/>
@@ -8131,8 +8095,8 @@
         </p:nvSpPr>
         <p:spPr>
           <a:xfrm>
-            <a:off x="4092388" y="2479342"/>
-            <a:ext cx="2980706" cy="369332"/>
+            <a:off x="3051064" y="2479342"/>
+            <a:ext cx="4022030" cy="369332"/>
           </a:xfrm>
           <a:prstGeom prst="rect">
             <a:avLst/>
@@ -8147,7 +8111,7 @@
           <a:p>
             <a:r>
               <a:rPr lang="en-US" dirty="0"/>
-              <a:t>14 dim original measurement</a:t>
+              <a:t>14-dimentional original measurement</a:t>
             </a:r>
           </a:p>
         </p:txBody>
@@ -9606,7 +9570,7 @@
             </a:r>
             <a:r>
               <a:rPr lang="en-US" altLang="zh-CN" sz="2000" dirty="0"/>
-              <a:t>generates</a:t>
+              <a:t>has generated</a:t>
             </a:r>
             <a:r>
               <a:rPr lang="zh-CN" altLang="en-US" sz="2000" dirty="0"/>
@@ -10135,7 +10099,7 @@
           <a:p>
             <a:r>
               <a:rPr lang="en-US" altLang="zh-CN" sz="2000" dirty="0"/>
-              <a:t>Using</a:t>
+              <a:t>We use</a:t>
             </a:r>
             <a:r>
               <a:rPr lang="zh-CN" altLang="en-US" sz="2000" dirty="0"/>
@@ -10191,7 +10155,7 @@
             </a:r>
             <a:r>
               <a:rPr lang="en-US" altLang="zh-CN" sz="2000" dirty="0"/>
-              <a:t>average</a:t>
+              <a:t>and average</a:t>
             </a:r>
             <a:r>
               <a:rPr lang="zh-CN" altLang="en-US" sz="2000" dirty="0"/>
@@ -10250,7 +10214,7 @@
             </a:r>
             <a:r>
               <a:rPr lang="en-US" sz="2000" dirty="0"/>
-              <a:t> if integrated with feature selective algorithm, which gives a smaller average error.</a:t>
+              <a:t> if integrated with feature-selective algorithm, which gives a smaller average error.</a:t>
             </a:r>
           </a:p>
           <a:p>
@@ -10280,6 +10244,22 @@
             </a:r>
             <a:r>
               <a:rPr lang="en-US" altLang="zh-CN" sz="2000" dirty="0"/>
+              <a:t>number</a:t>
+            </a:r>
+            <a:r>
+              <a:rPr lang="zh-CN" altLang="en-US" sz="2000" dirty="0"/>
+              <a:t> </a:t>
+            </a:r>
+            <a:r>
+              <a:rPr lang="en-US" altLang="zh-CN" sz="2000" dirty="0"/>
+              <a:t>of</a:t>
+            </a:r>
+            <a:r>
+              <a:rPr lang="zh-CN" altLang="en-US" sz="2000" dirty="0"/>
+              <a:t> </a:t>
+            </a:r>
+            <a:r>
+              <a:rPr lang="en-US" altLang="zh-CN" sz="2000" dirty="0"/>
               <a:t>nodes</a:t>
             </a:r>
             <a:r>
@@ -10296,7 +10276,7 @@
             </a:r>
             <a:r>
               <a:rPr lang="en-US" altLang="zh-CN" sz="2000" dirty="0"/>
-              <a:t>bigger,</a:t>
+              <a:t>larger,</a:t>
             </a:r>
             <a:r>
               <a:rPr lang="zh-CN" altLang="en-US" sz="2000" dirty="0"/>
@@ -10384,7 +10364,7 @@
             </a:r>
             <a:r>
               <a:rPr lang="en-US" altLang="zh-CN" sz="2000" dirty="0"/>
-              <a:t>means</a:t>
+              <a:t>indicates</a:t>
             </a:r>
             <a:r>
               <a:rPr lang="zh-CN" altLang="en-US" sz="2000" dirty="0"/>
@@ -10877,13 +10857,13 @@
                   <a:srgbClr val="FF0000"/>
                 </a:solidFill>
               </a:rPr>
-              <a:t>3.5%.</a:t>
-            </a:r>
-            <a:endParaRPr lang="zh-CN" altLang="en-US" sz="2000" dirty="0">
-              <a:solidFill>
-                <a:srgbClr val="FF0000"/>
-              </a:solidFill>
-            </a:endParaRPr>
+              <a:t>3.5%</a:t>
+            </a:r>
+            <a:r>
+              <a:rPr lang="en-US" altLang="zh-CN" sz="2000" dirty="0"/>
+              <a:t>.</a:t>
+            </a:r>
+            <a:endParaRPr lang="zh-CN" altLang="en-US" sz="2000" dirty="0"/>
           </a:p>
         </p:txBody>
       </p:sp>
@@ -11023,19 +11003,35 @@
               <a:t> algorithm with </a:t>
             </a:r>
             <a:r>
-              <a:rPr lang="en-US" altLang="zh-CN" sz="2000" dirty="0"/>
+              <a:rPr lang="en-US" altLang="zh-CN" sz="2000" dirty="0">
+                <a:solidFill>
+                  <a:srgbClr val="FF0000"/>
+                </a:solidFill>
+              </a:rPr>
               <a:t>at</a:t>
             </a:r>
             <a:r>
-              <a:rPr lang="zh-CN" altLang="en-US" sz="2000" dirty="0"/>
-              <a:t> </a:t>
-            </a:r>
-            <a:r>
-              <a:rPr lang="en-US" altLang="zh-CN" sz="2000" dirty="0"/>
+              <a:rPr lang="zh-CN" altLang="en-US" sz="2000" dirty="0">
+                <a:solidFill>
+                  <a:srgbClr val="FF0000"/>
+                </a:solidFill>
+              </a:rPr>
+              <a:t> </a:t>
+            </a:r>
+            <a:r>
+              <a:rPr lang="en-US" altLang="zh-CN" sz="2000" dirty="0">
+                <a:solidFill>
+                  <a:srgbClr val="FF0000"/>
+                </a:solidFill>
+              </a:rPr>
               <a:t>most</a:t>
             </a:r>
             <a:r>
-              <a:rPr lang="zh-CN" altLang="en-US" sz="2000" dirty="0"/>
+              <a:rPr lang="zh-CN" altLang="en-US" sz="2000" dirty="0">
+                <a:solidFill>
+                  <a:srgbClr val="FF0000"/>
+                </a:solidFill>
+              </a:rPr>
               <a:t> </a:t>
             </a:r>
             <a:r>
@@ -11044,11 +11040,11 @@
                   <a:srgbClr val="FF0000"/>
                 </a:solidFill>
               </a:rPr>
-              <a:t>500 split </a:t>
+              <a:t>500 splits </a:t>
             </a:r>
             <a:r>
               <a:rPr lang="en-US" sz="2000" dirty="0"/>
-              <a:t>nodes for tree</a:t>
+              <a:t>for the tree</a:t>
             </a:r>
             <a:r>
               <a:rPr lang="zh-CN" altLang="en-US" sz="2000" dirty="0"/>
@@ -11104,7 +11100,7 @@
             </a:r>
             <a:r>
               <a:rPr lang="en-US" altLang="zh-CN" sz="2000" dirty="0"/>
-              <a:t>level</a:t>
+              <a:t>level number</a:t>
             </a:r>
             <a:r>
               <a:rPr lang="zh-CN" altLang="en-US" sz="2000" dirty="0"/>
@@ -11475,7 +11471,7 @@
                   <a:srgbClr val="FF0000"/>
                 </a:solidFill>
               </a:rPr>
-              <a:t>2.716%.</a:t>
+              <a:t>2.5398%.</a:t>
             </a:r>
           </a:p>
           <a:p>
@@ -11551,12 +11547,199 @@
           </a:p>
         </p:txBody>
       </p:sp>
+      <p:sp>
+        <p:nvSpPr>
+          <p:cNvPr id="10" name="TextBox 9">
+            <a:extLst>
+              <a:ext uri="{FF2B5EF4-FFF2-40B4-BE49-F238E27FC236}">
+                <a16:creationId xmlns:a16="http://schemas.microsoft.com/office/drawing/2014/main" id="{FB659BA1-29B6-6244-85A3-57265E689DF4}"/>
+              </a:ext>
+            </a:extLst>
+          </p:cNvPr>
+          <p:cNvSpPr txBox="1"/>
+          <p:nvPr/>
+        </p:nvSpPr>
+        <p:spPr>
+          <a:xfrm>
+            <a:off x="201881" y="5625539"/>
+            <a:ext cx="3716976" cy="371500"/>
+          </a:xfrm>
+          <a:prstGeom prst="rect">
+            <a:avLst/>
+          </a:prstGeom>
+          <a:noFill/>
+        </p:spPr>
+        <p:txBody>
+          <a:bodyPr wrap="square" rtlCol="0">
+            <a:spAutoFit/>
+          </a:bodyPr>
+          <a:lstStyle/>
+          <a:p>
+            <a:r>
+              <a:rPr lang="en-US" altLang="zh-CN" dirty="0"/>
+              <a:t>figure</a:t>
+            </a:r>
+            <a:r>
+              <a:rPr lang="zh-CN" altLang="en-US" dirty="0"/>
+              <a:t> </a:t>
+            </a:r>
+            <a:r>
+              <a:rPr lang="en-US" altLang="zh-CN" dirty="0"/>
+              <a:t>A:</a:t>
+            </a:r>
+            <a:r>
+              <a:rPr lang="zh-CN" altLang="en-US" dirty="0"/>
+              <a:t> </a:t>
+            </a:r>
+            <a:r>
+              <a:rPr lang="en-US" altLang="zh-CN" dirty="0"/>
+              <a:t>min</a:t>
+            </a:r>
+            <a:r>
+              <a:rPr lang="zh-CN" altLang="en-US" dirty="0"/>
+              <a:t> </a:t>
+            </a:r>
+            <a:r>
+              <a:rPr lang="en-US" altLang="zh-CN" dirty="0"/>
+              <a:t>objective</a:t>
+            </a:r>
+            <a:r>
+              <a:rPr lang="zh-CN" altLang="en-US" dirty="0"/>
+              <a:t> </a:t>
+            </a:r>
+            <a:r>
+              <a:rPr lang="en-US" altLang="zh-CN" dirty="0"/>
+              <a:t>optimization</a:t>
+            </a:r>
+            <a:endParaRPr lang="en-US" dirty="0"/>
+          </a:p>
+        </p:txBody>
+      </p:sp>
+      <p:sp>
+        <p:nvSpPr>
+          <p:cNvPr id="11" name="TextBox 10">
+            <a:extLst>
+              <a:ext uri="{FF2B5EF4-FFF2-40B4-BE49-F238E27FC236}">
+                <a16:creationId xmlns:a16="http://schemas.microsoft.com/office/drawing/2014/main" id="{09DC4EE9-EE1D-C54C-9175-B63E29C9EF6E}"/>
+              </a:ext>
+            </a:extLst>
+          </p:cNvPr>
+          <p:cNvSpPr txBox="1"/>
+          <p:nvPr/>
+        </p:nvSpPr>
+        <p:spPr>
+          <a:xfrm>
+            <a:off x="4582652" y="5625539"/>
+            <a:ext cx="4007369" cy="369332"/>
+          </a:xfrm>
+          <a:prstGeom prst="rect">
+            <a:avLst/>
+          </a:prstGeom>
+          <a:noFill/>
+        </p:spPr>
+        <p:txBody>
+          <a:bodyPr wrap="square" rtlCol="0">
+            <a:spAutoFit/>
+          </a:bodyPr>
+          <a:lstStyle/>
+          <a:p>
+            <a:r>
+              <a:rPr lang="en-US" altLang="zh-CN" dirty="0"/>
+              <a:t>figure</a:t>
+            </a:r>
+            <a:r>
+              <a:rPr lang="zh-CN" altLang="en-US" dirty="0"/>
+              <a:t> </a:t>
+            </a:r>
+            <a:r>
+              <a:rPr lang="en-US" altLang="zh-CN" dirty="0"/>
+              <a:t>B:</a:t>
+            </a:r>
+            <a:r>
+              <a:rPr lang="zh-CN" altLang="en-US" dirty="0"/>
+              <a:t> </a:t>
+            </a:r>
+            <a:r>
+              <a:rPr lang="en-US" altLang="zh-CN" dirty="0"/>
+              <a:t>hyperparameter</a:t>
+            </a:r>
+            <a:r>
+              <a:rPr lang="zh-CN" altLang="en-US" dirty="0"/>
+              <a:t> </a:t>
+            </a:r>
+            <a:r>
+              <a:rPr lang="en-US" altLang="zh-CN" dirty="0"/>
+              <a:t>optimization</a:t>
+            </a:r>
+            <a:endParaRPr lang="en-US" dirty="0"/>
+          </a:p>
+        </p:txBody>
+      </p:sp>
+      <p:sp>
+        <p:nvSpPr>
+          <p:cNvPr id="12" name="TextBox 11">
+            <a:extLst>
+              <a:ext uri="{FF2B5EF4-FFF2-40B4-BE49-F238E27FC236}">
+                <a16:creationId xmlns:a16="http://schemas.microsoft.com/office/drawing/2014/main" id="{71C9AD45-790D-D648-AB62-EFD3DDE851F1}"/>
+              </a:ext>
+            </a:extLst>
+          </p:cNvPr>
+          <p:cNvSpPr txBox="1"/>
+          <p:nvPr/>
+        </p:nvSpPr>
+        <p:spPr>
+          <a:xfrm>
+            <a:off x="8610600" y="4523229"/>
+            <a:ext cx="3716976" cy="371500"/>
+          </a:xfrm>
+          <a:prstGeom prst="rect">
+            <a:avLst/>
+          </a:prstGeom>
+          <a:noFill/>
+        </p:spPr>
+        <p:txBody>
+          <a:bodyPr wrap="square" rtlCol="0">
+            <a:spAutoFit/>
+          </a:bodyPr>
+          <a:lstStyle/>
+          <a:p>
+            <a:r>
+              <a:rPr lang="en-US" altLang="zh-CN" dirty="0"/>
+              <a:t>figure</a:t>
+            </a:r>
+            <a:r>
+              <a:rPr lang="zh-CN" altLang="en-US" dirty="0"/>
+              <a:t> </a:t>
+            </a:r>
+            <a:r>
+              <a:rPr lang="en-US" altLang="zh-CN" dirty="0"/>
+              <a:t>C:</a:t>
+            </a:r>
+            <a:r>
+              <a:rPr lang="zh-CN" altLang="en-US" dirty="0"/>
+              <a:t> </a:t>
+            </a:r>
+            <a:r>
+              <a:rPr lang="en-US" altLang="zh-CN" dirty="0"/>
+              <a:t>best</a:t>
+            </a:r>
+            <a:r>
+              <a:rPr lang="zh-CN" altLang="en-US" dirty="0"/>
+              <a:t> </a:t>
+            </a:r>
+            <a:r>
+              <a:rPr lang="en-US" dirty="0"/>
+              <a:t>hyperparameter</a:t>
+            </a:r>
+          </a:p>
+        </p:txBody>
+      </p:sp>
       <p:pic>
         <p:nvPicPr>
-          <p:cNvPr id="7" name="Picture 6" descr="A close up of a map&#10;&#10;Description automatically generated">
-            <a:extLst>
-              <a:ext uri="{FF2B5EF4-FFF2-40B4-BE49-F238E27FC236}">
-                <a16:creationId xmlns:a16="http://schemas.microsoft.com/office/drawing/2014/main" id="{032E8BE9-9164-9C4D-A02F-BBDD28AFDB79}"/>
+          <p:cNvPr id="13" name="Picture 12" descr="A picture containing text&#10;&#10;Description automatically generated">
+            <a:extLst>
+              <a:ext uri="{FF2B5EF4-FFF2-40B4-BE49-F238E27FC236}">
+                <a16:creationId xmlns:a16="http://schemas.microsoft.com/office/drawing/2014/main" id="{B2D74B75-7ECB-5F4D-9073-D35466EC67E2}"/>
               </a:ext>
             </a:extLst>
           </p:cNvPr>
@@ -11573,8 +11756,8 @@
         </p:blipFill>
         <p:spPr>
           <a:xfrm>
-            <a:off x="4428650" y="2540676"/>
-            <a:ext cx="4024982" cy="3084863"/>
+            <a:off x="4458465" y="2328633"/>
+            <a:ext cx="4007369" cy="3360043"/>
           </a:xfrm>
           <a:prstGeom prst="rect">
             <a:avLst/>
@@ -11583,10 +11766,10 @@
       </p:pic>
       <p:pic>
         <p:nvPicPr>
-          <p:cNvPr id="9" name="Picture 8" descr="A screenshot of a cell phone&#10;&#10;Description automatically generated">
-            <a:extLst>
-              <a:ext uri="{FF2B5EF4-FFF2-40B4-BE49-F238E27FC236}">
-                <a16:creationId xmlns:a16="http://schemas.microsoft.com/office/drawing/2014/main" id="{25C6AA6C-891C-F743-A287-AA7F68401531}"/>
+          <p:cNvPr id="15" name="Picture 14" descr="A screenshot of a cell phone&#10;&#10;Description automatically generated">
+            <a:extLst>
+              <a:ext uri="{FF2B5EF4-FFF2-40B4-BE49-F238E27FC236}">
+                <a16:creationId xmlns:a16="http://schemas.microsoft.com/office/drawing/2014/main" id="{FA3A04CF-ECE0-AF47-9AE6-5070FDEA79AA}"/>
               </a:ext>
             </a:extLst>
           </p:cNvPr>
@@ -11595,15 +11778,16 @@
           </p:cNvPicPr>
           <p:nvPr/>
         </p:nvPicPr>
-        <p:blipFill rotWithShape="1">
+        <p:blipFill>
           <a:blip r:embed="rId3"/>
-          <a:srcRect r="14293"/>
-          <a:stretch/>
+          <a:stretch>
+            <a:fillRect/>
+          </a:stretch>
         </p:blipFill>
         <p:spPr>
           <a:xfrm>
-            <a:off x="8610600" y="3048759"/>
-            <a:ext cx="3419593" cy="1325563"/>
+            <a:off x="139176" y="2318183"/>
+            <a:ext cx="4246906" cy="3370493"/>
           </a:xfrm>
           <a:prstGeom prst="rect">
             <a:avLst/>
@@ -11612,10 +11796,10 @@
       </p:pic>
       <p:pic>
         <p:nvPicPr>
-          <p:cNvPr id="8" name="Picture 7" descr="A screenshot of a map&#10;&#10;Description automatically generated">
-            <a:extLst>
-              <a:ext uri="{FF2B5EF4-FFF2-40B4-BE49-F238E27FC236}">
-                <a16:creationId xmlns:a16="http://schemas.microsoft.com/office/drawing/2014/main" id="{2AC6E7ED-4758-0A44-8332-5928C1C56650}"/>
+          <p:cNvPr id="17" name="Picture 16" descr="A screenshot of a cell phone&#10;&#10;Description automatically generated">
+            <a:extLst>
+              <a:ext uri="{FF2B5EF4-FFF2-40B4-BE49-F238E27FC236}">
+                <a16:creationId xmlns:a16="http://schemas.microsoft.com/office/drawing/2014/main" id="{F8CFB628-4910-4840-B37B-0C315A9A9BB6}"/>
               </a:ext>
             </a:extLst>
           </p:cNvPr>
@@ -11632,201 +11816,14 @@
         </p:blipFill>
         <p:spPr>
           <a:xfrm>
-            <a:off x="95002" y="2540676"/>
-            <a:ext cx="4007370" cy="3084863"/>
+            <a:off x="8538217" y="3015159"/>
+            <a:ext cx="3568090" cy="1358900"/>
           </a:xfrm>
           <a:prstGeom prst="rect">
             <a:avLst/>
           </a:prstGeom>
         </p:spPr>
       </p:pic>
-      <p:sp>
-        <p:nvSpPr>
-          <p:cNvPr id="10" name="TextBox 9">
-            <a:extLst>
-              <a:ext uri="{FF2B5EF4-FFF2-40B4-BE49-F238E27FC236}">
-                <a16:creationId xmlns:a16="http://schemas.microsoft.com/office/drawing/2014/main" id="{FB659BA1-29B6-6244-85A3-57265E689DF4}"/>
-              </a:ext>
-            </a:extLst>
-          </p:cNvPr>
-          <p:cNvSpPr txBox="1"/>
-          <p:nvPr/>
-        </p:nvSpPr>
-        <p:spPr>
-          <a:xfrm>
-            <a:off x="201881" y="5625539"/>
-            <a:ext cx="3716976" cy="371500"/>
-          </a:xfrm>
-          <a:prstGeom prst="rect">
-            <a:avLst/>
-          </a:prstGeom>
-          <a:noFill/>
-        </p:spPr>
-        <p:txBody>
-          <a:bodyPr wrap="square" rtlCol="0">
-            <a:spAutoFit/>
-          </a:bodyPr>
-          <a:lstStyle/>
-          <a:p>
-            <a:r>
-              <a:rPr lang="en-US" altLang="zh-CN" dirty="0"/>
-              <a:t>figure</a:t>
-            </a:r>
-            <a:r>
-              <a:rPr lang="zh-CN" altLang="en-US" dirty="0"/>
-              <a:t> </a:t>
-            </a:r>
-            <a:r>
-              <a:rPr lang="en-US" altLang="zh-CN" dirty="0"/>
-              <a:t>A:</a:t>
-            </a:r>
-            <a:r>
-              <a:rPr lang="zh-CN" altLang="en-US" dirty="0"/>
-              <a:t> </a:t>
-            </a:r>
-            <a:r>
-              <a:rPr lang="en-US" altLang="zh-CN" dirty="0"/>
-              <a:t>min</a:t>
-            </a:r>
-            <a:r>
-              <a:rPr lang="zh-CN" altLang="en-US" dirty="0"/>
-              <a:t> </a:t>
-            </a:r>
-            <a:r>
-              <a:rPr lang="en-US" altLang="zh-CN" dirty="0"/>
-              <a:t>objective</a:t>
-            </a:r>
-            <a:r>
-              <a:rPr lang="zh-CN" altLang="en-US" dirty="0"/>
-              <a:t> </a:t>
-            </a:r>
-            <a:r>
-              <a:rPr lang="en-US" altLang="zh-CN" dirty="0"/>
-              <a:t>optimization</a:t>
-            </a:r>
-            <a:endParaRPr lang="en-US" dirty="0"/>
-          </a:p>
-        </p:txBody>
-      </p:sp>
-      <p:sp>
-        <p:nvSpPr>
-          <p:cNvPr id="11" name="TextBox 10">
-            <a:extLst>
-              <a:ext uri="{FF2B5EF4-FFF2-40B4-BE49-F238E27FC236}">
-                <a16:creationId xmlns:a16="http://schemas.microsoft.com/office/drawing/2014/main" id="{09DC4EE9-EE1D-C54C-9175-B63E29C9EF6E}"/>
-              </a:ext>
-            </a:extLst>
-          </p:cNvPr>
-          <p:cNvSpPr txBox="1"/>
-          <p:nvPr/>
-        </p:nvSpPr>
-        <p:spPr>
-          <a:xfrm>
-            <a:off x="4582652" y="5625539"/>
-            <a:ext cx="4007369" cy="369332"/>
-          </a:xfrm>
-          <a:prstGeom prst="rect">
-            <a:avLst/>
-          </a:prstGeom>
-          <a:noFill/>
-        </p:spPr>
-        <p:txBody>
-          <a:bodyPr wrap="square" rtlCol="0">
-            <a:spAutoFit/>
-          </a:bodyPr>
-          <a:lstStyle/>
-          <a:p>
-            <a:r>
-              <a:rPr lang="en-US" altLang="zh-CN" dirty="0"/>
-              <a:t>figure</a:t>
-            </a:r>
-            <a:r>
-              <a:rPr lang="zh-CN" altLang="en-US" dirty="0"/>
-              <a:t> </a:t>
-            </a:r>
-            <a:r>
-              <a:rPr lang="en-US" altLang="zh-CN" dirty="0"/>
-              <a:t>B:</a:t>
-            </a:r>
-            <a:r>
-              <a:rPr lang="zh-CN" altLang="en-US" dirty="0"/>
-              <a:t> </a:t>
-            </a:r>
-            <a:r>
-              <a:rPr lang="en-US" altLang="zh-CN" dirty="0"/>
-              <a:t>hyperparameter</a:t>
-            </a:r>
-            <a:r>
-              <a:rPr lang="zh-CN" altLang="en-US" dirty="0"/>
-              <a:t> </a:t>
-            </a:r>
-            <a:r>
-              <a:rPr lang="en-US" altLang="zh-CN" dirty="0"/>
-              <a:t>optimization</a:t>
-            </a:r>
-            <a:endParaRPr lang="en-US" dirty="0"/>
-          </a:p>
-        </p:txBody>
-      </p:sp>
-      <p:sp>
-        <p:nvSpPr>
-          <p:cNvPr id="12" name="TextBox 11">
-            <a:extLst>
-              <a:ext uri="{FF2B5EF4-FFF2-40B4-BE49-F238E27FC236}">
-                <a16:creationId xmlns:a16="http://schemas.microsoft.com/office/drawing/2014/main" id="{71C9AD45-790D-D648-AB62-EFD3DDE851F1}"/>
-              </a:ext>
-            </a:extLst>
-          </p:cNvPr>
-          <p:cNvSpPr txBox="1"/>
-          <p:nvPr/>
-        </p:nvSpPr>
-        <p:spPr>
-          <a:xfrm>
-            <a:off x="8610600" y="4523229"/>
-            <a:ext cx="3716976" cy="371500"/>
-          </a:xfrm>
-          <a:prstGeom prst="rect">
-            <a:avLst/>
-          </a:prstGeom>
-          <a:noFill/>
-        </p:spPr>
-        <p:txBody>
-          <a:bodyPr wrap="square" rtlCol="0">
-            <a:spAutoFit/>
-          </a:bodyPr>
-          <a:lstStyle/>
-          <a:p>
-            <a:r>
-              <a:rPr lang="en-US" altLang="zh-CN" dirty="0"/>
-              <a:t>figure</a:t>
-            </a:r>
-            <a:r>
-              <a:rPr lang="zh-CN" altLang="en-US" dirty="0"/>
-              <a:t> </a:t>
-            </a:r>
-            <a:r>
-              <a:rPr lang="en-US" altLang="zh-CN" dirty="0"/>
-              <a:t>C:</a:t>
-            </a:r>
-            <a:r>
-              <a:rPr lang="zh-CN" altLang="en-US" dirty="0"/>
-              <a:t> </a:t>
-            </a:r>
-            <a:r>
-              <a:rPr lang="en-US" altLang="zh-CN" dirty="0"/>
-              <a:t>best</a:t>
-            </a:r>
-            <a:r>
-              <a:rPr lang="zh-CN" altLang="en-US" dirty="0"/>
-              <a:t> </a:t>
-            </a:r>
-            <a:r>
-              <a:rPr lang="en-US" dirty="0"/>
-              <a:t>hyperparameter</a:t>
-            </a:r>
-          </a:p>
-        </p:txBody>
-      </p:sp>
     </p:spTree>
     <p:extLst>
       <p:ext uri="{BB962C8B-B14F-4D97-AF65-F5344CB8AC3E}">

--- a/final-presentation.pptx
+++ b/final-presentation.pptx
@@ -4459,7 +4459,7 @@
           <a:p>
             <a:r>
               <a:rPr lang="en-US" altLang="zh-CN" dirty="0"/>
-              <a:t>UNID</a:t>
+              <a:t>NUID</a:t>
             </a:r>
             <a:r>
               <a:rPr lang="zh-CN" altLang="en-US" dirty="0"/>
@@ -4610,7 +4610,27 @@
           <a:p>
             <a:r>
               <a:rPr lang="en-US" dirty="0"/>
-              <a:t>Test in Kaggle</a:t>
+              <a:t>Test</a:t>
+            </a:r>
+            <a:r>
+              <a:rPr lang="zh-CN" altLang="en-US" dirty="0"/>
+              <a:t> </a:t>
+            </a:r>
+            <a:r>
+              <a:rPr lang="en-US" altLang="zh-CN" dirty="0"/>
+              <a:t>results</a:t>
+            </a:r>
+            <a:r>
+              <a:rPr lang="en-US" dirty="0"/>
+              <a:t> </a:t>
+            </a:r>
+            <a:r>
+              <a:rPr lang="en-US" altLang="zh-CN" dirty="0"/>
+              <a:t>o</a:t>
+            </a:r>
+            <a:r>
+              <a:rPr lang="en-US" dirty="0"/>
+              <a:t>n Kaggle</a:t>
             </a:r>
           </a:p>
         </p:txBody>
@@ -4736,7 +4756,7 @@
           <p:nvPr>
             <p:extLst>
               <p:ext uri="{D42A27DB-BD31-4B8C-83A1-F6EECF244321}">
-                <p14:modId xmlns:p14="http://schemas.microsoft.com/office/powerpoint/2010/main" val="1730852647"/>
+                <p14:modId xmlns:p14="http://schemas.microsoft.com/office/powerpoint/2010/main" val="3215889926"/>
               </p:ext>
             </p:extLst>
           </p:nvPr>
@@ -4988,7 +5008,15 @@
                       </a:r>
                       <a:r>
                         <a:rPr lang="en-US" dirty="0"/>
-                        <a:t>(500 levels)</a:t>
+                        <a:t>(</a:t>
+                      </a:r>
+                      <a:r>
+                        <a:rPr lang="en-US" altLang="zh-CN" dirty="0"/>
+                        <a:t>2000</a:t>
+                      </a:r>
+                      <a:r>
+                        <a:rPr lang="en-US" dirty="0"/>
+                        <a:t> levels)</a:t>
                       </a:r>
                     </a:p>
                   </a:txBody>
@@ -5335,12 +5363,20 @@
               <a:t> </a:t>
             </a:r>
             <a:r>
-              <a:rPr lang="en-US" altLang="zh-CN" dirty="0"/>
+              <a:rPr lang="en-US" altLang="zh-CN"/>
               <a:t>the</a:t>
             </a:r>
             <a:r>
-              <a:rPr lang="en-US" dirty="0"/>
-              <a:t> predicting </a:t>
+              <a:rPr lang="en-US"/>
+              <a:t> predicti</a:t>
+            </a:r>
+            <a:r>
+              <a:rPr lang="en-US" altLang="zh-CN"/>
+              <a:t>on</a:t>
+            </a:r>
+            <a:r>
+              <a:rPr lang="en-US"/>
+              <a:t> </a:t>
             </a:r>
             <a:r>
               <a:rPr lang="en-US" altLang="zh-CN" dirty="0"/>
@@ -5466,7 +5502,7 @@
               <a:t> </a:t>
             </a:r>
             <a:r>
-              <a:rPr lang="en-US" altLang="zh-CN"/>
+              <a:rPr lang="en-US" altLang="zh-CN" dirty="0"/>
               <a:t>classifier as well.</a:t>
             </a:r>
             <a:endParaRPr lang="en-US" dirty="0"/>
@@ -7120,7 +7156,7 @@
             </a:pPr>
             <a:r>
               <a:rPr lang="en-US" altLang="zh-CN" sz="2000" dirty="0"/>
-              <a:t>Our training data are 14-dimensional,</a:t>
+              <a:t>Our training data are 14-dimentional,</a:t>
             </a:r>
             <a:r>
               <a:rPr lang="zh-CN" altLang="en-US" sz="2000" dirty="0"/>
@@ -7151,8 +7187,8 @@
               <a:t> </a:t>
             </a:r>
             <a:r>
-              <a:rPr lang="en-US" altLang="zh-CN" sz="2000" dirty="0"/>
-              <a:t>dimensions</a:t>
+              <a:rPr lang="en-US" altLang="zh-CN" sz="2000" dirty="0" err="1"/>
+              <a:t>dimentions</a:t>
             </a:r>
             <a:r>
               <a:rPr lang="zh-CN" altLang="en-US" sz="2000" dirty="0"/>
@@ -9249,7 +9285,7 @@
         <p:spPr>
           <a:xfrm>
             <a:off x="6681213" y="4544195"/>
-            <a:ext cx="1282530" cy="1477328"/>
+            <a:ext cx="1282530" cy="1754326"/>
           </a:xfrm>
           <a:prstGeom prst="rect">
             <a:avLst/>
@@ -9270,6 +9306,12 @@
           <a:p>
             <a:r>
               <a:rPr lang="en-US" dirty="0"/>
+              <a:t>new </a:t>
+            </a:r>
+          </a:p>
+          <a:p>
+            <a:r>
+              <a:rPr lang="en-US" dirty="0"/>
               <a:t>sequence </a:t>
             </a:r>
           </a:p>
@@ -9282,7 +9324,7 @@
           <a:p>
             <a:r>
               <a:rPr lang="en-US" dirty="0"/>
-              <a:t>new </a:t>
+              <a:t>selected</a:t>
             </a:r>
           </a:p>
           <a:p>
@@ -11229,7 +11271,7 @@
         <p:spPr>
           <a:xfrm>
             <a:off x="277533" y="5831890"/>
-            <a:ext cx="7589001" cy="369332"/>
+            <a:ext cx="7678769" cy="369332"/>
           </a:xfrm>
           <a:prstGeom prst="rect">
             <a:avLst/>
@@ -11252,7 +11294,7 @@
             </a:r>
             <a:r>
               <a:rPr lang="en-US" altLang="zh-CN" dirty="0"/>
-              <a:t> vs FS integrated with </a:t>
+              <a:t> vs </a:t>
             </a:r>
             <a:r>
               <a:rPr lang="en-US" altLang="zh-CN" dirty="0" err="1"/>
@@ -11260,7 +11302,15 @@
             </a:r>
             <a:r>
               <a:rPr lang="en-US" altLang="zh-CN" dirty="0"/>
-              <a:t> in different number of level.</a:t>
+              <a:t> integrated with</a:t>
+            </a:r>
+            <a:r>
+              <a:rPr lang="zh-CN" altLang="en-US" dirty="0"/>
+              <a:t> </a:t>
+            </a:r>
+            <a:r>
+              <a:rPr lang="en-US" altLang="zh-CN" dirty="0"/>
+              <a:t>FS in different number of levels.</a:t>
             </a:r>
             <a:endParaRPr lang="zh-CN" altLang="en-US" dirty="0"/>
           </a:p>
@@ -11477,11 +11527,27 @@
           <a:p>
             <a:r>
               <a:rPr lang="en-US" sz="1800" dirty="0"/>
-              <a:t>All the hype-parameters will be used to generate series of SVM</a:t>
+              <a:t>All the hype-parameters will be used to generate </a:t>
             </a:r>
             <a:r>
               <a:rPr lang="en-US" altLang="zh-CN" sz="1800" dirty="0"/>
-              <a:t>.</a:t>
+              <a:t>a</a:t>
+            </a:r>
+            <a:r>
+              <a:rPr lang="zh-CN" altLang="en-US" sz="1800" dirty="0"/>
+              <a:t> </a:t>
+            </a:r>
+            <a:r>
+              <a:rPr lang="en-US" sz="1800" dirty="0"/>
+              <a:t>series of SVM</a:t>
+            </a:r>
+            <a:r>
+              <a:rPr lang="zh-CN" altLang="en-US" sz="1800" dirty="0"/>
+              <a:t> </a:t>
+            </a:r>
+            <a:r>
+              <a:rPr lang="en-US" altLang="zh-CN" sz="1800" dirty="0"/>
+              <a:t>classifiers.</a:t>
             </a:r>
             <a:endParaRPr lang="en-US" sz="1800" dirty="0"/>
           </a:p>

--- a/final-presentation.pptx
+++ b/final-presentation.pptx
@@ -4668,7 +4668,7 @@
             </a:r>
             <a:r>
               <a:rPr lang="en-US" sz="2400" dirty="0"/>
-              <a:t> single decision tree, FS-single decision tree, and </a:t>
+              <a:t> single decision tree, FS-single decision tree and </a:t>
             </a:r>
             <a:r>
               <a:rPr lang="en-US" sz="2400" dirty="0" err="1"/>
@@ -5330,6 +5330,31 @@
               <a:rPr lang="en-US" dirty="0"/>
               <a:t>onclusions</a:t>
             </a:r>
+            <a:r>
+              <a:rPr lang="zh-CN" altLang="en-US" dirty="0"/>
+              <a:t> </a:t>
+            </a:r>
+            <a:r>
+              <a:rPr lang="en-US" altLang="zh-CN" dirty="0"/>
+              <a:t>&amp;</a:t>
+            </a:r>
+            <a:r>
+              <a:rPr lang="zh-CN" altLang="en-US" dirty="0"/>
+              <a:t> </a:t>
+            </a:r>
+            <a:r>
+              <a:rPr lang="en-US" altLang="zh-CN" dirty="0"/>
+              <a:t>code</a:t>
+            </a:r>
+            <a:r>
+              <a:rPr lang="zh-CN" altLang="en-US" dirty="0"/>
+              <a:t> </a:t>
+            </a:r>
+            <a:r>
+              <a:rPr lang="en-US" altLang="zh-CN" dirty="0"/>
+              <a:t>link</a:t>
+            </a:r>
+            <a:endParaRPr lang="en-US" dirty="0"/>
           </a:p>
         </p:txBody>
       </p:sp>
@@ -5349,7 +5374,12 @@
             <p:ph idx="1"/>
           </p:nvPr>
         </p:nvSpPr>
-        <p:spPr/>
+        <p:spPr>
+          <a:xfrm>
+            <a:off x="838200" y="1516344"/>
+            <a:ext cx="10515600" cy="2283760"/>
+          </a:xfrm>
+        </p:spPr>
         <p:txBody>
           <a:bodyPr/>
           <a:lstStyle/>
@@ -5363,19 +5393,19 @@
               <a:t> </a:t>
             </a:r>
             <a:r>
-              <a:rPr lang="en-US" altLang="zh-CN"/>
+              <a:rPr lang="en-US" altLang="zh-CN" dirty="0"/>
               <a:t>the</a:t>
             </a:r>
             <a:r>
-              <a:rPr lang="en-US"/>
+              <a:rPr lang="en-US" dirty="0"/>
               <a:t> predicti</a:t>
             </a:r>
             <a:r>
-              <a:rPr lang="en-US" altLang="zh-CN"/>
-              <a:t>on</a:t>
-            </a:r>
-            <a:r>
-              <a:rPr lang="en-US"/>
+              <a:rPr lang="en-US" altLang="zh-CN" dirty="0"/>
+              <a:t>ons</a:t>
+            </a:r>
+            <a:r>
+              <a:rPr lang="en-US" dirty="0"/>
               <a:t> </a:t>
             </a:r>
             <a:r>
@@ -5539,7 +5569,7 @@
             <a:fld id="{21583AF0-66E0-0B4F-A024-0928CE8FE395}" type="datetime1">
               <a:rPr lang="en-US" smtClean="0"/>
               <a:pPr/>
-              <a:t>12/3/19</a:t>
+              <a:t>12/4/19</a:t>
             </a:fld>
             <a:endParaRPr lang="en-US" dirty="0"/>
           </a:p>
@@ -5572,6 +5602,60 @@
               <a:t>11</a:t>
             </a:fld>
             <a:endParaRPr lang="en-US" dirty="0"/>
+          </a:p>
+        </p:txBody>
+      </p:sp>
+      <p:sp>
+        <p:nvSpPr>
+          <p:cNvPr id="6" name="TextBox 5">
+            <a:extLst>
+              <a:ext uri="{FF2B5EF4-FFF2-40B4-BE49-F238E27FC236}">
+                <a16:creationId xmlns:a16="http://schemas.microsoft.com/office/drawing/2014/main" id="{158F9FC3-69A1-EB4F-A619-4CD3DBA002F8}"/>
+              </a:ext>
+            </a:extLst>
+          </p:cNvPr>
+          <p:cNvSpPr txBox="1"/>
+          <p:nvPr/>
+        </p:nvSpPr>
+        <p:spPr>
+          <a:xfrm>
+            <a:off x="1045028" y="4286992"/>
+            <a:ext cx="9749642" cy="523220"/>
+          </a:xfrm>
+          <a:prstGeom prst="rect">
+            <a:avLst/>
+          </a:prstGeom>
+          <a:noFill/>
+        </p:spPr>
+        <p:txBody>
+          <a:bodyPr wrap="square" rtlCol="0">
+            <a:spAutoFit/>
+          </a:bodyPr>
+          <a:lstStyle/>
+          <a:p>
+            <a:r>
+              <a:rPr lang="en-US" altLang="zh-CN" sz="2800"/>
+              <a:t>Git-Hub</a:t>
+            </a:r>
+            <a:r>
+              <a:rPr lang="zh-CN" altLang="en-US" sz="2800" dirty="0"/>
+              <a:t> </a:t>
+            </a:r>
+            <a:r>
+              <a:rPr lang="en-US" altLang="zh-CN" sz="2800" dirty="0"/>
+              <a:t>link</a:t>
+            </a:r>
+            <a:r>
+              <a:rPr lang="zh-CN" altLang="en-US" sz="2800" dirty="0"/>
+              <a:t> </a:t>
+            </a:r>
+            <a:r>
+              <a:rPr lang="en-US" altLang="zh-CN" sz="2800" dirty="0">
+                <a:hlinkClick r:id="rId2"/>
+              </a:rPr>
+              <a:t>https://github.com/ZouYao0720/final-project-.git</a:t>
+            </a:r>
+            <a:endParaRPr lang="en-US" altLang="zh-CN" sz="2800" dirty="0"/>
           </a:p>
         </p:txBody>
       </p:sp>
@@ -6029,7 +6113,15 @@
           <a:p>
             <a:r>
               <a:rPr lang="en-US" sz="2000" dirty="0"/>
-              <a:t>Medical assistance  --- the important way for impaired person to communicate with the world</a:t>
+              <a:t>Medical assistance  --- </a:t>
+            </a:r>
+            <a:r>
+              <a:rPr lang="en-US" altLang="zh-CN" sz="2000" dirty="0"/>
+              <a:t>an</a:t>
+            </a:r>
+            <a:r>
+              <a:rPr lang="en-US" sz="2000" dirty="0"/>
+              <a:t> important way for impaired person to communicate with the world</a:t>
             </a:r>
           </a:p>
           <a:p>
@@ -6337,138 +6429,9 @@
           </a:p>
           <a:p>
             <a:r>
-              <a:rPr lang="en-US" altLang="zh-CN" sz="2000" dirty="0"/>
-              <a:t>Based</a:t>
-            </a:r>
-            <a:r>
-              <a:rPr lang="zh-CN" altLang="en-US" sz="2000" dirty="0"/>
-              <a:t> </a:t>
-            </a:r>
-            <a:r>
-              <a:rPr lang="en-US" altLang="zh-CN" sz="2000" dirty="0"/>
-              <a:t>on</a:t>
-            </a:r>
-            <a:r>
-              <a:rPr lang="zh-CN" altLang="en-US" sz="2000" dirty="0"/>
-              <a:t> </a:t>
-            </a:r>
-            <a:r>
-              <a:rPr lang="en-US" altLang="zh-CN" sz="2000" dirty="0"/>
-              <a:t>computer</a:t>
-            </a:r>
-            <a:r>
-              <a:rPr lang="zh-CN" altLang="en-US" sz="2000" dirty="0"/>
-              <a:t> </a:t>
-            </a:r>
-            <a:r>
-              <a:rPr lang="en-US" altLang="zh-CN" sz="2000" dirty="0"/>
-              <a:t>vision</a:t>
-            </a:r>
-            <a:r>
-              <a:rPr lang="zh-CN" altLang="en-US" sz="2000" dirty="0"/>
-              <a:t> </a:t>
-            </a:r>
-            <a:r>
-              <a:rPr lang="en-US" altLang="zh-CN" sz="2000" dirty="0"/>
-              <a:t>and</a:t>
-            </a:r>
-            <a:r>
-              <a:rPr lang="zh-CN" altLang="en-US" sz="2000" dirty="0"/>
-              <a:t> </a:t>
-            </a:r>
-            <a:r>
-              <a:rPr lang="en-US" altLang="zh-CN" sz="2000" dirty="0"/>
-              <a:t>image</a:t>
-            </a:r>
-            <a:r>
-              <a:rPr lang="zh-CN" altLang="en-US" sz="2000" dirty="0"/>
-              <a:t> </a:t>
-            </a:r>
-            <a:r>
-              <a:rPr lang="en-US" altLang="zh-CN" sz="2000" dirty="0"/>
-              <a:t>pattern</a:t>
-            </a:r>
-            <a:r>
-              <a:rPr lang="zh-CN" altLang="en-US" sz="2000" dirty="0"/>
-              <a:t> </a:t>
-            </a:r>
-            <a:r>
-              <a:rPr lang="en-US" altLang="zh-CN" sz="2000" dirty="0"/>
-              <a:t>recognition,</a:t>
-            </a:r>
-            <a:r>
-              <a:rPr lang="zh-CN" altLang="en-US" sz="2000" dirty="0"/>
-              <a:t> </a:t>
-            </a:r>
-            <a:r>
-              <a:rPr lang="en-US" altLang="zh-CN" sz="2000" dirty="0"/>
-              <a:t>but</a:t>
-            </a:r>
-            <a:r>
-              <a:rPr lang="zh-CN" altLang="en-US" sz="2000" dirty="0"/>
-              <a:t> </a:t>
-            </a:r>
-            <a:r>
-              <a:rPr lang="en-US" altLang="zh-CN" sz="2000" dirty="0"/>
-              <a:t>image</a:t>
-            </a:r>
-            <a:r>
-              <a:rPr lang="zh-CN" altLang="en-US" sz="2000" dirty="0"/>
-              <a:t> </a:t>
-            </a:r>
-            <a:r>
-              <a:rPr lang="en-US" altLang="zh-CN" sz="2000" dirty="0"/>
-              <a:t>is</a:t>
-            </a:r>
-            <a:r>
-              <a:rPr lang="zh-CN" altLang="en-US" sz="2000" dirty="0"/>
-              <a:t> </a:t>
-            </a:r>
-            <a:r>
-              <a:rPr lang="en-US" altLang="zh-CN" sz="2000" dirty="0"/>
-              <a:t>easily-effected</a:t>
-            </a:r>
-            <a:r>
-              <a:rPr lang="zh-CN" altLang="en-US" sz="2000" dirty="0"/>
-              <a:t> </a:t>
-            </a:r>
-            <a:r>
-              <a:rPr lang="en-US" altLang="zh-CN" sz="2000" dirty="0"/>
-              <a:t>by</a:t>
-            </a:r>
-            <a:r>
-              <a:rPr lang="zh-CN" altLang="en-US" sz="2000" dirty="0"/>
-              <a:t> </a:t>
-            </a:r>
-            <a:r>
-              <a:rPr lang="en-US" altLang="zh-CN" sz="2000" dirty="0"/>
-              <a:t>illumination,</a:t>
-            </a:r>
-            <a:r>
-              <a:rPr lang="zh-CN" altLang="en-US" sz="2000" dirty="0"/>
-              <a:t> </a:t>
-            </a:r>
-            <a:r>
-              <a:rPr lang="en-US" altLang="zh-CN" sz="2000" dirty="0"/>
-              <a:t>image</a:t>
-            </a:r>
-            <a:r>
-              <a:rPr lang="zh-CN" altLang="en-US" sz="2000" dirty="0"/>
-              <a:t> </a:t>
-            </a:r>
-            <a:r>
-              <a:rPr lang="en-US" altLang="zh-CN" sz="2000" dirty="0"/>
-              <a:t>scale and glasses,</a:t>
-            </a:r>
-            <a:r>
-              <a:rPr lang="zh-CN" altLang="en-US" sz="2000" dirty="0"/>
-              <a:t> </a:t>
-            </a:r>
-            <a:r>
-              <a:rPr lang="en-US" altLang="zh-CN" sz="2000" dirty="0"/>
-              <a:t>etc.</a:t>
-            </a:r>
-            <a:endParaRPr lang="en-US" sz="2000" dirty="0"/>
+              <a:rPr lang="en-US" sz="2100" dirty="0"/>
+              <a:t>Approaches based on computer vision and image pattern recognition. However, images are easily affected by illumination, image scale and glasses people wear, etc.</a:t>
+            </a:r>
           </a:p>
         </p:txBody>
       </p:sp>
@@ -6970,7 +6933,7 @@
         <p:spPr>
           <a:xfrm>
             <a:off x="645459" y="3776750"/>
-            <a:ext cx="6758626" cy="1231106"/>
+            <a:ext cx="6758626" cy="1631216"/>
           </a:xfrm>
           <a:prstGeom prst="rect">
             <a:avLst/>
@@ -6995,7 +6958,23 @@
           <a:p>
             <a:r>
               <a:rPr lang="en-US" dirty="0"/>
-              <a:t>Training data set consists of 10000 14-dimential observations with labels, 10-fold and leaving out first 10% cross validation methods will be implemented on it. Besides, testing data set with 4980 observations (unlabeled) is provided by Kaggle.</a:t>
+              <a:t>Training data set consists of 10000 14-dimen</a:t>
+            </a:r>
+            <a:r>
+              <a:rPr lang="en-US" altLang="zh-CN" dirty="0"/>
+              <a:t>tional</a:t>
+            </a:r>
+            <a:r>
+              <a:rPr lang="en-US" dirty="0"/>
+              <a:t> observations with labels</a:t>
+            </a:r>
+            <a:r>
+              <a:rPr lang="en-US" altLang="zh-CN" dirty="0"/>
+              <a:t>.</a:t>
+            </a:r>
+            <a:r>
+              <a:rPr lang="en-US" dirty="0"/>
+              <a:t> 10-fold and leaving out first 10% cross validation methods will be implemented on it. Besides, testing data set with 4980 observations (unlabeled) is provided by Kaggle.</a:t>
             </a:r>
           </a:p>
         </p:txBody>
@@ -7187,8 +7166,8 @@
               <a:t> </a:t>
             </a:r>
             <a:r>
-              <a:rPr lang="en-US" altLang="zh-CN" sz="2000" dirty="0" err="1"/>
-              <a:t>dimentions</a:t>
+              <a:rPr lang="en-US" altLang="zh-CN" sz="2000" dirty="0"/>
+              <a:t>dimensions</a:t>
             </a:r>
             <a:r>
               <a:rPr lang="zh-CN" altLang="en-US" sz="2000" dirty="0"/>
@@ -9603,155 +9582,119 @@
               <a:t> </a:t>
             </a:r>
             <a:r>
-              <a:rPr lang="en-US" altLang="zh-CN" sz="2000" dirty="0"/>
+              <a:rPr lang="en-US" altLang="zh-CN" sz="2100" dirty="0"/>
               <a:t>algorithm</a:t>
             </a:r>
             <a:r>
-              <a:rPr lang="zh-CN" altLang="en-US" sz="2000" dirty="0"/>
-              <a:t> </a:t>
-            </a:r>
-            <a:r>
-              <a:rPr lang="en-US" altLang="zh-CN" sz="2000" dirty="0"/>
+              <a:rPr lang="zh-CN" altLang="en-US" sz="2100" dirty="0"/>
+              <a:t> </a:t>
+            </a:r>
+            <a:r>
+              <a:rPr lang="en-US" altLang="zh-CN" sz="2100" dirty="0"/>
               <a:t>has generated</a:t>
             </a:r>
             <a:r>
-              <a:rPr lang="zh-CN" altLang="en-US" sz="2000" dirty="0"/>
-              <a:t> </a:t>
-            </a:r>
-            <a:r>
-              <a:rPr lang="en-US" altLang="zh-CN" sz="2000" dirty="0"/>
+              <a:rPr lang="zh-CN" altLang="en-US" sz="2100" dirty="0"/>
+              <a:t> </a:t>
+            </a:r>
+            <a:r>
+              <a:rPr lang="en-US" altLang="zh-CN" sz="2100" dirty="0"/>
               <a:t>new</a:t>
             </a:r>
             <a:r>
-              <a:rPr lang="zh-CN" altLang="en-US" sz="2000" dirty="0"/>
-              <a:t> </a:t>
-            </a:r>
-            <a:r>
-              <a:rPr lang="en-US" altLang="zh-CN" sz="2000" dirty="0"/>
+              <a:rPr lang="zh-CN" altLang="en-US" sz="2100" dirty="0"/>
+              <a:t> </a:t>
+            </a:r>
+            <a:r>
+              <a:rPr lang="en-US" altLang="zh-CN" sz="2100" dirty="0"/>
               <a:t>training</a:t>
             </a:r>
             <a:r>
-              <a:rPr lang="zh-CN" altLang="en-US" sz="2000" dirty="0"/>
-              <a:t> </a:t>
-            </a:r>
-            <a:r>
-              <a:rPr lang="en-US" altLang="zh-CN" sz="2000" dirty="0"/>
+              <a:rPr lang="zh-CN" altLang="en-US" sz="2100" dirty="0"/>
+              <a:t> </a:t>
+            </a:r>
+            <a:r>
+              <a:rPr lang="en-US" altLang="zh-CN" sz="2100" dirty="0"/>
               <a:t>data</a:t>
             </a:r>
             <a:r>
-              <a:rPr lang="zh-CN" altLang="en-US" sz="2000" dirty="0"/>
-              <a:t> </a:t>
-            </a:r>
-            <a:r>
-              <a:rPr lang="en-US" altLang="zh-CN" sz="2000" dirty="0"/>
+              <a:rPr lang="zh-CN" altLang="en-US" sz="2100" dirty="0"/>
+              <a:t> </a:t>
+            </a:r>
+            <a:r>
+              <a:rPr lang="en-US" altLang="zh-CN" sz="2100" dirty="0"/>
               <a:t>sets,</a:t>
             </a:r>
             <a:r>
-              <a:rPr lang="zh-CN" altLang="en-US" sz="2000" dirty="0"/>
-              <a:t> </a:t>
-            </a:r>
-            <a:r>
-              <a:rPr lang="en-US" altLang="zh-CN" sz="2000" dirty="0"/>
+              <a:rPr lang="zh-CN" altLang="en-US" sz="2100" dirty="0"/>
+              <a:t> </a:t>
+            </a:r>
+            <a:r>
+              <a:rPr lang="en-US" altLang="zh-CN" sz="2100" dirty="0"/>
               <a:t>each</a:t>
             </a:r>
             <a:r>
-              <a:rPr lang="zh-CN" altLang="en-US" sz="2000" dirty="0"/>
-              <a:t> </a:t>
-            </a:r>
-            <a:r>
-              <a:rPr lang="en-US" altLang="zh-CN" sz="2000" dirty="0"/>
+              <a:rPr lang="zh-CN" altLang="en-US" sz="2100" dirty="0"/>
+              <a:t> </a:t>
+            </a:r>
+            <a:r>
+              <a:rPr lang="en-US" altLang="zh-CN" sz="2100" dirty="0"/>
               <a:t>data</a:t>
             </a:r>
             <a:r>
-              <a:rPr lang="zh-CN" altLang="en-US" sz="2000" dirty="0"/>
-              <a:t> </a:t>
-            </a:r>
-            <a:r>
-              <a:rPr lang="en-US" altLang="zh-CN" sz="2000" dirty="0"/>
+              <a:rPr lang="zh-CN" altLang="en-US" sz="2100" dirty="0"/>
+              <a:t> </a:t>
+            </a:r>
+            <a:r>
+              <a:rPr lang="en-US" altLang="zh-CN" sz="2100" dirty="0"/>
               <a:t>set</a:t>
             </a:r>
             <a:r>
-              <a:rPr lang="zh-CN" altLang="en-US" sz="2000" dirty="0"/>
-              <a:t> </a:t>
-            </a:r>
-            <a:r>
-              <a:rPr lang="en-US" altLang="zh-CN" sz="2000" dirty="0"/>
+              <a:rPr lang="zh-CN" altLang="en-US" sz="2100" dirty="0"/>
+              <a:t> </a:t>
+            </a:r>
+            <a:r>
+              <a:rPr lang="en-US" altLang="zh-CN" sz="2100" dirty="0"/>
               <a:t>will</a:t>
             </a:r>
             <a:r>
-              <a:rPr lang="zh-CN" altLang="en-US" sz="2000" dirty="0"/>
-              <a:t> </a:t>
-            </a:r>
-            <a:r>
-              <a:rPr lang="en-US" altLang="zh-CN" sz="2000" dirty="0"/>
-              <a:t>be</a:t>
-            </a:r>
-            <a:r>
-              <a:rPr lang="zh-CN" altLang="en-US" sz="2000" dirty="0"/>
-              <a:t> </a:t>
-            </a:r>
-            <a:r>
-              <a:rPr lang="en-US" altLang="zh-CN" sz="2000" dirty="0"/>
-              <a:t>implemented</a:t>
-            </a:r>
-            <a:r>
-              <a:rPr lang="zh-CN" altLang="en-US" sz="2000" dirty="0"/>
-              <a:t> </a:t>
-            </a:r>
-            <a:r>
-              <a:rPr lang="en-US" altLang="zh-CN" sz="2000" dirty="0"/>
-              <a:t>with</a:t>
-            </a:r>
-            <a:r>
-              <a:rPr lang="zh-CN" altLang="en-US" sz="2000" dirty="0"/>
-              <a:t> </a:t>
-            </a:r>
-            <a:r>
-              <a:rPr lang="en-US" altLang="zh-CN" sz="2000" dirty="0"/>
-              <a:t>a</a:t>
-            </a:r>
-            <a:r>
-              <a:rPr lang="zh-CN" altLang="en-US" sz="2000" dirty="0"/>
-              <a:t> </a:t>
-            </a:r>
-            <a:r>
-              <a:rPr lang="en-US" altLang="zh-CN" sz="2000" dirty="0"/>
-              <a:t>single</a:t>
-            </a:r>
-            <a:r>
-              <a:rPr lang="zh-CN" altLang="en-US" sz="2000" dirty="0"/>
-              <a:t> </a:t>
-            </a:r>
-            <a:r>
-              <a:rPr lang="en-US" altLang="zh-CN" sz="2000" dirty="0"/>
-              <a:t>decision</a:t>
-            </a:r>
-            <a:r>
-              <a:rPr lang="zh-CN" altLang="en-US" sz="2000" dirty="0"/>
-              <a:t> </a:t>
-            </a:r>
-            <a:r>
-              <a:rPr lang="en-US" altLang="zh-CN" sz="2000" dirty="0"/>
-              <a:t>tree,</a:t>
-            </a:r>
-            <a:r>
-              <a:rPr lang="zh-CN" altLang="en-US" sz="2000" dirty="0"/>
-              <a:t> </a:t>
-            </a:r>
-            <a:r>
-              <a:rPr lang="en-US" altLang="zh-CN" sz="2000" dirty="0"/>
+              <a:rPr lang="zh-CN" altLang="en-US" sz="2100" dirty="0"/>
+              <a:t> </a:t>
+            </a:r>
+            <a:r>
+              <a:rPr lang="en-US" sz="2100" dirty="0"/>
+              <a:t>will be used to train a single decision tree</a:t>
+            </a:r>
+            <a:r>
+              <a:rPr lang="en-US" altLang="zh-CN" sz="2100" dirty="0"/>
+              <a:t>,</a:t>
+            </a:r>
+            <a:r>
+              <a:rPr lang="zh-CN" altLang="en-US" sz="2100" dirty="0"/>
+              <a:t> </a:t>
+            </a:r>
+            <a:r>
+              <a:rPr lang="en-US" altLang="zh-CN" sz="2100" dirty="0"/>
+              <a:t>and</a:t>
+            </a:r>
+            <a:r>
+              <a:rPr lang="zh-CN" altLang="en-US" sz="2100" dirty="0"/>
+              <a:t> </a:t>
+            </a:r>
+            <a:r>
+              <a:rPr lang="en-US" altLang="zh-CN" sz="2100" dirty="0"/>
               <a:t>by</a:t>
             </a:r>
             <a:r>
-              <a:rPr lang="zh-CN" altLang="en-US" sz="2000" dirty="0"/>
-              <a:t> </a:t>
-            </a:r>
-            <a:r>
-              <a:rPr lang="en-US" altLang="zh-CN" sz="2000" dirty="0"/>
+              <a:rPr lang="zh-CN" altLang="en-US" sz="2100" dirty="0"/>
+              <a:t> </a:t>
+            </a:r>
+            <a:r>
+              <a:rPr lang="en-US" altLang="zh-CN" sz="2100" dirty="0"/>
               <a:t>using</a:t>
             </a:r>
             <a:r>
-              <a:rPr lang="zh-CN" altLang="en-US" sz="2000" dirty="0"/>
+              <a:rPr lang="zh-CN" altLang="en-US" sz="2100" dirty="0"/>
               <a:t> </a:t>
             </a:r>
             <a:r>
@@ -9924,7 +9867,7 @@
         </p:blipFill>
         <p:spPr>
           <a:xfrm>
-            <a:off x="2943922" y="2181192"/>
+            <a:off x="3153101" y="2238823"/>
             <a:ext cx="5602972" cy="3809750"/>
           </a:xfrm>
           <a:prstGeom prst="rect">
@@ -10010,7 +9953,7 @@
             </a:r>
             <a:r>
               <a:rPr lang="en-US" altLang="zh-CN" sz="1400" dirty="0"/>
-              <a:t>feature</a:t>
+              <a:t>feature-selective</a:t>
             </a:r>
             <a:r>
               <a:rPr lang="zh-CN" altLang="en-US" sz="1400" dirty="0"/>
@@ -10018,7 +9961,7 @@
             </a:r>
             <a:r>
               <a:rPr lang="en-US" altLang="zh-CN" sz="1400" dirty="0"/>
-              <a:t>selective</a:t>
+              <a:t>algorithm</a:t>
             </a:r>
             <a:endParaRPr lang="en-US" sz="1400" dirty="0"/>
           </a:p>
@@ -10769,7 +10712,7 @@
         </p:spPr>
         <p:txBody>
           <a:bodyPr>
-            <a:normAutofit fontScale="85000" lnSpcReduction="10000"/>
+            <a:normAutofit fontScale="77500" lnSpcReduction="20000"/>
           </a:bodyPr>
           <a:lstStyle/>
           <a:p>
@@ -10787,7 +10730,19 @@
             </a:pPr>
             <a:r>
               <a:rPr lang="en-US" sz="2000" dirty="0"/>
-              <a:t>We did not specify when to stop splitting decision tree of every level. </a:t>
+              <a:t>We did not specify when to stop splitting decision tree of every </a:t>
+            </a:r>
+            <a:r>
+              <a:rPr lang="en-US" sz="2100" dirty="0"/>
+              <a:t>level. so the default configurations of MATLAB function '</a:t>
+            </a:r>
+            <a:r>
+              <a:rPr lang="en-US" sz="2100" dirty="0" err="1"/>
+              <a:t>fitctree</a:t>
+            </a:r>
+            <a:r>
+              <a:rPr lang="en-US" sz="2100" dirty="0"/>
+              <a:t>' is applied</a:t>
             </a:r>
           </a:p>
           <a:p>
@@ -10795,16 +10750,20 @@
               <a:buNone/>
             </a:pPr>
             <a:r>
+              <a:rPr lang="en-US" sz="2100" dirty="0"/>
+              <a:t>We want to optimize a hyperparameter, number of levels, of </a:t>
+            </a:r>
+            <a:r>
+              <a:rPr lang="en-US" sz="2100" dirty="0" err="1"/>
+              <a:t>Adaboost</a:t>
+            </a:r>
+            <a:r>
+              <a:rPr lang="en-US" sz="2100" dirty="0"/>
+              <a:t>. The </a:t>
+            </a:r>
+            <a:r>
               <a:rPr lang="en-US" sz="2000" dirty="0"/>
-              <a:t>We want to optimize a hyperparameter, number of levels, of </a:t>
-            </a:r>
-            <a:r>
-              <a:rPr lang="en-US" sz="2000" dirty="0" err="1"/>
-              <a:t>Adaboost</a:t>
-            </a:r>
-            <a:r>
-              <a:rPr lang="en-US" sz="2000" dirty="0"/>
-              <a:t>. The optimization process is shown as follows.</a:t>
+              <a:t>optimization process is shown as follows.</a:t>
             </a:r>
           </a:p>
         </p:txBody>
@@ -11190,7 +11149,15 @@
             </a:r>
             <a:r>
               <a:rPr lang="en-US" altLang="zh-CN" sz="2000" dirty="0"/>
-              <a:t>experiment.</a:t>
+              <a:t>experiment</a:t>
+            </a:r>
+            <a:r>
+              <a:rPr lang="zh-CN" altLang="en-US" sz="2000" dirty="0"/>
+              <a:t> </a:t>
+            </a:r>
+            <a:r>
+              <a:rPr lang="en-US" altLang="zh-CN" sz="2000" dirty="0"/>
+              <a:t>results.</a:t>
             </a:r>
             <a:endParaRPr lang="en-US" sz="2000" dirty="0"/>
           </a:p>
@@ -11331,7 +11298,7 @@
         <p:spPr>
           <a:xfrm>
             <a:off x="5803074" y="3110926"/>
-            <a:ext cx="6096000" cy="646331"/>
+            <a:ext cx="6096000" cy="923330"/>
           </a:xfrm>
           <a:prstGeom prst="rect">
             <a:avLst/>
@@ -11373,7 +11340,43 @@
             </a:r>
             <a:r>
               <a:rPr lang="en-US" dirty="0"/>
-              <a:t> ability, but when level gets bigger, FS will be useless.</a:t>
+              <a:t> ability, but when </a:t>
+            </a:r>
+            <a:r>
+              <a:rPr lang="en-US" altLang="zh-CN" dirty="0"/>
+              <a:t>the</a:t>
+            </a:r>
+            <a:r>
+              <a:rPr lang="zh-CN" altLang="en-US" dirty="0"/>
+              <a:t> </a:t>
+            </a:r>
+            <a:r>
+              <a:rPr lang="en-US" altLang="zh-CN" dirty="0"/>
+              <a:t>number</a:t>
+            </a:r>
+            <a:r>
+              <a:rPr lang="zh-CN" altLang="en-US" dirty="0"/>
+              <a:t> </a:t>
+            </a:r>
+            <a:r>
+              <a:rPr lang="en-US" altLang="zh-CN" dirty="0"/>
+              <a:t>of</a:t>
+            </a:r>
+            <a:r>
+              <a:rPr lang="zh-CN" altLang="en-US" dirty="0"/>
+              <a:t> </a:t>
+            </a:r>
+            <a:r>
+              <a:rPr lang="en-US" dirty="0"/>
+              <a:t>level</a:t>
+            </a:r>
+            <a:r>
+              <a:rPr lang="en-US" altLang="zh-CN" dirty="0"/>
+              <a:t>s</a:t>
+            </a:r>
+            <a:r>
+              <a:rPr lang="en-US" dirty="0"/>
+              <a:t> gets bigger, FS will be useless.</a:t>
             </a:r>
           </a:p>
         </p:txBody>
@@ -11509,7 +11512,27 @@
           <a:p>
             <a:r>
               <a:rPr lang="en-US" sz="1800" dirty="0"/>
-              <a:t>Using SVM classifier with hyperparameter optimization, the minimum error rate is</a:t>
+              <a:t>Using SVM classifier with hyperparameter optimization</a:t>
+            </a:r>
+            <a:r>
+              <a:rPr lang="zh-CN" altLang="en-US" sz="1800" dirty="0"/>
+              <a:t> </a:t>
+            </a:r>
+            <a:r>
+              <a:rPr lang="en-US" sz="1800" dirty="0"/>
+              <a:t>gives</a:t>
+            </a:r>
+            <a:r>
+              <a:rPr lang="zh-CN" altLang="en-US" sz="1800" dirty="0"/>
+              <a:t> </a:t>
+            </a:r>
+            <a:r>
+              <a:rPr lang="en-US" altLang="zh-CN" sz="1800" dirty="0"/>
+              <a:t>a</a:t>
+            </a:r>
+            <a:r>
+              <a:rPr lang="en-US" sz="1800" dirty="0"/>
+              <a:t> minimum error rate is</a:t>
             </a:r>
             <a:r>
               <a:rPr lang="zh-CN" altLang="en-US" sz="1800" dirty="0"/>
@@ -11577,7 +11600,7 @@
             <a:fld id="{21583AF0-66E0-0B4F-A024-0928CE8FE395}" type="datetime1">
               <a:rPr lang="en-US" smtClean="0"/>
               <a:pPr/>
-              <a:t>12/3/19</a:t>
+              <a:t>12/4/19</a:t>
             </a:fld>
             <a:endParaRPr lang="en-US" dirty="0"/>
           </a:p>
@@ -11755,8 +11778,8 @@
         </p:nvSpPr>
         <p:spPr>
           <a:xfrm>
-            <a:off x="8610600" y="4523229"/>
-            <a:ext cx="3716976" cy="371500"/>
+            <a:off x="8465834" y="4396090"/>
+            <a:ext cx="4109851" cy="646331"/>
           </a:xfrm>
           <a:prstGeom prst="rect">
             <a:avLst/>
@@ -11786,17 +11809,12 @@
               <a:t> </a:t>
             </a:r>
             <a:r>
-              <a:rPr lang="en-US" altLang="zh-CN" dirty="0"/>
-              <a:t>best</a:t>
-            </a:r>
-            <a:r>
-              <a:rPr lang="zh-CN" altLang="en-US" dirty="0"/>
-              <a:t> </a:t>
-            </a:r>
-            <a:r>
               <a:rPr lang="en-US" dirty="0"/>
-              <a:t>hyperparameter</a:t>
-            </a:r>
+              <a:t>the best hyperparameter pair</a:t>
+            </a:r>
+          </a:p>
+          <a:p>
+            <a:endParaRPr lang="en-US" dirty="0"/>
           </a:p>
         </p:txBody>
       </p:sp>

--- a/final-presentation.pptx
+++ b/final-presentation.pptx
@@ -208,7 +208,7 @@
           <a:p>
             <a:fld id="{48A94DAE-8268-FC40-87EB-4B1732E48257}" type="datetimeFigureOut">
               <a:rPr lang="en-US" smtClean="0"/>
-              <a:t>12/3/19</a:t>
+              <a:t>12/4/19</a:t>
             </a:fld>
             <a:endParaRPr lang="en-US"/>
           </a:p>
@@ -662,7 +662,7 @@
             <a:fld id="{728C9B3A-4DFF-F94B-AE12-4EDBAAEE6A2E}" type="datetime1">
               <a:rPr lang="en-US" smtClean="0"/>
               <a:pPr/>
-              <a:t>12/3/19</a:t>
+              <a:t>12/4/19</a:t>
             </a:fld>
             <a:endParaRPr lang="en-US" dirty="0"/>
           </a:p>
@@ -1126,7 +1126,7 @@
           <a:p>
             <a:fld id="{D3F29E41-F4E1-8A4D-B1E2-7B0479E0FD1A}" type="datetime1">
               <a:rPr lang="en-US" smtClean="0"/>
-              <a:t>12/3/19</a:t>
+              <a:t>12/4/19</a:t>
             </a:fld>
             <a:endParaRPr lang="en-US"/>
           </a:p>
@@ -1334,7 +1334,7 @@
           <a:p>
             <a:fld id="{9FB09BC9-FE7D-5141-BA55-F07FD059C9B1}" type="datetime1">
               <a:rPr lang="en-US" smtClean="0"/>
-              <a:t>12/3/19</a:t>
+              <a:t>12/4/19</a:t>
             </a:fld>
             <a:endParaRPr lang="en-US"/>
           </a:p>
@@ -1581,7 +1581,7 @@
             <a:fld id="{21583AF0-66E0-0B4F-A024-0928CE8FE395}" type="datetime1">
               <a:rPr lang="en-US" smtClean="0"/>
               <a:pPr/>
-              <a:t>12/3/19</a:t>
+              <a:t>12/4/19</a:t>
             </a:fld>
             <a:endParaRPr lang="en-US" dirty="0"/>
           </a:p>
@@ -2122,7 +2122,7 @@
           <a:p>
             <a:fld id="{6DBE10F1-80E9-2E48-98F9-0084F83B1112}" type="datetime1">
               <a:rPr lang="en-US" smtClean="0"/>
-              <a:t>12/3/19</a:t>
+              <a:t>12/4/19</a:t>
             </a:fld>
             <a:endParaRPr lang="en-US"/>
           </a:p>
@@ -2387,7 +2387,7 @@
           <a:p>
             <a:fld id="{0FE43C42-44C2-AD49-B78D-7CFAC91B35DC}" type="datetime1">
               <a:rPr lang="en-US" smtClean="0"/>
-              <a:t>12/3/19</a:t>
+              <a:t>12/4/19</a:t>
             </a:fld>
             <a:endParaRPr lang="en-US"/>
           </a:p>
@@ -2799,7 +2799,7 @@
           <a:p>
             <a:fld id="{468727C3-140A-2441-94C5-38D2D6798998}" type="datetime1">
               <a:rPr lang="en-US" smtClean="0"/>
-              <a:t>12/3/19</a:t>
+              <a:t>12/4/19</a:t>
             </a:fld>
             <a:endParaRPr lang="en-US"/>
           </a:p>
@@ -2940,7 +2940,7 @@
           <a:p>
             <a:fld id="{15756653-26CF-9048-9EF6-33C6A313CC0B}" type="datetime1">
               <a:rPr lang="en-US" smtClean="0"/>
-              <a:t>12/3/19</a:t>
+              <a:t>12/4/19</a:t>
             </a:fld>
             <a:endParaRPr lang="en-US"/>
           </a:p>
@@ -3053,7 +3053,7 @@
           <a:p>
             <a:fld id="{E1EEE207-13D8-6548-B903-19BC424B4A8B}" type="datetime1">
               <a:rPr lang="en-US" smtClean="0"/>
-              <a:t>12/3/19</a:t>
+              <a:t>12/4/19</a:t>
             </a:fld>
             <a:endParaRPr lang="en-US"/>
           </a:p>
@@ -3364,7 +3364,7 @@
           <a:p>
             <a:fld id="{637BEBEB-FCE5-4047-88CF-B9737E2C4156}" type="datetime1">
               <a:rPr lang="en-US" smtClean="0"/>
-              <a:t>12/3/19</a:t>
+              <a:t>12/4/19</a:t>
             </a:fld>
             <a:endParaRPr lang="en-US"/>
           </a:p>
@@ -3652,7 +3652,7 @@
           <a:p>
             <a:fld id="{1ECEA107-B33A-204E-81FA-3AFF16449D28}" type="datetime1">
               <a:rPr lang="en-US" smtClean="0"/>
-              <a:t>12/3/19</a:t>
+              <a:t>12/4/19</a:t>
             </a:fld>
             <a:endParaRPr lang="en-US"/>
           </a:p>
@@ -3893,7 +3893,7 @@
           <a:p>
             <a:fld id="{B8FE286B-4BCB-D84C-ABD3-AB92D1DB2B74}" type="datetime1">
               <a:rPr lang="en-US" smtClean="0"/>
-              <a:t>12/3/19</a:t>
+              <a:t>12/4/19</a:t>
             </a:fld>
             <a:endParaRPr lang="en-US"/>
           </a:p>
@@ -4522,7 +4522,7 @@
           <a:p>
             <a:fld id="{DF66B9E0-68E2-4B45-8F8C-D2DBEB7B86DB}" type="datetime1">
               <a:rPr lang="en-US" smtClean="0"/>
-              <a:t>12/3/19</a:t>
+              <a:t>12/4/19</a:t>
             </a:fld>
             <a:endParaRPr lang="en-US"/>
           </a:p>
@@ -4705,7 +4705,7 @@
             <a:fld id="{21583AF0-66E0-0B4F-A024-0928CE8FE395}" type="datetime1">
               <a:rPr lang="en-US" smtClean="0"/>
               <a:pPr/>
-              <a:t>12/3/19</a:t>
+              <a:t>12/4/19</a:t>
             </a:fld>
             <a:endParaRPr lang="en-US" dirty="0"/>
           </a:p>
@@ -5919,7 +5919,7 @@
             <a:fld id="{21583AF0-66E0-0B4F-A024-0928CE8FE395}" type="datetime1">
               <a:rPr lang="en-US" smtClean="0"/>
               <a:pPr/>
-              <a:t>12/3/19</a:t>
+              <a:t>12/4/19</a:t>
             </a:fld>
             <a:endParaRPr lang="en-US" dirty="0"/>
           </a:p>
@@ -6157,7 +6157,7 @@
           <a:p>
             <a:fld id="{7A0DBF98-EB0C-384D-94F6-4BC87EAC30DC}" type="datetime1">
               <a:rPr lang="en-US" smtClean="0"/>
-              <a:t>12/3/19</a:t>
+              <a:t>12/4/19</a:t>
             </a:fld>
             <a:endParaRPr lang="en-US" dirty="0"/>
           </a:p>
@@ -6764,7 +6764,7 @@
             <a:fld id="{21583AF0-66E0-0B4F-A024-0928CE8FE395}" type="datetime1">
               <a:rPr lang="en-US" smtClean="0"/>
               <a:pPr/>
-              <a:t>12/3/19</a:t>
+              <a:t>12/4/19</a:t>
             </a:fld>
             <a:endParaRPr lang="en-US" dirty="0"/>
           </a:p>
@@ -6909,7 +6909,7 @@
                 <a:latin typeface="Microsoft YaHei" panose="020B0503020204020204" pitchFamily="34" charset="-122"/>
                 <a:ea typeface="Microsoft YaHei" panose="020B0503020204020204" pitchFamily="34" charset="-122"/>
               </a:rPr>
-              <a:t>The objective of our project is to train an optimal model for eye blinking prediction based on 14-dimensional EEG signals. There are only 2 states of eye blinking which are open and closed, so basically we should construct a binary classifier to predict eye blinking.</a:t>
+              <a:t>The objective of our project is to train an optimal model for eye blinking prediction based on 14-dimentional EEG signals. There are only 2 states of eye blinking which are open and closed, so basically we should construct a binary classifier to predict eye blinking.</a:t>
             </a:r>
             <a:endParaRPr lang="zh-CN" altLang="en-US" sz="2000" dirty="0">
               <a:latin typeface="Microsoft YaHei" panose="020B0503020204020204" pitchFamily="34" charset="-122"/>
@@ -7362,7 +7362,7 @@
             <a:fld id="{21583AF0-66E0-0B4F-A024-0928CE8FE395}" type="datetime1">
               <a:rPr lang="en-US" smtClean="0"/>
               <a:pPr/>
-              <a:t>12/3/19</a:t>
+              <a:t>12/4/19</a:t>
             </a:fld>
             <a:endParaRPr lang="en-US" dirty="0"/>
           </a:p>
@@ -9309,7 +9309,7 @@
           <a:p>
             <a:r>
               <a:rPr lang="en-US" dirty="0"/>
-              <a:t>feature</a:t>
+              <a:t>features</a:t>
             </a:r>
           </a:p>
         </p:txBody>
@@ -9412,15 +9412,7 @@
             </a:r>
             <a:r>
               <a:rPr lang="en-US" altLang="zh-CN" sz="1400" dirty="0"/>
-              <a:t>feature</a:t>
-            </a:r>
-            <a:r>
-              <a:rPr lang="zh-CN" altLang="en-US" sz="1400" dirty="0"/>
-              <a:t> </a:t>
-            </a:r>
-            <a:r>
-              <a:rPr lang="en-US" altLang="zh-CN" sz="1400" dirty="0"/>
-              <a:t>selective</a:t>
+              <a:t>feature-selective algorithm</a:t>
             </a:r>
             <a:r>
               <a:rPr lang="zh-CN" altLang="en-US" sz="1400" dirty="0"/>
@@ -9654,14 +9646,6 @@
               <a:t> </a:t>
             </a:r>
             <a:r>
-              <a:rPr lang="en-US" altLang="zh-CN" sz="2100" dirty="0"/>
-              <a:t>will</a:t>
-            </a:r>
-            <a:r>
-              <a:rPr lang="zh-CN" altLang="en-US" sz="2100" dirty="0"/>
-              <a:t> </a:t>
-            </a:r>
-            <a:r>
               <a:rPr lang="en-US" sz="2100" dirty="0"/>
               <a:t>will be used to train a single decision tree</a:t>
             </a:r>
@@ -9809,7 +9793,7 @@
             <a:fld id="{21583AF0-66E0-0B4F-A024-0928CE8FE395}" type="datetime1">
               <a:rPr lang="en-US" smtClean="0"/>
               <a:pPr/>
-              <a:t>12/3/19</a:t>
+              <a:t>12/4/19</a:t>
             </a:fld>
             <a:endParaRPr lang="en-US" dirty="0"/>
           </a:p>
@@ -10187,7 +10171,7 @@
           <a:p>
             <a:r>
               <a:rPr lang="en-US" sz="2000" dirty="0"/>
-              <a:t>For decision trees with same number of nodes, single decision tree will perform </a:t>
+              <a:t>For decision trees with the same number of nodes, single decision tree will perform </a:t>
             </a:r>
             <a:r>
               <a:rPr lang="en-US" sz="2000" dirty="0">
@@ -10459,7 +10443,7 @@
             <a:fld id="{21583AF0-66E0-0B4F-A024-0928CE8FE395}" type="datetime1">
               <a:rPr lang="en-US" smtClean="0"/>
               <a:pPr/>
-              <a:t>12/3/19</a:t>
+              <a:t>12/4/19</a:t>
             </a:fld>
             <a:endParaRPr lang="en-US" dirty="0"/>
           </a:p>
@@ -10652,7 +10636,7 @@
             <a:fld id="{21583AF0-66E0-0B4F-A024-0928CE8FE395}" type="datetime1">
               <a:rPr lang="en-US" smtClean="0"/>
               <a:pPr/>
-              <a:t>12/3/19</a:t>
+              <a:t>12/4/19</a:t>
             </a:fld>
             <a:endParaRPr lang="en-US" dirty="0"/>
           </a:p>
@@ -10742,7 +10726,7 @@
             </a:r>
             <a:r>
               <a:rPr lang="en-US" sz="2100" dirty="0"/>
-              <a:t>' is applied</a:t>
+              <a:t>’ are applied.</a:t>
             </a:r>
           </a:p>
           <a:p>
@@ -11187,7 +11171,7 @@
             <a:fld id="{21583AF0-66E0-0B4F-A024-0928CE8FE395}" type="datetime1">
               <a:rPr lang="en-US" smtClean="0"/>
               <a:pPr/>
-              <a:t>12/3/19</a:t>
+              <a:t>12/4/19</a:t>
             </a:fld>
             <a:endParaRPr lang="en-US" dirty="0"/>
           </a:p>
@@ -11238,7 +11222,7 @@
         <p:spPr>
           <a:xfrm>
             <a:off x="277533" y="5831890"/>
-            <a:ext cx="7678769" cy="369332"/>
+            <a:ext cx="5452401" cy="646331"/>
           </a:xfrm>
           <a:prstGeom prst="rect">
             <a:avLst/>
@@ -11246,7 +11230,7 @@
           <a:noFill/>
         </p:spPr>
         <p:txBody>
-          <a:bodyPr wrap="none" rtlCol="0">
+          <a:bodyPr wrap="square" rtlCol="0">
             <a:spAutoFit/>
           </a:bodyPr>
           <a:lstStyle/>
@@ -11277,7 +11261,7 @@
             </a:r>
             <a:r>
               <a:rPr lang="en-US" altLang="zh-CN" dirty="0"/>
-              <a:t>FS in different number of levels.</a:t>
+              <a:t>FS when the number of levels increases from 1 to 300</a:t>
             </a:r>
             <a:endParaRPr lang="zh-CN" altLang="en-US" dirty="0"/>
           </a:p>
@@ -11532,10 +11516,14 @@
             </a:r>
             <a:r>
               <a:rPr lang="en-US" sz="1800" dirty="0"/>
-              <a:t> minimum error rate is</a:t>
-            </a:r>
-            <a:r>
-              <a:rPr lang="zh-CN" altLang="en-US" sz="1800" dirty="0"/>
+              <a:t> minimum error </a:t>
+            </a:r>
+            <a:r>
+              <a:rPr lang="en-US" sz="1800"/>
+              <a:t>rate of</a:t>
+            </a:r>
+            <a:r>
+              <a:rPr lang="zh-CN" altLang="en-US" sz="1800"/>
               <a:t> </a:t>
             </a:r>
             <a:r>

--- a/final-presentation.pptx
+++ b/final-presentation.pptx
@@ -6909,7 +6909,7 @@
                 <a:latin typeface="Microsoft YaHei" panose="020B0503020204020204" pitchFamily="34" charset="-122"/>
                 <a:ea typeface="Microsoft YaHei" panose="020B0503020204020204" pitchFamily="34" charset="-122"/>
               </a:rPr>
-              <a:t>The objective of our project is to train an optimal model for eye blinking prediction based on 14-dimentional EEG signals. There are only 2 states of eye blinking which are open and closed, so basically we should construct a binary classifier to predict eye blinking.</a:t>
+              <a:t>The objective of our project is to train an optimal model for eye blinking prediction based on 14-dimensional EEG signals. There are only 2 states of eye blinking which are open and closed, so basically we should construct a binary classifier to predict eye blinking.</a:t>
             </a:r>
             <a:endParaRPr lang="zh-CN" altLang="en-US" sz="2000" dirty="0">
               <a:latin typeface="Microsoft YaHei" panose="020B0503020204020204" pitchFamily="34" charset="-122"/>

--- a/final-presentation.pptx
+++ b/final-presentation.pptx
@@ -6121,7 +6121,15 @@
             </a:r>
             <a:r>
               <a:rPr lang="en-US" sz="2000" dirty="0"/>
-              <a:t> important way for impaired person to communicate with the world</a:t>
+              <a:t> important way for impaired </a:t>
+            </a:r>
+            <a:r>
+              <a:rPr lang="en-US" altLang="zh-CN" sz="2000" dirty="0"/>
+              <a:t>people</a:t>
+            </a:r>
+            <a:r>
+              <a:rPr lang="en-US" sz="2000" dirty="0"/>
+              <a:t> to communicate with the world</a:t>
             </a:r>
           </a:p>
           <a:p>
@@ -6402,7 +6410,7 @@
             </a:r>
             <a:r>
               <a:rPr lang="en-US" altLang="zh-CN" sz="2400" b="1" dirty="0"/>
-              <a:t>method</a:t>
+              <a:t>methods</a:t>
             </a:r>
           </a:p>
           <a:p>
@@ -6962,7 +6970,7 @@
             </a:r>
             <a:r>
               <a:rPr lang="en-US" altLang="zh-CN" dirty="0"/>
-              <a:t>tional</a:t>
+              <a:t>sional</a:t>
             </a:r>
             <a:r>
               <a:rPr lang="en-US" dirty="0"/>
@@ -7135,7 +7143,7 @@
             </a:pPr>
             <a:r>
               <a:rPr lang="en-US" altLang="zh-CN" sz="2000" dirty="0"/>
-              <a:t>Our training data are 14-dimentional,</a:t>
+              <a:t>Our training data are 14-dimensional,</a:t>
             </a:r>
             <a:r>
               <a:rPr lang="zh-CN" altLang="en-US" sz="2000" dirty="0"/>
@@ -8126,7 +8134,7 @@
           <a:p>
             <a:r>
               <a:rPr lang="en-US" dirty="0"/>
-              <a:t>14-dimentional original measurement</a:t>
+              <a:t>14-dimensional original measurement</a:t>
             </a:r>
           </a:p>
         </p:txBody>

--- a/final-presentation.pptx
+++ b/final-presentation.pptx
@@ -5887,7 +5887,29 @@
               <a:rPr lang="en-US" sz="1600" dirty="0"/>
               <a:t>Jain, Neha, et al. "Eye state prediction using EEG by supervised learning." International Journal of Science, Engineering and Technology 10 (2015).</a:t>
             </a:r>
-            <a:endParaRPr lang="en-US" sz="2000" dirty="0"/>
+          </a:p>
+          <a:p>
+            <a:pPr lvl="0"/>
+            <a:r>
+              <a:rPr lang="en-US" sz="1600" dirty="0"/>
+              <a:t>Zhou, </a:t>
+            </a:r>
+            <a:r>
+              <a:rPr lang="en-US" sz="1600" dirty="0" err="1"/>
+              <a:t>Zhi</a:t>
+            </a:r>
+            <a:r>
+              <a:rPr lang="en-US" sz="1600" dirty="0"/>
+              <a:t>-Hua, and Ji Feng. "Deep Forest." </a:t>
+            </a:r>
+            <a:r>
+              <a:rPr lang="en-US" sz="1600" dirty="0" err="1"/>
+              <a:t>arXiv</a:t>
+            </a:r>
+            <a:r>
+              <a:rPr lang="en-US" sz="1600" dirty="0"/>
+              <a:t> preprint arXiv:1702.08835 (2017).</a:t>
+            </a:r>
           </a:p>
           <a:p>
             <a:pPr lvl="1"/>
@@ -9430,6 +9452,61 @@
           </a:p>
         </p:txBody>
       </p:sp>
+      <p:sp>
+        <p:nvSpPr>
+          <p:cNvPr id="22" name="TextBox 21">
+            <a:extLst>
+              <a:ext uri="{FF2B5EF4-FFF2-40B4-BE49-F238E27FC236}">
+                <a16:creationId xmlns:a16="http://schemas.microsoft.com/office/drawing/2014/main" id="{82B1736D-41A9-9648-8470-1E62D72EADE5}"/>
+              </a:ext>
+            </a:extLst>
+          </p:cNvPr>
+          <p:cNvSpPr txBox="1"/>
+          <p:nvPr/>
+        </p:nvSpPr>
+        <p:spPr>
+          <a:xfrm>
+            <a:off x="7654985" y="5924602"/>
+            <a:ext cx="5082638" cy="253916"/>
+          </a:xfrm>
+          <a:prstGeom prst="rect">
+            <a:avLst/>
+          </a:prstGeom>
+          <a:noFill/>
+        </p:spPr>
+        <p:txBody>
+          <a:bodyPr wrap="square" rtlCol="0">
+            <a:spAutoFit/>
+          </a:bodyPr>
+          <a:lstStyle/>
+          <a:p>
+            <a:r>
+              <a:rPr lang="en-US" sz="1050" dirty="0"/>
+              <a:t>Zhou, </a:t>
+            </a:r>
+            <a:r>
+              <a:rPr lang="en-US" sz="1050" dirty="0" err="1"/>
+              <a:t>Zhi</a:t>
+            </a:r>
+            <a:r>
+              <a:rPr lang="en-US" sz="1050" dirty="0"/>
+              <a:t>-Hua, and Ji Feng. "Deep Forest." </a:t>
+            </a:r>
+            <a:r>
+              <a:rPr lang="en-US" sz="1050" i="1" dirty="0" err="1"/>
+              <a:t>arXiv</a:t>
+            </a:r>
+            <a:r>
+              <a:rPr lang="en-US" sz="1050" i="1" dirty="0"/>
+              <a:t> preprint arXiv:1702.08835</a:t>
+            </a:r>
+            <a:r>
+              <a:rPr lang="en-US" sz="1050" dirty="0"/>
+              <a:t> (2017).</a:t>
+            </a:r>
+          </a:p>
+        </p:txBody>
+      </p:sp>
     </p:spTree>
     <p:extLst>
       <p:ext uri="{BB962C8B-B14F-4D97-AF65-F5344CB8AC3E}">
